--- a/Capstone_Presentation.pptx
+++ b/Capstone_Presentation.pptx
@@ -4307,25 +4307,31 @@
           <a:lstStyle/>
           <a:p>
             <a:r>
-              <a:rPr lang="en-US" sz="4400">
+              <a:rPr lang="en-US" sz="4400" dirty="0">
                 <a:solidFill>
                   <a:srgbClr val="FFFFFF"/>
                 </a:solidFill>
+                <a:latin typeface="Times New Roman" panose="02020603050405020304" pitchFamily="18" charset="0"/>
+                <a:cs typeface="Times New Roman" panose="02020603050405020304" pitchFamily="18" charset="0"/>
               </a:rPr>
               <a:t>Tendency Towards Bias</a:t>
             </a:r>
             <a:br>
-              <a:rPr lang="en-US" sz="4400">
+              <a:rPr lang="en-US" sz="4400" dirty="0">
                 <a:solidFill>
                   <a:srgbClr val="FFFFFF"/>
                 </a:solidFill>
+                <a:latin typeface="Times New Roman" panose="02020603050405020304" pitchFamily="18" charset="0"/>
+                <a:cs typeface="Times New Roman" panose="02020603050405020304" pitchFamily="18" charset="0"/>
               </a:rPr>
             </a:br>
             <a:r>
-              <a:rPr lang="en-US" sz="4400">
+              <a:rPr lang="en-US" sz="4400" dirty="0">
                 <a:solidFill>
                   <a:srgbClr val="FFFFFF"/>
                 </a:solidFill>
+                <a:latin typeface="Times New Roman" panose="02020603050405020304" pitchFamily="18" charset="0"/>
+                <a:cs typeface="Times New Roman" panose="02020603050405020304" pitchFamily="18" charset="0"/>
               </a:rPr>
               <a:t>Application</a:t>
             </a:r>
@@ -4351,7 +4357,7 @@
         <p:spPr>
           <a:xfrm>
             <a:off x="1143001" y="4093232"/>
-            <a:ext cx="2858548" cy="1728728"/>
+            <a:ext cx="3525146" cy="1728728"/>
           </a:xfrm>
         </p:spPr>
         <p:txBody>
@@ -4365,6 +4371,8 @@
                 <a:solidFill>
                   <a:srgbClr val="FFFFFF"/>
                 </a:solidFill>
+                <a:latin typeface="Times New Roman" panose="02020603050405020304" pitchFamily="18" charset="0"/>
+                <a:cs typeface="Times New Roman" panose="02020603050405020304" pitchFamily="18" charset="0"/>
               </a:rPr>
               <a:t>Ben Moss</a:t>
             </a:r>
@@ -4375,6 +4383,8 @@
                 <a:solidFill>
                   <a:srgbClr val="FFFFFF"/>
                 </a:solidFill>
+                <a:latin typeface="Times New Roman" panose="02020603050405020304" pitchFamily="18" charset="0"/>
+                <a:cs typeface="Times New Roman" panose="02020603050405020304" pitchFamily="18" charset="0"/>
               </a:rPr>
               <a:t>March, 2024</a:t>
             </a:r>
@@ -4385,6 +4395,8 @@
                 <a:solidFill>
                   <a:srgbClr val="FFFFFF"/>
                 </a:solidFill>
+                <a:latin typeface="Times New Roman" panose="02020603050405020304" pitchFamily="18" charset="0"/>
+                <a:cs typeface="Times New Roman" panose="02020603050405020304" pitchFamily="18" charset="0"/>
               </a:rPr>
               <a:t>General Assembly: DSI 1211</a:t>
             </a:r>
@@ -4443,7 +4455,7 @@
           <a:lstStyle/>
           <a:p>
             <a:r>
-              <a:rPr lang="en-US"/>
+              <a:rPr lang="en-US" dirty="0"/>
               <a:t>Conclusion</a:t>
             </a:r>
           </a:p>
@@ -4526,7 +4538,10 @@
           <a:lstStyle/>
           <a:p>
             <a:r>
-              <a:rPr lang="en-US" dirty="0"/>
+              <a:rPr lang="en-US" dirty="0">
+                <a:latin typeface="Times New Roman" panose="02020603050405020304" pitchFamily="18" charset="0"/>
+                <a:cs typeface="Times New Roman" panose="02020603050405020304" pitchFamily="18" charset="0"/>
+              </a:rPr>
               <a:t>Introduction</a:t>
             </a:r>
           </a:p>
@@ -4553,7 +4568,59 @@
           <a:bodyPr/>
           <a:lstStyle/>
           <a:p>
-            <a:endParaRPr lang="en-US"/>
+            <a:pPr algn="l">
+              <a:buFont typeface="Arial" panose="020B0604020202020204" pitchFamily="34" charset="0"/>
+              <a:buChar char="•"/>
+            </a:pPr>
+            <a:r>
+              <a:rPr lang="en-US" b="0" i="0" u="none" strike="noStrike" dirty="0">
+                <a:solidFill>
+                  <a:srgbClr val="E6EDF3"/>
+                </a:solidFill>
+                <a:effectLst/>
+                <a:latin typeface="Times New Roman" panose="02020603050405020304" pitchFamily="18" charset="0"/>
+                <a:cs typeface="Times New Roman" panose="02020603050405020304" pitchFamily="18" charset="0"/>
+              </a:rPr>
+              <a:t>How can bias and sentiment be identified from abstracts and headlines of news articles?</a:t>
+            </a:r>
+          </a:p>
+          <a:p>
+            <a:r>
+              <a:rPr lang="en-US" b="1" i="0" u="none" strike="noStrike" dirty="0">
+                <a:solidFill>
+                  <a:srgbClr val="E6EDF3"/>
+                </a:solidFill>
+                <a:effectLst/>
+                <a:latin typeface="Times New Roman" panose="02020603050405020304" pitchFamily="18" charset="0"/>
+                <a:cs typeface="Times New Roman" panose="02020603050405020304" pitchFamily="18" charset="0"/>
+              </a:rPr>
+              <a:t>We present novel methods for determining bias within abstracts/headlines of online articles, label these articles based on relative bias levels, and harness these labels to train a neural network model capable of upscaling this labeling process.</a:t>
+            </a:r>
+            <a:endParaRPr lang="en-US" b="0" i="0" u="none" strike="noStrike" dirty="0">
+              <a:solidFill>
+                <a:srgbClr val="E6EDF3"/>
+              </a:solidFill>
+              <a:effectLst/>
+              <a:latin typeface="Times New Roman" panose="02020603050405020304" pitchFamily="18" charset="0"/>
+              <a:cs typeface="Times New Roman" panose="02020603050405020304" pitchFamily="18" charset="0"/>
+            </a:endParaRPr>
+          </a:p>
+          <a:p>
+            <a:pPr algn="l">
+              <a:buFont typeface="Arial" panose="020B0604020202020204" pitchFamily="34" charset="0"/>
+              <a:buChar char="•"/>
+            </a:pPr>
+            <a:r>
+              <a:rPr lang="en-US" b="0" i="0" u="none" strike="noStrike" dirty="0">
+                <a:solidFill>
+                  <a:srgbClr val="E6EDF3"/>
+                </a:solidFill>
+                <a:effectLst/>
+                <a:latin typeface="Times New Roman" panose="02020603050405020304" pitchFamily="18" charset="0"/>
+                <a:cs typeface="Times New Roman" panose="02020603050405020304" pitchFamily="18" charset="0"/>
+              </a:rPr>
+              <a:t>Interested parties in this research include political party affiliates, media outlets, psychologists and sociologists, and others intrigued by the phenomenon of media influence upon societal thought processes.</a:t>
+            </a:r>
           </a:p>
         </p:txBody>
       </p:sp>
@@ -4609,7 +4676,10 @@
           <a:lstStyle/>
           <a:p>
             <a:r>
-              <a:rPr lang="en-US" dirty="0"/>
+              <a:rPr lang="en-US" dirty="0">
+                <a:latin typeface="Times New Roman" panose="02020603050405020304" pitchFamily="18" charset="0"/>
+                <a:cs typeface="Times New Roman" panose="02020603050405020304" pitchFamily="18" charset="0"/>
+              </a:rPr>
               <a:t>Methods</a:t>
             </a:r>
           </a:p>
@@ -4633,10 +4703,151 @@
         </p:nvSpPr>
         <p:spPr/>
         <p:txBody>
-          <a:bodyPr/>
-          <a:lstStyle/>
-          <a:p>
-            <a:endParaRPr lang="en-US"/>
+          <a:bodyPr>
+            <a:normAutofit fontScale="92500" lnSpcReduction="20000"/>
+          </a:bodyPr>
+          <a:lstStyle/>
+          <a:p>
+            <a:r>
+              <a:rPr lang="en-US" dirty="0" err="1">
+                <a:latin typeface="Times New Roman" panose="02020603050405020304" pitchFamily="18" charset="0"/>
+                <a:cs typeface="Times New Roman" panose="02020603050405020304" pitchFamily="18" charset="0"/>
+              </a:rPr>
+              <a:t>Webscraping</a:t>
+            </a:r>
+            <a:r>
+              <a:rPr lang="en-US" dirty="0">
+                <a:latin typeface="Times New Roman" panose="02020603050405020304" pitchFamily="18" charset="0"/>
+                <a:cs typeface="Times New Roman" panose="02020603050405020304" pitchFamily="18" charset="0"/>
+              </a:rPr>
+              <a:t> with New York Times API </a:t>
+            </a:r>
+          </a:p>
+          <a:p>
+            <a:r>
+              <a:rPr lang="en-US" dirty="0">
+                <a:latin typeface="Times New Roman" panose="02020603050405020304" pitchFamily="18" charset="0"/>
+                <a:cs typeface="Times New Roman" panose="02020603050405020304" pitchFamily="18" charset="0"/>
+              </a:rPr>
+              <a:t>Natural Language Processing Binary Classification Models</a:t>
+            </a:r>
+          </a:p>
+          <a:p>
+            <a:r>
+              <a:rPr lang="en-US" dirty="0">
+                <a:latin typeface="Times New Roman" panose="02020603050405020304" pitchFamily="18" charset="0"/>
+                <a:cs typeface="Times New Roman" panose="02020603050405020304" pitchFamily="18" charset="0"/>
+              </a:rPr>
+              <a:t>Labeling Functions with Proprietary Snorkel Functions</a:t>
+            </a:r>
+          </a:p>
+          <a:p>
+            <a:r>
+              <a:rPr lang="en-US" dirty="0">
+                <a:latin typeface="Times New Roman" panose="02020603050405020304" pitchFamily="18" charset="0"/>
+                <a:cs typeface="Times New Roman" panose="02020603050405020304" pitchFamily="18" charset="0"/>
+              </a:rPr>
+              <a:t>Long Short Term Memory (LSTM) Neural Networks, Word2Vec, Continuous Bag Of Words, and Skip Grams algorithms.</a:t>
+            </a:r>
+          </a:p>
+          <a:p>
+            <a:r>
+              <a:rPr lang="en-US" dirty="0">
+                <a:latin typeface="Times New Roman" panose="02020603050405020304" pitchFamily="18" charset="0"/>
+                <a:cs typeface="Times New Roman" panose="02020603050405020304" pitchFamily="18" charset="0"/>
+              </a:rPr>
+              <a:t>Custom Sentiment Analyzer validated with </a:t>
+            </a:r>
+            <a:r>
+              <a:rPr lang="en-US" b="0" i="0" u="none" strike="noStrike" dirty="0">
+                <a:solidFill>
+                  <a:srgbClr val="E6EDF3"/>
+                </a:solidFill>
+                <a:effectLst/>
+                <a:latin typeface="Times New Roman" panose="02020603050405020304" pitchFamily="18" charset="0"/>
+                <a:cs typeface="Times New Roman" panose="02020603050405020304" pitchFamily="18" charset="0"/>
+              </a:rPr>
+              <a:t>VADER (Valence Aware Dictionary and </a:t>
+            </a:r>
+            <a:r>
+              <a:rPr lang="en-US" b="0" i="0" u="none" strike="noStrike" dirty="0" err="1">
+                <a:solidFill>
+                  <a:srgbClr val="E6EDF3"/>
+                </a:solidFill>
+                <a:effectLst/>
+                <a:latin typeface="Times New Roman" panose="02020603050405020304" pitchFamily="18" charset="0"/>
+                <a:cs typeface="Times New Roman" panose="02020603050405020304" pitchFamily="18" charset="0"/>
+              </a:rPr>
+              <a:t>sEntiment</a:t>
+            </a:r>
+            <a:r>
+              <a:rPr lang="en-US" b="0" i="0" u="none" strike="noStrike" dirty="0">
+                <a:solidFill>
+                  <a:srgbClr val="E6EDF3"/>
+                </a:solidFill>
+                <a:effectLst/>
+                <a:latin typeface="Times New Roman" panose="02020603050405020304" pitchFamily="18" charset="0"/>
+                <a:cs typeface="Times New Roman" panose="02020603050405020304" pitchFamily="18" charset="0"/>
+              </a:rPr>
+              <a:t> Reasoner)</a:t>
+            </a:r>
+            <a:r>
+              <a:rPr lang="en-US" dirty="0">
+                <a:latin typeface="Times New Roman" panose="02020603050405020304" pitchFamily="18" charset="0"/>
+                <a:cs typeface="Times New Roman" panose="02020603050405020304" pitchFamily="18" charset="0"/>
+              </a:rPr>
+              <a:t> sentiment analyzer. </a:t>
+            </a:r>
+          </a:p>
+          <a:p>
+            <a:r>
+              <a:rPr lang="en-US" dirty="0">
+                <a:latin typeface="Times New Roman" panose="02020603050405020304" pitchFamily="18" charset="0"/>
+                <a:cs typeface="Times New Roman" panose="02020603050405020304" pitchFamily="18" charset="0"/>
+              </a:rPr>
+              <a:t>Kernel Density Estimation Plots and A/B Analysis on Function and Analyzer Outputs. </a:t>
+            </a:r>
+          </a:p>
+          <a:p>
+            <a:r>
+              <a:rPr lang="en-US" dirty="0">
+                <a:latin typeface="Times New Roman" panose="02020603050405020304" pitchFamily="18" charset="0"/>
+                <a:cs typeface="Times New Roman" panose="02020603050405020304" pitchFamily="18" charset="0"/>
+              </a:rPr>
+              <a:t>Deploy Application via </a:t>
+            </a:r>
+            <a:r>
+              <a:rPr lang="en-US" dirty="0" err="1">
+                <a:latin typeface="Times New Roman" panose="02020603050405020304" pitchFamily="18" charset="0"/>
+                <a:cs typeface="Times New Roman" panose="02020603050405020304" pitchFamily="18" charset="0"/>
+              </a:rPr>
+              <a:t>Streamlit</a:t>
+            </a:r>
+            <a:r>
+              <a:rPr lang="en-US" dirty="0">
+                <a:latin typeface="Times New Roman" panose="02020603050405020304" pitchFamily="18" charset="0"/>
+                <a:cs typeface="Times New Roman" panose="02020603050405020304" pitchFamily="18" charset="0"/>
+              </a:rPr>
+              <a:t> App Service</a:t>
+            </a:r>
+          </a:p>
+          <a:p>
+            <a:pPr marL="0" indent="0">
+              <a:buNone/>
+            </a:pPr>
+            <a:endParaRPr lang="en-US" dirty="0">
+              <a:latin typeface="Times New Roman" panose="02020603050405020304" pitchFamily="18" charset="0"/>
+              <a:cs typeface="Times New Roman" panose="02020603050405020304" pitchFamily="18" charset="0"/>
+            </a:endParaRPr>
+          </a:p>
+          <a:p>
+            <a:pPr marL="0" indent="0">
+              <a:buNone/>
+            </a:pPr>
+            <a:endParaRPr lang="en-US" dirty="0">
+              <a:latin typeface="Times New Roman" panose="02020603050405020304" pitchFamily="18" charset="0"/>
+              <a:cs typeface="Times New Roman" panose="02020603050405020304" pitchFamily="18" charset="0"/>
+            </a:endParaRPr>
           </a:p>
         </p:txBody>
       </p:sp>
@@ -4719,7 +4930,38 @@
           <a:bodyPr/>
           <a:lstStyle/>
           <a:p>
-            <a:endParaRPr lang="en-US"/>
+            <a:r>
+              <a:rPr lang="en-US" dirty="0" err="1"/>
+              <a:t>Webscraping</a:t>
+            </a:r>
+            <a:r>
+              <a:rPr lang="en-US" dirty="0"/>
+              <a:t> – articles from United States keyword</a:t>
+            </a:r>
+          </a:p>
+          <a:p>
+            <a:r>
+              <a:rPr lang="en-US" dirty="0"/>
+              <a:t>Binary Classification – based on whether abstract/headline couplings originated from Opinion section of New York Times or other sections. </a:t>
+            </a:r>
+          </a:p>
+          <a:p>
+            <a:r>
+              <a:rPr lang="en-US" dirty="0"/>
+              <a:t>Snorkel Labeling Functions and Linear Weighted Labeling Function Creation</a:t>
+            </a:r>
+          </a:p>
+          <a:p>
+            <a:r>
+              <a:rPr lang="en-US" dirty="0"/>
+              <a:t>Neural Networks and Word Encoding Algorithms</a:t>
+            </a:r>
+          </a:p>
+          <a:p>
+            <a:r>
+              <a:rPr lang="en-US" dirty="0"/>
+              <a:t>Sentiment Analyzing and App Deployment</a:t>
+            </a:r>
           </a:p>
         </p:txBody>
       </p:sp>
@@ -4802,7 +5044,42 @@
           <a:bodyPr/>
           <a:lstStyle/>
           <a:p>
-            <a:endParaRPr lang="en-US"/>
+            <a:r>
+              <a:rPr lang="en-US" dirty="0"/>
+              <a:t>Preprocessed abstracts and headlines from NYT articles</a:t>
+            </a:r>
+          </a:p>
+          <a:p>
+            <a:r>
+              <a:rPr lang="en-US" dirty="0"/>
+              <a:t>Texts were features</a:t>
+            </a:r>
+          </a:p>
+          <a:p>
+            <a:r>
+              <a:rPr lang="en-US" dirty="0"/>
+              <a:t>Opinion section labeled 1, non-Opinion labeled 0 were targets</a:t>
+            </a:r>
+          </a:p>
+          <a:p>
+            <a:r>
+              <a:rPr lang="en-US" dirty="0" err="1"/>
+              <a:t>GridSearchCV</a:t>
+            </a:r>
+            <a:r>
+              <a:rPr lang="en-US" dirty="0"/>
+              <a:t> for multiple binary classification models to find optimal parameters with lowest error metrics, highest specificity, </a:t>
+            </a:r>
+            <a:r>
+              <a:rPr lang="en-US"/>
+              <a:t>and balanced F1 Score. </a:t>
+            </a:r>
+          </a:p>
+          <a:p>
+            <a:endParaRPr lang="en-US" dirty="0"/>
+          </a:p>
+          <a:p>
+            <a:endParaRPr lang="en-US" dirty="0"/>
           </a:p>
         </p:txBody>
       </p:sp>

--- a/Capstone_Presentation.pptx
+++ b/Capstone_Presentation.pptx
@@ -11,10 +11,11 @@
     <p:sldId id="259" r:id="rId5"/>
     <p:sldId id="260" r:id="rId6"/>
     <p:sldId id="261" r:id="rId7"/>
-    <p:sldId id="262" r:id="rId8"/>
-    <p:sldId id="263" r:id="rId9"/>
-    <p:sldId id="264" r:id="rId10"/>
-    <p:sldId id="265" r:id="rId11"/>
+    <p:sldId id="266" r:id="rId8"/>
+    <p:sldId id="262" r:id="rId9"/>
+    <p:sldId id="263" r:id="rId10"/>
+    <p:sldId id="264" r:id="rId11"/>
+    <p:sldId id="265" r:id="rId12"/>
   </p:sldIdLst>
   <p:sldSz cx="12192000" cy="6858000"/>
   <p:notesSz cx="6858000" cy="9144000"/>
@@ -4438,6 +4439,89 @@
           <p:cNvPr id="2" name="Title 1">
             <a:extLst>
               <a:ext uri="{FF2B5EF4-FFF2-40B4-BE49-F238E27FC236}">
+                <a16:creationId xmlns:a16="http://schemas.microsoft.com/office/drawing/2014/main" id="{E568FC30-8B85-FDF8-AB85-F42AE8053BD6}"/>
+              </a:ext>
+            </a:extLst>
+          </p:cNvPr>
+          <p:cNvSpPr>
+            <a:spLocks noGrp="1"/>
+          </p:cNvSpPr>
+          <p:nvPr>
+            <p:ph type="title"/>
+          </p:nvPr>
+        </p:nvSpPr>
+        <p:spPr/>
+        <p:txBody>
+          <a:bodyPr/>
+          <a:lstStyle/>
+          <a:p>
+            <a:r>
+              <a:rPr lang="en-US" dirty="0"/>
+              <a:t>Recommendations and Guidance</a:t>
+            </a:r>
+          </a:p>
+        </p:txBody>
+      </p:sp>
+      <p:sp>
+        <p:nvSpPr>
+          <p:cNvPr id="3" name="Content Placeholder 2">
+            <a:extLst>
+              <a:ext uri="{FF2B5EF4-FFF2-40B4-BE49-F238E27FC236}">
+                <a16:creationId xmlns:a16="http://schemas.microsoft.com/office/drawing/2014/main" id="{A4374351-9E2A-DEE3-317F-E48DB8696262}"/>
+              </a:ext>
+            </a:extLst>
+          </p:cNvPr>
+          <p:cNvSpPr>
+            <a:spLocks noGrp="1"/>
+          </p:cNvSpPr>
+          <p:nvPr>
+            <p:ph idx="1"/>
+          </p:nvPr>
+        </p:nvSpPr>
+        <p:spPr/>
+        <p:txBody>
+          <a:bodyPr/>
+          <a:lstStyle/>
+          <a:p>
+            <a:endParaRPr lang="en-US"/>
+          </a:p>
+        </p:txBody>
+      </p:sp>
+    </p:spTree>
+    <p:extLst>
+      <p:ext uri="{BB962C8B-B14F-4D97-AF65-F5344CB8AC3E}">
+        <p14:creationId xmlns:p14="http://schemas.microsoft.com/office/powerpoint/2010/main" val="4207199468"/>
+      </p:ext>
+    </p:extLst>
+  </p:cSld>
+  <p:clrMapOvr>
+    <a:masterClrMapping/>
+  </p:clrMapOvr>
+</p:sld>
+</file>
+
+<file path=ppt/slides/slide11.xml><?xml version="1.0" encoding="utf-8"?>
+<p:sld xmlns:a="http://schemas.openxmlformats.org/drawingml/2006/main" xmlns:r="http://schemas.openxmlformats.org/officeDocument/2006/relationships" xmlns:p="http://schemas.openxmlformats.org/presentationml/2006/main">
+  <p:cSld>
+    <p:spTree>
+      <p:nvGrpSpPr>
+        <p:cNvPr id="1" name=""/>
+        <p:cNvGrpSpPr/>
+        <p:nvPr/>
+      </p:nvGrpSpPr>
+      <p:grpSpPr>
+        <a:xfrm>
+          <a:off x="0" y="0"/>
+          <a:ext cx="0" cy="0"/>
+          <a:chOff x="0" y="0"/>
+          <a:chExt cx="0" cy="0"/>
+        </a:xfrm>
+      </p:grpSpPr>
+      <p:sp>
+        <p:nvSpPr>
+          <p:cNvPr id="2" name="Title 1">
+            <a:extLst>
+              <a:ext uri="{FF2B5EF4-FFF2-40B4-BE49-F238E27FC236}">
                 <a16:creationId xmlns:a16="http://schemas.microsoft.com/office/drawing/2014/main" id="{23737E6A-5CEF-EB8F-7484-1E88444C3D6D}"/>
               </a:ext>
             </a:extLst>
@@ -4903,7 +4987,10 @@
           <a:lstStyle/>
           <a:p>
             <a:r>
-              <a:rPr lang="en-US" dirty="0"/>
+              <a:rPr lang="en-US" dirty="0">
+                <a:latin typeface="Times New Roman" panose="02020603050405020304" pitchFamily="18" charset="0"/>
+                <a:cs typeface="Times New Roman" panose="02020603050405020304" pitchFamily="18" charset="0"/>
+              </a:rPr>
               <a:t>Project Pipeline</a:t>
             </a:r>
           </a:p>
@@ -4931,35 +5018,53 @@
           <a:lstStyle/>
           <a:p>
             <a:r>
-              <a:rPr lang="en-US" dirty="0" err="1"/>
+              <a:rPr lang="en-US" dirty="0" err="1">
+                <a:latin typeface="Times New Roman" panose="02020603050405020304" pitchFamily="18" charset="0"/>
+                <a:cs typeface="Times New Roman" panose="02020603050405020304" pitchFamily="18" charset="0"/>
+              </a:rPr>
               <a:t>Webscraping</a:t>
             </a:r>
             <a:r>
-              <a:rPr lang="en-US" dirty="0"/>
+              <a:rPr lang="en-US" dirty="0">
+                <a:latin typeface="Times New Roman" panose="02020603050405020304" pitchFamily="18" charset="0"/>
+                <a:cs typeface="Times New Roman" panose="02020603050405020304" pitchFamily="18" charset="0"/>
+              </a:rPr>
               <a:t> – articles from United States keyword</a:t>
             </a:r>
           </a:p>
           <a:p>
             <a:r>
-              <a:rPr lang="en-US" dirty="0"/>
+              <a:rPr lang="en-US" dirty="0">
+                <a:latin typeface="Times New Roman" panose="02020603050405020304" pitchFamily="18" charset="0"/>
+                <a:cs typeface="Times New Roman" panose="02020603050405020304" pitchFamily="18" charset="0"/>
+              </a:rPr>
               <a:t>Binary Classification – based on whether abstract/headline couplings originated from Opinion section of New York Times or other sections. </a:t>
             </a:r>
           </a:p>
           <a:p>
             <a:r>
-              <a:rPr lang="en-US" dirty="0"/>
+              <a:rPr lang="en-US" dirty="0">
+                <a:latin typeface="Times New Roman" panose="02020603050405020304" pitchFamily="18" charset="0"/>
+                <a:cs typeface="Times New Roman" panose="02020603050405020304" pitchFamily="18" charset="0"/>
+              </a:rPr>
               <a:t>Snorkel Labeling Functions and Linear Weighted Labeling Function Creation</a:t>
             </a:r>
           </a:p>
           <a:p>
             <a:r>
-              <a:rPr lang="en-US" dirty="0"/>
+              <a:rPr lang="en-US" dirty="0">
+                <a:latin typeface="Times New Roman" panose="02020603050405020304" pitchFamily="18" charset="0"/>
+                <a:cs typeface="Times New Roman" panose="02020603050405020304" pitchFamily="18" charset="0"/>
+              </a:rPr>
               <a:t>Neural Networks and Word Encoding Algorithms</a:t>
             </a:r>
           </a:p>
           <a:p>
             <a:r>
-              <a:rPr lang="en-US" dirty="0"/>
+              <a:rPr lang="en-US" dirty="0">
+                <a:latin typeface="Times New Roman" panose="02020603050405020304" pitchFamily="18" charset="0"/>
+                <a:cs typeface="Times New Roman" panose="02020603050405020304" pitchFamily="18" charset="0"/>
+              </a:rPr>
               <a:t>Sentiment Analyzing and App Deployment</a:t>
             </a:r>
           </a:p>
@@ -5017,7 +5122,10 @@
           <a:lstStyle/>
           <a:p>
             <a:r>
-              <a:rPr lang="en-US" dirty="0"/>
+              <a:rPr lang="en-US" dirty="0">
+                <a:latin typeface="Times New Roman" panose="02020603050405020304" pitchFamily="18" charset="0"/>
+                <a:cs typeface="Times New Roman" panose="02020603050405020304" pitchFamily="18" charset="0"/>
+              </a:rPr>
               <a:t>Binary Classification Modeling</a:t>
             </a:r>
           </a:p>
@@ -5045,41 +5153,69 @@
           <a:lstStyle/>
           <a:p>
             <a:r>
-              <a:rPr lang="en-US" dirty="0"/>
-              <a:t>Preprocessed abstracts and headlines from NYT articles</a:t>
-            </a:r>
-          </a:p>
-          <a:p>
-            <a:r>
-              <a:rPr lang="en-US" dirty="0"/>
+              <a:rPr lang="en-US" dirty="0">
+                <a:latin typeface="Times New Roman" panose="02020603050405020304" pitchFamily="18" charset="0"/>
+                <a:cs typeface="Times New Roman" panose="02020603050405020304" pitchFamily="18" charset="0"/>
+              </a:rPr>
+              <a:t>Preprocessed abstracts and headlines from NYT articles with Regular Expressions</a:t>
+            </a:r>
+          </a:p>
+          <a:p>
+            <a:r>
+              <a:rPr lang="en-US" dirty="0">
+                <a:latin typeface="Times New Roman" panose="02020603050405020304" pitchFamily="18" charset="0"/>
+                <a:cs typeface="Times New Roman" panose="02020603050405020304" pitchFamily="18" charset="0"/>
+              </a:rPr>
               <a:t>Texts were features</a:t>
             </a:r>
           </a:p>
           <a:p>
             <a:r>
-              <a:rPr lang="en-US" dirty="0"/>
+              <a:rPr lang="en-US" dirty="0">
+                <a:latin typeface="Times New Roman" panose="02020603050405020304" pitchFamily="18" charset="0"/>
+                <a:cs typeface="Times New Roman" panose="02020603050405020304" pitchFamily="18" charset="0"/>
+              </a:rPr>
               <a:t>Opinion section labeled 1, non-Opinion labeled 0 were targets</a:t>
             </a:r>
           </a:p>
           <a:p>
             <a:r>
-              <a:rPr lang="en-US" dirty="0" err="1"/>
+              <a:rPr lang="en-US" dirty="0" err="1">
+                <a:latin typeface="Times New Roman" panose="02020603050405020304" pitchFamily="18" charset="0"/>
+                <a:cs typeface="Times New Roman" panose="02020603050405020304" pitchFamily="18" charset="0"/>
+              </a:rPr>
               <a:t>GridSearchCV</a:t>
             </a:r>
             <a:r>
-              <a:rPr lang="en-US" dirty="0"/>
-              <a:t> for multiple binary classification models to find optimal parameters with lowest error metrics, highest specificity, </a:t>
-            </a:r>
-            <a:r>
-              <a:rPr lang="en-US"/>
-              <a:t>and balanced F1 Score. </a:t>
-            </a:r>
-          </a:p>
-          <a:p>
-            <a:endParaRPr lang="en-US" dirty="0"/>
-          </a:p>
-          <a:p>
-            <a:endParaRPr lang="en-US" dirty="0"/>
+              <a:rPr lang="en-US" dirty="0">
+                <a:latin typeface="Times New Roman" panose="02020603050405020304" pitchFamily="18" charset="0"/>
+                <a:cs typeface="Times New Roman" panose="02020603050405020304" pitchFamily="18" charset="0"/>
+              </a:rPr>
+              <a:t> for multiple binary classification models to find optimal parameters with lowest error metrics, highest specificity, and balanced F1 Score</a:t>
+            </a:r>
+          </a:p>
+          <a:p>
+            <a:r>
+              <a:rPr lang="en-US" dirty="0">
+                <a:latin typeface="Times New Roman" panose="02020603050405020304" pitchFamily="18" charset="0"/>
+                <a:cs typeface="Times New Roman" panose="02020603050405020304" pitchFamily="18" charset="0"/>
+              </a:rPr>
+              <a:t>Pickled and exported for inclusion in </a:t>
+            </a:r>
+            <a:r>
+              <a:rPr lang="en-US" dirty="0" err="1">
+                <a:latin typeface="Times New Roman" panose="02020603050405020304" pitchFamily="18" charset="0"/>
+                <a:cs typeface="Times New Roman" panose="02020603050405020304" pitchFamily="18" charset="0"/>
+              </a:rPr>
+              <a:t>Streamlit</a:t>
+            </a:r>
+            <a:r>
+              <a:rPr lang="en-US" dirty="0">
+                <a:latin typeface="Times New Roman" panose="02020603050405020304" pitchFamily="18" charset="0"/>
+                <a:cs typeface="Times New Roman" panose="02020603050405020304" pitchFamily="18" charset="0"/>
+              </a:rPr>
+              <a:t> App</a:t>
+            </a:r>
           </a:p>
         </p:txBody>
       </p:sp>
@@ -5129,13 +5265,23 @@
             <p:ph type="title"/>
           </p:nvPr>
         </p:nvSpPr>
-        <p:spPr/>
-        <p:txBody>
-          <a:bodyPr/>
-          <a:lstStyle/>
-          <a:p>
-            <a:r>
-              <a:rPr lang="en-US" dirty="0"/>
+        <p:spPr>
+          <a:xfrm>
+            <a:off x="1143000" y="241583"/>
+            <a:ext cx="9905999" cy="1360898"/>
+          </a:xfrm>
+        </p:spPr>
+        <p:txBody>
+          <a:bodyPr>
+            <a:normAutofit/>
+          </a:bodyPr>
+          <a:lstStyle/>
+          <a:p>
+            <a:r>
+              <a:rPr lang="en-US" sz="5400" dirty="0">
+                <a:latin typeface="Times New Roman" panose="02020603050405020304" pitchFamily="18" charset="0"/>
+                <a:cs typeface="Times New Roman" panose="02020603050405020304" pitchFamily="18" charset="0"/>
+              </a:rPr>
               <a:t>Labeling</a:t>
             </a:r>
           </a:p>
@@ -5157,15 +5303,127 @@
             <p:ph idx="1"/>
           </p:nvPr>
         </p:nvSpPr>
-        <p:spPr/>
-        <p:txBody>
-          <a:bodyPr/>
-          <a:lstStyle/>
-          <a:p>
-            <a:endParaRPr lang="en-US"/>
-          </a:p>
-        </p:txBody>
-      </p:sp>
+        <p:spPr>
+          <a:xfrm>
+            <a:off x="1143000" y="1870358"/>
+            <a:ext cx="9905999" cy="3567118"/>
+          </a:xfrm>
+        </p:spPr>
+        <p:txBody>
+          <a:bodyPr/>
+          <a:lstStyle/>
+          <a:p>
+            <a:r>
+              <a:rPr lang="en-US" dirty="0">
+                <a:latin typeface="Times New Roman" panose="02020603050405020304" pitchFamily="18" charset="0"/>
+                <a:cs typeface="Times New Roman" panose="02020603050405020304" pitchFamily="18" charset="0"/>
+              </a:rPr>
+              <a:t>Snorkel is a library with proprietary functions that is used to label data based on user input. </a:t>
+            </a:r>
+          </a:p>
+          <a:p>
+            <a:r>
+              <a:rPr lang="en-US" dirty="0">
+                <a:latin typeface="Times New Roman" panose="02020603050405020304" pitchFamily="18" charset="0"/>
+                <a:cs typeface="Times New Roman" panose="02020603050405020304" pitchFamily="18" charset="0"/>
+              </a:rPr>
+              <a:t>Regular Expressions used to label different abstract/headline couplings interpreted as having bias versus others which were interpreted to not have bias. </a:t>
+            </a:r>
+          </a:p>
+          <a:p>
+            <a:r>
+              <a:rPr lang="en-US" dirty="0">
+                <a:latin typeface="Times New Roman" panose="02020603050405020304" pitchFamily="18" charset="0"/>
+                <a:cs typeface="Times New Roman" panose="02020603050405020304" pitchFamily="18" charset="0"/>
+              </a:rPr>
+              <a:t>Length functions and </a:t>
+            </a:r>
+            <a:r>
+              <a:rPr lang="en-US" dirty="0" err="1">
+                <a:latin typeface="Times New Roman" panose="02020603050405020304" pitchFamily="18" charset="0"/>
+                <a:cs typeface="Times New Roman" panose="02020603050405020304" pitchFamily="18" charset="0"/>
+              </a:rPr>
+              <a:t>TextBlob</a:t>
+            </a:r>
+            <a:r>
+              <a:rPr lang="en-US" dirty="0">
+                <a:latin typeface="Times New Roman" panose="02020603050405020304" pitchFamily="18" charset="0"/>
+                <a:cs typeface="Times New Roman" panose="02020603050405020304" pitchFamily="18" charset="0"/>
+              </a:rPr>
+              <a:t> polarity and sentiment analyzers included. </a:t>
+            </a:r>
+          </a:p>
+          <a:p>
+            <a:r>
+              <a:rPr lang="en-US" dirty="0">
+                <a:latin typeface="Times New Roman" panose="02020603050405020304" pitchFamily="18" charset="0"/>
+                <a:cs typeface="Times New Roman" panose="02020603050405020304" pitchFamily="18" charset="0"/>
+              </a:rPr>
+              <a:t>Snorkel metrics surveyed in order to inform decisions regarding more labeling function creation. </a:t>
+            </a:r>
+          </a:p>
+        </p:txBody>
+      </p:sp>
+      <p:pic>
+        <p:nvPicPr>
+          <p:cNvPr id="5" name="Picture 4" descr="A blue octopus with a snorkel mask&#10;&#10;Description automatically generated">
+            <a:extLst>
+              <a:ext uri="{FF2B5EF4-FFF2-40B4-BE49-F238E27FC236}">
+                <a16:creationId xmlns:a16="http://schemas.microsoft.com/office/drawing/2014/main" id="{B148EC45-2A3D-B2A5-39A5-C5FAF63374F4}"/>
+              </a:ext>
+            </a:extLst>
+          </p:cNvPr>
+          <p:cNvPicPr>
+            <a:picLocks noChangeAspect="1"/>
+          </p:cNvPicPr>
+          <p:nvPr/>
+        </p:nvPicPr>
+        <p:blipFill>
+          <a:blip r:embed="rId2"/>
+          <a:stretch>
+            <a:fillRect/>
+          </a:stretch>
+        </p:blipFill>
+        <p:spPr>
+          <a:xfrm>
+            <a:off x="9024937" y="107644"/>
+            <a:ext cx="1628775" cy="1628775"/>
+          </a:xfrm>
+          <a:prstGeom prst="rect">
+            <a:avLst/>
+          </a:prstGeom>
+        </p:spPr>
+      </p:pic>
+      <p:pic>
+        <p:nvPicPr>
+          <p:cNvPr id="7" name="Picture 6" descr="A black and white logo&#10;&#10;Description automatically generated">
+            <a:extLst>
+              <a:ext uri="{FF2B5EF4-FFF2-40B4-BE49-F238E27FC236}">
+                <a16:creationId xmlns:a16="http://schemas.microsoft.com/office/drawing/2014/main" id="{0F37144E-FC84-CE4A-7D3D-AEE894397DDD}"/>
+              </a:ext>
+            </a:extLst>
+          </p:cNvPr>
+          <p:cNvPicPr>
+            <a:picLocks noChangeAspect="1"/>
+          </p:cNvPicPr>
+          <p:nvPr/>
+        </p:nvPicPr>
+        <p:blipFill>
+          <a:blip r:embed="rId3"/>
+          <a:stretch>
+            <a:fillRect/>
+          </a:stretch>
+        </p:blipFill>
+        <p:spPr>
+          <a:xfrm>
+            <a:off x="5280024" y="4235450"/>
+            <a:ext cx="1631950" cy="1879600"/>
+          </a:xfrm>
+          <a:prstGeom prst="rect">
+            <a:avLst/>
+          </a:prstGeom>
+        </p:spPr>
+      </p:pic>
     </p:spTree>
     <p:extLst>
       <p:ext uri="{BB962C8B-B14F-4D97-AF65-F5344CB8AC3E}">
@@ -5201,7 +5459,7 @@
           <p:cNvPr id="2" name="Title 1">
             <a:extLst>
               <a:ext uri="{FF2B5EF4-FFF2-40B4-BE49-F238E27FC236}">
-                <a16:creationId xmlns:a16="http://schemas.microsoft.com/office/drawing/2014/main" id="{DA79F96B-DE4C-3F36-887E-46BD99A04E12}"/>
+                <a16:creationId xmlns:a16="http://schemas.microsoft.com/office/drawing/2014/main" id="{AAD0CA8D-041C-082C-6B60-F10DF247617D}"/>
               </a:ext>
             </a:extLst>
           </p:cNvPr>
@@ -5218,8 +5476,11 @@
           <a:lstStyle/>
           <a:p>
             <a:r>
-              <a:rPr lang="en-US" dirty="0"/>
-              <a:t>Neural Networks</a:t>
+              <a:rPr lang="en-US" dirty="0">
+                <a:latin typeface="Times New Roman" panose="02020603050405020304" pitchFamily="18" charset="0"/>
+                <a:cs typeface="Times New Roman" panose="02020603050405020304" pitchFamily="18" charset="0"/>
+              </a:rPr>
+              <a:t>Linear Label Function with Weights</a:t>
             </a:r>
           </a:p>
         </p:txBody>
@@ -5229,7 +5490,7 @@
           <p:cNvPr id="3" name="Content Placeholder 2">
             <a:extLst>
               <a:ext uri="{FF2B5EF4-FFF2-40B4-BE49-F238E27FC236}">
-                <a16:creationId xmlns:a16="http://schemas.microsoft.com/office/drawing/2014/main" id="{25CC5AE8-9B89-A4C9-4186-EF3A111A00AF}"/>
+                <a16:creationId xmlns:a16="http://schemas.microsoft.com/office/drawing/2014/main" id="{F3FFB3D3-C3CC-E721-564D-45D48BCC7333}"/>
               </a:ext>
             </a:extLst>
           </p:cNvPr>
@@ -5242,17 +5503,187 @@
         </p:nvSpPr>
         <p:spPr/>
         <p:txBody>
-          <a:bodyPr/>
-          <a:lstStyle/>
-          <a:p>
-            <a:endParaRPr lang="en-US"/>
+          <a:bodyPr>
+            <a:normAutofit fontScale="92500" lnSpcReduction="10000"/>
+          </a:bodyPr>
+          <a:lstStyle/>
+          <a:p>
+            <a:r>
+              <a:rPr lang="en-US" dirty="0">
+                <a:latin typeface="Times New Roman" panose="02020603050405020304" pitchFamily="18" charset="0"/>
+                <a:cs typeface="Times New Roman" panose="02020603050405020304" pitchFamily="18" charset="0"/>
+              </a:rPr>
+              <a:t>Electoral College Comparison</a:t>
+            </a:r>
+          </a:p>
+          <a:p>
+            <a:r>
+              <a:rPr lang="en-US" dirty="0">
+                <a:latin typeface="Times New Roman" panose="02020603050405020304" pitchFamily="18" charset="0"/>
+                <a:cs typeface="Times New Roman" panose="02020603050405020304" pitchFamily="18" charset="0"/>
+              </a:rPr>
+              <a:t>Return values between 0 and 1 and each had tiers.</a:t>
+            </a:r>
+          </a:p>
+          <a:p>
+            <a:r>
+              <a:rPr lang="en-US" dirty="0">
+                <a:latin typeface="Times New Roman" panose="02020603050405020304" pitchFamily="18" charset="0"/>
+                <a:cs typeface="Times New Roman" panose="02020603050405020304" pitchFamily="18" charset="0"/>
+              </a:rPr>
+              <a:t>Cohen Kappa Score 1-1 correspondence. </a:t>
+            </a:r>
+          </a:p>
+          <a:p>
+            <a:pPr marL="0" indent="0">
+              <a:buNone/>
+            </a:pPr>
+            <a:r>
+              <a:rPr lang="en-US" b="0" dirty="0">
+                <a:solidFill>
+                  <a:srgbClr val="FF0000"/>
+                </a:solidFill>
+                <a:effectLst/>
+                <a:latin typeface="Times New Roman" panose="02020603050405020304" pitchFamily="18" charset="0"/>
+                <a:cs typeface="Times New Roman" panose="02020603050405020304" pitchFamily="18" charset="0"/>
+              </a:rPr>
+              <a:t>0 – 0.2 </a:t>
+            </a:r>
+            <a:r>
+              <a:rPr lang="en-US" b="0" dirty="0">
+                <a:solidFill>
+                  <a:srgbClr val="CCCCCC"/>
+                </a:solidFill>
+                <a:effectLst/>
+                <a:latin typeface="Times New Roman" panose="02020603050405020304" pitchFamily="18" charset="0"/>
+                <a:cs typeface="Times New Roman" panose="02020603050405020304" pitchFamily="18" charset="0"/>
+              </a:rPr>
+              <a:t>the text was said to be not-to-slightly-biased </a:t>
+            </a:r>
+          </a:p>
+          <a:p>
+            <a:pPr marL="0" indent="0">
+              <a:buNone/>
+            </a:pPr>
+            <a:r>
+              <a:rPr lang="en-US" b="0" dirty="0">
+                <a:solidFill>
+                  <a:srgbClr val="FF0000"/>
+                </a:solidFill>
+                <a:effectLst/>
+                <a:latin typeface="Times New Roman" panose="02020603050405020304" pitchFamily="18" charset="0"/>
+                <a:cs typeface="Times New Roman" panose="02020603050405020304" pitchFamily="18" charset="0"/>
+              </a:rPr>
+              <a:t>0.2 – 0.4</a:t>
+            </a:r>
+            <a:r>
+              <a:rPr lang="en-US" b="0" dirty="0">
+                <a:solidFill>
+                  <a:srgbClr val="CCCCCC"/>
+                </a:solidFill>
+                <a:effectLst/>
+                <a:latin typeface="Times New Roman" panose="02020603050405020304" pitchFamily="18" charset="0"/>
+                <a:cs typeface="Times New Roman" panose="02020603050405020304" pitchFamily="18" charset="0"/>
+              </a:rPr>
+              <a:t> slightly-to-moderately biased</a:t>
+            </a:r>
+          </a:p>
+          <a:p>
+            <a:pPr marL="0" indent="0">
+              <a:buNone/>
+            </a:pPr>
+            <a:r>
+              <a:rPr lang="en-US" b="0" dirty="0">
+                <a:solidFill>
+                  <a:srgbClr val="FF0000"/>
+                </a:solidFill>
+                <a:effectLst/>
+                <a:latin typeface="Times New Roman" panose="02020603050405020304" pitchFamily="18" charset="0"/>
+                <a:cs typeface="Times New Roman" panose="02020603050405020304" pitchFamily="18" charset="0"/>
+              </a:rPr>
+              <a:t>0.4 – 0.6</a:t>
+            </a:r>
+            <a:r>
+              <a:rPr lang="en-US" b="0" dirty="0">
+                <a:solidFill>
+                  <a:srgbClr val="CCCCCC"/>
+                </a:solidFill>
+                <a:effectLst/>
+                <a:latin typeface="Times New Roman" panose="02020603050405020304" pitchFamily="18" charset="0"/>
+                <a:cs typeface="Times New Roman" panose="02020603050405020304" pitchFamily="18" charset="0"/>
+              </a:rPr>
+              <a:t> moderately-to-pretty-biased</a:t>
+            </a:r>
+          </a:p>
+          <a:p>
+            <a:pPr marL="0" indent="0">
+              <a:buNone/>
+            </a:pPr>
+            <a:r>
+              <a:rPr lang="en-US" b="0" dirty="0">
+                <a:solidFill>
+                  <a:srgbClr val="FF0000"/>
+                </a:solidFill>
+                <a:effectLst/>
+                <a:latin typeface="Times New Roman" panose="02020603050405020304" pitchFamily="18" charset="0"/>
+                <a:cs typeface="Times New Roman" panose="02020603050405020304" pitchFamily="18" charset="0"/>
+              </a:rPr>
+              <a:t>0.6 – 0.8</a:t>
+            </a:r>
+            <a:r>
+              <a:rPr lang="en-US" b="0" dirty="0">
+                <a:solidFill>
+                  <a:srgbClr val="CCCCCC"/>
+                </a:solidFill>
+                <a:effectLst/>
+                <a:latin typeface="Times New Roman" panose="02020603050405020304" pitchFamily="18" charset="0"/>
+                <a:cs typeface="Times New Roman" panose="02020603050405020304" pitchFamily="18" charset="0"/>
+              </a:rPr>
+              <a:t> pretty-to-mostly-biased</a:t>
+            </a:r>
+          </a:p>
+          <a:p>
+            <a:pPr marL="0" indent="0">
+              <a:buNone/>
+            </a:pPr>
+            <a:r>
+              <a:rPr lang="en-US" b="0" dirty="0">
+                <a:solidFill>
+                  <a:srgbClr val="FF0000"/>
+                </a:solidFill>
+                <a:effectLst/>
+                <a:latin typeface="Times New Roman" panose="02020603050405020304" pitchFamily="18" charset="0"/>
+                <a:cs typeface="Times New Roman" panose="02020603050405020304" pitchFamily="18" charset="0"/>
+              </a:rPr>
+              <a:t>0.8 – 1.0</a:t>
+            </a:r>
+            <a:r>
+              <a:rPr lang="en-US" b="0" dirty="0">
+                <a:solidFill>
+                  <a:srgbClr val="CCCCCC"/>
+                </a:solidFill>
+                <a:effectLst/>
+                <a:latin typeface="Times New Roman" panose="02020603050405020304" pitchFamily="18" charset="0"/>
+                <a:cs typeface="Times New Roman" panose="02020603050405020304" pitchFamily="18" charset="0"/>
+              </a:rPr>
+              <a:t> perfectly-biased.</a:t>
+            </a:r>
+          </a:p>
+          <a:p>
+            <a:pPr marL="0" indent="0">
+              <a:buNone/>
+            </a:pPr>
+            <a:endParaRPr lang="en-US" dirty="0">
+              <a:latin typeface="Times New Roman" panose="02020603050405020304" pitchFamily="18" charset="0"/>
+              <a:cs typeface="Times New Roman" panose="02020603050405020304" pitchFamily="18" charset="0"/>
+            </a:endParaRPr>
           </a:p>
         </p:txBody>
       </p:sp>
     </p:spTree>
     <p:extLst>
       <p:ext uri="{BB962C8B-B14F-4D97-AF65-F5344CB8AC3E}">
-        <p14:creationId xmlns:p14="http://schemas.microsoft.com/office/powerpoint/2010/main" val="3259539530"/>
+        <p14:creationId xmlns:p14="http://schemas.microsoft.com/office/powerpoint/2010/main" val="3022959697"/>
       </p:ext>
     </p:extLst>
   </p:cSld>
@@ -5284,7 +5715,7 @@
           <p:cNvPr id="2" name="Title 1">
             <a:extLst>
               <a:ext uri="{FF2B5EF4-FFF2-40B4-BE49-F238E27FC236}">
-                <a16:creationId xmlns:a16="http://schemas.microsoft.com/office/drawing/2014/main" id="{B1A28B92-E462-EF90-4BED-9AFED6FCFD62}"/>
+                <a16:creationId xmlns:a16="http://schemas.microsoft.com/office/drawing/2014/main" id="{DA79F96B-DE4C-3F36-887E-46BD99A04E12}"/>
               </a:ext>
             </a:extLst>
           </p:cNvPr>
@@ -5302,7 +5733,7 @@
           <a:p>
             <a:r>
               <a:rPr lang="en-US" dirty="0"/>
-              <a:t>Summary of Results and Analysis</a:t>
+              <a:t>Neural Networks</a:t>
             </a:r>
           </a:p>
         </p:txBody>
@@ -5312,7 +5743,7 @@
           <p:cNvPr id="3" name="Content Placeholder 2">
             <a:extLst>
               <a:ext uri="{FF2B5EF4-FFF2-40B4-BE49-F238E27FC236}">
-                <a16:creationId xmlns:a16="http://schemas.microsoft.com/office/drawing/2014/main" id="{EF699138-DF60-6B49-BB03-E2A7A2E600C1}"/>
+                <a16:creationId xmlns:a16="http://schemas.microsoft.com/office/drawing/2014/main" id="{25CC5AE8-9B89-A4C9-4186-EF3A111A00AF}"/>
               </a:ext>
             </a:extLst>
           </p:cNvPr>
@@ -5328,14 +5759,14 @@
           <a:bodyPr/>
           <a:lstStyle/>
           <a:p>
-            <a:endParaRPr lang="en-US"/>
+            <a:endParaRPr lang="en-US" dirty="0"/>
           </a:p>
         </p:txBody>
       </p:sp>
     </p:spTree>
     <p:extLst>
       <p:ext uri="{BB962C8B-B14F-4D97-AF65-F5344CB8AC3E}">
-        <p14:creationId xmlns:p14="http://schemas.microsoft.com/office/powerpoint/2010/main" val="405312764"/>
+        <p14:creationId xmlns:p14="http://schemas.microsoft.com/office/powerpoint/2010/main" val="3259539530"/>
       </p:ext>
     </p:extLst>
   </p:cSld>
@@ -5367,7 +5798,7 @@
           <p:cNvPr id="2" name="Title 1">
             <a:extLst>
               <a:ext uri="{FF2B5EF4-FFF2-40B4-BE49-F238E27FC236}">
-                <a16:creationId xmlns:a16="http://schemas.microsoft.com/office/drawing/2014/main" id="{E568FC30-8B85-FDF8-AB85-F42AE8053BD6}"/>
+                <a16:creationId xmlns:a16="http://schemas.microsoft.com/office/drawing/2014/main" id="{B1A28B92-E462-EF90-4BED-9AFED6FCFD62}"/>
               </a:ext>
             </a:extLst>
           </p:cNvPr>
@@ -5385,7 +5816,7 @@
           <a:p>
             <a:r>
               <a:rPr lang="en-US" dirty="0"/>
-              <a:t>Recommendations and Guidance</a:t>
+              <a:t>Summary of Results and Analysis</a:t>
             </a:r>
           </a:p>
         </p:txBody>
@@ -5395,7 +5826,7 @@
           <p:cNvPr id="3" name="Content Placeholder 2">
             <a:extLst>
               <a:ext uri="{FF2B5EF4-FFF2-40B4-BE49-F238E27FC236}">
-                <a16:creationId xmlns:a16="http://schemas.microsoft.com/office/drawing/2014/main" id="{A4374351-9E2A-DEE3-317F-E48DB8696262}"/>
+                <a16:creationId xmlns:a16="http://schemas.microsoft.com/office/drawing/2014/main" id="{EF699138-DF60-6B49-BB03-E2A7A2E600C1}"/>
               </a:ext>
             </a:extLst>
           </p:cNvPr>
@@ -5418,7 +5849,7 @@
     </p:spTree>
     <p:extLst>
       <p:ext uri="{BB962C8B-B14F-4D97-AF65-F5344CB8AC3E}">
-        <p14:creationId xmlns:p14="http://schemas.microsoft.com/office/powerpoint/2010/main" val="4207199468"/>
+        <p14:creationId xmlns:p14="http://schemas.microsoft.com/office/powerpoint/2010/main" val="405312764"/>
       </p:ext>
     </p:extLst>
   </p:cSld>

--- a/Capstone_Presentation.pptx
+++ b/Capstone_Presentation.pptx
@@ -14,8 +14,10 @@
     <p:sldId id="266" r:id="rId8"/>
     <p:sldId id="262" r:id="rId9"/>
     <p:sldId id="263" r:id="rId10"/>
-    <p:sldId id="264" r:id="rId11"/>
-    <p:sldId id="265" r:id="rId12"/>
+    <p:sldId id="267" r:id="rId11"/>
+    <p:sldId id="264" r:id="rId12"/>
+    <p:sldId id="265" r:id="rId13"/>
+    <p:sldId id="268" r:id="rId14"/>
   </p:sldIdLst>
   <p:sldSz cx="12192000" cy="6858000"/>
   <p:notesSz cx="6858000" cy="9144000"/>
@@ -4297,13 +4299,13 @@
         </p:nvSpPr>
         <p:spPr>
           <a:xfrm>
-            <a:off x="1143000" y="1181101"/>
+            <a:off x="446315" y="420397"/>
             <a:ext cx="4953000" cy="2247899"/>
           </a:xfrm>
         </p:spPr>
         <p:txBody>
           <a:bodyPr anchor="t">
-            <a:normAutofit/>
+            <a:normAutofit fontScale="90000"/>
           </a:bodyPr>
           <a:lstStyle/>
           <a:p>
@@ -4334,68 +4336,78 @@
                 <a:latin typeface="Times New Roman" panose="02020603050405020304" pitchFamily="18" charset="0"/>
                 <a:cs typeface="Times New Roman" panose="02020603050405020304" pitchFamily="18" charset="0"/>
               </a:rPr>
-              <a:t>Application</a:t>
-            </a:r>
-          </a:p>
-        </p:txBody>
-      </p:sp>
-      <p:sp>
-        <p:nvSpPr>
-          <p:cNvPr id="3" name="Subtitle 2">
-            <a:extLst>
-              <a:ext uri="{FF2B5EF4-FFF2-40B4-BE49-F238E27FC236}">
-                <a16:creationId xmlns:a16="http://schemas.microsoft.com/office/drawing/2014/main" id="{1986505B-3845-DC86-A488-3A126FE11647}"/>
-              </a:ext>
-            </a:extLst>
-          </p:cNvPr>
-          <p:cNvSpPr>
-            <a:spLocks noGrp="1"/>
-          </p:cNvSpPr>
-          <p:nvPr>
-            <p:ph type="subTitle" idx="1"/>
-          </p:nvPr>
-        </p:nvSpPr>
-        <p:spPr>
-          <a:xfrm>
-            <a:off x="1143001" y="4093232"/>
-            <a:ext cx="3525146" cy="1728728"/>
-          </a:xfrm>
-        </p:spPr>
-        <p:txBody>
-          <a:bodyPr anchor="b">
-            <a:normAutofit/>
-          </a:bodyPr>
-          <a:lstStyle/>
-          <a:p>
-            <a:r>
-              <a:rPr lang="en-US" dirty="0">
+              <a:t>Scoring</a:t>
+            </a:r>
+            <a:br>
+              <a:rPr lang="en-US" sz="4400" dirty="0">
                 <a:solidFill>
                   <a:srgbClr val="FFFFFF"/>
                 </a:solidFill>
                 <a:latin typeface="Times New Roman" panose="02020603050405020304" pitchFamily="18" charset="0"/>
                 <a:cs typeface="Times New Roman" panose="02020603050405020304" pitchFamily="18" charset="0"/>
               </a:rPr>
-              <a:t>Ben Moss</a:t>
-            </a:r>
-          </a:p>
-          <a:p>
-            <a:r>
-              <a:rPr lang="en-US" dirty="0">
+            </a:br>
+            <a:r>
+              <a:rPr lang="en-US" sz="4400" dirty="0">
                 <a:solidFill>
                   <a:srgbClr val="FFFFFF"/>
                 </a:solidFill>
                 <a:latin typeface="Times New Roman" panose="02020603050405020304" pitchFamily="18" charset="0"/>
                 <a:cs typeface="Times New Roman" panose="02020603050405020304" pitchFamily="18" charset="0"/>
               </a:rPr>
+              <a:t>Application</a:t>
+            </a:r>
+          </a:p>
+        </p:txBody>
+      </p:sp>
+      <p:sp>
+        <p:nvSpPr>
+          <p:cNvPr id="3" name="Subtitle 2">
+            <a:extLst>
+              <a:ext uri="{FF2B5EF4-FFF2-40B4-BE49-F238E27FC236}">
+                <a16:creationId xmlns:a16="http://schemas.microsoft.com/office/drawing/2014/main" id="{1986505B-3845-DC86-A488-3A126FE11647}"/>
+              </a:ext>
+            </a:extLst>
+          </p:cNvPr>
+          <p:cNvSpPr>
+            <a:spLocks noGrp="1"/>
+          </p:cNvSpPr>
+          <p:nvPr>
+            <p:ph type="subTitle" idx="1"/>
+          </p:nvPr>
+        </p:nvSpPr>
+        <p:spPr>
+          <a:xfrm>
+            <a:off x="0" y="4485118"/>
+            <a:ext cx="4071256" cy="1728728"/>
+          </a:xfrm>
+        </p:spPr>
+        <p:txBody>
+          <a:bodyPr anchor="b">
+            <a:noAutofit/>
+          </a:bodyPr>
+          <a:lstStyle/>
+          <a:p>
+            <a:r>
+              <a:rPr lang="en-US" sz="2400" b="1" dirty="0">
+                <a:latin typeface="Times New Roman" panose="02020603050405020304" pitchFamily="18" charset="0"/>
+                <a:cs typeface="Times New Roman" panose="02020603050405020304" pitchFamily="18" charset="0"/>
+              </a:rPr>
+              <a:t>Ben Moss</a:t>
+            </a:r>
+          </a:p>
+          <a:p>
+            <a:r>
+              <a:rPr lang="en-US" sz="2400" b="1" dirty="0">
+                <a:latin typeface="Times New Roman" panose="02020603050405020304" pitchFamily="18" charset="0"/>
+                <a:cs typeface="Times New Roman" panose="02020603050405020304" pitchFamily="18" charset="0"/>
+              </a:rPr>
               <a:t>March, 2024</a:t>
             </a:r>
           </a:p>
           <a:p>
             <a:r>
-              <a:rPr lang="en-US" dirty="0">
-                <a:solidFill>
-                  <a:srgbClr val="FFFFFF"/>
-                </a:solidFill>
+              <a:rPr lang="en-US" sz="2400" b="1" dirty="0">
                 <a:latin typeface="Times New Roman" panose="02020603050405020304" pitchFamily="18" charset="0"/>
                 <a:cs typeface="Times New Roman" panose="02020603050405020304" pitchFamily="18" charset="0"/>
               </a:rPr>
@@ -4439,7 +4451,7 @@
           <p:cNvPr id="2" name="Title 1">
             <a:extLst>
               <a:ext uri="{FF2B5EF4-FFF2-40B4-BE49-F238E27FC236}">
-                <a16:creationId xmlns:a16="http://schemas.microsoft.com/office/drawing/2014/main" id="{E568FC30-8B85-FDF8-AB85-F42AE8053BD6}"/>
+                <a16:creationId xmlns:a16="http://schemas.microsoft.com/office/drawing/2014/main" id="{FE0CD4F1-21D3-6C4A-0194-73867BFF507F}"/>
               </a:ext>
             </a:extLst>
           </p:cNvPr>
@@ -4452,45 +4464,98 @@
         </p:nvSpPr>
         <p:spPr/>
         <p:txBody>
+          <a:bodyPr>
+            <a:normAutofit/>
+          </a:bodyPr>
+          <a:lstStyle/>
+          <a:p>
+            <a:pPr marL="0" indent="0"/>
+            <a:r>
+              <a:rPr lang="en-US" sz="4000" b="1" dirty="0">
+                <a:solidFill>
+                  <a:srgbClr val="FF0000"/>
+                </a:solidFill>
+                <a:latin typeface="Times New Roman" panose="02020603050405020304" pitchFamily="18" charset="0"/>
+                <a:cs typeface="Times New Roman" panose="02020603050405020304" pitchFamily="18" charset="0"/>
+              </a:rPr>
+              <a:t>BEAST Performance</a:t>
+            </a:r>
+            <a:endParaRPr lang="en-US" b="1" dirty="0">
+              <a:solidFill>
+                <a:srgbClr val="FF0000"/>
+              </a:solidFill>
+            </a:endParaRPr>
+          </a:p>
+        </p:txBody>
+      </p:sp>
+      <p:sp>
+        <p:nvSpPr>
+          <p:cNvPr id="3" name="Content Placeholder 2">
+            <a:extLst>
+              <a:ext uri="{FF2B5EF4-FFF2-40B4-BE49-F238E27FC236}">
+                <a16:creationId xmlns:a16="http://schemas.microsoft.com/office/drawing/2014/main" id="{0DEA6BC7-9703-E071-DCB6-1BDB036FD8EF}"/>
+              </a:ext>
+            </a:extLst>
+          </p:cNvPr>
+          <p:cNvSpPr>
+            <a:spLocks noGrp="1"/>
+          </p:cNvSpPr>
+          <p:nvPr>
+            <p:ph idx="1"/>
+          </p:nvPr>
+        </p:nvSpPr>
+        <p:spPr/>
+        <p:txBody>
           <a:bodyPr/>
           <a:lstStyle/>
           <a:p>
             <a:r>
-              <a:rPr lang="en-US" dirty="0"/>
-              <a:t>Recommendations and Guidance</a:t>
-            </a:r>
-          </a:p>
-        </p:txBody>
-      </p:sp>
-      <p:sp>
-        <p:nvSpPr>
-          <p:cNvPr id="3" name="Content Placeholder 2">
-            <a:extLst>
-              <a:ext uri="{FF2B5EF4-FFF2-40B4-BE49-F238E27FC236}">
-                <a16:creationId xmlns:a16="http://schemas.microsoft.com/office/drawing/2014/main" id="{A4374351-9E2A-DEE3-317F-E48DB8696262}"/>
-              </a:ext>
-            </a:extLst>
-          </p:cNvPr>
-          <p:cNvSpPr>
-            <a:spLocks noGrp="1"/>
-          </p:cNvSpPr>
-          <p:nvPr>
-            <p:ph idx="1"/>
-          </p:nvPr>
-        </p:nvSpPr>
-        <p:spPr/>
-        <p:txBody>
-          <a:bodyPr/>
-          <a:lstStyle/>
-          <a:p>
-            <a:endParaRPr lang="en-US"/>
+              <a:rPr lang="en-US" dirty="0">
+                <a:latin typeface="Times New Roman" panose="02020603050405020304" pitchFamily="18" charset="0"/>
+                <a:cs typeface="Times New Roman" panose="02020603050405020304" pitchFamily="18" charset="0"/>
+              </a:rPr>
+              <a:t>Word Clouds, Word Encoding Algorithm Graphs, </a:t>
+            </a:r>
+          </a:p>
+          <a:p>
+            <a:r>
+              <a:rPr lang="en-US" dirty="0">
+                <a:latin typeface="Times New Roman" panose="02020603050405020304" pitchFamily="18" charset="0"/>
+                <a:cs typeface="Times New Roman" panose="02020603050405020304" pitchFamily="18" charset="0"/>
+              </a:rPr>
+              <a:t>Compare performance of Sentiment Analyzer with </a:t>
+            </a:r>
+            <a:r>
+              <a:rPr lang="en-US" b="0" i="0" u="none" strike="noStrike" dirty="0">
+                <a:solidFill>
+                  <a:srgbClr val="E6EDF3"/>
+                </a:solidFill>
+                <a:effectLst/>
+                <a:latin typeface="Times New Roman" panose="02020603050405020304" pitchFamily="18" charset="0"/>
+                <a:cs typeface="Times New Roman" panose="02020603050405020304" pitchFamily="18" charset="0"/>
+              </a:rPr>
+              <a:t>VADER sentiment analyzer. </a:t>
+            </a:r>
+            <a:endParaRPr lang="en-US" dirty="0">
+              <a:latin typeface="Times New Roman" panose="02020603050405020304" pitchFamily="18" charset="0"/>
+              <a:cs typeface="Times New Roman" panose="02020603050405020304" pitchFamily="18" charset="0"/>
+            </a:endParaRPr>
+          </a:p>
+          <a:p>
+            <a:r>
+              <a:rPr lang="en-US" dirty="0">
+                <a:latin typeface="Times New Roman" panose="02020603050405020304" pitchFamily="18" charset="0"/>
+                <a:cs typeface="Times New Roman" panose="02020603050405020304" pitchFamily="18" charset="0"/>
+              </a:rPr>
+              <a:t>KDE Plots,  A/B Testing Results</a:t>
+            </a:r>
           </a:p>
         </p:txBody>
       </p:sp>
     </p:spTree>
     <p:extLst>
       <p:ext uri="{BB962C8B-B14F-4D97-AF65-F5344CB8AC3E}">
-        <p14:creationId xmlns:p14="http://schemas.microsoft.com/office/powerpoint/2010/main" val="4207199468"/>
+        <p14:creationId xmlns:p14="http://schemas.microsoft.com/office/powerpoint/2010/main" val="1911129665"/>
       </p:ext>
     </p:extLst>
   </p:cSld>
@@ -4522,6 +4587,171 @@
           <p:cNvPr id="2" name="Title 1">
             <a:extLst>
               <a:ext uri="{FF2B5EF4-FFF2-40B4-BE49-F238E27FC236}">
+                <a16:creationId xmlns:a16="http://schemas.microsoft.com/office/drawing/2014/main" id="{E568FC30-8B85-FDF8-AB85-F42AE8053BD6}"/>
+              </a:ext>
+            </a:extLst>
+          </p:cNvPr>
+          <p:cNvSpPr>
+            <a:spLocks noGrp="1"/>
+          </p:cNvSpPr>
+          <p:nvPr>
+            <p:ph type="title"/>
+          </p:nvPr>
+        </p:nvSpPr>
+        <p:spPr/>
+        <p:txBody>
+          <a:bodyPr/>
+          <a:lstStyle/>
+          <a:p>
+            <a:r>
+              <a:rPr lang="en-US" dirty="0">
+                <a:latin typeface="Times New Roman" panose="02020603050405020304" pitchFamily="18" charset="0"/>
+                <a:cs typeface="Times New Roman" panose="02020603050405020304" pitchFamily="18" charset="0"/>
+              </a:rPr>
+              <a:t>Recommendations and Guidance</a:t>
+            </a:r>
+          </a:p>
+        </p:txBody>
+      </p:sp>
+      <p:sp>
+        <p:nvSpPr>
+          <p:cNvPr id="3" name="Content Placeholder 2">
+            <a:extLst>
+              <a:ext uri="{FF2B5EF4-FFF2-40B4-BE49-F238E27FC236}">
+                <a16:creationId xmlns:a16="http://schemas.microsoft.com/office/drawing/2014/main" id="{A4374351-9E2A-DEE3-317F-E48DB8696262}"/>
+              </a:ext>
+            </a:extLst>
+          </p:cNvPr>
+          <p:cNvSpPr>
+            <a:spLocks noGrp="1"/>
+          </p:cNvSpPr>
+          <p:nvPr>
+            <p:ph idx="1"/>
+          </p:nvPr>
+        </p:nvSpPr>
+        <p:spPr/>
+        <p:txBody>
+          <a:bodyPr>
+            <a:normAutofit lnSpcReduction="10000"/>
+          </a:bodyPr>
+          <a:lstStyle/>
+          <a:p>
+            <a:r>
+              <a:rPr lang="en-US" dirty="0">
+                <a:latin typeface="Times New Roman" panose="02020603050405020304" pitchFamily="18" charset="0"/>
+                <a:cs typeface="Times New Roman" panose="02020603050405020304" pitchFamily="18" charset="0"/>
+              </a:rPr>
+              <a:t>Develop labeling functions and other word encoding algorithms for further optimization.</a:t>
+            </a:r>
+          </a:p>
+          <a:p>
+            <a:pPr indent="0">
+              <a:buNone/>
+            </a:pPr>
+            <a:r>
+              <a:rPr lang="en-US" dirty="0">
+                <a:latin typeface="Times New Roman" panose="02020603050405020304" pitchFamily="18" charset="0"/>
+                <a:cs typeface="Times New Roman" panose="02020603050405020304" pitchFamily="18" charset="0"/>
+              </a:rPr>
+              <a:t>	Hand Label a greater expanse of samples to acquire more detailed and 		meaningful Snorkel summary statistics. </a:t>
+            </a:r>
+          </a:p>
+          <a:p>
+            <a:r>
+              <a:rPr lang="en-US" dirty="0">
+                <a:latin typeface="Times New Roman" panose="02020603050405020304" pitchFamily="18" charset="0"/>
+                <a:cs typeface="Times New Roman" panose="02020603050405020304" pitchFamily="18" charset="0"/>
+              </a:rPr>
+              <a:t>Continue to advance hardware capabilities to develop Neural Network models further.</a:t>
+            </a:r>
+          </a:p>
+          <a:p>
+            <a:pPr lvl="2" indent="0">
+              <a:buNone/>
+            </a:pPr>
+            <a:r>
+              <a:rPr lang="en-US" sz="2000" i="0" dirty="0">
+                <a:latin typeface="Times New Roman" panose="02020603050405020304" pitchFamily="18" charset="0"/>
+                <a:cs typeface="Times New Roman" panose="02020603050405020304" pitchFamily="18" charset="0"/>
+              </a:rPr>
+              <a:t>    	Switch to Microsoft and NVIDIA GPU.</a:t>
+            </a:r>
+          </a:p>
+          <a:p>
+            <a:pPr lvl="1"/>
+            <a:endParaRPr lang="en-US" sz="2600" i="0" dirty="0">
+              <a:latin typeface="Times New Roman" panose="02020603050405020304" pitchFamily="18" charset="0"/>
+              <a:cs typeface="Times New Roman" panose="02020603050405020304" pitchFamily="18" charset="0"/>
+            </a:endParaRPr>
+          </a:p>
+          <a:p>
+            <a:pPr indent="0" algn="ctr">
+              <a:buNone/>
+            </a:pPr>
+            <a:r>
+              <a:rPr lang="en-US" b="1" dirty="0">
+                <a:solidFill>
+                  <a:srgbClr val="FF0000"/>
+                </a:solidFill>
+                <a:latin typeface="Times New Roman" panose="02020603050405020304" pitchFamily="18" charset="0"/>
+                <a:cs typeface="Times New Roman" panose="02020603050405020304" pitchFamily="18" charset="0"/>
+              </a:rPr>
+              <a:t>Apply these labeling functions to other well-defined problems such as customer service evaluations, prescription drug side-effect forms, crowd surfing surveys, etc.</a:t>
+            </a:r>
+            <a:endParaRPr lang="en-US" b="1" i="0" dirty="0">
+              <a:solidFill>
+                <a:srgbClr val="FF0000"/>
+              </a:solidFill>
+              <a:latin typeface="Times New Roman" panose="02020603050405020304" pitchFamily="18" charset="0"/>
+              <a:cs typeface="Times New Roman" panose="02020603050405020304" pitchFamily="18" charset="0"/>
+            </a:endParaRPr>
+          </a:p>
+          <a:p>
+            <a:pPr marL="0" indent="0">
+              <a:buNone/>
+            </a:pPr>
+            <a:endParaRPr lang="en-US" dirty="0">
+              <a:latin typeface="Times New Roman" panose="02020603050405020304" pitchFamily="18" charset="0"/>
+              <a:cs typeface="Times New Roman" panose="02020603050405020304" pitchFamily="18" charset="0"/>
+            </a:endParaRPr>
+          </a:p>
+        </p:txBody>
+      </p:sp>
+    </p:spTree>
+    <p:extLst>
+      <p:ext uri="{BB962C8B-B14F-4D97-AF65-F5344CB8AC3E}">
+        <p14:creationId xmlns:p14="http://schemas.microsoft.com/office/powerpoint/2010/main" val="4207199468"/>
+      </p:ext>
+    </p:extLst>
+  </p:cSld>
+  <p:clrMapOvr>
+    <a:masterClrMapping/>
+  </p:clrMapOvr>
+</p:sld>
+</file>
+
+<file path=ppt/slides/slide12.xml><?xml version="1.0" encoding="utf-8"?>
+<p:sld xmlns:a="http://schemas.openxmlformats.org/drawingml/2006/main" xmlns:r="http://schemas.openxmlformats.org/officeDocument/2006/relationships" xmlns:p="http://schemas.openxmlformats.org/presentationml/2006/main">
+  <p:cSld>
+    <p:spTree>
+      <p:nvGrpSpPr>
+        <p:cNvPr id="1" name=""/>
+        <p:cNvGrpSpPr/>
+        <p:nvPr/>
+      </p:nvGrpSpPr>
+      <p:grpSpPr>
+        <a:xfrm>
+          <a:off x="0" y="0"/>
+          <a:ext cx="0" cy="0"/>
+          <a:chOff x="0" y="0"/>
+          <a:chExt cx="0" cy="0"/>
+        </a:xfrm>
+      </p:grpSpPr>
+      <p:sp>
+        <p:nvSpPr>
+          <p:cNvPr id="2" name="Title 1">
+            <a:extLst>
+              <a:ext uri="{FF2B5EF4-FFF2-40B4-BE49-F238E27FC236}">
                 <a16:creationId xmlns:a16="http://schemas.microsoft.com/office/drawing/2014/main" id="{23737E6A-5CEF-EB8F-7484-1E88444C3D6D}"/>
               </a:ext>
             </a:extLst>
@@ -4539,34 +4769,46 @@
           <a:lstStyle/>
           <a:p>
             <a:r>
+              <a:rPr lang="en-US" dirty="0">
+                <a:latin typeface="Times New Roman" panose="02020603050405020304" pitchFamily="18" charset="0"/>
+                <a:cs typeface="Times New Roman" panose="02020603050405020304" pitchFamily="18" charset="0"/>
+              </a:rPr>
+              <a:t>Conclusion</a:t>
+            </a:r>
+          </a:p>
+        </p:txBody>
+      </p:sp>
+      <p:sp>
+        <p:nvSpPr>
+          <p:cNvPr id="3" name="Content Placeholder 2">
+            <a:extLst>
+              <a:ext uri="{FF2B5EF4-FFF2-40B4-BE49-F238E27FC236}">
+                <a16:creationId xmlns:a16="http://schemas.microsoft.com/office/drawing/2014/main" id="{D3948882-BFC6-51B0-8BA3-55421DC01397}"/>
+              </a:ext>
+            </a:extLst>
+          </p:cNvPr>
+          <p:cNvSpPr>
+            <a:spLocks noGrp="1"/>
+          </p:cNvSpPr>
+          <p:nvPr>
+            <p:ph idx="1"/>
+          </p:nvPr>
+        </p:nvSpPr>
+        <p:spPr/>
+        <p:txBody>
+          <a:bodyPr/>
+          <a:lstStyle/>
+          <a:p>
+            <a:r>
               <a:rPr lang="en-US" dirty="0"/>
-              <a:t>Conclusion</a:t>
-            </a:r>
-          </a:p>
-        </p:txBody>
-      </p:sp>
-      <p:sp>
-        <p:nvSpPr>
-          <p:cNvPr id="3" name="Content Placeholder 2">
-            <a:extLst>
-              <a:ext uri="{FF2B5EF4-FFF2-40B4-BE49-F238E27FC236}">
-                <a16:creationId xmlns:a16="http://schemas.microsoft.com/office/drawing/2014/main" id="{D3948882-BFC6-51B0-8BA3-55421DC01397}"/>
-              </a:ext>
-            </a:extLst>
-          </p:cNvPr>
-          <p:cNvSpPr>
-            <a:spLocks noGrp="1"/>
-          </p:cNvSpPr>
-          <p:nvPr>
-            <p:ph idx="1"/>
-          </p:nvPr>
-        </p:nvSpPr>
-        <p:spPr/>
-        <p:txBody>
-          <a:bodyPr/>
-          <a:lstStyle/>
-          <a:p>
-            <a:endParaRPr lang="en-US"/>
+              <a:t>We use labeling functions in our everyday lives!</a:t>
+            </a:r>
+          </a:p>
+          <a:p>
+            <a:r>
+              <a:rPr lang="en-US" dirty="0"/>
+              <a:t>When we harness multiple powerful modeling techniques with these relatively simple primitive fundamental forms, complex and daunting language processing challenges become simpler and more realistic to understand. </a:t>
+            </a:r>
           </a:p>
         </p:txBody>
       </p:sp>
@@ -4574,6 +4816,384 @@
     <p:extLst>
       <p:ext uri="{BB962C8B-B14F-4D97-AF65-F5344CB8AC3E}">
         <p14:creationId xmlns:p14="http://schemas.microsoft.com/office/powerpoint/2010/main" val="4181538902"/>
+      </p:ext>
+    </p:extLst>
+  </p:cSld>
+  <p:clrMapOvr>
+    <a:masterClrMapping/>
+  </p:clrMapOvr>
+</p:sld>
+</file>
+
+<file path=ppt/slides/slide13.xml><?xml version="1.0" encoding="utf-8"?>
+<p:sld xmlns:a="http://schemas.openxmlformats.org/drawingml/2006/main" xmlns:r="http://schemas.openxmlformats.org/officeDocument/2006/relationships" xmlns:p="http://schemas.openxmlformats.org/presentationml/2006/main">
+  <p:cSld>
+    <p:spTree>
+      <p:nvGrpSpPr>
+        <p:cNvPr id="1" name=""/>
+        <p:cNvGrpSpPr/>
+        <p:nvPr/>
+      </p:nvGrpSpPr>
+      <p:grpSpPr>
+        <a:xfrm>
+          <a:off x="0" y="0"/>
+          <a:ext cx="0" cy="0"/>
+          <a:chOff x="0" y="0"/>
+          <a:chExt cx="0" cy="0"/>
+        </a:xfrm>
+      </p:grpSpPr>
+      <p:sp>
+        <p:nvSpPr>
+          <p:cNvPr id="2" name="Title 1">
+            <a:extLst>
+              <a:ext uri="{FF2B5EF4-FFF2-40B4-BE49-F238E27FC236}">
+                <a16:creationId xmlns:a16="http://schemas.microsoft.com/office/drawing/2014/main" id="{CF398215-AA8A-CBC0-EA1B-BB0A5A58BCA8}"/>
+              </a:ext>
+            </a:extLst>
+          </p:cNvPr>
+          <p:cNvSpPr>
+            <a:spLocks noGrp="1"/>
+          </p:cNvSpPr>
+          <p:nvPr>
+            <p:ph type="title"/>
+          </p:nvPr>
+        </p:nvSpPr>
+        <p:spPr/>
+        <p:txBody>
+          <a:bodyPr/>
+          <a:lstStyle/>
+          <a:p>
+            <a:r>
+              <a:rPr lang="en-US" dirty="0">
+                <a:latin typeface="Times New Roman" panose="02020603050405020304" pitchFamily="18" charset="0"/>
+                <a:cs typeface="Times New Roman" panose="02020603050405020304" pitchFamily="18" charset="0"/>
+              </a:rPr>
+              <a:t>References</a:t>
+            </a:r>
+          </a:p>
+        </p:txBody>
+      </p:sp>
+      <p:sp>
+        <p:nvSpPr>
+          <p:cNvPr id="3" name="Content Placeholder 2">
+            <a:extLst>
+              <a:ext uri="{FF2B5EF4-FFF2-40B4-BE49-F238E27FC236}">
+                <a16:creationId xmlns:a16="http://schemas.microsoft.com/office/drawing/2014/main" id="{4771F892-389C-2465-81F9-343BF0577482}"/>
+              </a:ext>
+            </a:extLst>
+          </p:cNvPr>
+          <p:cNvSpPr>
+            <a:spLocks noGrp="1"/>
+          </p:cNvSpPr>
+          <p:nvPr>
+            <p:ph idx="1"/>
+          </p:nvPr>
+        </p:nvSpPr>
+        <p:spPr/>
+        <p:txBody>
+          <a:bodyPr>
+            <a:normAutofit fontScale="55000" lnSpcReduction="20000"/>
+          </a:bodyPr>
+          <a:lstStyle/>
+          <a:p>
+            <a:r>
+              <a:rPr lang="en-US" b="0" dirty="0">
+                <a:effectLst/>
+                <a:latin typeface="Menlo" panose="020B0609030804020204" pitchFamily="49" charset="0"/>
+              </a:rPr>
+              <a:t>`API` Documentation from `NYT`: https://</a:t>
+            </a:r>
+            <a:r>
+              <a:rPr lang="en-US" b="0" dirty="0" err="1">
+                <a:effectLst/>
+                <a:latin typeface="Menlo" panose="020B0609030804020204" pitchFamily="49" charset="0"/>
+              </a:rPr>
+              <a:t>developer.nytimes.com</a:t>
+            </a:r>
+            <a:r>
+              <a:rPr lang="en-US" b="0" dirty="0">
+                <a:effectLst/>
+                <a:latin typeface="Menlo" panose="020B0609030804020204" pitchFamily="49" charset="0"/>
+              </a:rPr>
+              <a:t>/</a:t>
+            </a:r>
+            <a:r>
+              <a:rPr lang="en-US" b="0" dirty="0" err="1">
+                <a:effectLst/>
+                <a:latin typeface="Menlo" panose="020B0609030804020204" pitchFamily="49" charset="0"/>
+              </a:rPr>
+              <a:t>apis</a:t>
+            </a:r>
+            <a:endParaRPr lang="en-US" b="0" dirty="0">
+              <a:effectLst/>
+              <a:latin typeface="Menlo" panose="020B0609030804020204" pitchFamily="49" charset="0"/>
+            </a:endParaRPr>
+          </a:p>
+          <a:p>
+            <a:r>
+              <a:rPr lang="en-US" b="0" dirty="0">
+                <a:effectLst/>
+                <a:latin typeface="Menlo" panose="020B0609030804020204" pitchFamily="49" charset="0"/>
+              </a:rPr>
+              <a:t>Code for </a:t>
+            </a:r>
+            <a:r>
+              <a:rPr lang="en-US" b="0" dirty="0" err="1">
+                <a:effectLst/>
+                <a:latin typeface="Menlo" panose="020B0609030804020204" pitchFamily="49" charset="0"/>
+              </a:rPr>
+              <a:t>webscraping</a:t>
+            </a:r>
+            <a:r>
+              <a:rPr lang="en-US" b="0" dirty="0">
+                <a:effectLst/>
+                <a:latin typeface="Menlo" panose="020B0609030804020204" pitchFamily="49" charset="0"/>
+              </a:rPr>
+              <a:t> adapted from fellow </a:t>
+            </a:r>
+            <a:r>
+              <a:rPr lang="en-US" b="0" dirty="0" err="1">
+                <a:effectLst/>
+                <a:latin typeface="Menlo" panose="020B0609030804020204" pitchFamily="49" charset="0"/>
+              </a:rPr>
+              <a:t>coursemate's</a:t>
+            </a:r>
+            <a:r>
+              <a:rPr lang="en-US" b="0" dirty="0">
+                <a:effectLst/>
+                <a:latin typeface="Menlo" panose="020B0609030804020204" pitchFamily="49" charset="0"/>
+              </a:rPr>
+              <a:t> group project, with their permission this code was included in the pipeline for this project.</a:t>
+            </a:r>
+          </a:p>
+          <a:p>
+            <a:r>
+              <a:rPr lang="en-US" b="0" dirty="0">
+                <a:effectLst/>
+                <a:latin typeface="Menlo" panose="020B0609030804020204" pitchFamily="49" charset="0"/>
+              </a:rPr>
+              <a:t>Snorkel documentation for Cohen Kappa Score labeling: https://</a:t>
+            </a:r>
+            <a:r>
+              <a:rPr lang="en-US" b="0" dirty="0" err="1">
+                <a:effectLst/>
+                <a:latin typeface="Menlo" panose="020B0609030804020204" pitchFamily="49" charset="0"/>
+              </a:rPr>
+              <a:t>www.snorkel.org</a:t>
+            </a:r>
+            <a:endParaRPr lang="en-US" b="0" dirty="0">
+              <a:effectLst/>
+              <a:latin typeface="Menlo" panose="020B0609030804020204" pitchFamily="49" charset="0"/>
+            </a:endParaRPr>
+          </a:p>
+          <a:p>
+            <a:r>
+              <a:rPr lang="en-US" b="0" dirty="0">
+                <a:effectLst/>
+                <a:latin typeface="Menlo" panose="020B0609030804020204" pitchFamily="49" charset="0"/>
+              </a:rPr>
+              <a:t>Pew Center Article on Bias: https://</a:t>
+            </a:r>
+            <a:r>
+              <a:rPr lang="en-US" b="0" dirty="0" err="1">
+                <a:effectLst/>
+                <a:latin typeface="Menlo" panose="020B0609030804020204" pitchFamily="49" charset="0"/>
+              </a:rPr>
+              <a:t>www.pewresearch.org</a:t>
+            </a:r>
+            <a:r>
+              <a:rPr lang="en-US" b="0" dirty="0">
+                <a:effectLst/>
+                <a:latin typeface="Menlo" panose="020B0609030804020204" pitchFamily="49" charset="0"/>
+              </a:rPr>
+              <a:t>/internet/2017/10/19/the-future-of-truth-and-misinformation-online</a:t>
+            </a:r>
+          </a:p>
+          <a:p>
+            <a:r>
+              <a:rPr lang="en-US" b="0" dirty="0">
+                <a:effectLst/>
+                <a:latin typeface="Menlo" panose="020B0609030804020204" pitchFamily="49" charset="0"/>
+              </a:rPr>
+              <a:t>VADER Documentation: https://</a:t>
+            </a:r>
+            <a:r>
+              <a:rPr lang="en-US" b="0" dirty="0" err="1">
+                <a:effectLst/>
+                <a:latin typeface="Menlo" panose="020B0609030804020204" pitchFamily="49" charset="0"/>
+              </a:rPr>
+              <a:t>vadersentiment.readthedocs.io</a:t>
+            </a:r>
+            <a:endParaRPr lang="en-US" b="0" dirty="0">
+              <a:effectLst/>
+              <a:latin typeface="Menlo" panose="020B0609030804020204" pitchFamily="49" charset="0"/>
+            </a:endParaRPr>
+          </a:p>
+          <a:p>
+            <a:r>
+              <a:rPr lang="en-US" b="0" dirty="0">
+                <a:effectLst/>
+                <a:latin typeface="Menlo" panose="020B0609030804020204" pitchFamily="49" charset="0"/>
+              </a:rPr>
+              <a:t>Kaggle GPU Documentation: https://</a:t>
+            </a:r>
+            <a:r>
+              <a:rPr lang="en-US" b="0" dirty="0" err="1">
+                <a:effectLst/>
+                <a:latin typeface="Menlo" panose="020B0609030804020204" pitchFamily="49" charset="0"/>
+              </a:rPr>
+              <a:t>www.kaggle.com</a:t>
+            </a:r>
+            <a:r>
+              <a:rPr lang="en-US" b="0" dirty="0">
+                <a:effectLst/>
+                <a:latin typeface="Menlo" panose="020B0609030804020204" pitchFamily="49" charset="0"/>
+              </a:rPr>
+              <a:t>/code/</a:t>
+            </a:r>
+            <a:r>
+              <a:rPr lang="en-US" b="0" dirty="0" err="1">
+                <a:effectLst/>
+                <a:latin typeface="Menlo" panose="020B0609030804020204" pitchFamily="49" charset="0"/>
+              </a:rPr>
+              <a:t>dansbecker</a:t>
+            </a:r>
+            <a:r>
+              <a:rPr lang="en-US" b="0" dirty="0">
+                <a:effectLst/>
+                <a:latin typeface="Menlo" panose="020B0609030804020204" pitchFamily="49" charset="0"/>
+              </a:rPr>
+              <a:t>/running-</a:t>
+            </a:r>
+            <a:r>
+              <a:rPr lang="en-US" b="0" dirty="0" err="1">
+                <a:effectLst/>
+                <a:latin typeface="Menlo" panose="020B0609030804020204" pitchFamily="49" charset="0"/>
+              </a:rPr>
+              <a:t>kaggle</a:t>
+            </a:r>
+            <a:r>
+              <a:rPr lang="en-US" b="0" dirty="0">
+                <a:effectLst/>
+                <a:latin typeface="Menlo" panose="020B0609030804020204" pitchFamily="49" charset="0"/>
+              </a:rPr>
+              <a:t>-kernels-with-a-</a:t>
+            </a:r>
+            <a:r>
+              <a:rPr lang="en-US" b="0" dirty="0" err="1">
+                <a:effectLst/>
+                <a:latin typeface="Menlo" panose="020B0609030804020204" pitchFamily="49" charset="0"/>
+              </a:rPr>
+              <a:t>gpu</a:t>
+            </a:r>
+            <a:endParaRPr lang="en-US" b="0" dirty="0">
+              <a:effectLst/>
+              <a:latin typeface="Menlo" panose="020B0609030804020204" pitchFamily="49" charset="0"/>
+            </a:endParaRPr>
+          </a:p>
+          <a:p>
+            <a:r>
+              <a:rPr lang="en-US" b="0" dirty="0">
+                <a:effectLst/>
+                <a:latin typeface="Menlo" panose="020B0609030804020204" pitchFamily="49" charset="0"/>
+              </a:rPr>
+              <a:t>CBOW/Skip Gram: https://</a:t>
+            </a:r>
+            <a:r>
+              <a:rPr lang="en-US" b="0" dirty="0" err="1">
+                <a:effectLst/>
+                <a:latin typeface="Menlo" panose="020B0609030804020204" pitchFamily="49" charset="0"/>
+              </a:rPr>
+              <a:t>towardsdatascience.com</a:t>
+            </a:r>
+            <a:r>
+              <a:rPr lang="en-US" b="0" dirty="0">
+                <a:effectLst/>
+                <a:latin typeface="Menlo" panose="020B0609030804020204" pitchFamily="49" charset="0"/>
+              </a:rPr>
+              <a:t>/understanding-feature-engineering-part-4-deep-learning-methods-for-text-data-96c44370bbfa</a:t>
+            </a:r>
+          </a:p>
+          <a:p>
+            <a:r>
+              <a:rPr lang="en-US" b="0" dirty="0">
+                <a:effectLst/>
+                <a:latin typeface="Menlo" panose="020B0609030804020204" pitchFamily="49" charset="0"/>
+              </a:rPr>
+              <a:t>CBOW/</a:t>
+            </a:r>
+            <a:r>
+              <a:rPr lang="en-US" b="0" dirty="0" err="1">
+                <a:effectLst/>
+                <a:latin typeface="Menlo" panose="020B0609030804020204" pitchFamily="49" charset="0"/>
+              </a:rPr>
+              <a:t>SKip</a:t>
+            </a:r>
+            <a:r>
+              <a:rPr lang="en-US" b="0" dirty="0">
+                <a:effectLst/>
+                <a:latin typeface="Menlo" panose="020B0609030804020204" pitchFamily="49" charset="0"/>
+              </a:rPr>
+              <a:t> Gram: https://</a:t>
+            </a:r>
+            <a:r>
+              <a:rPr lang="en-US" b="0" dirty="0" err="1">
+                <a:effectLst/>
+                <a:latin typeface="Menlo" panose="020B0609030804020204" pitchFamily="49" charset="0"/>
+              </a:rPr>
+              <a:t>medium.com</a:t>
+            </a:r>
+            <a:r>
+              <a:rPr lang="en-US" b="0" dirty="0">
+                <a:effectLst/>
+                <a:latin typeface="Menlo" panose="020B0609030804020204" pitchFamily="49" charset="0"/>
+              </a:rPr>
+              <a:t>/@dube.aditya8/word2vec-skip-gram-cbow-b5e802b00390</a:t>
+            </a:r>
+          </a:p>
+          <a:p>
+            <a:r>
+              <a:rPr lang="en-US" b="0" dirty="0">
+                <a:effectLst/>
+                <a:latin typeface="Menlo" panose="020B0609030804020204" pitchFamily="49" charset="0"/>
+              </a:rPr>
+              <a:t>KDE Plot Documentation: https://</a:t>
+            </a:r>
+            <a:r>
+              <a:rPr lang="en-US" b="0" dirty="0" err="1">
+                <a:effectLst/>
+                <a:latin typeface="Menlo" panose="020B0609030804020204" pitchFamily="49" charset="0"/>
+              </a:rPr>
+              <a:t>seaborn.pydata.org</a:t>
+            </a:r>
+            <a:r>
+              <a:rPr lang="en-US" b="0" dirty="0">
+                <a:effectLst/>
+                <a:latin typeface="Menlo" panose="020B0609030804020204" pitchFamily="49" charset="0"/>
+              </a:rPr>
+              <a:t>/generated/</a:t>
+            </a:r>
+            <a:r>
+              <a:rPr lang="en-US" b="0" dirty="0" err="1">
+                <a:effectLst/>
+                <a:latin typeface="Menlo" panose="020B0609030804020204" pitchFamily="49" charset="0"/>
+              </a:rPr>
+              <a:t>seaborn.kdeplot.html</a:t>
+            </a:r>
+            <a:endParaRPr lang="en-US" b="0" dirty="0">
+              <a:effectLst/>
+              <a:latin typeface="Menlo" panose="020B0609030804020204" pitchFamily="49" charset="0"/>
+            </a:endParaRPr>
+          </a:p>
+          <a:p>
+            <a:endParaRPr lang="en-US" dirty="0"/>
+          </a:p>
+        </p:txBody>
+      </p:sp>
+    </p:spTree>
+    <p:extLst>
+      <p:ext uri="{BB962C8B-B14F-4D97-AF65-F5344CB8AC3E}">
+        <p14:creationId xmlns:p14="http://schemas.microsoft.com/office/powerpoint/2010/main" val="743514107"/>
       </p:ext>
     </p:extLst>
   </p:cSld>
@@ -4616,7 +5236,12 @@
             <p:ph type="title"/>
           </p:nvPr>
         </p:nvSpPr>
-        <p:spPr/>
+        <p:spPr>
+          <a:xfrm>
+            <a:off x="1839686" y="110935"/>
+            <a:ext cx="9905999" cy="1360898"/>
+          </a:xfrm>
+        </p:spPr>
         <p:txBody>
           <a:bodyPr/>
           <a:lstStyle/>
@@ -4647,9 +5272,16 @@
             <p:ph idx="1"/>
           </p:nvPr>
         </p:nvSpPr>
-        <p:spPr/>
-        <p:txBody>
-          <a:bodyPr/>
+        <p:spPr>
+          <a:xfrm>
+            <a:off x="1143000" y="1471833"/>
+            <a:ext cx="9905999" cy="4221396"/>
+          </a:xfrm>
+        </p:spPr>
+        <p:txBody>
+          <a:bodyPr>
+            <a:noAutofit/>
+          </a:bodyPr>
           <a:lstStyle/>
           <a:p>
             <a:pPr algn="l">
@@ -4680,14 +5312,41 @@
               </a:rPr>
               <a:t>We present novel methods for determining bias within abstracts/headlines of online articles, label these articles based on relative bias levels, and harness these labels to train a neural network model capable of upscaling this labeling process.</a:t>
             </a:r>
-            <a:endParaRPr lang="en-US" b="0" i="0" u="none" strike="noStrike" dirty="0">
-              <a:solidFill>
-                <a:srgbClr val="E6EDF3"/>
-              </a:solidFill>
-              <a:effectLst/>
-              <a:latin typeface="Times New Roman" panose="02020603050405020304" pitchFamily="18" charset="0"/>
-              <a:cs typeface="Times New Roman" panose="02020603050405020304" pitchFamily="18" charset="0"/>
-            </a:endParaRPr>
+          </a:p>
+          <a:p>
+            <a:r>
+              <a:rPr lang="en-US" b="1" i="0" u="none" strike="noStrike" dirty="0">
+                <a:solidFill>
+                  <a:srgbClr val="E6EDF3"/>
+                </a:solidFill>
+                <a:effectLst/>
+                <a:latin typeface="Times New Roman" panose="02020603050405020304" pitchFamily="18" charset="0"/>
+                <a:cs typeface="Times New Roman" panose="02020603050405020304" pitchFamily="18" charset="0"/>
+              </a:rPr>
+              <a:t>The result was a </a:t>
+            </a:r>
+            <a:r>
+              <a:rPr lang="en-US" b="1" i="0" u="none" strike="noStrike" dirty="0" err="1">
+                <a:solidFill>
+                  <a:srgbClr val="E6EDF3"/>
+                </a:solidFill>
+                <a:effectLst/>
+                <a:latin typeface="Times New Roman" panose="02020603050405020304" pitchFamily="18" charset="0"/>
+                <a:cs typeface="Times New Roman" panose="02020603050405020304" pitchFamily="18" charset="0"/>
+              </a:rPr>
+              <a:t>Streamlit</a:t>
+            </a:r>
+            <a:r>
+              <a:rPr lang="en-US" b="1" i="0" u="none" strike="noStrike" dirty="0">
+                <a:solidFill>
+                  <a:srgbClr val="E6EDF3"/>
+                </a:solidFill>
+                <a:effectLst/>
+                <a:latin typeface="Times New Roman" panose="02020603050405020304" pitchFamily="18" charset="0"/>
+                <a:cs typeface="Times New Roman" panose="02020603050405020304" pitchFamily="18" charset="0"/>
+              </a:rPr>
+              <a:t> App with a Bias Estimator and Analyzer of Sentiment Tendency (BEAST) Engine, capable of scoring bias on a 0 to 1 scale and returning a sentiment score from -1 to 1. </a:t>
+            </a:r>
           </a:p>
           <a:p>
             <a:pPr algn="l">
@@ -4754,165 +5413,111 @@
             <p:ph type="title"/>
           </p:nvPr>
         </p:nvSpPr>
+        <p:spPr>
+          <a:xfrm>
+            <a:off x="1142999" y="958856"/>
+            <a:ext cx="9905999" cy="1360898"/>
+          </a:xfrm>
+        </p:spPr>
+        <p:txBody>
+          <a:bodyPr/>
+          <a:lstStyle/>
+          <a:p>
+            <a:r>
+              <a:rPr lang="en-US" dirty="0">
+                <a:latin typeface="Times New Roman" panose="02020603050405020304" pitchFamily="18" charset="0"/>
+                <a:cs typeface="Times New Roman" panose="02020603050405020304" pitchFamily="18" charset="0"/>
+              </a:rPr>
+              <a:t>Methods</a:t>
+            </a:r>
+          </a:p>
+        </p:txBody>
+      </p:sp>
+      <p:sp>
+        <p:nvSpPr>
+          <p:cNvPr id="3" name="Content Placeholder 2">
+            <a:extLst>
+              <a:ext uri="{FF2B5EF4-FFF2-40B4-BE49-F238E27FC236}">
+                <a16:creationId xmlns:a16="http://schemas.microsoft.com/office/drawing/2014/main" id="{CD0F9A21-7AF5-AC75-484E-1AA11799D0C7}"/>
+              </a:ext>
+            </a:extLst>
+          </p:cNvPr>
+          <p:cNvSpPr>
+            <a:spLocks noGrp="1"/>
+          </p:cNvSpPr>
+          <p:nvPr>
+            <p:ph idx="1"/>
+          </p:nvPr>
+        </p:nvSpPr>
         <p:spPr/>
         <p:txBody>
-          <a:bodyPr/>
-          <a:lstStyle/>
+          <a:bodyPr>
+            <a:normAutofit/>
+          </a:bodyPr>
+          <a:lstStyle/>
+          <a:p>
+            <a:r>
+              <a:rPr lang="en-US" dirty="0" err="1">
+                <a:latin typeface="Times New Roman" panose="02020603050405020304" pitchFamily="18" charset="0"/>
+                <a:cs typeface="Times New Roman" panose="02020603050405020304" pitchFamily="18" charset="0"/>
+              </a:rPr>
+              <a:t>Webscraping</a:t>
+            </a:r>
+            <a:endParaRPr lang="en-US" dirty="0">
+              <a:latin typeface="Times New Roman" panose="02020603050405020304" pitchFamily="18" charset="0"/>
+              <a:cs typeface="Times New Roman" panose="02020603050405020304" pitchFamily="18" charset="0"/>
+            </a:endParaRPr>
+          </a:p>
           <a:p>
             <a:r>
               <a:rPr lang="en-US" dirty="0">
                 <a:latin typeface="Times New Roman" panose="02020603050405020304" pitchFamily="18" charset="0"/>
                 <a:cs typeface="Times New Roman" panose="02020603050405020304" pitchFamily="18" charset="0"/>
               </a:rPr>
-              <a:t>Methods</a:t>
-            </a:r>
-          </a:p>
-        </p:txBody>
-      </p:sp>
-      <p:sp>
-        <p:nvSpPr>
-          <p:cNvPr id="3" name="Content Placeholder 2">
-            <a:extLst>
-              <a:ext uri="{FF2B5EF4-FFF2-40B4-BE49-F238E27FC236}">
-                <a16:creationId xmlns:a16="http://schemas.microsoft.com/office/drawing/2014/main" id="{CD0F9A21-7AF5-AC75-484E-1AA11799D0C7}"/>
-              </a:ext>
-            </a:extLst>
-          </p:cNvPr>
-          <p:cNvSpPr>
-            <a:spLocks noGrp="1"/>
-          </p:cNvSpPr>
-          <p:nvPr>
-            <p:ph idx="1"/>
-          </p:nvPr>
-        </p:nvSpPr>
-        <p:spPr/>
-        <p:txBody>
-          <a:bodyPr>
-            <a:normAutofit fontScale="92500" lnSpcReduction="20000"/>
-          </a:bodyPr>
-          <a:lstStyle/>
+              <a:t>Natural Language Processing Binary Classification Modeling</a:t>
+            </a:r>
+          </a:p>
+          <a:p>
+            <a:r>
+              <a:rPr lang="en-US" dirty="0">
+                <a:latin typeface="Times New Roman" panose="02020603050405020304" pitchFamily="18" charset="0"/>
+                <a:cs typeface="Times New Roman" panose="02020603050405020304" pitchFamily="18" charset="0"/>
+              </a:rPr>
+              <a:t>Labeling Functions with Proprietary Snorkel Functions</a:t>
+            </a:r>
+          </a:p>
+          <a:p>
+            <a:r>
+              <a:rPr lang="en-US" dirty="0">
+                <a:latin typeface="Times New Roman" panose="02020603050405020304" pitchFamily="18" charset="0"/>
+                <a:cs typeface="Times New Roman" panose="02020603050405020304" pitchFamily="18" charset="0"/>
+              </a:rPr>
+              <a:t>Long Short Term Memory (LSTM) Neural Networks, </a:t>
+            </a:r>
+          </a:p>
+          <a:p>
+            <a:r>
+              <a:rPr lang="en-US" dirty="0">
+                <a:latin typeface="Times New Roman" panose="02020603050405020304" pitchFamily="18" charset="0"/>
+                <a:cs typeface="Times New Roman" panose="02020603050405020304" pitchFamily="18" charset="0"/>
+              </a:rPr>
+              <a:t>Word2Vec, Continuous Bag Of Words, and Skip Gram word encoding algorithms.</a:t>
+            </a:r>
+          </a:p>
           <a:p>
             <a:r>
               <a:rPr lang="en-US" dirty="0" err="1">
                 <a:latin typeface="Times New Roman" panose="02020603050405020304" pitchFamily="18" charset="0"/>
                 <a:cs typeface="Times New Roman" panose="02020603050405020304" pitchFamily="18" charset="0"/>
               </a:rPr>
-              <a:t>Webscraping</a:t>
+              <a:t>Streamlit</a:t>
             </a:r>
             <a:r>
               <a:rPr lang="en-US" dirty="0">
                 <a:latin typeface="Times New Roman" panose="02020603050405020304" pitchFamily="18" charset="0"/>
                 <a:cs typeface="Times New Roman" panose="02020603050405020304" pitchFamily="18" charset="0"/>
               </a:rPr>
-              <a:t> with New York Times API </a:t>
-            </a:r>
-          </a:p>
-          <a:p>
-            <a:r>
-              <a:rPr lang="en-US" dirty="0">
-                <a:latin typeface="Times New Roman" panose="02020603050405020304" pitchFamily="18" charset="0"/>
-                <a:cs typeface="Times New Roman" panose="02020603050405020304" pitchFamily="18" charset="0"/>
-              </a:rPr>
-              <a:t>Natural Language Processing Binary Classification Models</a:t>
-            </a:r>
-          </a:p>
-          <a:p>
-            <a:r>
-              <a:rPr lang="en-US" dirty="0">
-                <a:latin typeface="Times New Roman" panose="02020603050405020304" pitchFamily="18" charset="0"/>
-                <a:cs typeface="Times New Roman" panose="02020603050405020304" pitchFamily="18" charset="0"/>
-              </a:rPr>
-              <a:t>Labeling Functions with Proprietary Snorkel Functions</a:t>
-            </a:r>
-          </a:p>
-          <a:p>
-            <a:r>
-              <a:rPr lang="en-US" dirty="0">
-                <a:latin typeface="Times New Roman" panose="02020603050405020304" pitchFamily="18" charset="0"/>
-                <a:cs typeface="Times New Roman" panose="02020603050405020304" pitchFamily="18" charset="0"/>
-              </a:rPr>
-              <a:t>Long Short Term Memory (LSTM) Neural Networks, Word2Vec, Continuous Bag Of Words, and Skip Grams algorithms.</a:t>
-            </a:r>
-          </a:p>
-          <a:p>
-            <a:r>
-              <a:rPr lang="en-US" dirty="0">
-                <a:latin typeface="Times New Roman" panose="02020603050405020304" pitchFamily="18" charset="0"/>
-                <a:cs typeface="Times New Roman" panose="02020603050405020304" pitchFamily="18" charset="0"/>
-              </a:rPr>
-              <a:t>Custom Sentiment Analyzer validated with </a:t>
-            </a:r>
-            <a:r>
-              <a:rPr lang="en-US" b="0" i="0" u="none" strike="noStrike" dirty="0">
-                <a:solidFill>
-                  <a:srgbClr val="E6EDF3"/>
-                </a:solidFill>
-                <a:effectLst/>
-                <a:latin typeface="Times New Roman" panose="02020603050405020304" pitchFamily="18" charset="0"/>
-                <a:cs typeface="Times New Roman" panose="02020603050405020304" pitchFamily="18" charset="0"/>
-              </a:rPr>
-              <a:t>VADER (Valence Aware Dictionary and </a:t>
-            </a:r>
-            <a:r>
-              <a:rPr lang="en-US" b="0" i="0" u="none" strike="noStrike" dirty="0" err="1">
-                <a:solidFill>
-                  <a:srgbClr val="E6EDF3"/>
-                </a:solidFill>
-                <a:effectLst/>
-                <a:latin typeface="Times New Roman" panose="02020603050405020304" pitchFamily="18" charset="0"/>
-                <a:cs typeface="Times New Roman" panose="02020603050405020304" pitchFamily="18" charset="0"/>
-              </a:rPr>
-              <a:t>sEntiment</a:t>
-            </a:r>
-            <a:r>
-              <a:rPr lang="en-US" b="0" i="0" u="none" strike="noStrike" dirty="0">
-                <a:solidFill>
-                  <a:srgbClr val="E6EDF3"/>
-                </a:solidFill>
-                <a:effectLst/>
-                <a:latin typeface="Times New Roman" panose="02020603050405020304" pitchFamily="18" charset="0"/>
-                <a:cs typeface="Times New Roman" panose="02020603050405020304" pitchFamily="18" charset="0"/>
-              </a:rPr>
-              <a:t> Reasoner)</a:t>
-            </a:r>
-            <a:r>
-              <a:rPr lang="en-US" dirty="0">
-                <a:latin typeface="Times New Roman" panose="02020603050405020304" pitchFamily="18" charset="0"/>
-                <a:cs typeface="Times New Roman" panose="02020603050405020304" pitchFamily="18" charset="0"/>
-              </a:rPr>
-              <a:t> sentiment analyzer. </a:t>
-            </a:r>
-          </a:p>
-          <a:p>
-            <a:r>
-              <a:rPr lang="en-US" dirty="0">
-                <a:latin typeface="Times New Roman" panose="02020603050405020304" pitchFamily="18" charset="0"/>
-                <a:cs typeface="Times New Roman" panose="02020603050405020304" pitchFamily="18" charset="0"/>
-              </a:rPr>
-              <a:t>Kernel Density Estimation Plots and A/B Analysis on Function and Analyzer Outputs. </a:t>
-            </a:r>
-          </a:p>
-          <a:p>
-            <a:r>
-              <a:rPr lang="en-US" dirty="0">
-                <a:latin typeface="Times New Roman" panose="02020603050405020304" pitchFamily="18" charset="0"/>
-                <a:cs typeface="Times New Roman" panose="02020603050405020304" pitchFamily="18" charset="0"/>
-              </a:rPr>
-              <a:t>Deploy Application via </a:t>
-            </a:r>
-            <a:r>
-              <a:rPr lang="en-US" dirty="0" err="1">
-                <a:latin typeface="Times New Roman" panose="02020603050405020304" pitchFamily="18" charset="0"/>
-                <a:cs typeface="Times New Roman" panose="02020603050405020304" pitchFamily="18" charset="0"/>
-              </a:rPr>
-              <a:t>Streamlit</a:t>
-            </a:r>
-            <a:r>
-              <a:rPr lang="en-US" dirty="0">
-                <a:latin typeface="Times New Roman" panose="02020603050405020304" pitchFamily="18" charset="0"/>
-                <a:cs typeface="Times New Roman" panose="02020603050405020304" pitchFamily="18" charset="0"/>
-              </a:rPr>
-              <a:t> App Service</a:t>
+              <a:t> App Services</a:t>
             </a:r>
           </a:p>
           <a:p>
@@ -5061,11 +5666,31 @@
           </a:p>
           <a:p>
             <a:r>
+              <a:rPr lang="en-US">
+                <a:latin typeface="Times New Roman" panose="02020603050405020304" pitchFamily="18" charset="0"/>
+                <a:cs typeface="Times New Roman" panose="02020603050405020304" pitchFamily="18" charset="0"/>
+              </a:rPr>
+              <a:t>Sentiment Analysis </a:t>
+            </a:r>
+            <a:endParaRPr lang="en-US" dirty="0">
+              <a:latin typeface="Times New Roman" panose="02020603050405020304" pitchFamily="18" charset="0"/>
+              <a:cs typeface="Times New Roman" panose="02020603050405020304" pitchFamily="18" charset="0"/>
+            </a:endParaRPr>
+          </a:p>
+          <a:p>
+            <a:r>
+              <a:rPr lang="en-US" dirty="0" err="1">
+                <a:latin typeface="Times New Roman" panose="02020603050405020304" pitchFamily="18" charset="0"/>
+                <a:cs typeface="Times New Roman" panose="02020603050405020304" pitchFamily="18" charset="0"/>
+              </a:rPr>
+              <a:t>Streamlit</a:t>
+            </a:r>
+            <a:r>
               <a:rPr lang="en-US" dirty="0">
                 <a:latin typeface="Times New Roman" panose="02020603050405020304" pitchFamily="18" charset="0"/>
                 <a:cs typeface="Times New Roman" panose="02020603050405020304" pitchFamily="18" charset="0"/>
               </a:rPr>
-              <a:t>Sentiment Analyzing and App Deployment</a:t>
+              <a:t> App Deployment</a:t>
             </a:r>
           </a:p>
         </p:txBody>
@@ -5732,7 +6357,10 @@
           <a:lstStyle/>
           <a:p>
             <a:r>
-              <a:rPr lang="en-US" dirty="0"/>
+              <a:rPr lang="en-US" dirty="0">
+                <a:latin typeface="Times New Roman" panose="02020603050405020304" pitchFamily="18" charset="0"/>
+                <a:cs typeface="Times New Roman" panose="02020603050405020304" pitchFamily="18" charset="0"/>
+              </a:rPr>
               <a:t>Neural Networks</a:t>
             </a:r>
           </a:p>
@@ -5759,7 +6387,31 @@
           <a:bodyPr/>
           <a:lstStyle/>
           <a:p>
-            <a:endParaRPr lang="en-US" dirty="0"/>
+            <a:r>
+              <a:rPr lang="en-US" dirty="0">
+                <a:latin typeface="Times New Roman" panose="02020603050405020304" pitchFamily="18" charset="0"/>
+                <a:cs typeface="Times New Roman" panose="02020603050405020304" pitchFamily="18" charset="0"/>
+              </a:rPr>
+              <a:t>Long Short Term Memory (LSTM) Categorical model with multiple layers. </a:t>
+            </a:r>
+          </a:p>
+          <a:p>
+            <a:r>
+              <a:rPr lang="en-US" dirty="0">
+                <a:latin typeface="Times New Roman" panose="02020603050405020304" pitchFamily="18" charset="0"/>
+                <a:cs typeface="Times New Roman" panose="02020603050405020304" pitchFamily="18" charset="0"/>
+              </a:rPr>
+              <a:t>Word2Vec, Continuous Bag of Words, Skip Grams word encoding algorithms with neural networks. </a:t>
+            </a:r>
+          </a:p>
+          <a:p>
+            <a:r>
+              <a:rPr lang="en-US" dirty="0">
+                <a:latin typeface="Times New Roman" panose="02020603050405020304" pitchFamily="18" charset="0"/>
+                <a:cs typeface="Times New Roman" panose="02020603050405020304" pitchFamily="18" charset="0"/>
+              </a:rPr>
+              <a:t>Interspersed were Cosine Similarity, Clustering, PCA. [Insert Plots]</a:t>
+            </a:r>
           </a:p>
         </p:txBody>
       </p:sp>
@@ -5809,13 +6461,21 @@
             <p:ph type="title"/>
           </p:nvPr>
         </p:nvSpPr>
-        <p:spPr/>
+        <p:spPr>
+          <a:xfrm>
+            <a:off x="1142999" y="0"/>
+            <a:ext cx="9905999" cy="1360898"/>
+          </a:xfrm>
+        </p:spPr>
         <p:txBody>
           <a:bodyPr/>
           <a:lstStyle/>
           <a:p>
             <a:r>
-              <a:rPr lang="en-US" dirty="0"/>
+              <a:rPr lang="en-US" dirty="0">
+                <a:latin typeface="Times New Roman" panose="02020603050405020304" pitchFamily="18" charset="0"/>
+                <a:cs typeface="Times New Roman" panose="02020603050405020304" pitchFamily="18" charset="0"/>
+              </a:rPr>
               <a:t>Summary of Results and Analysis</a:t>
             </a:r>
           </a:p>
@@ -5837,12 +6497,182 @@
             <p:ph idx="1"/>
           </p:nvPr>
         </p:nvSpPr>
-        <p:spPr/>
-        <p:txBody>
-          <a:bodyPr/>
-          <a:lstStyle/>
-          <a:p>
-            <a:endParaRPr lang="en-US"/>
+        <p:spPr>
+          <a:xfrm>
+            <a:off x="1142998" y="1243233"/>
+            <a:ext cx="9905999" cy="4754796"/>
+          </a:xfrm>
+        </p:spPr>
+        <p:txBody>
+          <a:bodyPr>
+            <a:noAutofit/>
+          </a:bodyPr>
+          <a:lstStyle/>
+          <a:p>
+            <a:r>
+              <a:rPr lang="en-US" sz="1600" dirty="0">
+                <a:latin typeface="Times New Roman" panose="02020603050405020304" pitchFamily="18" charset="0"/>
+                <a:cs typeface="Times New Roman" panose="02020603050405020304" pitchFamily="18" charset="0"/>
+              </a:rPr>
+              <a:t>Performance of Binary Classification Model (Support Vector Machine with </a:t>
+            </a:r>
+            <a:r>
+              <a:rPr lang="en-US" sz="1600" dirty="0" err="1">
+                <a:latin typeface="Times New Roman" panose="02020603050405020304" pitchFamily="18" charset="0"/>
+                <a:cs typeface="Times New Roman" panose="02020603050405020304" pitchFamily="18" charset="0"/>
+              </a:rPr>
+              <a:t>TfidfVectorizer</a:t>
+            </a:r>
+            <a:r>
+              <a:rPr lang="en-US" sz="1600" dirty="0">
+                <a:latin typeface="Times New Roman" panose="02020603050405020304" pitchFamily="18" charset="0"/>
+                <a:cs typeface="Times New Roman" panose="02020603050405020304" pitchFamily="18" charset="0"/>
+              </a:rPr>
+              <a:t>) </a:t>
+            </a:r>
+          </a:p>
+          <a:p>
+            <a:pPr marL="0" indent="0" algn="ctr">
+              <a:buNone/>
+            </a:pPr>
+            <a:r>
+              <a:rPr lang="en-US" sz="1600" dirty="0">
+                <a:latin typeface="Times New Roman" panose="02020603050405020304" pitchFamily="18" charset="0"/>
+                <a:cs typeface="Times New Roman" panose="02020603050405020304" pitchFamily="18" charset="0"/>
+              </a:rPr>
+              <a:t>1.0 Train | 0.88 Test | </a:t>
+            </a:r>
+            <a:r>
+              <a:rPr lang="en-US" sz="1600" b="0" i="0" dirty="0">
+                <a:effectLst/>
+                <a:latin typeface="Times New Roman" panose="02020603050405020304" pitchFamily="18" charset="0"/>
+                <a:cs typeface="Times New Roman" panose="02020603050405020304" pitchFamily="18" charset="0"/>
+              </a:rPr>
+              <a:t>Sensitivity 0.66 | Specificity 0.95 | Accuracy 0.88 | Precision 0.800 | </a:t>
+            </a:r>
+          </a:p>
+          <a:p>
+            <a:pPr marL="0" indent="0" algn="ctr">
+              <a:buNone/>
+            </a:pPr>
+            <a:r>
+              <a:rPr lang="en-US" sz="1600" b="0" i="0" dirty="0">
+                <a:effectLst/>
+                <a:latin typeface="Times New Roman" panose="02020603050405020304" pitchFamily="18" charset="0"/>
+                <a:cs typeface="Times New Roman" panose="02020603050405020304" pitchFamily="18" charset="0"/>
+              </a:rPr>
+              <a:t>Miscalculation Rate 0.12 | F1 Score 0.72</a:t>
+            </a:r>
+            <a:endParaRPr lang="en-US" sz="1600" dirty="0">
+              <a:latin typeface="Times New Roman" panose="02020603050405020304" pitchFamily="18" charset="0"/>
+              <a:cs typeface="Times New Roman" panose="02020603050405020304" pitchFamily="18" charset="0"/>
+            </a:endParaRPr>
+          </a:p>
+          <a:p>
+            <a:r>
+              <a:rPr lang="en-US" sz="1600" dirty="0">
+                <a:latin typeface="Times New Roman" panose="02020603050405020304" pitchFamily="18" charset="0"/>
+                <a:cs typeface="Times New Roman" panose="02020603050405020304" pitchFamily="18" charset="0"/>
+              </a:rPr>
+              <a:t>Performance of Neural Network Model: </a:t>
+            </a:r>
+          </a:p>
+          <a:p>
+            <a:pPr marL="0" indent="0" algn="ctr">
+              <a:buNone/>
+            </a:pPr>
+            <a:r>
+              <a:rPr lang="en-US" sz="1600" dirty="0">
+                <a:latin typeface="Times New Roman" panose="02020603050405020304" pitchFamily="18" charset="0"/>
+                <a:cs typeface="Times New Roman" panose="02020603050405020304" pitchFamily="18" charset="0"/>
+              </a:rPr>
+              <a:t>L</a:t>
+            </a:r>
+            <a:r>
+              <a:rPr lang="en-US" sz="1600" b="0" i="0" dirty="0">
+                <a:effectLst/>
+                <a:latin typeface="Times New Roman" panose="02020603050405020304" pitchFamily="18" charset="0"/>
+                <a:cs typeface="Times New Roman" panose="02020603050405020304" pitchFamily="18" charset="0"/>
+              </a:rPr>
+              <a:t>oss: 0.13 - Accuracy: 0.95 - MSE: 0.006 </a:t>
+            </a:r>
+          </a:p>
+          <a:p>
+            <a:pPr marL="0" indent="0" algn="ctr">
+              <a:buNone/>
+            </a:pPr>
+            <a:r>
+              <a:rPr lang="en-US" sz="1600" b="0" i="0" dirty="0">
+                <a:effectLst/>
+                <a:latin typeface="Times New Roman" panose="02020603050405020304" pitchFamily="18" charset="0"/>
+                <a:cs typeface="Times New Roman" panose="02020603050405020304" pitchFamily="18" charset="0"/>
+              </a:rPr>
+              <a:t>Val</a:t>
+            </a:r>
+            <a:r>
+              <a:rPr lang="en-US" sz="1600" dirty="0">
+                <a:latin typeface="Times New Roman" panose="02020603050405020304" pitchFamily="18" charset="0"/>
+                <a:cs typeface="Times New Roman" panose="02020603050405020304" pitchFamily="18" charset="0"/>
+              </a:rPr>
+              <a:t>idation L</a:t>
+            </a:r>
+            <a:r>
+              <a:rPr lang="en-US" sz="1600" b="0" i="0" dirty="0">
+                <a:effectLst/>
+                <a:latin typeface="Times New Roman" panose="02020603050405020304" pitchFamily="18" charset="0"/>
+                <a:cs typeface="Times New Roman" panose="02020603050405020304" pitchFamily="18" charset="0"/>
+              </a:rPr>
+              <a:t>oss: 2.34 – Validation Accuracy: 0.72 – Validation MSE: 0.05</a:t>
+            </a:r>
+          </a:p>
+          <a:p>
+            <a:pPr marL="0" indent="0">
+              <a:buNone/>
+            </a:pPr>
+            <a:endParaRPr lang="en-US" sz="1600" b="0" i="0" dirty="0">
+              <a:effectLst/>
+              <a:latin typeface="Times New Roman" panose="02020603050405020304" pitchFamily="18" charset="0"/>
+              <a:cs typeface="Times New Roman" panose="02020603050405020304" pitchFamily="18" charset="0"/>
+            </a:endParaRPr>
+          </a:p>
+          <a:p>
+            <a:r>
+              <a:rPr lang="en-US" dirty="0">
+                <a:latin typeface="Times New Roman" panose="02020603050405020304" pitchFamily="18" charset="0"/>
+                <a:cs typeface="Times New Roman" panose="02020603050405020304" pitchFamily="18" charset="0"/>
+              </a:rPr>
+              <a:t>Tendency Towards Bias Scoring App runs on…</a:t>
+            </a:r>
+          </a:p>
+          <a:p>
+            <a:pPr marL="0" indent="0" algn="ctr">
+              <a:buNone/>
+            </a:pPr>
+            <a:r>
+              <a:rPr lang="en-US" sz="2800" b="1" u="sng" dirty="0">
+                <a:solidFill>
+                  <a:srgbClr val="FF0000"/>
+                </a:solidFill>
+                <a:latin typeface="Times New Roman" panose="02020603050405020304" pitchFamily="18" charset="0"/>
+                <a:cs typeface="Times New Roman" panose="02020603050405020304" pitchFamily="18" charset="0"/>
+              </a:rPr>
+              <a:t>Bias Estimator and Analyzer of Sentiment Tendency </a:t>
+            </a:r>
+          </a:p>
+          <a:p>
+            <a:pPr marL="0" indent="0" algn="ctr">
+              <a:buNone/>
+            </a:pPr>
+            <a:r>
+              <a:rPr lang="en-US" sz="2800" b="1" u="sng" dirty="0">
+                <a:solidFill>
+                  <a:srgbClr val="FF0000"/>
+                </a:solidFill>
+                <a:latin typeface="Times New Roman" panose="02020603050405020304" pitchFamily="18" charset="0"/>
+                <a:cs typeface="Times New Roman" panose="02020603050405020304" pitchFamily="18" charset="0"/>
+              </a:rPr>
+              <a:t>(BEAST) Engine</a:t>
+            </a:r>
           </a:p>
         </p:txBody>
       </p:sp>

--- a/Capstone_Presentation.pptx
+++ b/Capstone_Presentation.pptx
@@ -4,6 +4,9 @@
   <p:sldMasterIdLst>
     <p:sldMasterId id="2147483739" r:id="rId1"/>
   </p:sldMasterIdLst>
+  <p:notesMasterIdLst>
+    <p:notesMasterId r:id="rId20"/>
+  </p:notesMasterIdLst>
   <p:sldIdLst>
     <p:sldId id="256" r:id="rId2"/>
     <p:sldId id="257" r:id="rId3"/>
@@ -13,11 +16,16 @@
     <p:sldId id="261" r:id="rId7"/>
     <p:sldId id="266" r:id="rId8"/>
     <p:sldId id="262" r:id="rId9"/>
-    <p:sldId id="263" r:id="rId10"/>
-    <p:sldId id="267" r:id="rId11"/>
-    <p:sldId id="264" r:id="rId12"/>
-    <p:sldId id="265" r:id="rId13"/>
-    <p:sldId id="268" r:id="rId14"/>
+    <p:sldId id="270" r:id="rId10"/>
+    <p:sldId id="272" r:id="rId11"/>
+    <p:sldId id="271" r:id="rId12"/>
+    <p:sldId id="273" r:id="rId13"/>
+    <p:sldId id="263" r:id="rId14"/>
+    <p:sldId id="267" r:id="rId15"/>
+    <p:sldId id="264" r:id="rId16"/>
+    <p:sldId id="269" r:id="rId17"/>
+    <p:sldId id="265" r:id="rId18"/>
+    <p:sldId id="268" r:id="rId19"/>
   </p:sldIdLst>
   <p:sldSz cx="12192000" cy="6858000"/>
   <p:notesSz cx="6858000" cy="9144000"/>
@@ -117,6 +125,442 @@
     </a:lvl9pPr>
   </p:defaultTextStyle>
 </p:presentation>
+</file>
+
+<file path=ppt/notesMasters/notesMaster1.xml><?xml version="1.0" encoding="utf-8"?>
+<p:notesMaster xmlns:a="http://schemas.openxmlformats.org/drawingml/2006/main" xmlns:r="http://schemas.openxmlformats.org/officeDocument/2006/relationships" xmlns:p="http://schemas.openxmlformats.org/presentationml/2006/main">
+  <p:cSld>
+    <p:bg>
+      <p:bgRef idx="1001">
+        <a:schemeClr val="bg1"/>
+      </p:bgRef>
+    </p:bg>
+    <p:spTree>
+      <p:nvGrpSpPr>
+        <p:cNvPr id="1" name=""/>
+        <p:cNvGrpSpPr/>
+        <p:nvPr/>
+      </p:nvGrpSpPr>
+      <p:grpSpPr>
+        <a:xfrm>
+          <a:off x="0" y="0"/>
+          <a:ext cx="0" cy="0"/>
+          <a:chOff x="0" y="0"/>
+          <a:chExt cx="0" cy="0"/>
+        </a:xfrm>
+      </p:grpSpPr>
+      <p:sp>
+        <p:nvSpPr>
+          <p:cNvPr id="2" name="Header Placeholder 1"/>
+          <p:cNvSpPr>
+            <a:spLocks noGrp="1"/>
+          </p:cNvSpPr>
+          <p:nvPr>
+            <p:ph type="hdr" sz="quarter"/>
+          </p:nvPr>
+        </p:nvSpPr>
+        <p:spPr>
+          <a:xfrm>
+            <a:off x="0" y="0"/>
+            <a:ext cx="2971800" cy="458788"/>
+          </a:xfrm>
+          <a:prstGeom prst="rect">
+            <a:avLst/>
+          </a:prstGeom>
+        </p:spPr>
+        <p:txBody>
+          <a:bodyPr vert="horz" lIns="91440" tIns="45720" rIns="91440" bIns="45720" rtlCol="0"/>
+          <a:lstStyle>
+            <a:lvl1pPr algn="l">
+              <a:defRPr sz="1200"/>
+            </a:lvl1pPr>
+          </a:lstStyle>
+          <a:p>
+            <a:endParaRPr lang="en-US"/>
+          </a:p>
+        </p:txBody>
+      </p:sp>
+      <p:sp>
+        <p:nvSpPr>
+          <p:cNvPr id="3" name="Date Placeholder 2"/>
+          <p:cNvSpPr>
+            <a:spLocks noGrp="1"/>
+          </p:cNvSpPr>
+          <p:nvPr>
+            <p:ph type="dt" idx="1"/>
+          </p:nvPr>
+        </p:nvSpPr>
+        <p:spPr>
+          <a:xfrm>
+            <a:off x="3884613" y="0"/>
+            <a:ext cx="2971800" cy="458788"/>
+          </a:xfrm>
+          <a:prstGeom prst="rect">
+            <a:avLst/>
+          </a:prstGeom>
+        </p:spPr>
+        <p:txBody>
+          <a:bodyPr vert="horz" lIns="91440" tIns="45720" rIns="91440" bIns="45720" rtlCol="0"/>
+          <a:lstStyle>
+            <a:lvl1pPr algn="r">
+              <a:defRPr sz="1200"/>
+            </a:lvl1pPr>
+          </a:lstStyle>
+          <a:p>
+            <a:fld id="{653A7792-D8A1-BF45-A34B-5780FA51C63A}" type="datetimeFigureOut">
+              <a:rPr lang="en-US" smtClean="0"/>
+              <a:t>3/11/24</a:t>
+            </a:fld>
+            <a:endParaRPr lang="en-US"/>
+          </a:p>
+        </p:txBody>
+      </p:sp>
+      <p:sp>
+        <p:nvSpPr>
+          <p:cNvPr id="4" name="Slide Image Placeholder 3"/>
+          <p:cNvSpPr>
+            <a:spLocks noGrp="1" noRot="1" noChangeAspect="1"/>
+          </p:cNvSpPr>
+          <p:nvPr>
+            <p:ph type="sldImg" idx="2"/>
+          </p:nvPr>
+        </p:nvSpPr>
+        <p:spPr>
+          <a:xfrm>
+            <a:off x="685800" y="1143000"/>
+            <a:ext cx="5486400" cy="3086100"/>
+          </a:xfrm>
+          <a:prstGeom prst="rect">
+            <a:avLst/>
+          </a:prstGeom>
+          <a:noFill/>
+          <a:ln w="12700">
+            <a:solidFill>
+              <a:prstClr val="black"/>
+            </a:solidFill>
+          </a:ln>
+        </p:spPr>
+        <p:txBody>
+          <a:bodyPr vert="horz" lIns="91440" tIns="45720" rIns="91440" bIns="45720" rtlCol="0" anchor="ctr"/>
+          <a:lstStyle/>
+          <a:p>
+            <a:endParaRPr lang="en-US"/>
+          </a:p>
+        </p:txBody>
+      </p:sp>
+      <p:sp>
+        <p:nvSpPr>
+          <p:cNvPr id="5" name="Notes Placeholder 4"/>
+          <p:cNvSpPr>
+            <a:spLocks noGrp="1"/>
+          </p:cNvSpPr>
+          <p:nvPr>
+            <p:ph type="body" sz="quarter" idx="3"/>
+          </p:nvPr>
+        </p:nvSpPr>
+        <p:spPr>
+          <a:xfrm>
+            <a:off x="685800" y="4400550"/>
+            <a:ext cx="5486400" cy="3600450"/>
+          </a:xfrm>
+          <a:prstGeom prst="rect">
+            <a:avLst/>
+          </a:prstGeom>
+        </p:spPr>
+        <p:txBody>
+          <a:bodyPr vert="horz" lIns="91440" tIns="45720" rIns="91440" bIns="45720" rtlCol="0"/>
+          <a:lstStyle/>
+          <a:p>
+            <a:pPr lvl="0"/>
+            <a:r>
+              <a:rPr lang="en-US"/>
+              <a:t>Click to edit Master text styles</a:t>
+            </a:r>
+          </a:p>
+          <a:p>
+            <a:pPr lvl="1"/>
+            <a:r>
+              <a:rPr lang="en-US"/>
+              <a:t>Second level</a:t>
+            </a:r>
+          </a:p>
+          <a:p>
+            <a:pPr lvl="2"/>
+            <a:r>
+              <a:rPr lang="en-US"/>
+              <a:t>Third level</a:t>
+            </a:r>
+          </a:p>
+          <a:p>
+            <a:pPr lvl="3"/>
+            <a:r>
+              <a:rPr lang="en-US"/>
+              <a:t>Fourth level</a:t>
+            </a:r>
+          </a:p>
+          <a:p>
+            <a:pPr lvl="4"/>
+            <a:r>
+              <a:rPr lang="en-US"/>
+              <a:t>Fifth level</a:t>
+            </a:r>
+          </a:p>
+        </p:txBody>
+      </p:sp>
+      <p:sp>
+        <p:nvSpPr>
+          <p:cNvPr id="6" name="Footer Placeholder 5"/>
+          <p:cNvSpPr>
+            <a:spLocks noGrp="1"/>
+          </p:cNvSpPr>
+          <p:nvPr>
+            <p:ph type="ftr" sz="quarter" idx="4"/>
+          </p:nvPr>
+        </p:nvSpPr>
+        <p:spPr>
+          <a:xfrm>
+            <a:off x="0" y="8685213"/>
+            <a:ext cx="2971800" cy="458787"/>
+          </a:xfrm>
+          <a:prstGeom prst="rect">
+            <a:avLst/>
+          </a:prstGeom>
+        </p:spPr>
+        <p:txBody>
+          <a:bodyPr vert="horz" lIns="91440" tIns="45720" rIns="91440" bIns="45720" rtlCol="0" anchor="b"/>
+          <a:lstStyle>
+            <a:lvl1pPr algn="l">
+              <a:defRPr sz="1200"/>
+            </a:lvl1pPr>
+          </a:lstStyle>
+          <a:p>
+            <a:endParaRPr lang="en-US"/>
+          </a:p>
+        </p:txBody>
+      </p:sp>
+      <p:sp>
+        <p:nvSpPr>
+          <p:cNvPr id="7" name="Slide Number Placeholder 6"/>
+          <p:cNvSpPr>
+            <a:spLocks noGrp="1"/>
+          </p:cNvSpPr>
+          <p:nvPr>
+            <p:ph type="sldNum" sz="quarter" idx="5"/>
+          </p:nvPr>
+        </p:nvSpPr>
+        <p:spPr>
+          <a:xfrm>
+            <a:off x="3884613" y="8685213"/>
+            <a:ext cx="2971800" cy="458787"/>
+          </a:xfrm>
+          <a:prstGeom prst="rect">
+            <a:avLst/>
+          </a:prstGeom>
+        </p:spPr>
+        <p:txBody>
+          <a:bodyPr vert="horz" lIns="91440" tIns="45720" rIns="91440" bIns="45720" rtlCol="0" anchor="b"/>
+          <a:lstStyle>
+            <a:lvl1pPr algn="r">
+              <a:defRPr sz="1200"/>
+            </a:lvl1pPr>
+          </a:lstStyle>
+          <a:p>
+            <a:fld id="{2C0DCA6D-1859-1748-A05F-36E826BECB45}" type="slidenum">
+              <a:rPr lang="en-US" smtClean="0"/>
+              <a:t>‹#›</a:t>
+            </a:fld>
+            <a:endParaRPr lang="en-US"/>
+          </a:p>
+        </p:txBody>
+      </p:sp>
+    </p:spTree>
+    <p:extLst>
+      <p:ext uri="{BB962C8B-B14F-4D97-AF65-F5344CB8AC3E}">
+        <p14:creationId xmlns:p14="http://schemas.microsoft.com/office/powerpoint/2010/main" val="411835484"/>
+      </p:ext>
+    </p:extLst>
+  </p:cSld>
+  <p:clrMap bg1="lt1" tx1="dk1" bg2="lt2" tx2="dk2" accent1="accent1" accent2="accent2" accent3="accent3" accent4="accent4" accent5="accent5" accent6="accent6" hlink="hlink" folHlink="folHlink"/>
+  <p:notesStyle>
+    <a:lvl1pPr marL="0" algn="l" defTabSz="914400" rtl="0" eaLnBrk="1" latinLnBrk="0" hangingPunct="1">
+      <a:defRPr sz="1200" kern="1200">
+        <a:solidFill>
+          <a:schemeClr val="tx1"/>
+        </a:solidFill>
+        <a:latin typeface="+mn-lt"/>
+        <a:ea typeface="+mn-ea"/>
+        <a:cs typeface="+mn-cs"/>
+      </a:defRPr>
+    </a:lvl1pPr>
+    <a:lvl2pPr marL="457200" algn="l" defTabSz="914400" rtl="0" eaLnBrk="1" latinLnBrk="0" hangingPunct="1">
+      <a:defRPr sz="1200" kern="1200">
+        <a:solidFill>
+          <a:schemeClr val="tx1"/>
+        </a:solidFill>
+        <a:latin typeface="+mn-lt"/>
+        <a:ea typeface="+mn-ea"/>
+        <a:cs typeface="+mn-cs"/>
+      </a:defRPr>
+    </a:lvl2pPr>
+    <a:lvl3pPr marL="914400" algn="l" defTabSz="914400" rtl="0" eaLnBrk="1" latinLnBrk="0" hangingPunct="1">
+      <a:defRPr sz="1200" kern="1200">
+        <a:solidFill>
+          <a:schemeClr val="tx1"/>
+        </a:solidFill>
+        <a:latin typeface="+mn-lt"/>
+        <a:ea typeface="+mn-ea"/>
+        <a:cs typeface="+mn-cs"/>
+      </a:defRPr>
+    </a:lvl3pPr>
+    <a:lvl4pPr marL="1371600" algn="l" defTabSz="914400" rtl="0" eaLnBrk="1" latinLnBrk="0" hangingPunct="1">
+      <a:defRPr sz="1200" kern="1200">
+        <a:solidFill>
+          <a:schemeClr val="tx1"/>
+        </a:solidFill>
+        <a:latin typeface="+mn-lt"/>
+        <a:ea typeface="+mn-ea"/>
+        <a:cs typeface="+mn-cs"/>
+      </a:defRPr>
+    </a:lvl4pPr>
+    <a:lvl5pPr marL="1828800" algn="l" defTabSz="914400" rtl="0" eaLnBrk="1" latinLnBrk="0" hangingPunct="1">
+      <a:defRPr sz="1200" kern="1200">
+        <a:solidFill>
+          <a:schemeClr val="tx1"/>
+        </a:solidFill>
+        <a:latin typeface="+mn-lt"/>
+        <a:ea typeface="+mn-ea"/>
+        <a:cs typeface="+mn-cs"/>
+      </a:defRPr>
+    </a:lvl5pPr>
+    <a:lvl6pPr marL="2286000" algn="l" defTabSz="914400" rtl="0" eaLnBrk="1" latinLnBrk="0" hangingPunct="1">
+      <a:defRPr sz="1200" kern="1200">
+        <a:solidFill>
+          <a:schemeClr val="tx1"/>
+        </a:solidFill>
+        <a:latin typeface="+mn-lt"/>
+        <a:ea typeface="+mn-ea"/>
+        <a:cs typeface="+mn-cs"/>
+      </a:defRPr>
+    </a:lvl6pPr>
+    <a:lvl7pPr marL="2743200" algn="l" defTabSz="914400" rtl="0" eaLnBrk="1" latinLnBrk="0" hangingPunct="1">
+      <a:defRPr sz="1200" kern="1200">
+        <a:solidFill>
+          <a:schemeClr val="tx1"/>
+        </a:solidFill>
+        <a:latin typeface="+mn-lt"/>
+        <a:ea typeface="+mn-ea"/>
+        <a:cs typeface="+mn-cs"/>
+      </a:defRPr>
+    </a:lvl7pPr>
+    <a:lvl8pPr marL="3200400" algn="l" defTabSz="914400" rtl="0" eaLnBrk="1" latinLnBrk="0" hangingPunct="1">
+      <a:defRPr sz="1200" kern="1200">
+        <a:solidFill>
+          <a:schemeClr val="tx1"/>
+        </a:solidFill>
+        <a:latin typeface="+mn-lt"/>
+        <a:ea typeface="+mn-ea"/>
+        <a:cs typeface="+mn-cs"/>
+      </a:defRPr>
+    </a:lvl8pPr>
+    <a:lvl9pPr marL="3657600" algn="l" defTabSz="914400" rtl="0" eaLnBrk="1" latinLnBrk="0" hangingPunct="1">
+      <a:defRPr sz="1200" kern="1200">
+        <a:solidFill>
+          <a:schemeClr val="tx1"/>
+        </a:solidFill>
+        <a:latin typeface="+mn-lt"/>
+        <a:ea typeface="+mn-ea"/>
+        <a:cs typeface="+mn-cs"/>
+      </a:defRPr>
+    </a:lvl9pPr>
+  </p:notesStyle>
+</p:notesMaster>
+</file>
+
+<file path=ppt/notesSlides/notesSlide1.xml><?xml version="1.0" encoding="utf-8"?>
+<p:notes xmlns:a="http://schemas.openxmlformats.org/drawingml/2006/main" xmlns:r="http://schemas.openxmlformats.org/officeDocument/2006/relationships" xmlns:p="http://schemas.openxmlformats.org/presentationml/2006/main">
+  <p:cSld>
+    <p:spTree>
+      <p:nvGrpSpPr>
+        <p:cNvPr id="1" name=""/>
+        <p:cNvGrpSpPr/>
+        <p:nvPr/>
+      </p:nvGrpSpPr>
+      <p:grpSpPr>
+        <a:xfrm>
+          <a:off x="0" y="0"/>
+          <a:ext cx="0" cy="0"/>
+          <a:chOff x="0" y="0"/>
+          <a:chExt cx="0" cy="0"/>
+        </a:xfrm>
+      </p:grpSpPr>
+      <p:sp>
+        <p:nvSpPr>
+          <p:cNvPr id="2" name="Slide Image Placeholder 1"/>
+          <p:cNvSpPr>
+            <a:spLocks noGrp="1" noRot="1" noChangeAspect="1"/>
+          </p:cNvSpPr>
+          <p:nvPr>
+            <p:ph type="sldImg"/>
+          </p:nvPr>
+        </p:nvSpPr>
+        <p:spPr/>
+      </p:sp>
+      <p:sp>
+        <p:nvSpPr>
+          <p:cNvPr id="3" name="Notes Placeholder 2"/>
+          <p:cNvSpPr>
+            <a:spLocks noGrp="1"/>
+          </p:cNvSpPr>
+          <p:nvPr>
+            <p:ph type="body" idx="1"/>
+          </p:nvPr>
+        </p:nvSpPr>
+        <p:spPr/>
+        <p:txBody>
+          <a:bodyPr/>
+          <a:lstStyle/>
+          <a:p>
+            <a:r>
+              <a:rPr lang="en-US" dirty="0"/>
+              <a:t>Write Snorkel metrics and explanations in notes here: </a:t>
+            </a:r>
+          </a:p>
+        </p:txBody>
+      </p:sp>
+      <p:sp>
+        <p:nvSpPr>
+          <p:cNvPr id="4" name="Slide Number Placeholder 3"/>
+          <p:cNvSpPr>
+            <a:spLocks noGrp="1"/>
+          </p:cNvSpPr>
+          <p:nvPr>
+            <p:ph type="sldNum" sz="quarter" idx="5"/>
+          </p:nvPr>
+        </p:nvSpPr>
+        <p:spPr/>
+        <p:txBody>
+          <a:bodyPr/>
+          <a:lstStyle/>
+          <a:p>
+            <a:fld id="{2C0DCA6D-1859-1748-A05F-36E826BECB45}" type="slidenum">
+              <a:rPr lang="en-US" smtClean="0"/>
+              <a:t>6</a:t>
+            </a:fld>
+            <a:endParaRPr lang="en-US"/>
+          </a:p>
+        </p:txBody>
+      </p:sp>
+    </p:spTree>
+    <p:extLst>
+      <p:ext uri="{BB962C8B-B14F-4D97-AF65-F5344CB8AC3E}">
+        <p14:creationId xmlns:p14="http://schemas.microsoft.com/office/powerpoint/2010/main" val="3876857850"/>
+      </p:ext>
+    </p:extLst>
+  </p:cSld>
+  <p:clrMapOvr>
+    <a:masterClrMapping/>
+  </p:clrMapOvr>
+</p:notes>
 </file>
 
 <file path=ppt/slideLayouts/slideLayout1.xml><?xml version="1.0" encoding="utf-8"?>
@@ -3930,7 +4374,7 @@
         </p:blipFill>
         <p:spPr>
           <a:xfrm>
-            <a:off x="20" y="-3"/>
+            <a:off x="21" y="-6"/>
             <a:ext cx="12191979" cy="6858004"/>
           </a:xfrm>
           <a:prstGeom prst="rect">
@@ -4378,8 +4822,8 @@
         </p:nvSpPr>
         <p:spPr>
           <a:xfrm>
-            <a:off x="0" y="4485118"/>
-            <a:ext cx="4071256" cy="1728728"/>
+            <a:off x="0" y="4073152"/>
+            <a:ext cx="4668147" cy="2784846"/>
           </a:xfrm>
         </p:spPr>
         <p:txBody>
@@ -4413,6 +4857,22 @@
               </a:rPr>
               <a:t>General Assembly: DSI 1211</a:t>
             </a:r>
+          </a:p>
+          <a:p>
+            <a:r>
+              <a:rPr lang="en-US" sz="2400" b="1" dirty="0">
+                <a:latin typeface="Times New Roman" panose="02020603050405020304" pitchFamily="18" charset="0"/>
+                <a:cs typeface="Times New Roman" panose="02020603050405020304" pitchFamily="18" charset="0"/>
+              </a:rPr>
+              <a:t>Link: </a:t>
+            </a:r>
+            <a:r>
+              <a:rPr lang="en-US" b="1" dirty="0">
+                <a:hlinkClick r:id="rId3"/>
+              </a:rPr>
+              <a:t>https://beastengine.streamlit.app</a:t>
+            </a:r>
+            <a:endParaRPr lang="en-US" b="1" dirty="0"/>
           </a:p>
         </p:txBody>
       </p:sp>
@@ -4451,7 +4911,7 @@
           <p:cNvPr id="2" name="Title 1">
             <a:extLst>
               <a:ext uri="{FF2B5EF4-FFF2-40B4-BE49-F238E27FC236}">
-                <a16:creationId xmlns:a16="http://schemas.microsoft.com/office/drawing/2014/main" id="{FE0CD4F1-21D3-6C4A-0194-73867BFF507F}"/>
+                <a16:creationId xmlns:a16="http://schemas.microsoft.com/office/drawing/2014/main" id="{3756A4C8-4E36-84EA-8650-28BAFF59BAB5}"/>
               </a:ext>
             </a:extLst>
           </p:cNvPr>
@@ -4464,27 +4924,16 @@
         </p:nvSpPr>
         <p:spPr/>
         <p:txBody>
-          <a:bodyPr>
-            <a:normAutofit/>
-          </a:bodyPr>
-          <a:lstStyle/>
-          <a:p>
-            <a:pPr marL="0" indent="0"/>
-            <a:r>
-              <a:rPr lang="en-US" sz="4000" b="1" dirty="0">
-                <a:solidFill>
-                  <a:srgbClr val="FF0000"/>
-                </a:solidFill>
-                <a:latin typeface="Times New Roman" panose="02020603050405020304" pitchFamily="18" charset="0"/>
-                <a:cs typeface="Times New Roman" panose="02020603050405020304" pitchFamily="18" charset="0"/>
-              </a:rPr>
-              <a:t>BEAST Performance</a:t>
-            </a:r>
-            <a:endParaRPr lang="en-US" b="1" dirty="0">
-              <a:solidFill>
-                <a:srgbClr val="FF0000"/>
-              </a:solidFill>
-            </a:endParaRPr>
+          <a:bodyPr/>
+          <a:lstStyle/>
+          <a:p>
+            <a:r>
+              <a:rPr lang="en-US" dirty="0">
+                <a:latin typeface="Times New Roman" panose="02020603050405020304" pitchFamily="18" charset="0"/>
+                <a:cs typeface="Times New Roman" panose="02020603050405020304" pitchFamily="18" charset="0"/>
+              </a:rPr>
+              <a:t>Skip-Gram Plots</a:t>
+            </a:r>
           </a:p>
         </p:txBody>
       </p:sp>
@@ -4493,7 +4942,7 @@
           <p:cNvPr id="3" name="Content Placeholder 2">
             <a:extLst>
               <a:ext uri="{FF2B5EF4-FFF2-40B4-BE49-F238E27FC236}">
-                <a16:creationId xmlns:a16="http://schemas.microsoft.com/office/drawing/2014/main" id="{0DEA6BC7-9703-E071-DCB6-1BDB036FD8EF}"/>
+                <a16:creationId xmlns:a16="http://schemas.microsoft.com/office/drawing/2014/main" id="{1E328D10-5864-9A65-B4EE-CC37B7C0470F}"/>
               </a:ext>
             </a:extLst>
           </p:cNvPr>
@@ -4509,53 +4958,14 @@
           <a:bodyPr/>
           <a:lstStyle/>
           <a:p>
-            <a:r>
-              <a:rPr lang="en-US" dirty="0">
-                <a:latin typeface="Times New Roman" panose="02020603050405020304" pitchFamily="18" charset="0"/>
-                <a:cs typeface="Times New Roman" panose="02020603050405020304" pitchFamily="18" charset="0"/>
-              </a:rPr>
-              <a:t>Word Clouds, Word Encoding Algorithm Graphs, </a:t>
-            </a:r>
-          </a:p>
-          <a:p>
-            <a:r>
-              <a:rPr lang="en-US" dirty="0">
-                <a:latin typeface="Times New Roman" panose="02020603050405020304" pitchFamily="18" charset="0"/>
-                <a:cs typeface="Times New Roman" panose="02020603050405020304" pitchFamily="18" charset="0"/>
-              </a:rPr>
-              <a:t>Compare performance of Sentiment Analyzer with </a:t>
-            </a:r>
-            <a:r>
-              <a:rPr lang="en-US" b="0" i="0" u="none" strike="noStrike" dirty="0">
-                <a:solidFill>
-                  <a:srgbClr val="E6EDF3"/>
-                </a:solidFill>
-                <a:effectLst/>
-                <a:latin typeface="Times New Roman" panose="02020603050405020304" pitchFamily="18" charset="0"/>
-                <a:cs typeface="Times New Roman" panose="02020603050405020304" pitchFamily="18" charset="0"/>
-              </a:rPr>
-              <a:t>VADER sentiment analyzer. </a:t>
-            </a:r>
-            <a:endParaRPr lang="en-US" dirty="0">
-              <a:latin typeface="Times New Roman" panose="02020603050405020304" pitchFamily="18" charset="0"/>
-              <a:cs typeface="Times New Roman" panose="02020603050405020304" pitchFamily="18" charset="0"/>
-            </a:endParaRPr>
-          </a:p>
-          <a:p>
-            <a:r>
-              <a:rPr lang="en-US" dirty="0">
-                <a:latin typeface="Times New Roman" panose="02020603050405020304" pitchFamily="18" charset="0"/>
-                <a:cs typeface="Times New Roman" panose="02020603050405020304" pitchFamily="18" charset="0"/>
-              </a:rPr>
-              <a:t>KDE Plots,  A/B Testing Results</a:t>
-            </a:r>
+            <a:endParaRPr lang="en-US"/>
           </a:p>
         </p:txBody>
       </p:sp>
     </p:spTree>
     <p:extLst>
       <p:ext uri="{BB962C8B-B14F-4D97-AF65-F5344CB8AC3E}">
-        <p14:creationId xmlns:p14="http://schemas.microsoft.com/office/powerpoint/2010/main" val="1911129665"/>
+        <p14:creationId xmlns:p14="http://schemas.microsoft.com/office/powerpoint/2010/main" val="1505436003"/>
       </p:ext>
     </p:extLst>
   </p:cSld>
@@ -4587,7 +4997,7 @@
           <p:cNvPr id="2" name="Title 1">
             <a:extLst>
               <a:ext uri="{FF2B5EF4-FFF2-40B4-BE49-F238E27FC236}">
-                <a16:creationId xmlns:a16="http://schemas.microsoft.com/office/drawing/2014/main" id="{E568FC30-8B85-FDF8-AB85-F42AE8053BD6}"/>
+                <a16:creationId xmlns:a16="http://schemas.microsoft.com/office/drawing/2014/main" id="{D0CFDE34-BEDC-A8D0-98AC-54F9F9C21B65}"/>
               </a:ext>
             </a:extLst>
           </p:cNvPr>
@@ -4600,6 +5010,45 @@
         </p:nvSpPr>
         <p:spPr/>
         <p:txBody>
+          <a:bodyPr>
+            <a:normAutofit/>
+          </a:bodyPr>
+          <a:lstStyle/>
+          <a:p>
+            <a:br>
+              <a:rPr lang="en-US" dirty="0">
+                <a:latin typeface="Times New Roman" panose="02020603050405020304" pitchFamily="18" charset="0"/>
+                <a:cs typeface="Times New Roman" panose="02020603050405020304" pitchFamily="18" charset="0"/>
+              </a:rPr>
+            </a:br>
+            <a:r>
+              <a:rPr lang="en-US" dirty="0">
+                <a:latin typeface="Times New Roman" panose="02020603050405020304" pitchFamily="18" charset="0"/>
+                <a:cs typeface="Times New Roman" panose="02020603050405020304" pitchFamily="18" charset="0"/>
+              </a:rPr>
+              <a:t>Word2Vec Variant: Continuous-Bag-of-Words</a:t>
+            </a:r>
+          </a:p>
+        </p:txBody>
+      </p:sp>
+      <p:sp>
+        <p:nvSpPr>
+          <p:cNvPr id="3" name="Content Placeholder 2">
+            <a:extLst>
+              <a:ext uri="{FF2B5EF4-FFF2-40B4-BE49-F238E27FC236}">
+                <a16:creationId xmlns:a16="http://schemas.microsoft.com/office/drawing/2014/main" id="{037E09CD-73E6-CFFA-E355-CA6CC56C2A47}"/>
+              </a:ext>
+            </a:extLst>
+          </p:cNvPr>
+          <p:cNvSpPr>
+            <a:spLocks noGrp="1"/>
+          </p:cNvSpPr>
+          <p:nvPr>
+            <p:ph idx="1"/>
+          </p:nvPr>
+        </p:nvSpPr>
+        <p:spPr/>
+        <p:txBody>
           <a:bodyPr/>
           <a:lstStyle/>
           <a:p>
@@ -4608,119 +5057,49 @@
                 <a:latin typeface="Times New Roman" panose="02020603050405020304" pitchFamily="18" charset="0"/>
                 <a:cs typeface="Times New Roman" panose="02020603050405020304" pitchFamily="18" charset="0"/>
               </a:rPr>
-              <a:t>Recommendations and Guidance</a:t>
-            </a:r>
-          </a:p>
-        </p:txBody>
-      </p:sp>
-      <p:sp>
-        <p:nvSpPr>
-          <p:cNvPr id="3" name="Content Placeholder 2">
-            <a:extLst>
-              <a:ext uri="{FF2B5EF4-FFF2-40B4-BE49-F238E27FC236}">
-                <a16:creationId xmlns:a16="http://schemas.microsoft.com/office/drawing/2014/main" id="{A4374351-9E2A-DEE3-317F-E48DB8696262}"/>
-              </a:ext>
-            </a:extLst>
-          </p:cNvPr>
-          <p:cNvSpPr>
-            <a:spLocks noGrp="1"/>
-          </p:cNvSpPr>
-          <p:nvPr>
-            <p:ph idx="1"/>
-          </p:nvPr>
-        </p:nvSpPr>
-        <p:spPr/>
-        <p:txBody>
-          <a:bodyPr>
-            <a:normAutofit lnSpcReduction="10000"/>
-          </a:bodyPr>
-          <a:lstStyle/>
+              <a:t>One Variant of Word2Vec: </a:t>
+            </a:r>
+            <a:r>
+              <a:rPr lang="en-US" b="0" i="0" u="none" strike="noStrike" dirty="0">
+                <a:effectLst/>
+                <a:latin typeface="Times New Roman" panose="02020603050405020304" pitchFamily="18" charset="0"/>
+                <a:cs typeface="Times New Roman" panose="02020603050405020304" pitchFamily="18" charset="0"/>
+              </a:rPr>
+              <a:t>The Continuous-Bag-Of-Words (CBOW) variant takes a set of context words and tries to predict a target word.</a:t>
+            </a:r>
+          </a:p>
           <a:p>
             <a:r>
               <a:rPr lang="en-US" dirty="0">
                 <a:latin typeface="Times New Roman" panose="02020603050405020304" pitchFamily="18" charset="0"/>
                 <a:cs typeface="Times New Roman" panose="02020603050405020304" pitchFamily="18" charset="0"/>
               </a:rPr>
-              <a:t>Develop labeling functions and other word encoding algorithms for further optimization.</a:t>
-            </a:r>
-          </a:p>
-          <a:p>
-            <a:pPr indent="0">
-              <a:buNone/>
-            </a:pPr>
+              <a:t>This is particularly effective when using commonly found string of words labeled with either BIASED or UNBIASED tags to pinpoint a characteristic word within a string that plays a big role in </a:t>
+            </a:r>
+            <a:r>
+              <a:rPr lang="en-US" i="1" dirty="0">
+                <a:latin typeface="Times New Roman" panose="02020603050405020304" pitchFamily="18" charset="0"/>
+                <a:cs typeface="Times New Roman" panose="02020603050405020304" pitchFamily="18" charset="0"/>
+              </a:rPr>
+              <a:t>sentiment analysis</a:t>
+            </a:r>
             <a:r>
               <a:rPr lang="en-US" dirty="0">
                 <a:latin typeface="Times New Roman" panose="02020603050405020304" pitchFamily="18" charset="0"/>
                 <a:cs typeface="Times New Roman" panose="02020603050405020304" pitchFamily="18" charset="0"/>
               </a:rPr>
-              <a:t>	Hand Label a greater expanse of samples to acquire more detailed and 		meaningful Snorkel summary statistics. </a:t>
-            </a:r>
-          </a:p>
-          <a:p>
-            <a:r>
-              <a:rPr lang="en-US" dirty="0">
-                <a:latin typeface="Times New Roman" panose="02020603050405020304" pitchFamily="18" charset="0"/>
-                <a:cs typeface="Times New Roman" panose="02020603050405020304" pitchFamily="18" charset="0"/>
-              </a:rPr>
-              <a:t>Continue to advance hardware capabilities to develop Neural Network models further.</a:t>
-            </a:r>
-          </a:p>
-          <a:p>
-            <a:pPr lvl="2" indent="0">
-              <a:buNone/>
-            </a:pPr>
-            <a:r>
-              <a:rPr lang="en-US" sz="2000" i="0" dirty="0">
-                <a:latin typeface="Times New Roman" panose="02020603050405020304" pitchFamily="18" charset="0"/>
-                <a:cs typeface="Times New Roman" panose="02020603050405020304" pitchFamily="18" charset="0"/>
-              </a:rPr>
-              <a:t>    	Switch to Microsoft and NVIDIA GPU.</a:t>
-            </a:r>
-          </a:p>
-          <a:p>
-            <a:pPr lvl="1"/>
-            <a:endParaRPr lang="en-US" sz="2600" i="0" dirty="0">
-              <a:latin typeface="Times New Roman" panose="02020603050405020304" pitchFamily="18" charset="0"/>
-              <a:cs typeface="Times New Roman" panose="02020603050405020304" pitchFamily="18" charset="0"/>
-            </a:endParaRPr>
-          </a:p>
-          <a:p>
-            <a:pPr indent="0" algn="ctr">
-              <a:buNone/>
-            </a:pPr>
-            <a:r>
-              <a:rPr lang="en-US" b="1" dirty="0">
-                <a:solidFill>
-                  <a:srgbClr val="FF0000"/>
-                </a:solidFill>
-                <a:latin typeface="Times New Roman" panose="02020603050405020304" pitchFamily="18" charset="0"/>
-                <a:cs typeface="Times New Roman" panose="02020603050405020304" pitchFamily="18" charset="0"/>
-              </a:rPr>
-              <a:t>Apply these labeling functions to other well-defined problems such as customer service evaluations, prescription drug side-effect forms, crowd surfing surveys, etc.</a:t>
-            </a:r>
-            <a:endParaRPr lang="en-US" b="1" i="0" dirty="0">
-              <a:solidFill>
-                <a:srgbClr val="FF0000"/>
-              </a:solidFill>
-              <a:latin typeface="Times New Roman" panose="02020603050405020304" pitchFamily="18" charset="0"/>
-              <a:cs typeface="Times New Roman" panose="02020603050405020304" pitchFamily="18" charset="0"/>
-            </a:endParaRPr>
-          </a:p>
-          <a:p>
-            <a:pPr marL="0" indent="0">
-              <a:buNone/>
-            </a:pPr>
-            <a:endParaRPr lang="en-US" dirty="0">
-              <a:latin typeface="Times New Roman" panose="02020603050405020304" pitchFamily="18" charset="0"/>
-              <a:cs typeface="Times New Roman" panose="02020603050405020304" pitchFamily="18" charset="0"/>
-            </a:endParaRPr>
+              <a:t> and overall BIASED or UNBIASED text string label. </a:t>
+            </a:r>
+          </a:p>
+          <a:p>
+            <a:endParaRPr lang="en-US" dirty="0"/>
           </a:p>
         </p:txBody>
       </p:sp>
     </p:spTree>
     <p:extLst>
       <p:ext uri="{BB962C8B-B14F-4D97-AF65-F5344CB8AC3E}">
-        <p14:creationId xmlns:p14="http://schemas.microsoft.com/office/powerpoint/2010/main" val="4207199468"/>
+        <p14:creationId xmlns:p14="http://schemas.microsoft.com/office/powerpoint/2010/main" val="1895536024"/>
       </p:ext>
     </p:extLst>
   </p:cSld>
@@ -4752,7 +5131,7 @@
           <p:cNvPr id="2" name="Title 1">
             <a:extLst>
               <a:ext uri="{FF2B5EF4-FFF2-40B4-BE49-F238E27FC236}">
-                <a16:creationId xmlns:a16="http://schemas.microsoft.com/office/drawing/2014/main" id="{23737E6A-5CEF-EB8F-7484-1E88444C3D6D}"/>
+                <a16:creationId xmlns:a16="http://schemas.microsoft.com/office/drawing/2014/main" id="{6C86A202-914A-A099-A7D7-D9528B89C603}"/>
               </a:ext>
             </a:extLst>
           </p:cNvPr>
@@ -4773,7 +5152,7 @@
                 <a:latin typeface="Times New Roman" panose="02020603050405020304" pitchFamily="18" charset="0"/>
                 <a:cs typeface="Times New Roman" panose="02020603050405020304" pitchFamily="18" charset="0"/>
               </a:rPr>
-              <a:t>Conclusion</a:t>
+              <a:t>CBOW Plots</a:t>
             </a:r>
           </a:p>
         </p:txBody>
@@ -4783,7 +5162,7 @@
           <p:cNvPr id="3" name="Content Placeholder 2">
             <a:extLst>
               <a:ext uri="{FF2B5EF4-FFF2-40B4-BE49-F238E27FC236}">
-                <a16:creationId xmlns:a16="http://schemas.microsoft.com/office/drawing/2014/main" id="{D3948882-BFC6-51B0-8BA3-55421DC01397}"/>
+                <a16:creationId xmlns:a16="http://schemas.microsoft.com/office/drawing/2014/main" id="{160E368B-CB83-BB70-CAB2-82AEE8A0ADE5}"/>
               </a:ext>
             </a:extLst>
           </p:cNvPr>
@@ -4799,23 +5178,14 @@
           <a:bodyPr/>
           <a:lstStyle/>
           <a:p>
-            <a:r>
-              <a:rPr lang="en-US" dirty="0"/>
-              <a:t>We use labeling functions in our everyday lives!</a:t>
-            </a:r>
-          </a:p>
-          <a:p>
-            <a:r>
-              <a:rPr lang="en-US" dirty="0"/>
-              <a:t>When we harness multiple powerful modeling techniques with these relatively simple primitive fundamental forms, complex and daunting language processing challenges become simpler and more realistic to understand. </a:t>
-            </a:r>
+            <a:endParaRPr lang="en-US" dirty="0"/>
           </a:p>
         </p:txBody>
       </p:sp>
     </p:spTree>
     <p:extLst>
       <p:ext uri="{BB962C8B-B14F-4D97-AF65-F5344CB8AC3E}">
-        <p14:creationId xmlns:p14="http://schemas.microsoft.com/office/powerpoint/2010/main" val="4181538902"/>
+        <p14:creationId xmlns:p14="http://schemas.microsoft.com/office/powerpoint/2010/main" val="2051589433"/>
       </p:ext>
     </p:extLst>
   </p:cSld>
@@ -4847,6 +5217,781 @@
           <p:cNvPr id="2" name="Title 1">
             <a:extLst>
               <a:ext uri="{FF2B5EF4-FFF2-40B4-BE49-F238E27FC236}">
+                <a16:creationId xmlns:a16="http://schemas.microsoft.com/office/drawing/2014/main" id="{B1A28B92-E462-EF90-4BED-9AFED6FCFD62}"/>
+              </a:ext>
+            </a:extLst>
+          </p:cNvPr>
+          <p:cNvSpPr>
+            <a:spLocks noGrp="1"/>
+          </p:cNvSpPr>
+          <p:nvPr>
+            <p:ph type="title"/>
+          </p:nvPr>
+        </p:nvSpPr>
+        <p:spPr>
+          <a:xfrm>
+            <a:off x="1142999" y="0"/>
+            <a:ext cx="9905999" cy="1360898"/>
+          </a:xfrm>
+        </p:spPr>
+        <p:txBody>
+          <a:bodyPr/>
+          <a:lstStyle/>
+          <a:p>
+            <a:r>
+              <a:rPr lang="en-US" dirty="0">
+                <a:latin typeface="Times New Roman" panose="02020603050405020304" pitchFamily="18" charset="0"/>
+                <a:cs typeface="Times New Roman" panose="02020603050405020304" pitchFamily="18" charset="0"/>
+              </a:rPr>
+              <a:t>Summary of Results and Analysis</a:t>
+            </a:r>
+          </a:p>
+        </p:txBody>
+      </p:sp>
+      <p:sp>
+        <p:nvSpPr>
+          <p:cNvPr id="3" name="Content Placeholder 2">
+            <a:extLst>
+              <a:ext uri="{FF2B5EF4-FFF2-40B4-BE49-F238E27FC236}">
+                <a16:creationId xmlns:a16="http://schemas.microsoft.com/office/drawing/2014/main" id="{EF699138-DF60-6B49-BB03-E2A7A2E600C1}"/>
+              </a:ext>
+            </a:extLst>
+          </p:cNvPr>
+          <p:cNvSpPr>
+            <a:spLocks noGrp="1"/>
+          </p:cNvSpPr>
+          <p:nvPr>
+            <p:ph idx="1"/>
+          </p:nvPr>
+        </p:nvSpPr>
+        <p:spPr>
+          <a:xfrm>
+            <a:off x="1142998" y="1243233"/>
+            <a:ext cx="9905999" cy="4754796"/>
+          </a:xfrm>
+        </p:spPr>
+        <p:txBody>
+          <a:bodyPr>
+            <a:noAutofit/>
+          </a:bodyPr>
+          <a:lstStyle/>
+          <a:p>
+            <a:r>
+              <a:rPr lang="en-US" sz="1600" dirty="0">
+                <a:latin typeface="Times New Roman" panose="02020603050405020304" pitchFamily="18" charset="0"/>
+                <a:cs typeface="Times New Roman" panose="02020603050405020304" pitchFamily="18" charset="0"/>
+              </a:rPr>
+              <a:t>Performance of Binary Classification Model (Support Vector Machine with </a:t>
+            </a:r>
+            <a:r>
+              <a:rPr lang="en-US" sz="1600" dirty="0" err="1">
+                <a:latin typeface="Times New Roman" panose="02020603050405020304" pitchFamily="18" charset="0"/>
+                <a:cs typeface="Times New Roman" panose="02020603050405020304" pitchFamily="18" charset="0"/>
+              </a:rPr>
+              <a:t>TfidfVectorizer</a:t>
+            </a:r>
+            <a:r>
+              <a:rPr lang="en-US" sz="1600" dirty="0">
+                <a:latin typeface="Times New Roman" panose="02020603050405020304" pitchFamily="18" charset="0"/>
+                <a:cs typeface="Times New Roman" panose="02020603050405020304" pitchFamily="18" charset="0"/>
+              </a:rPr>
+              <a:t>) </a:t>
+            </a:r>
+          </a:p>
+          <a:p>
+            <a:pPr marL="0" indent="0" algn="ctr">
+              <a:buNone/>
+            </a:pPr>
+            <a:r>
+              <a:rPr lang="en-US" sz="1600" dirty="0">
+                <a:latin typeface="Times New Roman" panose="02020603050405020304" pitchFamily="18" charset="0"/>
+                <a:cs typeface="Times New Roman" panose="02020603050405020304" pitchFamily="18" charset="0"/>
+              </a:rPr>
+              <a:t>1.0 Train | 0.88 Test | </a:t>
+            </a:r>
+            <a:r>
+              <a:rPr lang="en-US" sz="1600" b="0" i="0" dirty="0">
+                <a:effectLst/>
+                <a:latin typeface="Times New Roman" panose="02020603050405020304" pitchFamily="18" charset="0"/>
+                <a:cs typeface="Times New Roman" panose="02020603050405020304" pitchFamily="18" charset="0"/>
+              </a:rPr>
+              <a:t>Sensitivity 0.66 | Specificity 0.95 | Accuracy 0.88 | Precision 0.800 | </a:t>
+            </a:r>
+          </a:p>
+          <a:p>
+            <a:pPr marL="0" indent="0" algn="ctr">
+              <a:buNone/>
+            </a:pPr>
+            <a:r>
+              <a:rPr lang="en-US" sz="1600" b="0" i="0" dirty="0">
+                <a:effectLst/>
+                <a:latin typeface="Times New Roman" panose="02020603050405020304" pitchFamily="18" charset="0"/>
+                <a:cs typeface="Times New Roman" panose="02020603050405020304" pitchFamily="18" charset="0"/>
+              </a:rPr>
+              <a:t>Miscalculation Rate 0.12 | F1 Score 0.72</a:t>
+            </a:r>
+            <a:endParaRPr lang="en-US" sz="1600" dirty="0">
+              <a:latin typeface="Times New Roman" panose="02020603050405020304" pitchFamily="18" charset="0"/>
+              <a:cs typeface="Times New Roman" panose="02020603050405020304" pitchFamily="18" charset="0"/>
+            </a:endParaRPr>
+          </a:p>
+          <a:p>
+            <a:r>
+              <a:rPr lang="en-US" sz="1600" dirty="0">
+                <a:latin typeface="Times New Roman" panose="02020603050405020304" pitchFamily="18" charset="0"/>
+                <a:cs typeface="Times New Roman" panose="02020603050405020304" pitchFamily="18" charset="0"/>
+              </a:rPr>
+              <a:t>Performance of Neural Network Model: </a:t>
+            </a:r>
+          </a:p>
+          <a:p>
+            <a:pPr marL="0" indent="0" algn="ctr">
+              <a:buNone/>
+            </a:pPr>
+            <a:r>
+              <a:rPr lang="en-US" sz="1600" dirty="0">
+                <a:latin typeface="Times New Roman" panose="02020603050405020304" pitchFamily="18" charset="0"/>
+                <a:cs typeface="Times New Roman" panose="02020603050405020304" pitchFamily="18" charset="0"/>
+              </a:rPr>
+              <a:t>L</a:t>
+            </a:r>
+            <a:r>
+              <a:rPr lang="en-US" sz="1600" b="0" i="0" dirty="0">
+                <a:effectLst/>
+                <a:latin typeface="Times New Roman" panose="02020603050405020304" pitchFamily="18" charset="0"/>
+                <a:cs typeface="Times New Roman" panose="02020603050405020304" pitchFamily="18" charset="0"/>
+              </a:rPr>
+              <a:t>oss: 0.13 - Accuracy: 0.95 - MSE: 0.006 </a:t>
+            </a:r>
+          </a:p>
+          <a:p>
+            <a:pPr marL="0" indent="0" algn="ctr">
+              <a:buNone/>
+            </a:pPr>
+            <a:r>
+              <a:rPr lang="en-US" sz="1600" b="0" i="0" dirty="0">
+                <a:effectLst/>
+                <a:latin typeface="Times New Roman" panose="02020603050405020304" pitchFamily="18" charset="0"/>
+                <a:cs typeface="Times New Roman" panose="02020603050405020304" pitchFamily="18" charset="0"/>
+              </a:rPr>
+              <a:t>Val</a:t>
+            </a:r>
+            <a:r>
+              <a:rPr lang="en-US" sz="1600" dirty="0">
+                <a:latin typeface="Times New Roman" panose="02020603050405020304" pitchFamily="18" charset="0"/>
+                <a:cs typeface="Times New Roman" panose="02020603050405020304" pitchFamily="18" charset="0"/>
+              </a:rPr>
+              <a:t>idation L</a:t>
+            </a:r>
+            <a:r>
+              <a:rPr lang="en-US" sz="1600" b="0" i="0" dirty="0">
+                <a:effectLst/>
+                <a:latin typeface="Times New Roman" panose="02020603050405020304" pitchFamily="18" charset="0"/>
+                <a:cs typeface="Times New Roman" panose="02020603050405020304" pitchFamily="18" charset="0"/>
+              </a:rPr>
+              <a:t>oss: 2.34 – Validation Accuracy: 0.72 – Validation MSE: 0.05</a:t>
+            </a:r>
+          </a:p>
+          <a:p>
+            <a:pPr marL="0" indent="0">
+              <a:buNone/>
+            </a:pPr>
+            <a:endParaRPr lang="en-US" sz="1600" b="0" i="0" dirty="0">
+              <a:effectLst/>
+              <a:latin typeface="Times New Roman" panose="02020603050405020304" pitchFamily="18" charset="0"/>
+              <a:cs typeface="Times New Roman" panose="02020603050405020304" pitchFamily="18" charset="0"/>
+            </a:endParaRPr>
+          </a:p>
+          <a:p>
+            <a:r>
+              <a:rPr lang="en-US" dirty="0">
+                <a:latin typeface="Times New Roman" panose="02020603050405020304" pitchFamily="18" charset="0"/>
+                <a:cs typeface="Times New Roman" panose="02020603050405020304" pitchFamily="18" charset="0"/>
+              </a:rPr>
+              <a:t>Tendency Towards Bias Scoring App runs on…</a:t>
+            </a:r>
+          </a:p>
+          <a:p>
+            <a:pPr marL="0" indent="0" algn="ctr">
+              <a:buNone/>
+            </a:pPr>
+            <a:r>
+              <a:rPr lang="en-US" sz="2800" b="1" u="sng" dirty="0">
+                <a:solidFill>
+                  <a:srgbClr val="FF0000"/>
+                </a:solidFill>
+                <a:latin typeface="Times New Roman" panose="02020603050405020304" pitchFamily="18" charset="0"/>
+                <a:cs typeface="Times New Roman" panose="02020603050405020304" pitchFamily="18" charset="0"/>
+              </a:rPr>
+              <a:t>Bias Estimator and Analyzer of Sentiment Tendency </a:t>
+            </a:r>
+          </a:p>
+          <a:p>
+            <a:pPr marL="0" indent="0" algn="ctr">
+              <a:buNone/>
+            </a:pPr>
+            <a:r>
+              <a:rPr lang="en-US" sz="2800" b="1" u="sng" dirty="0">
+                <a:solidFill>
+                  <a:srgbClr val="FF0000"/>
+                </a:solidFill>
+                <a:latin typeface="Times New Roman" panose="02020603050405020304" pitchFamily="18" charset="0"/>
+                <a:cs typeface="Times New Roman" panose="02020603050405020304" pitchFamily="18" charset="0"/>
+              </a:rPr>
+              <a:t>(BEAST) Engine</a:t>
+            </a:r>
+          </a:p>
+        </p:txBody>
+      </p:sp>
+    </p:spTree>
+    <p:extLst>
+      <p:ext uri="{BB962C8B-B14F-4D97-AF65-F5344CB8AC3E}">
+        <p14:creationId xmlns:p14="http://schemas.microsoft.com/office/powerpoint/2010/main" val="405312764"/>
+      </p:ext>
+    </p:extLst>
+  </p:cSld>
+  <p:clrMapOvr>
+    <a:masterClrMapping/>
+  </p:clrMapOvr>
+</p:sld>
+</file>
+
+<file path=ppt/slides/slide14.xml><?xml version="1.0" encoding="utf-8"?>
+<p:sld xmlns:a="http://schemas.openxmlformats.org/drawingml/2006/main" xmlns:r="http://schemas.openxmlformats.org/officeDocument/2006/relationships" xmlns:p="http://schemas.openxmlformats.org/presentationml/2006/main">
+  <p:cSld>
+    <p:spTree>
+      <p:nvGrpSpPr>
+        <p:cNvPr id="1" name=""/>
+        <p:cNvGrpSpPr/>
+        <p:nvPr/>
+      </p:nvGrpSpPr>
+      <p:grpSpPr>
+        <a:xfrm>
+          <a:off x="0" y="0"/>
+          <a:ext cx="0" cy="0"/>
+          <a:chOff x="0" y="0"/>
+          <a:chExt cx="0" cy="0"/>
+        </a:xfrm>
+      </p:grpSpPr>
+      <p:sp>
+        <p:nvSpPr>
+          <p:cNvPr id="2" name="Title 1">
+            <a:extLst>
+              <a:ext uri="{FF2B5EF4-FFF2-40B4-BE49-F238E27FC236}">
+                <a16:creationId xmlns:a16="http://schemas.microsoft.com/office/drawing/2014/main" id="{FE0CD4F1-21D3-6C4A-0194-73867BFF507F}"/>
+              </a:ext>
+            </a:extLst>
+          </p:cNvPr>
+          <p:cNvSpPr>
+            <a:spLocks noGrp="1"/>
+          </p:cNvSpPr>
+          <p:nvPr>
+            <p:ph type="title"/>
+          </p:nvPr>
+        </p:nvSpPr>
+        <p:spPr/>
+        <p:txBody>
+          <a:bodyPr>
+            <a:normAutofit/>
+          </a:bodyPr>
+          <a:lstStyle/>
+          <a:p>
+            <a:pPr marL="0" indent="0"/>
+            <a:r>
+              <a:rPr lang="en-US" sz="4000" b="1" dirty="0">
+                <a:solidFill>
+                  <a:srgbClr val="FF0000"/>
+                </a:solidFill>
+                <a:latin typeface="Times New Roman" panose="02020603050405020304" pitchFamily="18" charset="0"/>
+                <a:cs typeface="Times New Roman" panose="02020603050405020304" pitchFamily="18" charset="0"/>
+              </a:rPr>
+              <a:t>BEAST Performance</a:t>
+            </a:r>
+            <a:endParaRPr lang="en-US" b="1" dirty="0">
+              <a:solidFill>
+                <a:srgbClr val="FF0000"/>
+              </a:solidFill>
+            </a:endParaRPr>
+          </a:p>
+        </p:txBody>
+      </p:sp>
+      <p:sp>
+        <p:nvSpPr>
+          <p:cNvPr id="3" name="Content Placeholder 2">
+            <a:extLst>
+              <a:ext uri="{FF2B5EF4-FFF2-40B4-BE49-F238E27FC236}">
+                <a16:creationId xmlns:a16="http://schemas.microsoft.com/office/drawing/2014/main" id="{0DEA6BC7-9703-E071-DCB6-1BDB036FD8EF}"/>
+              </a:ext>
+            </a:extLst>
+          </p:cNvPr>
+          <p:cNvSpPr>
+            <a:spLocks noGrp="1"/>
+          </p:cNvSpPr>
+          <p:nvPr>
+            <p:ph idx="1"/>
+          </p:nvPr>
+        </p:nvSpPr>
+        <p:spPr/>
+        <p:txBody>
+          <a:bodyPr/>
+          <a:lstStyle/>
+          <a:p>
+            <a:r>
+              <a:rPr lang="en-US" dirty="0">
+                <a:latin typeface="Times New Roman" panose="02020603050405020304" pitchFamily="18" charset="0"/>
+                <a:cs typeface="Times New Roman" panose="02020603050405020304" pitchFamily="18" charset="0"/>
+              </a:rPr>
+              <a:t>Word Clouds, Word Encoding Algorithm Graphs, </a:t>
+            </a:r>
+          </a:p>
+          <a:p>
+            <a:r>
+              <a:rPr lang="en-US" dirty="0">
+                <a:latin typeface="Times New Roman" panose="02020603050405020304" pitchFamily="18" charset="0"/>
+                <a:cs typeface="Times New Roman" panose="02020603050405020304" pitchFamily="18" charset="0"/>
+              </a:rPr>
+              <a:t>Compare performance of Sentiment Analyzer with </a:t>
+            </a:r>
+            <a:r>
+              <a:rPr lang="en-US" b="0" i="0" u="none" strike="noStrike" dirty="0">
+                <a:solidFill>
+                  <a:srgbClr val="E6EDF3"/>
+                </a:solidFill>
+                <a:effectLst/>
+                <a:latin typeface="Times New Roman" panose="02020603050405020304" pitchFamily="18" charset="0"/>
+                <a:cs typeface="Times New Roman" panose="02020603050405020304" pitchFamily="18" charset="0"/>
+              </a:rPr>
+              <a:t>VADER sentiment analyzer. </a:t>
+            </a:r>
+            <a:endParaRPr lang="en-US" dirty="0">
+              <a:latin typeface="Times New Roman" panose="02020603050405020304" pitchFamily="18" charset="0"/>
+              <a:cs typeface="Times New Roman" panose="02020603050405020304" pitchFamily="18" charset="0"/>
+            </a:endParaRPr>
+          </a:p>
+          <a:p>
+            <a:r>
+              <a:rPr lang="en-US" dirty="0">
+                <a:latin typeface="Times New Roman" panose="02020603050405020304" pitchFamily="18" charset="0"/>
+                <a:cs typeface="Times New Roman" panose="02020603050405020304" pitchFamily="18" charset="0"/>
+              </a:rPr>
+              <a:t>KDE Plots,  A/B Testing Results</a:t>
+            </a:r>
+          </a:p>
+        </p:txBody>
+      </p:sp>
+    </p:spTree>
+    <p:extLst>
+      <p:ext uri="{BB962C8B-B14F-4D97-AF65-F5344CB8AC3E}">
+        <p14:creationId xmlns:p14="http://schemas.microsoft.com/office/powerpoint/2010/main" val="1911129665"/>
+      </p:ext>
+    </p:extLst>
+  </p:cSld>
+  <p:clrMapOvr>
+    <a:masterClrMapping/>
+  </p:clrMapOvr>
+</p:sld>
+</file>
+
+<file path=ppt/slides/slide15.xml><?xml version="1.0" encoding="utf-8"?>
+<p:sld xmlns:a="http://schemas.openxmlformats.org/drawingml/2006/main" xmlns:r="http://schemas.openxmlformats.org/officeDocument/2006/relationships" xmlns:p="http://schemas.openxmlformats.org/presentationml/2006/main">
+  <p:cSld>
+    <p:spTree>
+      <p:nvGrpSpPr>
+        <p:cNvPr id="1" name=""/>
+        <p:cNvGrpSpPr/>
+        <p:nvPr/>
+      </p:nvGrpSpPr>
+      <p:grpSpPr>
+        <a:xfrm>
+          <a:off x="0" y="0"/>
+          <a:ext cx="0" cy="0"/>
+          <a:chOff x="0" y="0"/>
+          <a:chExt cx="0" cy="0"/>
+        </a:xfrm>
+      </p:grpSpPr>
+      <p:sp>
+        <p:nvSpPr>
+          <p:cNvPr id="2" name="Title 1">
+            <a:extLst>
+              <a:ext uri="{FF2B5EF4-FFF2-40B4-BE49-F238E27FC236}">
+                <a16:creationId xmlns:a16="http://schemas.microsoft.com/office/drawing/2014/main" id="{E568FC30-8B85-FDF8-AB85-F42AE8053BD6}"/>
+              </a:ext>
+            </a:extLst>
+          </p:cNvPr>
+          <p:cNvSpPr>
+            <a:spLocks noGrp="1"/>
+          </p:cNvSpPr>
+          <p:nvPr>
+            <p:ph type="title"/>
+          </p:nvPr>
+        </p:nvSpPr>
+        <p:spPr/>
+        <p:txBody>
+          <a:bodyPr/>
+          <a:lstStyle/>
+          <a:p>
+            <a:r>
+              <a:rPr lang="en-US" dirty="0">
+                <a:latin typeface="Times New Roman" panose="02020603050405020304" pitchFamily="18" charset="0"/>
+                <a:cs typeface="Times New Roman" panose="02020603050405020304" pitchFamily="18" charset="0"/>
+              </a:rPr>
+              <a:t>Recommendations and Guidance</a:t>
+            </a:r>
+          </a:p>
+        </p:txBody>
+      </p:sp>
+      <p:sp>
+        <p:nvSpPr>
+          <p:cNvPr id="3" name="Content Placeholder 2">
+            <a:extLst>
+              <a:ext uri="{FF2B5EF4-FFF2-40B4-BE49-F238E27FC236}">
+                <a16:creationId xmlns:a16="http://schemas.microsoft.com/office/drawing/2014/main" id="{A4374351-9E2A-DEE3-317F-E48DB8696262}"/>
+              </a:ext>
+            </a:extLst>
+          </p:cNvPr>
+          <p:cNvSpPr>
+            <a:spLocks noGrp="1"/>
+          </p:cNvSpPr>
+          <p:nvPr>
+            <p:ph idx="1"/>
+          </p:nvPr>
+        </p:nvSpPr>
+        <p:spPr/>
+        <p:txBody>
+          <a:bodyPr>
+            <a:normAutofit lnSpcReduction="10000"/>
+          </a:bodyPr>
+          <a:lstStyle/>
+          <a:p>
+            <a:r>
+              <a:rPr lang="en-US" dirty="0">
+                <a:latin typeface="Times New Roman" panose="02020603050405020304" pitchFamily="18" charset="0"/>
+                <a:cs typeface="Times New Roman" panose="02020603050405020304" pitchFamily="18" charset="0"/>
+              </a:rPr>
+              <a:t>Develop labeling functions and other word encoding algorithms for further optimization.</a:t>
+            </a:r>
+          </a:p>
+          <a:p>
+            <a:pPr indent="0">
+              <a:buNone/>
+            </a:pPr>
+            <a:r>
+              <a:rPr lang="en-US" dirty="0">
+                <a:latin typeface="Times New Roman" panose="02020603050405020304" pitchFamily="18" charset="0"/>
+                <a:cs typeface="Times New Roman" panose="02020603050405020304" pitchFamily="18" charset="0"/>
+              </a:rPr>
+              <a:t>	Hand Label a greater expanse of samples to acquire more detailed and 		meaningful Snorkel summary statistics. </a:t>
+            </a:r>
+          </a:p>
+          <a:p>
+            <a:r>
+              <a:rPr lang="en-US" dirty="0">
+                <a:latin typeface="Times New Roman" panose="02020603050405020304" pitchFamily="18" charset="0"/>
+                <a:cs typeface="Times New Roman" panose="02020603050405020304" pitchFamily="18" charset="0"/>
+              </a:rPr>
+              <a:t>Continue to advance hardware capabilities to develop Neural Network models further.</a:t>
+            </a:r>
+          </a:p>
+          <a:p>
+            <a:pPr lvl="2" indent="0">
+              <a:buNone/>
+            </a:pPr>
+            <a:r>
+              <a:rPr lang="en-US" sz="2000" i="0" dirty="0">
+                <a:latin typeface="Times New Roman" panose="02020603050405020304" pitchFamily="18" charset="0"/>
+                <a:cs typeface="Times New Roman" panose="02020603050405020304" pitchFamily="18" charset="0"/>
+              </a:rPr>
+              <a:t>    	Switch to Microsoft and NVIDIA GPU.</a:t>
+            </a:r>
+          </a:p>
+          <a:p>
+            <a:pPr lvl="1"/>
+            <a:endParaRPr lang="en-US" sz="2600" i="0" dirty="0">
+              <a:latin typeface="Times New Roman" panose="02020603050405020304" pitchFamily="18" charset="0"/>
+              <a:cs typeface="Times New Roman" panose="02020603050405020304" pitchFamily="18" charset="0"/>
+            </a:endParaRPr>
+          </a:p>
+          <a:p>
+            <a:pPr indent="0" algn="ctr">
+              <a:buNone/>
+            </a:pPr>
+            <a:r>
+              <a:rPr lang="en-US" b="1" dirty="0">
+                <a:solidFill>
+                  <a:srgbClr val="FF0000"/>
+                </a:solidFill>
+                <a:latin typeface="Times New Roman" panose="02020603050405020304" pitchFamily="18" charset="0"/>
+                <a:cs typeface="Times New Roman" panose="02020603050405020304" pitchFamily="18" charset="0"/>
+              </a:rPr>
+              <a:t>Apply these labeling functions to other well-defined problems such as customer service evaluations, prescription drug side-effect forms, crowd surfing surveys, etc.</a:t>
+            </a:r>
+            <a:endParaRPr lang="en-US" b="1" i="0" dirty="0">
+              <a:solidFill>
+                <a:srgbClr val="FF0000"/>
+              </a:solidFill>
+              <a:latin typeface="Times New Roman" panose="02020603050405020304" pitchFamily="18" charset="0"/>
+              <a:cs typeface="Times New Roman" panose="02020603050405020304" pitchFamily="18" charset="0"/>
+            </a:endParaRPr>
+          </a:p>
+          <a:p>
+            <a:pPr marL="0" indent="0">
+              <a:buNone/>
+            </a:pPr>
+            <a:endParaRPr lang="en-US" dirty="0">
+              <a:latin typeface="Times New Roman" panose="02020603050405020304" pitchFamily="18" charset="0"/>
+              <a:cs typeface="Times New Roman" panose="02020603050405020304" pitchFamily="18" charset="0"/>
+            </a:endParaRPr>
+          </a:p>
+        </p:txBody>
+      </p:sp>
+    </p:spTree>
+    <p:extLst>
+      <p:ext uri="{BB962C8B-B14F-4D97-AF65-F5344CB8AC3E}">
+        <p14:creationId xmlns:p14="http://schemas.microsoft.com/office/powerpoint/2010/main" val="4207199468"/>
+      </p:ext>
+    </p:extLst>
+  </p:cSld>
+  <p:clrMapOvr>
+    <a:masterClrMapping/>
+  </p:clrMapOvr>
+</p:sld>
+</file>
+
+<file path=ppt/slides/slide16.xml><?xml version="1.0" encoding="utf-8"?>
+<p:sld xmlns:a="http://schemas.openxmlformats.org/drawingml/2006/main" xmlns:r="http://schemas.openxmlformats.org/officeDocument/2006/relationships" xmlns:p="http://schemas.openxmlformats.org/presentationml/2006/main">
+  <p:cSld>
+    <p:spTree>
+      <p:nvGrpSpPr>
+        <p:cNvPr id="1" name=""/>
+        <p:cNvGrpSpPr/>
+        <p:nvPr/>
+      </p:nvGrpSpPr>
+      <p:grpSpPr>
+        <a:xfrm>
+          <a:off x="0" y="0"/>
+          <a:ext cx="0" cy="0"/>
+          <a:chOff x="0" y="0"/>
+          <a:chExt cx="0" cy="0"/>
+        </a:xfrm>
+      </p:grpSpPr>
+      <p:sp>
+        <p:nvSpPr>
+          <p:cNvPr id="2" name="Title 1">
+            <a:extLst>
+              <a:ext uri="{FF2B5EF4-FFF2-40B4-BE49-F238E27FC236}">
+                <a16:creationId xmlns:a16="http://schemas.microsoft.com/office/drawing/2014/main" id="{00AC1E3A-6835-16A0-6E5A-E26C908FD143}"/>
+              </a:ext>
+            </a:extLst>
+          </p:cNvPr>
+          <p:cNvSpPr>
+            <a:spLocks noGrp="1"/>
+          </p:cNvSpPr>
+          <p:nvPr>
+            <p:ph type="title"/>
+          </p:nvPr>
+        </p:nvSpPr>
+        <p:spPr/>
+        <p:txBody>
+          <a:bodyPr/>
+          <a:lstStyle/>
+          <a:p>
+            <a:r>
+              <a:rPr lang="en-US" dirty="0">
+                <a:latin typeface="Times New Roman" panose="02020603050405020304" pitchFamily="18" charset="0"/>
+                <a:cs typeface="Times New Roman" panose="02020603050405020304" pitchFamily="18" charset="0"/>
+              </a:rPr>
+              <a:t>Peering Into the Future</a:t>
+            </a:r>
+          </a:p>
+        </p:txBody>
+      </p:sp>
+      <p:sp>
+        <p:nvSpPr>
+          <p:cNvPr id="3" name="Content Placeholder 2">
+            <a:extLst>
+              <a:ext uri="{FF2B5EF4-FFF2-40B4-BE49-F238E27FC236}">
+                <a16:creationId xmlns:a16="http://schemas.microsoft.com/office/drawing/2014/main" id="{7EAA7B9E-0F18-9EA3-A7FC-C3B72D13CCEC}"/>
+              </a:ext>
+            </a:extLst>
+          </p:cNvPr>
+          <p:cNvSpPr>
+            <a:spLocks noGrp="1"/>
+          </p:cNvSpPr>
+          <p:nvPr>
+            <p:ph idx="1"/>
+          </p:nvPr>
+        </p:nvSpPr>
+        <p:spPr/>
+        <p:txBody>
+          <a:bodyPr/>
+          <a:lstStyle/>
+          <a:p>
+            <a:r>
+              <a:rPr lang="en-US" dirty="0">
+                <a:latin typeface="Times New Roman" panose="02020603050405020304" pitchFamily="18" charset="0"/>
+                <a:cs typeface="Times New Roman" panose="02020603050405020304" pitchFamily="18" charset="0"/>
+              </a:rPr>
+              <a:t>Instead of binary Word2Vec labeling, qubits (0 or 1 quantum superposition principle) exhibit entanglement and calculate BIASED or UNBIASED labels in effective real-time response. </a:t>
+            </a:r>
+          </a:p>
+        </p:txBody>
+      </p:sp>
+    </p:spTree>
+    <p:extLst>
+      <p:ext uri="{BB962C8B-B14F-4D97-AF65-F5344CB8AC3E}">
+        <p14:creationId xmlns:p14="http://schemas.microsoft.com/office/powerpoint/2010/main" val="1648180415"/>
+      </p:ext>
+    </p:extLst>
+  </p:cSld>
+  <p:clrMapOvr>
+    <a:masterClrMapping/>
+  </p:clrMapOvr>
+</p:sld>
+</file>
+
+<file path=ppt/slides/slide17.xml><?xml version="1.0" encoding="utf-8"?>
+<p:sld xmlns:a="http://schemas.openxmlformats.org/drawingml/2006/main" xmlns:r="http://schemas.openxmlformats.org/officeDocument/2006/relationships" xmlns:p="http://schemas.openxmlformats.org/presentationml/2006/main">
+  <p:cSld>
+    <p:spTree>
+      <p:nvGrpSpPr>
+        <p:cNvPr id="1" name=""/>
+        <p:cNvGrpSpPr/>
+        <p:nvPr/>
+      </p:nvGrpSpPr>
+      <p:grpSpPr>
+        <a:xfrm>
+          <a:off x="0" y="0"/>
+          <a:ext cx="0" cy="0"/>
+          <a:chOff x="0" y="0"/>
+          <a:chExt cx="0" cy="0"/>
+        </a:xfrm>
+      </p:grpSpPr>
+      <p:sp>
+        <p:nvSpPr>
+          <p:cNvPr id="2" name="Title 1">
+            <a:extLst>
+              <a:ext uri="{FF2B5EF4-FFF2-40B4-BE49-F238E27FC236}">
+                <a16:creationId xmlns:a16="http://schemas.microsoft.com/office/drawing/2014/main" id="{23737E6A-5CEF-EB8F-7484-1E88444C3D6D}"/>
+              </a:ext>
+            </a:extLst>
+          </p:cNvPr>
+          <p:cNvSpPr>
+            <a:spLocks noGrp="1"/>
+          </p:cNvSpPr>
+          <p:nvPr>
+            <p:ph type="title"/>
+          </p:nvPr>
+        </p:nvSpPr>
+        <p:spPr/>
+        <p:txBody>
+          <a:bodyPr/>
+          <a:lstStyle/>
+          <a:p>
+            <a:r>
+              <a:rPr lang="en-US" dirty="0">
+                <a:latin typeface="Times New Roman" panose="02020603050405020304" pitchFamily="18" charset="0"/>
+                <a:cs typeface="Times New Roman" panose="02020603050405020304" pitchFamily="18" charset="0"/>
+              </a:rPr>
+              <a:t>Conclusion</a:t>
+            </a:r>
+          </a:p>
+        </p:txBody>
+      </p:sp>
+      <p:sp>
+        <p:nvSpPr>
+          <p:cNvPr id="3" name="Content Placeholder 2">
+            <a:extLst>
+              <a:ext uri="{FF2B5EF4-FFF2-40B4-BE49-F238E27FC236}">
+                <a16:creationId xmlns:a16="http://schemas.microsoft.com/office/drawing/2014/main" id="{D3948882-BFC6-51B0-8BA3-55421DC01397}"/>
+              </a:ext>
+            </a:extLst>
+          </p:cNvPr>
+          <p:cNvSpPr>
+            <a:spLocks noGrp="1"/>
+          </p:cNvSpPr>
+          <p:nvPr>
+            <p:ph idx="1"/>
+          </p:nvPr>
+        </p:nvSpPr>
+        <p:spPr/>
+        <p:txBody>
+          <a:bodyPr>
+            <a:normAutofit/>
+          </a:bodyPr>
+          <a:lstStyle/>
+          <a:p>
+            <a:r>
+              <a:rPr lang="en-US" sz="1800" dirty="0">
+                <a:latin typeface="Times New Roman" panose="02020603050405020304" pitchFamily="18" charset="0"/>
+                <a:cs typeface="Times New Roman" panose="02020603050405020304" pitchFamily="18" charset="0"/>
+              </a:rPr>
+              <a:t>We use labeling functions in our everyday lives!</a:t>
+            </a:r>
+          </a:p>
+          <a:p>
+            <a:r>
+              <a:rPr lang="en-US" sz="1800" dirty="0">
+                <a:latin typeface="Times New Roman" panose="02020603050405020304" pitchFamily="18" charset="0"/>
+                <a:cs typeface="Times New Roman" panose="02020603050405020304" pitchFamily="18" charset="0"/>
+              </a:rPr>
+              <a:t>When we harness multiple powerful modeling techniques with these relatively simple primitive fundamental forms, complex and daunting language processing challenges become simpler and more realistic to understand. </a:t>
+            </a:r>
+          </a:p>
+          <a:p>
+            <a:r>
+              <a:rPr lang="en-US" sz="1800" dirty="0">
+                <a:latin typeface="Times New Roman" panose="02020603050405020304" pitchFamily="18" charset="0"/>
+                <a:cs typeface="Times New Roman" panose="02020603050405020304" pitchFamily="18" charset="0"/>
+              </a:rPr>
+              <a:t>We successfully utilized many of these NLP and NN modeling techniques and created a Bias Estimator and Analyzer of Sentiment Tendency (BEAST) Engine capable of generating a bias score and sentiment levels comparable to that of VADER’s sentiment analyzer. </a:t>
+            </a:r>
+          </a:p>
+          <a:p>
+            <a:r>
+              <a:rPr lang="en-US" sz="1800" dirty="0">
+                <a:latin typeface="Times New Roman" panose="02020603050405020304" pitchFamily="18" charset="0"/>
+                <a:cs typeface="Times New Roman" panose="02020603050405020304" pitchFamily="18" charset="0"/>
+              </a:rPr>
+              <a:t>Stakeholders interested in this research include product managers, app developers, customer service leads, etc. </a:t>
+            </a:r>
+          </a:p>
+        </p:txBody>
+      </p:sp>
+    </p:spTree>
+    <p:extLst>
+      <p:ext uri="{BB962C8B-B14F-4D97-AF65-F5344CB8AC3E}">
+        <p14:creationId xmlns:p14="http://schemas.microsoft.com/office/powerpoint/2010/main" val="4181538902"/>
+      </p:ext>
+    </p:extLst>
+  </p:cSld>
+  <p:clrMapOvr>
+    <a:masterClrMapping/>
+  </p:clrMapOvr>
+</p:sld>
+</file>
+
+<file path=ppt/slides/slide18.xml><?xml version="1.0" encoding="utf-8"?>
+<p:sld xmlns:a="http://schemas.openxmlformats.org/drawingml/2006/main" xmlns:r="http://schemas.openxmlformats.org/officeDocument/2006/relationships" xmlns:p="http://schemas.openxmlformats.org/presentationml/2006/main">
+  <p:cSld>
+    <p:spTree>
+      <p:nvGrpSpPr>
+        <p:cNvPr id="1" name=""/>
+        <p:cNvGrpSpPr/>
+        <p:nvPr/>
+      </p:nvGrpSpPr>
+      <p:grpSpPr>
+        <a:xfrm>
+          <a:off x="0" y="0"/>
+          <a:ext cx="0" cy="0"/>
+          <a:chOff x="0" y="0"/>
+          <a:chExt cx="0" cy="0"/>
+        </a:xfrm>
+      </p:grpSpPr>
+      <p:sp>
+        <p:nvSpPr>
+          <p:cNvPr id="2" name="Title 1">
+            <a:extLst>
+              <a:ext uri="{FF2B5EF4-FFF2-40B4-BE49-F238E27FC236}">
                 <a16:creationId xmlns:a16="http://schemas.microsoft.com/office/drawing/2014/main" id="{CF398215-AA8A-CBC0-EA1B-BB0A5A58BCA8}"/>
               </a:ext>
             </a:extLst>
@@ -4858,7 +6003,12 @@
             <p:ph type="title"/>
           </p:nvPr>
         </p:nvSpPr>
-        <p:spPr/>
+        <p:spPr>
+          <a:xfrm>
+            <a:off x="1142999" y="-128551"/>
+            <a:ext cx="9905999" cy="1360898"/>
+          </a:xfrm>
+        </p:spPr>
         <p:txBody>
           <a:bodyPr/>
           <a:lstStyle/>
@@ -4889,304 +6039,315 @@
             <p:ph idx="1"/>
           </p:nvPr>
         </p:nvSpPr>
-        <p:spPr/>
+        <p:spPr>
+          <a:xfrm>
+            <a:off x="1143000" y="1232347"/>
+            <a:ext cx="9905999" cy="4666797"/>
+          </a:xfrm>
+        </p:spPr>
         <p:txBody>
           <a:bodyPr>
-            <a:normAutofit fontScale="55000" lnSpcReduction="20000"/>
+            <a:noAutofit/>
           </a:bodyPr>
           <a:lstStyle/>
           <a:p>
             <a:r>
-              <a:rPr lang="en-US" b="0" dirty="0">
+              <a:rPr lang="en-US" sz="1400" b="0" dirty="0">
                 <a:effectLst/>
-                <a:latin typeface="Menlo" panose="020B0609030804020204" pitchFamily="49" charset="0"/>
-              </a:rPr>
-              <a:t>`API` Documentation from `NYT`: https://</a:t>
-            </a:r>
-            <a:r>
-              <a:rPr lang="en-US" b="0" dirty="0" err="1">
+                <a:latin typeface="Times New Roman" panose="02020603050405020304" pitchFamily="18" charset="0"/>
+                <a:cs typeface="Times New Roman" panose="02020603050405020304" pitchFamily="18" charset="0"/>
+              </a:rPr>
+              <a:t>`API` Documentation from `NYT`: </a:t>
+            </a:r>
+            <a:r>
+              <a:rPr lang="en-US" sz="1400" b="0" dirty="0">
                 <a:effectLst/>
-                <a:latin typeface="Menlo" panose="020B0609030804020204" pitchFamily="49" charset="0"/>
-              </a:rPr>
-              <a:t>developer.nytimes.com</a:t>
-            </a:r>
-            <a:r>
-              <a:rPr lang="en-US" b="0" dirty="0">
+                <a:latin typeface="Times New Roman" panose="02020603050405020304" pitchFamily="18" charset="0"/>
+                <a:cs typeface="Times New Roman" panose="02020603050405020304" pitchFamily="18" charset="0"/>
+                <a:hlinkClick r:id="rId2"/>
+              </a:rPr>
+              <a:t>https://developer.nytimes.com/apis</a:t>
+            </a:r>
+            <a:endParaRPr lang="en-US" sz="1400" b="0" dirty="0">
+              <a:effectLst/>
+              <a:latin typeface="Times New Roman" panose="02020603050405020304" pitchFamily="18" charset="0"/>
+              <a:cs typeface="Times New Roman" panose="02020603050405020304" pitchFamily="18" charset="0"/>
+            </a:endParaRPr>
+          </a:p>
+          <a:p>
+            <a:r>
+              <a:rPr lang="en-US" sz="1400" b="0" dirty="0">
+                <a:solidFill>
+                  <a:srgbClr val="00B050"/>
+                </a:solidFill>
                 <a:effectLst/>
-                <a:latin typeface="Menlo" panose="020B0609030804020204" pitchFamily="49" charset="0"/>
-              </a:rPr>
-              <a:t>/</a:t>
-            </a:r>
-            <a:r>
-              <a:rPr lang="en-US" b="0" dirty="0" err="1">
+                <a:latin typeface="Times New Roman" panose="02020603050405020304" pitchFamily="18" charset="0"/>
+                <a:cs typeface="Times New Roman" panose="02020603050405020304" pitchFamily="18" charset="0"/>
+              </a:rPr>
+              <a:t>Code for </a:t>
+            </a:r>
+            <a:r>
+              <a:rPr lang="en-US" sz="1400" b="0" dirty="0" err="1">
+                <a:solidFill>
+                  <a:srgbClr val="00B050"/>
+                </a:solidFill>
                 <a:effectLst/>
-                <a:latin typeface="Menlo" panose="020B0609030804020204" pitchFamily="49" charset="0"/>
-              </a:rPr>
-              <a:t>apis</a:t>
-            </a:r>
+                <a:latin typeface="Times New Roman" panose="02020603050405020304" pitchFamily="18" charset="0"/>
+                <a:cs typeface="Times New Roman" panose="02020603050405020304" pitchFamily="18" charset="0"/>
+              </a:rPr>
+              <a:t>Webscraping</a:t>
+            </a:r>
+            <a:r>
+              <a:rPr lang="en-US" sz="1400" b="0" dirty="0">
+                <a:solidFill>
+                  <a:srgbClr val="00B050"/>
+                </a:solidFill>
+                <a:effectLst/>
+                <a:latin typeface="Times New Roman" panose="02020603050405020304" pitchFamily="18" charset="0"/>
+                <a:cs typeface="Times New Roman" panose="02020603050405020304" pitchFamily="18" charset="0"/>
+              </a:rPr>
+              <a:t> adapted from fellow </a:t>
+            </a:r>
+            <a:r>
+              <a:rPr lang="en-US" sz="1400" b="0" dirty="0" err="1">
+                <a:solidFill>
+                  <a:srgbClr val="00B050"/>
+                </a:solidFill>
+                <a:effectLst/>
+                <a:latin typeface="Times New Roman" panose="02020603050405020304" pitchFamily="18" charset="0"/>
+                <a:cs typeface="Times New Roman" panose="02020603050405020304" pitchFamily="18" charset="0"/>
+              </a:rPr>
+              <a:t>coursemate's</a:t>
+            </a:r>
+            <a:r>
+              <a:rPr lang="en-US" sz="1400" b="0" dirty="0">
+                <a:solidFill>
+                  <a:srgbClr val="00B050"/>
+                </a:solidFill>
+                <a:effectLst/>
+                <a:latin typeface="Times New Roman" panose="02020603050405020304" pitchFamily="18" charset="0"/>
+                <a:cs typeface="Times New Roman" panose="02020603050405020304" pitchFamily="18" charset="0"/>
+              </a:rPr>
+              <a:t> group project, with their permission this code was included in the pipeline for this project.</a:t>
+            </a:r>
+          </a:p>
+          <a:p>
+            <a:r>
+              <a:rPr lang="en-US" sz="1400" b="0" dirty="0">
+                <a:effectLst/>
+                <a:latin typeface="Times New Roman" panose="02020603050405020304" pitchFamily="18" charset="0"/>
+                <a:cs typeface="Times New Roman" panose="02020603050405020304" pitchFamily="18" charset="0"/>
+              </a:rPr>
+              <a:t>Snorkel documentation for Cohen Kappa Score labeling: </a:t>
+            </a:r>
+            <a:r>
+              <a:rPr lang="en-US" sz="1400" b="0" dirty="0">
+                <a:effectLst/>
+                <a:latin typeface="Times New Roman" panose="02020603050405020304" pitchFamily="18" charset="0"/>
+                <a:cs typeface="Times New Roman" panose="02020603050405020304" pitchFamily="18" charset="0"/>
+                <a:hlinkClick r:id="rId3"/>
+              </a:rPr>
+              <a:t>https://www.snorkel.org</a:t>
+            </a:r>
+            <a:endParaRPr lang="en-US" sz="1400" b="0" dirty="0">
+              <a:effectLst/>
+              <a:latin typeface="Times New Roman" panose="02020603050405020304" pitchFamily="18" charset="0"/>
+              <a:cs typeface="Times New Roman" panose="02020603050405020304" pitchFamily="18" charset="0"/>
+            </a:endParaRPr>
+          </a:p>
+          <a:p>
+            <a:r>
+              <a:rPr lang="en-US" sz="1400" b="0" dirty="0">
+                <a:effectLst/>
+                <a:latin typeface="Times New Roman" panose="02020603050405020304" pitchFamily="18" charset="0"/>
+                <a:cs typeface="Times New Roman" panose="02020603050405020304" pitchFamily="18" charset="0"/>
+              </a:rPr>
+              <a:t>Pew Center Article on Bias: </a:t>
+            </a:r>
+            <a:r>
+              <a:rPr lang="en-US" sz="1400" b="0" dirty="0">
+                <a:effectLst/>
+                <a:latin typeface="Times New Roman" panose="02020603050405020304" pitchFamily="18" charset="0"/>
+                <a:cs typeface="Times New Roman" panose="02020603050405020304" pitchFamily="18" charset="0"/>
+                <a:hlinkClick r:id="rId4"/>
+              </a:rPr>
+              <a:t>https://www.pewresearch.org/internet/2017/10/19/the-future-of-truth-and-misinformation-online</a:t>
+            </a:r>
+            <a:endParaRPr lang="en-US" sz="1400" b="0" dirty="0">
+              <a:effectLst/>
+              <a:latin typeface="Times New Roman" panose="02020603050405020304" pitchFamily="18" charset="0"/>
+              <a:cs typeface="Times New Roman" panose="02020603050405020304" pitchFamily="18" charset="0"/>
+            </a:endParaRPr>
+          </a:p>
+          <a:p>
+            <a:r>
+              <a:rPr lang="en-US" sz="1400" b="0" dirty="0">
+                <a:effectLst/>
+                <a:latin typeface="Times New Roman" panose="02020603050405020304" pitchFamily="18" charset="0"/>
+                <a:cs typeface="Times New Roman" panose="02020603050405020304" pitchFamily="18" charset="0"/>
+              </a:rPr>
+              <a:t>VADER Documentation: </a:t>
+            </a:r>
+            <a:r>
+              <a:rPr lang="en-US" sz="1400" b="0" dirty="0">
+                <a:effectLst/>
+                <a:latin typeface="Times New Roman" panose="02020603050405020304" pitchFamily="18" charset="0"/>
+                <a:cs typeface="Times New Roman" panose="02020603050405020304" pitchFamily="18" charset="0"/>
+                <a:hlinkClick r:id="rId5"/>
+              </a:rPr>
+              <a:t>https://vadersentiment.readthedocs.io</a:t>
+            </a:r>
+            <a:endParaRPr lang="en-US" sz="1400" b="0" dirty="0">
+              <a:effectLst/>
+              <a:latin typeface="Times New Roman" panose="02020603050405020304" pitchFamily="18" charset="0"/>
+              <a:cs typeface="Times New Roman" panose="02020603050405020304" pitchFamily="18" charset="0"/>
+            </a:endParaRPr>
+          </a:p>
+          <a:p>
+            <a:r>
+              <a:rPr lang="en-US" sz="1400" b="0" dirty="0">
+                <a:effectLst/>
+                <a:latin typeface="Times New Roman" panose="02020603050405020304" pitchFamily="18" charset="0"/>
+                <a:cs typeface="Times New Roman" panose="02020603050405020304" pitchFamily="18" charset="0"/>
+              </a:rPr>
+              <a:t>Kaggle GPU Documentation: </a:t>
+            </a:r>
+            <a:r>
+              <a:rPr lang="en-US" sz="1400" b="0" dirty="0">
+                <a:effectLst/>
+                <a:latin typeface="Times New Roman" panose="02020603050405020304" pitchFamily="18" charset="0"/>
+                <a:cs typeface="Times New Roman" panose="02020603050405020304" pitchFamily="18" charset="0"/>
+                <a:hlinkClick r:id="rId6"/>
+              </a:rPr>
+              <a:t>https://www.kaggle.com/code/dansbecker/running-kaggle-kernels-with-a-gpu</a:t>
+            </a:r>
+            <a:endParaRPr lang="en-US" sz="1400" b="0" dirty="0">
+              <a:effectLst/>
+              <a:latin typeface="Times New Roman" panose="02020603050405020304" pitchFamily="18" charset="0"/>
+              <a:cs typeface="Times New Roman" panose="02020603050405020304" pitchFamily="18" charset="0"/>
+            </a:endParaRPr>
+          </a:p>
+          <a:p>
+            <a:r>
+              <a:rPr lang="en-US" sz="1400" b="0" dirty="0">
+                <a:effectLst/>
+                <a:latin typeface="Times New Roman" panose="02020603050405020304" pitchFamily="18" charset="0"/>
+                <a:cs typeface="Times New Roman" panose="02020603050405020304" pitchFamily="18" charset="0"/>
+              </a:rPr>
+              <a:t>CBOW/Skip Gram: </a:t>
+            </a:r>
+            <a:r>
+              <a:rPr lang="en-US" sz="1400" b="0" dirty="0">
+                <a:effectLst/>
+                <a:latin typeface="Times New Roman" panose="02020603050405020304" pitchFamily="18" charset="0"/>
+                <a:cs typeface="Times New Roman" panose="02020603050405020304" pitchFamily="18" charset="0"/>
+                <a:hlinkClick r:id="rId7"/>
+              </a:rPr>
+              <a:t>https://towardsdatascience.com/understanding-feature-engineering-part-4-deep-learning-methods-for-text-data-96c44370bbfa</a:t>
+            </a:r>
+            <a:endParaRPr lang="en-US" sz="1400" b="0" dirty="0">
+              <a:effectLst/>
+              <a:latin typeface="Times New Roman" panose="02020603050405020304" pitchFamily="18" charset="0"/>
+              <a:cs typeface="Times New Roman" panose="02020603050405020304" pitchFamily="18" charset="0"/>
+            </a:endParaRPr>
+          </a:p>
+          <a:p>
+            <a:r>
+              <a:rPr lang="en-US" sz="1400" b="0" dirty="0">
+                <a:effectLst/>
+                <a:latin typeface="Times New Roman" panose="02020603050405020304" pitchFamily="18" charset="0"/>
+                <a:cs typeface="Times New Roman" panose="02020603050405020304" pitchFamily="18" charset="0"/>
+              </a:rPr>
+              <a:t>CBOW/</a:t>
+            </a:r>
+            <a:r>
+              <a:rPr lang="en-US" sz="1400" b="0" dirty="0" err="1">
+                <a:effectLst/>
+                <a:latin typeface="Times New Roman" panose="02020603050405020304" pitchFamily="18" charset="0"/>
+                <a:cs typeface="Times New Roman" panose="02020603050405020304" pitchFamily="18" charset="0"/>
+              </a:rPr>
+              <a:t>SKip</a:t>
+            </a:r>
+            <a:r>
+              <a:rPr lang="en-US" sz="1400" b="0" dirty="0">
+                <a:effectLst/>
+                <a:latin typeface="Times New Roman" panose="02020603050405020304" pitchFamily="18" charset="0"/>
+                <a:cs typeface="Times New Roman" panose="02020603050405020304" pitchFamily="18" charset="0"/>
+              </a:rPr>
+              <a:t> Gram: </a:t>
+            </a:r>
+            <a:r>
+              <a:rPr lang="en-US" sz="1400" b="0" dirty="0">
+                <a:effectLst/>
+                <a:latin typeface="Times New Roman" panose="02020603050405020304" pitchFamily="18" charset="0"/>
+                <a:cs typeface="Times New Roman" panose="02020603050405020304" pitchFamily="18" charset="0"/>
+                <a:hlinkClick r:id="rId8"/>
+              </a:rPr>
+              <a:t>https://medium.com/@dube.aditya8/word2vec-skip-gram-cbow-b5e802b00390</a:t>
+            </a:r>
+            <a:endParaRPr lang="en-US" sz="1400" b="0" dirty="0">
+              <a:effectLst/>
+              <a:latin typeface="Times New Roman" panose="02020603050405020304" pitchFamily="18" charset="0"/>
+              <a:cs typeface="Times New Roman" panose="02020603050405020304" pitchFamily="18" charset="0"/>
+            </a:endParaRPr>
+          </a:p>
+          <a:p>
+            <a:r>
+              <a:rPr lang="en-US" sz="1400" b="0" dirty="0">
+                <a:effectLst/>
+                <a:latin typeface="Times New Roman" panose="02020603050405020304" pitchFamily="18" charset="0"/>
+                <a:cs typeface="Times New Roman" panose="02020603050405020304" pitchFamily="18" charset="0"/>
+              </a:rPr>
+              <a:t>KDE Plot Documentation: </a:t>
+            </a:r>
+            <a:r>
+              <a:rPr lang="en-US" sz="1400" b="0" dirty="0">
+                <a:effectLst/>
+                <a:latin typeface="Times New Roman" panose="02020603050405020304" pitchFamily="18" charset="0"/>
+                <a:cs typeface="Times New Roman" panose="02020603050405020304" pitchFamily="18" charset="0"/>
+                <a:hlinkClick r:id="rId9"/>
+              </a:rPr>
+              <a:t>https://seaborn.pydata.org/generated/seaborn.kdeplot.html</a:t>
+            </a:r>
+            <a:endParaRPr lang="en-US" sz="1400" b="0" dirty="0">
+              <a:effectLst/>
+              <a:latin typeface="Times New Roman" panose="02020603050405020304" pitchFamily="18" charset="0"/>
+              <a:cs typeface="Times New Roman" panose="02020603050405020304" pitchFamily="18" charset="0"/>
+            </a:endParaRPr>
+          </a:p>
+          <a:p>
+            <a:r>
+              <a:rPr lang="en-US" sz="1400" dirty="0">
+                <a:latin typeface="Times New Roman" panose="02020603050405020304" pitchFamily="18" charset="0"/>
+                <a:cs typeface="Times New Roman" panose="02020603050405020304" pitchFamily="18" charset="0"/>
+              </a:rPr>
+              <a:t>Quantum Neural Networks: </a:t>
+            </a:r>
+            <a:r>
+              <a:rPr lang="en-US" sz="1400" dirty="0">
+                <a:latin typeface="Times New Roman" panose="02020603050405020304" pitchFamily="18" charset="0"/>
+                <a:cs typeface="Times New Roman" panose="02020603050405020304" pitchFamily="18" charset="0"/>
+                <a:hlinkClick r:id="rId10"/>
+              </a:rPr>
+              <a:t>https://openreview.net/pdf?id=ZLKaNvYFfjd</a:t>
+            </a:r>
+            <a:endParaRPr lang="en-US" sz="1400" dirty="0">
+              <a:latin typeface="Times New Roman" panose="02020603050405020304" pitchFamily="18" charset="0"/>
+              <a:cs typeface="Times New Roman" panose="02020603050405020304" pitchFamily="18" charset="0"/>
+            </a:endParaRPr>
+          </a:p>
+          <a:p>
             <a:endParaRPr lang="en-US" b="0" dirty="0">
               <a:effectLst/>
-              <a:latin typeface="Menlo" panose="020B0609030804020204" pitchFamily="49" charset="0"/>
+              <a:latin typeface="Times New Roman" panose="02020603050405020304" pitchFamily="18" charset="0"/>
+              <a:cs typeface="Times New Roman" panose="02020603050405020304" pitchFamily="18" charset="0"/>
             </a:endParaRPr>
           </a:p>
           <a:p>
-            <a:r>
-              <a:rPr lang="en-US" b="0" dirty="0">
-                <a:effectLst/>
-                <a:latin typeface="Menlo" panose="020B0609030804020204" pitchFamily="49" charset="0"/>
-              </a:rPr>
-              <a:t>Code for </a:t>
-            </a:r>
-            <a:r>
-              <a:rPr lang="en-US" b="0" dirty="0" err="1">
-                <a:effectLst/>
-                <a:latin typeface="Menlo" panose="020B0609030804020204" pitchFamily="49" charset="0"/>
-              </a:rPr>
-              <a:t>webscraping</a:t>
-            </a:r>
-            <a:r>
-              <a:rPr lang="en-US" b="0" dirty="0">
-                <a:effectLst/>
-                <a:latin typeface="Menlo" panose="020B0609030804020204" pitchFamily="49" charset="0"/>
-              </a:rPr>
-              <a:t> adapted from fellow </a:t>
-            </a:r>
-            <a:r>
-              <a:rPr lang="en-US" b="0" dirty="0" err="1">
-                <a:effectLst/>
-                <a:latin typeface="Menlo" panose="020B0609030804020204" pitchFamily="49" charset="0"/>
-              </a:rPr>
-              <a:t>coursemate's</a:t>
-            </a:r>
-            <a:r>
-              <a:rPr lang="en-US" b="0" dirty="0">
-                <a:effectLst/>
-                <a:latin typeface="Menlo" panose="020B0609030804020204" pitchFamily="49" charset="0"/>
-              </a:rPr>
-              <a:t> group project, with their permission this code was included in the pipeline for this project.</a:t>
-            </a:r>
-          </a:p>
-          <a:p>
-            <a:r>
-              <a:rPr lang="en-US" b="0" dirty="0">
-                <a:effectLst/>
-                <a:latin typeface="Menlo" panose="020B0609030804020204" pitchFamily="49" charset="0"/>
-              </a:rPr>
-              <a:t>Snorkel documentation for Cohen Kappa Score labeling: https://</a:t>
-            </a:r>
-            <a:r>
-              <a:rPr lang="en-US" b="0" dirty="0" err="1">
-                <a:effectLst/>
-                <a:latin typeface="Menlo" panose="020B0609030804020204" pitchFamily="49" charset="0"/>
-              </a:rPr>
-              <a:t>www.snorkel.org</a:t>
-            </a:r>
-            <a:endParaRPr lang="en-US" b="0" dirty="0">
-              <a:effectLst/>
-              <a:latin typeface="Menlo" panose="020B0609030804020204" pitchFamily="49" charset="0"/>
+            <a:endParaRPr lang="en-US" dirty="0">
+              <a:latin typeface="Times New Roman" panose="02020603050405020304" pitchFamily="18" charset="0"/>
+              <a:cs typeface="Times New Roman" panose="02020603050405020304" pitchFamily="18" charset="0"/>
             </a:endParaRPr>
-          </a:p>
-          <a:p>
-            <a:r>
-              <a:rPr lang="en-US" b="0" dirty="0">
-                <a:effectLst/>
-                <a:latin typeface="Menlo" panose="020B0609030804020204" pitchFamily="49" charset="0"/>
-              </a:rPr>
-              <a:t>Pew Center Article on Bias: https://</a:t>
-            </a:r>
-            <a:r>
-              <a:rPr lang="en-US" b="0" dirty="0" err="1">
-                <a:effectLst/>
-                <a:latin typeface="Menlo" panose="020B0609030804020204" pitchFamily="49" charset="0"/>
-              </a:rPr>
-              <a:t>www.pewresearch.org</a:t>
-            </a:r>
-            <a:r>
-              <a:rPr lang="en-US" b="0" dirty="0">
-                <a:effectLst/>
-                <a:latin typeface="Menlo" panose="020B0609030804020204" pitchFamily="49" charset="0"/>
-              </a:rPr>
-              <a:t>/internet/2017/10/19/the-future-of-truth-and-misinformation-online</a:t>
-            </a:r>
-          </a:p>
-          <a:p>
-            <a:r>
-              <a:rPr lang="en-US" b="0" dirty="0">
-                <a:effectLst/>
-                <a:latin typeface="Menlo" panose="020B0609030804020204" pitchFamily="49" charset="0"/>
-              </a:rPr>
-              <a:t>VADER Documentation: https://</a:t>
-            </a:r>
-            <a:r>
-              <a:rPr lang="en-US" b="0" dirty="0" err="1">
-                <a:effectLst/>
-                <a:latin typeface="Menlo" panose="020B0609030804020204" pitchFamily="49" charset="0"/>
-              </a:rPr>
-              <a:t>vadersentiment.readthedocs.io</a:t>
-            </a:r>
-            <a:endParaRPr lang="en-US" b="0" dirty="0">
-              <a:effectLst/>
-              <a:latin typeface="Menlo" panose="020B0609030804020204" pitchFamily="49" charset="0"/>
-            </a:endParaRPr>
-          </a:p>
-          <a:p>
-            <a:r>
-              <a:rPr lang="en-US" b="0" dirty="0">
-                <a:effectLst/>
-                <a:latin typeface="Menlo" panose="020B0609030804020204" pitchFamily="49" charset="0"/>
-              </a:rPr>
-              <a:t>Kaggle GPU Documentation: https://</a:t>
-            </a:r>
-            <a:r>
-              <a:rPr lang="en-US" b="0" dirty="0" err="1">
-                <a:effectLst/>
-                <a:latin typeface="Menlo" panose="020B0609030804020204" pitchFamily="49" charset="0"/>
-              </a:rPr>
-              <a:t>www.kaggle.com</a:t>
-            </a:r>
-            <a:r>
-              <a:rPr lang="en-US" b="0" dirty="0">
-                <a:effectLst/>
-                <a:latin typeface="Menlo" panose="020B0609030804020204" pitchFamily="49" charset="0"/>
-              </a:rPr>
-              <a:t>/code/</a:t>
-            </a:r>
-            <a:r>
-              <a:rPr lang="en-US" b="0" dirty="0" err="1">
-                <a:effectLst/>
-                <a:latin typeface="Menlo" panose="020B0609030804020204" pitchFamily="49" charset="0"/>
-              </a:rPr>
-              <a:t>dansbecker</a:t>
-            </a:r>
-            <a:r>
-              <a:rPr lang="en-US" b="0" dirty="0">
-                <a:effectLst/>
-                <a:latin typeface="Menlo" panose="020B0609030804020204" pitchFamily="49" charset="0"/>
-              </a:rPr>
-              <a:t>/running-</a:t>
-            </a:r>
-            <a:r>
-              <a:rPr lang="en-US" b="0" dirty="0" err="1">
-                <a:effectLst/>
-                <a:latin typeface="Menlo" panose="020B0609030804020204" pitchFamily="49" charset="0"/>
-              </a:rPr>
-              <a:t>kaggle</a:t>
-            </a:r>
-            <a:r>
-              <a:rPr lang="en-US" b="0" dirty="0">
-                <a:effectLst/>
-                <a:latin typeface="Menlo" panose="020B0609030804020204" pitchFamily="49" charset="0"/>
-              </a:rPr>
-              <a:t>-kernels-with-a-</a:t>
-            </a:r>
-            <a:r>
-              <a:rPr lang="en-US" b="0" dirty="0" err="1">
-                <a:effectLst/>
-                <a:latin typeface="Menlo" panose="020B0609030804020204" pitchFamily="49" charset="0"/>
-              </a:rPr>
-              <a:t>gpu</a:t>
-            </a:r>
-            <a:endParaRPr lang="en-US" b="0" dirty="0">
-              <a:effectLst/>
-              <a:latin typeface="Menlo" panose="020B0609030804020204" pitchFamily="49" charset="0"/>
-            </a:endParaRPr>
-          </a:p>
-          <a:p>
-            <a:r>
-              <a:rPr lang="en-US" b="0" dirty="0">
-                <a:effectLst/>
-                <a:latin typeface="Menlo" panose="020B0609030804020204" pitchFamily="49" charset="0"/>
-              </a:rPr>
-              <a:t>CBOW/Skip Gram: https://</a:t>
-            </a:r>
-            <a:r>
-              <a:rPr lang="en-US" b="0" dirty="0" err="1">
-                <a:effectLst/>
-                <a:latin typeface="Menlo" panose="020B0609030804020204" pitchFamily="49" charset="0"/>
-              </a:rPr>
-              <a:t>towardsdatascience.com</a:t>
-            </a:r>
-            <a:r>
-              <a:rPr lang="en-US" b="0" dirty="0">
-                <a:effectLst/>
-                <a:latin typeface="Menlo" panose="020B0609030804020204" pitchFamily="49" charset="0"/>
-              </a:rPr>
-              <a:t>/understanding-feature-engineering-part-4-deep-learning-methods-for-text-data-96c44370bbfa</a:t>
-            </a:r>
-          </a:p>
-          <a:p>
-            <a:r>
-              <a:rPr lang="en-US" b="0" dirty="0">
-                <a:effectLst/>
-                <a:latin typeface="Menlo" panose="020B0609030804020204" pitchFamily="49" charset="0"/>
-              </a:rPr>
-              <a:t>CBOW/</a:t>
-            </a:r>
-            <a:r>
-              <a:rPr lang="en-US" b="0" dirty="0" err="1">
-                <a:effectLst/>
-                <a:latin typeface="Menlo" panose="020B0609030804020204" pitchFamily="49" charset="0"/>
-              </a:rPr>
-              <a:t>SKip</a:t>
-            </a:r>
-            <a:r>
-              <a:rPr lang="en-US" b="0" dirty="0">
-                <a:effectLst/>
-                <a:latin typeface="Menlo" panose="020B0609030804020204" pitchFamily="49" charset="0"/>
-              </a:rPr>
-              <a:t> Gram: https://</a:t>
-            </a:r>
-            <a:r>
-              <a:rPr lang="en-US" b="0" dirty="0" err="1">
-                <a:effectLst/>
-                <a:latin typeface="Menlo" panose="020B0609030804020204" pitchFamily="49" charset="0"/>
-              </a:rPr>
-              <a:t>medium.com</a:t>
-            </a:r>
-            <a:r>
-              <a:rPr lang="en-US" b="0" dirty="0">
-                <a:effectLst/>
-                <a:latin typeface="Menlo" panose="020B0609030804020204" pitchFamily="49" charset="0"/>
-              </a:rPr>
-              <a:t>/@dube.aditya8/word2vec-skip-gram-cbow-b5e802b00390</a:t>
-            </a:r>
-          </a:p>
-          <a:p>
-            <a:r>
-              <a:rPr lang="en-US" b="0" dirty="0">
-                <a:effectLst/>
-                <a:latin typeface="Menlo" panose="020B0609030804020204" pitchFamily="49" charset="0"/>
-              </a:rPr>
-              <a:t>KDE Plot Documentation: https://</a:t>
-            </a:r>
-            <a:r>
-              <a:rPr lang="en-US" b="0" dirty="0" err="1">
-                <a:effectLst/>
-                <a:latin typeface="Menlo" panose="020B0609030804020204" pitchFamily="49" charset="0"/>
-              </a:rPr>
-              <a:t>seaborn.pydata.org</a:t>
-            </a:r>
-            <a:r>
-              <a:rPr lang="en-US" b="0" dirty="0">
-                <a:effectLst/>
-                <a:latin typeface="Menlo" panose="020B0609030804020204" pitchFamily="49" charset="0"/>
-              </a:rPr>
-              <a:t>/generated/</a:t>
-            </a:r>
-            <a:r>
-              <a:rPr lang="en-US" b="0" dirty="0" err="1">
-                <a:effectLst/>
-                <a:latin typeface="Menlo" panose="020B0609030804020204" pitchFamily="49" charset="0"/>
-              </a:rPr>
-              <a:t>seaborn.kdeplot.html</a:t>
-            </a:r>
-            <a:endParaRPr lang="en-US" b="0" dirty="0">
-              <a:effectLst/>
-              <a:latin typeface="Menlo" panose="020B0609030804020204" pitchFamily="49" charset="0"/>
-            </a:endParaRPr>
-          </a:p>
-          <a:p>
-            <a:endParaRPr lang="en-US" dirty="0"/>
           </a:p>
         </p:txBody>
       </p:sp>
@@ -5492,7 +6653,7 @@
                 <a:latin typeface="Times New Roman" panose="02020603050405020304" pitchFamily="18" charset="0"/>
                 <a:cs typeface="Times New Roman" panose="02020603050405020304" pitchFamily="18" charset="0"/>
               </a:rPr>
-              <a:t>Long Short Term Memory (LSTM) Neural Networks, </a:t>
+              <a:t>Long Short Term Memory (LSTM) Neural Network Categorical Model</a:t>
             </a:r>
           </a:p>
           <a:p>
@@ -5501,7 +6662,7 @@
                 <a:latin typeface="Times New Roman" panose="02020603050405020304" pitchFamily="18" charset="0"/>
                 <a:cs typeface="Times New Roman" panose="02020603050405020304" pitchFamily="18" charset="0"/>
               </a:rPr>
-              <a:t>Word2Vec, Continuous Bag Of Words, and Skip Gram word encoding algorithms.</a:t>
+              <a:t>Word2Vec: Continuous-Bag-Of-Words, and Skip-Gram word encoding algorithms.</a:t>
             </a:r>
           </a:p>
           <a:p>
@@ -5634,7 +6795,7 @@
                 <a:latin typeface="Times New Roman" panose="02020603050405020304" pitchFamily="18" charset="0"/>
                 <a:cs typeface="Times New Roman" panose="02020603050405020304" pitchFamily="18" charset="0"/>
               </a:rPr>
-              <a:t> – articles from United States keyword</a:t>
+              <a:t> – articles from ‘United States’ as API keyword</a:t>
             </a:r>
           </a:p>
           <a:p>
@@ -5661,21 +6822,17 @@
                 <a:latin typeface="Times New Roman" panose="02020603050405020304" pitchFamily="18" charset="0"/>
                 <a:cs typeface="Times New Roman" panose="02020603050405020304" pitchFamily="18" charset="0"/>
               </a:rPr>
-              <a:t>Neural Networks and Word Encoding Algorithms</a:t>
-            </a:r>
-          </a:p>
-          <a:p>
-            <a:r>
-              <a:rPr lang="en-US">
+              <a:t>Neural Networks and Word2Vec embedding Algorithms</a:t>
+            </a:r>
+          </a:p>
+          <a:p>
+            <a:r>
+              <a:rPr lang="en-US" dirty="0">
                 <a:latin typeface="Times New Roman" panose="02020603050405020304" pitchFamily="18" charset="0"/>
                 <a:cs typeface="Times New Roman" panose="02020603050405020304" pitchFamily="18" charset="0"/>
               </a:rPr>
               <a:t>Sentiment Analysis </a:t>
             </a:r>
-            <a:endParaRPr lang="en-US" dirty="0">
-              <a:latin typeface="Times New Roman" panose="02020603050405020304" pitchFamily="18" charset="0"/>
-              <a:cs typeface="Times New Roman" panose="02020603050405020304" pitchFamily="18" charset="0"/>
-            </a:endParaRPr>
           </a:p>
           <a:p>
             <a:r>
@@ -5791,7 +6948,7 @@
                 <a:latin typeface="Times New Roman" panose="02020603050405020304" pitchFamily="18" charset="0"/>
                 <a:cs typeface="Times New Roman" panose="02020603050405020304" pitchFamily="18" charset="0"/>
               </a:rPr>
-              <a:t>Texts were features</a:t>
+              <a:t>Text strings were features</a:t>
             </a:r>
           </a:p>
           <a:p>
@@ -5952,7 +7109,7 @@
                 <a:latin typeface="Times New Roman" panose="02020603050405020304" pitchFamily="18" charset="0"/>
                 <a:cs typeface="Times New Roman" panose="02020603050405020304" pitchFamily="18" charset="0"/>
               </a:rPr>
-              <a:t>Regular Expressions used to label different abstract/headline couplings interpreted as having bias versus others which were interpreted to not have bias. </a:t>
+              <a:t>Regular Expressions label different abstract/headline couplings interpreted as having bias versus others which were interpreted to not have bias. (Hand labeled a training set).</a:t>
             </a:r>
           </a:p>
           <a:p>
@@ -6004,7 +7161,7 @@
           <p:nvPr/>
         </p:nvPicPr>
         <p:blipFill>
-          <a:blip r:embed="rId2"/>
+          <a:blip r:embed="rId3"/>
           <a:stretch>
             <a:fillRect/>
           </a:stretch>
@@ -6034,7 +7191,7 @@
           <p:nvPr/>
         </p:nvPicPr>
         <p:blipFill>
-          <a:blip r:embed="rId3"/>
+          <a:blip r:embed="rId4"/>
           <a:stretch>
             <a:fillRect/>
           </a:stretch>
@@ -6129,12 +7286,12 @@
         <p:spPr/>
         <p:txBody>
           <a:bodyPr>
-            <a:normAutofit fontScale="92500" lnSpcReduction="10000"/>
+            <a:noAutofit/>
           </a:bodyPr>
           <a:lstStyle/>
           <a:p>
             <a:r>
-              <a:rPr lang="en-US" dirty="0">
+              <a:rPr lang="en-US" sz="1800" dirty="0">
                 <a:latin typeface="Times New Roman" panose="02020603050405020304" pitchFamily="18" charset="0"/>
                 <a:cs typeface="Times New Roman" panose="02020603050405020304" pitchFamily="18" charset="0"/>
               </a:rPr>
@@ -6143,7 +7300,7 @@
           </a:p>
           <a:p>
             <a:r>
-              <a:rPr lang="en-US" dirty="0">
+              <a:rPr lang="en-US" sz="1800" dirty="0">
                 <a:latin typeface="Times New Roman" panose="02020603050405020304" pitchFamily="18" charset="0"/>
                 <a:cs typeface="Times New Roman" panose="02020603050405020304" pitchFamily="18" charset="0"/>
               </a:rPr>
@@ -6152,19 +7309,29 @@
           </a:p>
           <a:p>
             <a:r>
-              <a:rPr lang="en-US" dirty="0">
-                <a:latin typeface="Times New Roman" panose="02020603050405020304" pitchFamily="18" charset="0"/>
-                <a:cs typeface="Times New Roman" panose="02020603050405020304" pitchFamily="18" charset="0"/>
-              </a:rPr>
-              <a:t>Cohen Kappa Score 1-1 correspondence. </a:t>
-            </a:r>
-          </a:p>
-          <a:p>
-            <a:pPr marL="0" indent="0">
+              <a:rPr lang="en-US" sz="1800" dirty="0">
+                <a:latin typeface="Times New Roman" panose="02020603050405020304" pitchFamily="18" charset="0"/>
+                <a:cs typeface="Times New Roman" panose="02020603050405020304" pitchFamily="18" charset="0"/>
+              </a:rPr>
+              <a:t>Cohen Kappa Score – 1-1 correspondence – with Bias Score. </a:t>
+            </a:r>
+          </a:p>
+          <a:p>
+            <a:pPr marL="0" indent="0" algn="l">
               <a:buNone/>
             </a:pPr>
             <a:r>
-              <a:rPr lang="en-US" b="0" dirty="0">
+              <a:rPr lang="en-US" sz="1800" dirty="0">
+                <a:solidFill>
+                  <a:srgbClr val="FF0000"/>
+                </a:solidFill>
+                <a:latin typeface="Times New Roman" panose="02020603050405020304" pitchFamily="18" charset="0"/>
+                <a:cs typeface="Times New Roman" panose="02020603050405020304" pitchFamily="18" charset="0"/>
+              </a:rPr>
+              <a:t>[</a:t>
+            </a:r>
+            <a:r>
+              <a:rPr lang="en-US" sz="1800" b="0" i="0" u="none" strike="noStrike" dirty="0">
                 <a:solidFill>
                   <a:srgbClr val="FF0000"/>
                 </a:solidFill>
@@ -6172,26 +7339,26 @@
                 <a:latin typeface="Times New Roman" panose="02020603050405020304" pitchFamily="18" charset="0"/>
                 <a:cs typeface="Times New Roman" panose="02020603050405020304" pitchFamily="18" charset="0"/>
               </a:rPr>
-              <a:t>0 – 0.2 </a:t>
-            </a:r>
-            <a:r>
-              <a:rPr lang="en-US" b="0" dirty="0">
+              <a:t>0,0.2] </a:t>
+            </a:r>
+            <a:r>
+              <a:rPr lang="en-US" sz="1800" b="0" i="0" u="none" strike="noStrike" dirty="0">
                 <a:solidFill>
-                  <a:srgbClr val="CCCCCC"/>
+                  <a:srgbClr val="ECECEC"/>
                 </a:solidFill>
                 <a:effectLst/>
                 <a:latin typeface="Times New Roman" panose="02020603050405020304" pitchFamily="18" charset="0"/>
                 <a:cs typeface="Times New Roman" panose="02020603050405020304" pitchFamily="18" charset="0"/>
               </a:rPr>
-              <a:t>the text was said to be not-to-slightly-biased </a:t>
-            </a:r>
-          </a:p>
-          <a:p>
-            <a:pPr marL="0" indent="0">
+              <a:t>represents not-to-slightly-biased.</a:t>
+            </a:r>
+          </a:p>
+          <a:p>
+            <a:pPr marL="0" indent="0" algn="l">
               <a:buNone/>
             </a:pPr>
             <a:r>
-              <a:rPr lang="en-US" b="0" dirty="0">
+              <a:rPr lang="en-US" sz="1800" b="0" i="0" u="none" strike="noStrike" dirty="0">
                 <a:solidFill>
                   <a:srgbClr val="FF0000"/>
                 </a:solidFill>
@@ -6199,26 +7366,26 @@
                 <a:latin typeface="Times New Roman" panose="02020603050405020304" pitchFamily="18" charset="0"/>
                 <a:cs typeface="Times New Roman" panose="02020603050405020304" pitchFamily="18" charset="0"/>
               </a:rPr>
-              <a:t>0.2 – 0.4</a:t>
-            </a:r>
-            <a:r>
-              <a:rPr lang="en-US" b="0" dirty="0">
+              <a:t>(0.2,0.4] </a:t>
+            </a:r>
+            <a:r>
+              <a:rPr lang="en-US" sz="1800" b="0" i="0" u="none" strike="noStrike" dirty="0">
                 <a:solidFill>
-                  <a:srgbClr val="CCCCCC"/>
+                  <a:srgbClr val="ECECEC"/>
                 </a:solidFill>
                 <a:effectLst/>
                 <a:latin typeface="Times New Roman" panose="02020603050405020304" pitchFamily="18" charset="0"/>
                 <a:cs typeface="Times New Roman" panose="02020603050405020304" pitchFamily="18" charset="0"/>
               </a:rPr>
-              <a:t> slightly-to-moderately biased</a:t>
-            </a:r>
-          </a:p>
-          <a:p>
-            <a:pPr marL="0" indent="0">
+              <a:t>represents slightly-to-moderately biased.</a:t>
+            </a:r>
+          </a:p>
+          <a:p>
+            <a:pPr marL="0" indent="0" algn="l">
               <a:buNone/>
             </a:pPr>
             <a:r>
-              <a:rPr lang="en-US" b="0" dirty="0">
+              <a:rPr lang="en-US" sz="1800" b="0" i="0" u="none" strike="noStrike" dirty="0">
                 <a:solidFill>
                   <a:srgbClr val="FF0000"/>
                 </a:solidFill>
@@ -6226,26 +7393,26 @@
                 <a:latin typeface="Times New Roman" panose="02020603050405020304" pitchFamily="18" charset="0"/>
                 <a:cs typeface="Times New Roman" panose="02020603050405020304" pitchFamily="18" charset="0"/>
               </a:rPr>
-              <a:t>0.4 – 0.6</a:t>
-            </a:r>
-            <a:r>
-              <a:rPr lang="en-US" b="0" dirty="0">
+              <a:t>(0.4,0.6] </a:t>
+            </a:r>
+            <a:r>
+              <a:rPr lang="en-US" sz="1800" b="0" i="0" u="none" strike="noStrike" dirty="0">
                 <a:solidFill>
-                  <a:srgbClr val="CCCCCC"/>
+                  <a:srgbClr val="ECECEC"/>
                 </a:solidFill>
                 <a:effectLst/>
                 <a:latin typeface="Times New Roman" panose="02020603050405020304" pitchFamily="18" charset="0"/>
                 <a:cs typeface="Times New Roman" panose="02020603050405020304" pitchFamily="18" charset="0"/>
               </a:rPr>
-              <a:t> moderately-to-pretty-biased</a:t>
-            </a:r>
-          </a:p>
-          <a:p>
-            <a:pPr marL="0" indent="0">
+              <a:t>represents moderately-to-pretty-biased.</a:t>
+            </a:r>
+          </a:p>
+          <a:p>
+            <a:pPr marL="0" indent="0" algn="l">
               <a:buNone/>
             </a:pPr>
             <a:r>
-              <a:rPr lang="en-US" b="0" dirty="0">
+              <a:rPr lang="en-US" sz="1800" b="0" i="0" u="none" strike="noStrike" dirty="0">
                 <a:solidFill>
                   <a:srgbClr val="FF0000"/>
                 </a:solidFill>
@@ -6253,26 +7420,26 @@
                 <a:latin typeface="Times New Roman" panose="02020603050405020304" pitchFamily="18" charset="0"/>
                 <a:cs typeface="Times New Roman" panose="02020603050405020304" pitchFamily="18" charset="0"/>
               </a:rPr>
-              <a:t>0.6 – 0.8</a:t>
-            </a:r>
-            <a:r>
-              <a:rPr lang="en-US" b="0" dirty="0">
+              <a:t>(0.6,0.8] </a:t>
+            </a:r>
+            <a:r>
+              <a:rPr lang="en-US" sz="1800" b="0" i="0" u="none" strike="noStrike" dirty="0">
                 <a:solidFill>
-                  <a:srgbClr val="CCCCCC"/>
+                  <a:srgbClr val="ECECEC"/>
                 </a:solidFill>
                 <a:effectLst/>
                 <a:latin typeface="Times New Roman" panose="02020603050405020304" pitchFamily="18" charset="0"/>
                 <a:cs typeface="Times New Roman" panose="02020603050405020304" pitchFamily="18" charset="0"/>
               </a:rPr>
-              <a:t> pretty-to-mostly-biased</a:t>
-            </a:r>
-          </a:p>
-          <a:p>
-            <a:pPr marL="0" indent="0">
+              <a:t>represents pretty-to-mostly-biased.</a:t>
+            </a:r>
+          </a:p>
+          <a:p>
+            <a:pPr marL="0" indent="0" algn="l">
               <a:buNone/>
             </a:pPr>
             <a:r>
-              <a:rPr lang="en-US" b="0" dirty="0">
+              <a:rPr lang="en-US" sz="1800" b="0" i="0" u="none" strike="noStrike" dirty="0">
                 <a:solidFill>
                   <a:srgbClr val="FF0000"/>
                 </a:solidFill>
@@ -6280,18 +7447,18 @@
                 <a:latin typeface="Times New Roman" panose="02020603050405020304" pitchFamily="18" charset="0"/>
                 <a:cs typeface="Times New Roman" panose="02020603050405020304" pitchFamily="18" charset="0"/>
               </a:rPr>
-              <a:t>0.8 – 1.0</a:t>
-            </a:r>
-            <a:r>
-              <a:rPr lang="en-US" b="0" dirty="0">
+              <a:t>(0.8,1.0] </a:t>
+            </a:r>
+            <a:r>
+              <a:rPr lang="en-US" sz="1800" b="0" i="0" u="none" strike="noStrike" dirty="0">
                 <a:solidFill>
-                  <a:srgbClr val="CCCCCC"/>
+                  <a:srgbClr val="ECECEC"/>
                 </a:solidFill>
                 <a:effectLst/>
                 <a:latin typeface="Times New Roman" panose="02020603050405020304" pitchFamily="18" charset="0"/>
                 <a:cs typeface="Times New Roman" panose="02020603050405020304" pitchFamily="18" charset="0"/>
               </a:rPr>
-              <a:t> perfectly-biased.</a:t>
+              <a:t>represents perfectly-biased.</a:t>
             </a:r>
           </a:p>
           <a:p>
@@ -6401,7 +7568,7 @@
                 <a:latin typeface="Times New Roman" panose="02020603050405020304" pitchFamily="18" charset="0"/>
                 <a:cs typeface="Times New Roman" panose="02020603050405020304" pitchFamily="18" charset="0"/>
               </a:rPr>
-              <a:t>Word2Vec, Continuous Bag of Words, Skip Grams word encoding algorithms with neural networks. </a:t>
+              <a:t>Word2Vec Variants: Continuous Bag of Words and Skip Grams are word encoding algorithms with neural networks. (There are more but only these two were utilized here)</a:t>
             </a:r>
           </a:p>
           <a:p>
@@ -6410,8 +7577,19 @@
                 <a:latin typeface="Times New Roman" panose="02020603050405020304" pitchFamily="18" charset="0"/>
                 <a:cs typeface="Times New Roman" panose="02020603050405020304" pitchFamily="18" charset="0"/>
               </a:rPr>
-              <a:t>Interspersed were Cosine Similarity, Clustering, PCA. [Insert Plots]</a:t>
-            </a:r>
+              <a:t>Interspersed were Cosine Similarity, Clustering, PCA</a:t>
+            </a:r>
+            <a:r>
+              <a:rPr lang="en-US">
+                <a:latin typeface="Times New Roman" panose="02020603050405020304" pitchFamily="18" charset="0"/>
+                <a:cs typeface="Times New Roman" panose="02020603050405020304" pitchFamily="18" charset="0"/>
+              </a:rPr>
+              <a:t>. </a:t>
+            </a:r>
+            <a:endParaRPr lang="en-US" dirty="0">
+              <a:latin typeface="Times New Roman" panose="02020603050405020304" pitchFamily="18" charset="0"/>
+              <a:cs typeface="Times New Roman" panose="02020603050405020304" pitchFamily="18" charset="0"/>
+            </a:endParaRPr>
           </a:p>
         </p:txBody>
       </p:sp>
@@ -6450,7 +7628,7 @@
           <p:cNvPr id="2" name="Title 1">
             <a:extLst>
               <a:ext uri="{FF2B5EF4-FFF2-40B4-BE49-F238E27FC236}">
-                <a16:creationId xmlns:a16="http://schemas.microsoft.com/office/drawing/2014/main" id="{B1A28B92-E462-EF90-4BED-9AFED6FCFD62}"/>
+                <a16:creationId xmlns:a16="http://schemas.microsoft.com/office/drawing/2014/main" id="{8E53F91F-B32E-4582-D76D-371D90A05A73}"/>
               </a:ext>
             </a:extLst>
           </p:cNvPr>
@@ -6461,23 +7639,25 @@
             <p:ph type="title"/>
           </p:nvPr>
         </p:nvSpPr>
-        <p:spPr>
-          <a:xfrm>
-            <a:off x="1142999" y="0"/>
-            <a:ext cx="9905999" cy="1360898"/>
-          </a:xfrm>
-        </p:spPr>
+        <p:spPr/>
         <p:txBody>
           <a:bodyPr/>
           <a:lstStyle/>
           <a:p>
-            <a:r>
+            <a:br>
               <a:rPr lang="en-US" dirty="0">
                 <a:latin typeface="Times New Roman" panose="02020603050405020304" pitchFamily="18" charset="0"/>
                 <a:cs typeface="Times New Roman" panose="02020603050405020304" pitchFamily="18" charset="0"/>
               </a:rPr>
-              <a:t>Summary of Results and Analysis</a:t>
-            </a:r>
+            </a:br>
+            <a:r>
+              <a:rPr lang="en-US" dirty="0">
+                <a:latin typeface="Times New Roman" panose="02020603050405020304" pitchFamily="18" charset="0"/>
+                <a:cs typeface="Times New Roman" panose="02020603050405020304" pitchFamily="18" charset="0"/>
+              </a:rPr>
+              <a:t>Word2Vec Variant: Skip-Gram</a:t>
+            </a:r>
+            <a:endParaRPr lang="en-US" dirty="0"/>
           </a:p>
         </p:txBody>
       </p:sp>
@@ -6486,7 +7666,7 @@
           <p:cNvPr id="3" name="Content Placeholder 2">
             <a:extLst>
               <a:ext uri="{FF2B5EF4-FFF2-40B4-BE49-F238E27FC236}">
-                <a16:creationId xmlns:a16="http://schemas.microsoft.com/office/drawing/2014/main" id="{EF699138-DF60-6B49-BB03-E2A7A2E600C1}"/>
+                <a16:creationId xmlns:a16="http://schemas.microsoft.com/office/drawing/2014/main" id="{6A6BA865-5750-DF73-D1ED-4E970CEB4DEA}"/>
               </a:ext>
             </a:extLst>
           </p:cNvPr>
@@ -6497,143 +7677,26 @@
             <p:ph idx="1"/>
           </p:nvPr>
         </p:nvSpPr>
-        <p:spPr>
-          <a:xfrm>
-            <a:off x="1142998" y="1243233"/>
-            <a:ext cx="9905999" cy="4754796"/>
-          </a:xfrm>
-        </p:spPr>
-        <p:txBody>
-          <a:bodyPr>
-            <a:noAutofit/>
-          </a:bodyPr>
-          <a:lstStyle/>
-          <a:p>
-            <a:r>
-              <a:rPr lang="en-US" sz="1600" dirty="0">
-                <a:latin typeface="Times New Roman" panose="02020603050405020304" pitchFamily="18" charset="0"/>
-                <a:cs typeface="Times New Roman" panose="02020603050405020304" pitchFamily="18" charset="0"/>
-              </a:rPr>
-              <a:t>Performance of Binary Classification Model (Support Vector Machine with </a:t>
-            </a:r>
-            <a:r>
-              <a:rPr lang="en-US" sz="1600" dirty="0" err="1">
-                <a:latin typeface="Times New Roman" panose="02020603050405020304" pitchFamily="18" charset="0"/>
-                <a:cs typeface="Times New Roman" panose="02020603050405020304" pitchFamily="18" charset="0"/>
-              </a:rPr>
-              <a:t>TfidfVectorizer</a:t>
-            </a:r>
-            <a:r>
-              <a:rPr lang="en-US" sz="1600" dirty="0">
-                <a:latin typeface="Times New Roman" panose="02020603050405020304" pitchFamily="18" charset="0"/>
-                <a:cs typeface="Times New Roman" panose="02020603050405020304" pitchFamily="18" charset="0"/>
-              </a:rPr>
-              <a:t>) </a:t>
-            </a:r>
-          </a:p>
-          <a:p>
-            <a:pPr marL="0" indent="0" algn="ctr">
-              <a:buNone/>
-            </a:pPr>
-            <a:r>
-              <a:rPr lang="en-US" sz="1600" dirty="0">
-                <a:latin typeface="Times New Roman" panose="02020603050405020304" pitchFamily="18" charset="0"/>
-                <a:cs typeface="Times New Roman" panose="02020603050405020304" pitchFamily="18" charset="0"/>
-              </a:rPr>
-              <a:t>1.0 Train | 0.88 Test | </a:t>
-            </a:r>
-            <a:r>
-              <a:rPr lang="en-US" sz="1600" b="0" i="0" dirty="0">
+        <p:spPr/>
+        <p:txBody>
+          <a:bodyPr/>
+          <a:lstStyle/>
+          <a:p>
+            <a:r>
+              <a:rPr lang="en-US" dirty="0">
+                <a:latin typeface="Times New Roman" panose="02020603050405020304" pitchFamily="18" charset="0"/>
+                <a:cs typeface="Times New Roman" panose="02020603050405020304" pitchFamily="18" charset="0"/>
+              </a:rPr>
+              <a:t>One Variant of Word2Vec: </a:t>
+            </a:r>
+            <a:r>
+              <a:rPr lang="en-US" b="0" i="0" u="none" strike="noStrike" dirty="0">
                 <a:effectLst/>
                 <a:latin typeface="Times New Roman" panose="02020603050405020304" pitchFamily="18" charset="0"/>
                 <a:cs typeface="Times New Roman" panose="02020603050405020304" pitchFamily="18" charset="0"/>
               </a:rPr>
-              <a:t>Sensitivity 0.66 | Specificity 0.95 | Accuracy 0.88 | Precision 0.800 | </a:t>
-            </a:r>
-          </a:p>
-          <a:p>
-            <a:pPr marL="0" indent="0" algn="ctr">
-              <a:buNone/>
-            </a:pPr>
-            <a:r>
-              <a:rPr lang="en-US" sz="1600" b="0" i="0" dirty="0">
-                <a:effectLst/>
-                <a:latin typeface="Times New Roman" panose="02020603050405020304" pitchFamily="18" charset="0"/>
-                <a:cs typeface="Times New Roman" panose="02020603050405020304" pitchFamily="18" charset="0"/>
-              </a:rPr>
-              <a:t>Miscalculation Rate 0.12 | F1 Score 0.72</a:t>
-            </a:r>
-            <a:endParaRPr lang="en-US" sz="1600" dirty="0">
-              <a:latin typeface="Times New Roman" panose="02020603050405020304" pitchFamily="18" charset="0"/>
-              <a:cs typeface="Times New Roman" panose="02020603050405020304" pitchFamily="18" charset="0"/>
-            </a:endParaRPr>
-          </a:p>
-          <a:p>
-            <a:r>
-              <a:rPr lang="en-US" sz="1600" dirty="0">
-                <a:latin typeface="Times New Roman" panose="02020603050405020304" pitchFamily="18" charset="0"/>
-                <a:cs typeface="Times New Roman" panose="02020603050405020304" pitchFamily="18" charset="0"/>
-              </a:rPr>
-              <a:t>Performance of Neural Network Model: </a:t>
-            </a:r>
-          </a:p>
-          <a:p>
-            <a:pPr marL="0" indent="0" algn="ctr">
-              <a:buNone/>
-            </a:pPr>
-            <a:r>
-              <a:rPr lang="en-US" sz="1600" dirty="0">
-                <a:latin typeface="Times New Roman" panose="02020603050405020304" pitchFamily="18" charset="0"/>
-                <a:cs typeface="Times New Roman" panose="02020603050405020304" pitchFamily="18" charset="0"/>
-              </a:rPr>
-              <a:t>L</a:t>
-            </a:r>
-            <a:r>
-              <a:rPr lang="en-US" sz="1600" b="0" i="0" dirty="0">
-                <a:effectLst/>
-                <a:latin typeface="Times New Roman" panose="02020603050405020304" pitchFamily="18" charset="0"/>
-                <a:cs typeface="Times New Roman" panose="02020603050405020304" pitchFamily="18" charset="0"/>
-              </a:rPr>
-              <a:t>oss: 0.13 - Accuracy: 0.95 - MSE: 0.006 </a:t>
-            </a:r>
-          </a:p>
-          <a:p>
-            <a:pPr marL="0" indent="0" algn="ctr">
-              <a:buNone/>
-            </a:pPr>
-            <a:r>
-              <a:rPr lang="en-US" sz="1600" b="0" i="0" dirty="0">
-                <a:effectLst/>
-                <a:latin typeface="Times New Roman" panose="02020603050405020304" pitchFamily="18" charset="0"/>
-                <a:cs typeface="Times New Roman" panose="02020603050405020304" pitchFamily="18" charset="0"/>
-              </a:rPr>
-              <a:t>Val</a:t>
-            </a:r>
-            <a:r>
-              <a:rPr lang="en-US" sz="1600" dirty="0">
-                <a:latin typeface="Times New Roman" panose="02020603050405020304" pitchFamily="18" charset="0"/>
-                <a:cs typeface="Times New Roman" panose="02020603050405020304" pitchFamily="18" charset="0"/>
-              </a:rPr>
-              <a:t>idation L</a:t>
-            </a:r>
-            <a:r>
-              <a:rPr lang="en-US" sz="1600" b="0" i="0" dirty="0">
-                <a:effectLst/>
-                <a:latin typeface="Times New Roman" panose="02020603050405020304" pitchFamily="18" charset="0"/>
-                <a:cs typeface="Times New Roman" panose="02020603050405020304" pitchFamily="18" charset="0"/>
-              </a:rPr>
-              <a:t>oss: 2.34 – Validation Accuracy: 0.72 – Validation MSE: 0.05</a:t>
-            </a:r>
-          </a:p>
-          <a:p>
-            <a:pPr marL="0" indent="0">
-              <a:buNone/>
-            </a:pPr>
-            <a:endParaRPr lang="en-US" sz="1600" b="0" i="0" dirty="0">
-              <a:effectLst/>
-              <a:latin typeface="Times New Roman" panose="02020603050405020304" pitchFamily="18" charset="0"/>
-              <a:cs typeface="Times New Roman" panose="02020603050405020304" pitchFamily="18" charset="0"/>
-            </a:endParaRPr>
+              <a:t>The skip-gram variant takes a target word and tries to predict the surrounding context words. </a:t>
+            </a:r>
           </a:p>
           <a:p>
             <a:r>
@@ -6641,37 +7704,7 @@
                 <a:latin typeface="Times New Roman" panose="02020603050405020304" pitchFamily="18" charset="0"/>
                 <a:cs typeface="Times New Roman" panose="02020603050405020304" pitchFamily="18" charset="0"/>
               </a:rPr>
-              <a:t>Tendency Towards Bias Scoring App runs on…</a:t>
-            </a:r>
-          </a:p>
-          <a:p>
-            <a:pPr marL="0" indent="0" algn="ctr">
-              <a:buNone/>
-            </a:pPr>
-            <a:r>
-              <a:rPr lang="en-US" sz="2800" b="1" u="sng" dirty="0">
-                <a:solidFill>
-                  <a:srgbClr val="FF0000"/>
-                </a:solidFill>
-                <a:latin typeface="Times New Roman" panose="02020603050405020304" pitchFamily="18" charset="0"/>
-                <a:cs typeface="Times New Roman" panose="02020603050405020304" pitchFamily="18" charset="0"/>
-              </a:rPr>
-              <a:t>Bias Estimator and Analyzer of Sentiment Tendency </a:t>
-            </a:r>
-          </a:p>
-          <a:p>
-            <a:pPr marL="0" indent="0" algn="ctr">
-              <a:buNone/>
-            </a:pPr>
-            <a:r>
-              <a:rPr lang="en-US" sz="2800" b="1" u="sng" dirty="0">
-                <a:solidFill>
-                  <a:srgbClr val="FF0000"/>
-                </a:solidFill>
-                <a:latin typeface="Times New Roman" panose="02020603050405020304" pitchFamily="18" charset="0"/>
-                <a:cs typeface="Times New Roman" panose="02020603050405020304" pitchFamily="18" charset="0"/>
-              </a:rPr>
-              <a:t>(BEAST) Engine</a:t>
+              <a:t>This is particularly effective when using a keyword chosen to either labeled with either BIASED or UNBIASED tags and survey words around it to extrapolate full meaning or text string, delineate whether BIASED or UNBIASED. </a:t>
             </a:r>
           </a:p>
         </p:txBody>
@@ -6679,7 +7712,7 @@
     </p:spTree>
     <p:extLst>
       <p:ext uri="{BB962C8B-B14F-4D97-AF65-F5344CB8AC3E}">
-        <p14:creationId xmlns:p14="http://schemas.microsoft.com/office/powerpoint/2010/main" val="405312764"/>
+        <p14:creationId xmlns:p14="http://schemas.microsoft.com/office/powerpoint/2010/main" val="797788880"/>
       </p:ext>
     </p:extLst>
   </p:cSld>
@@ -6888,4 +7921,299 @@
     </a:ext>
   </a:extLst>
 </a:theme>
+</file>
+
+<file path=ppt/theme/theme2.xml><?xml version="1.0" encoding="utf-8"?>
+<a:theme xmlns:a="http://schemas.openxmlformats.org/drawingml/2006/main" name="Office Theme">
+  <a:themeElements>
+    <a:clrScheme name="Office">
+      <a:dk1>
+        <a:sysClr val="windowText" lastClr="000000"/>
+      </a:dk1>
+      <a:lt1>
+        <a:sysClr val="window" lastClr="FFFFFF"/>
+      </a:lt1>
+      <a:dk2>
+        <a:srgbClr val="44546A"/>
+      </a:dk2>
+      <a:lt2>
+        <a:srgbClr val="E7E6E6"/>
+      </a:lt2>
+      <a:accent1>
+        <a:srgbClr val="4472C4"/>
+      </a:accent1>
+      <a:accent2>
+        <a:srgbClr val="ED7D31"/>
+      </a:accent2>
+      <a:accent3>
+        <a:srgbClr val="A5A5A5"/>
+      </a:accent3>
+      <a:accent4>
+        <a:srgbClr val="FFC000"/>
+      </a:accent4>
+      <a:accent5>
+        <a:srgbClr val="5B9BD5"/>
+      </a:accent5>
+      <a:accent6>
+        <a:srgbClr val="70AD47"/>
+      </a:accent6>
+      <a:hlink>
+        <a:srgbClr val="0563C1"/>
+      </a:hlink>
+      <a:folHlink>
+        <a:srgbClr val="954F72"/>
+      </a:folHlink>
+    </a:clrScheme>
+    <a:fontScheme name="Office">
+      <a:majorFont>
+        <a:latin typeface="Calibri Light" panose="020F0302020204030204"/>
+        <a:ea typeface=""/>
+        <a:cs typeface=""/>
+        <a:font script="Jpan" typeface="游ゴシック Light"/>
+        <a:font script="Hang" typeface="맑은 고딕"/>
+        <a:font script="Hans" typeface="等线 Light"/>
+        <a:font script="Hant" typeface="新細明體"/>
+        <a:font script="Arab" typeface="Times New Roman"/>
+        <a:font script="Hebr" typeface="Times New Roman"/>
+        <a:font script="Thai" typeface="Angsana New"/>
+        <a:font script="Ethi" typeface="Nyala"/>
+        <a:font script="Beng" typeface="Vrinda"/>
+        <a:font script="Gujr" typeface="Shruti"/>
+        <a:font script="Khmr" typeface="MoolBoran"/>
+        <a:font script="Knda" typeface="Tunga"/>
+        <a:font script="Guru" typeface="Raavi"/>
+        <a:font script="Cans" typeface="Euphemia"/>
+        <a:font script="Cher" typeface="Plantagenet Cherokee"/>
+        <a:font script="Yiii" typeface="Microsoft Yi Baiti"/>
+        <a:font script="Tibt" typeface="Microsoft Himalaya"/>
+        <a:font script="Thaa" typeface="MV Boli"/>
+        <a:font script="Deva" typeface="Mangal"/>
+        <a:font script="Telu" typeface="Gautami"/>
+        <a:font script="Taml" typeface="Latha"/>
+        <a:font script="Syrc" typeface="Estrangelo Edessa"/>
+        <a:font script="Orya" typeface="Kalinga"/>
+        <a:font script="Mlym" typeface="Kartika"/>
+        <a:font script="Laoo" typeface="DokChampa"/>
+        <a:font script="Sinh" typeface="Iskoola Pota"/>
+        <a:font script="Mong" typeface="Mongolian Baiti"/>
+        <a:font script="Viet" typeface="Times New Roman"/>
+        <a:font script="Uigh" typeface="Microsoft Uighur"/>
+        <a:font script="Geor" typeface="Sylfaen"/>
+        <a:font script="Armn" typeface="Arial"/>
+        <a:font script="Bugi" typeface="Leelawadee UI"/>
+        <a:font script="Bopo" typeface="Microsoft JhengHei"/>
+        <a:font script="Java" typeface="Javanese Text"/>
+        <a:font script="Lisu" typeface="Segoe UI"/>
+        <a:font script="Mymr" typeface="Myanmar Text"/>
+        <a:font script="Nkoo" typeface="Ebrima"/>
+        <a:font script="Olck" typeface="Nirmala UI"/>
+        <a:font script="Osma" typeface="Ebrima"/>
+        <a:font script="Phag" typeface="Phagspa"/>
+        <a:font script="Syrn" typeface="Estrangelo Edessa"/>
+        <a:font script="Syrj" typeface="Estrangelo Edessa"/>
+        <a:font script="Syre" typeface="Estrangelo Edessa"/>
+        <a:font script="Sora" typeface="Nirmala UI"/>
+        <a:font script="Tale" typeface="Microsoft Tai Le"/>
+        <a:font script="Talu" typeface="Microsoft New Tai Lue"/>
+        <a:font script="Tfng" typeface="Ebrima"/>
+      </a:majorFont>
+      <a:minorFont>
+        <a:latin typeface="Calibri" panose="020F0502020204030204"/>
+        <a:ea typeface=""/>
+        <a:cs typeface=""/>
+        <a:font script="Jpan" typeface="游ゴシック"/>
+        <a:font script="Hang" typeface="맑은 고딕"/>
+        <a:font script="Hans" typeface="等线"/>
+        <a:font script="Hant" typeface="新細明體"/>
+        <a:font script="Arab" typeface="Arial"/>
+        <a:font script="Hebr" typeface="Arial"/>
+        <a:font script="Thai" typeface="Cordia New"/>
+        <a:font script="Ethi" typeface="Nyala"/>
+        <a:font script="Beng" typeface="Vrinda"/>
+        <a:font script="Gujr" typeface="Shruti"/>
+        <a:font script="Khmr" typeface="DaunPenh"/>
+        <a:font script="Knda" typeface="Tunga"/>
+        <a:font script="Guru" typeface="Raavi"/>
+        <a:font script="Cans" typeface="Euphemia"/>
+        <a:font script="Cher" typeface="Plantagenet Cherokee"/>
+        <a:font script="Yiii" typeface="Microsoft Yi Baiti"/>
+        <a:font script="Tibt" typeface="Microsoft Himalaya"/>
+        <a:font script="Thaa" typeface="MV Boli"/>
+        <a:font script="Deva" typeface="Mangal"/>
+        <a:font script="Telu" typeface="Gautami"/>
+        <a:font script="Taml" typeface="Latha"/>
+        <a:font script="Syrc" typeface="Estrangelo Edessa"/>
+        <a:font script="Orya" typeface="Kalinga"/>
+        <a:font script="Mlym" typeface="Kartika"/>
+        <a:font script="Laoo" typeface="DokChampa"/>
+        <a:font script="Sinh" typeface="Iskoola Pota"/>
+        <a:font script="Mong" typeface="Mongolian Baiti"/>
+        <a:font script="Viet" typeface="Arial"/>
+        <a:font script="Uigh" typeface="Microsoft Uighur"/>
+        <a:font script="Geor" typeface="Sylfaen"/>
+        <a:font script="Armn" typeface="Arial"/>
+        <a:font script="Bugi" typeface="Leelawadee UI"/>
+        <a:font script="Bopo" typeface="Microsoft JhengHei"/>
+        <a:font script="Java" typeface="Javanese Text"/>
+        <a:font script="Lisu" typeface="Segoe UI"/>
+        <a:font script="Mymr" typeface="Myanmar Text"/>
+        <a:font script="Nkoo" typeface="Ebrima"/>
+        <a:font script="Olck" typeface="Nirmala UI"/>
+        <a:font script="Osma" typeface="Ebrima"/>
+        <a:font script="Phag" typeface="Phagspa"/>
+        <a:font script="Syrn" typeface="Estrangelo Edessa"/>
+        <a:font script="Syrj" typeface="Estrangelo Edessa"/>
+        <a:font script="Syre" typeface="Estrangelo Edessa"/>
+        <a:font script="Sora" typeface="Nirmala UI"/>
+        <a:font script="Tale" typeface="Microsoft Tai Le"/>
+        <a:font script="Talu" typeface="Microsoft New Tai Lue"/>
+        <a:font script="Tfng" typeface="Ebrima"/>
+      </a:minorFont>
+    </a:fontScheme>
+    <a:fmtScheme name="Office">
+      <a:fillStyleLst>
+        <a:solidFill>
+          <a:schemeClr val="phClr"/>
+        </a:solidFill>
+        <a:gradFill rotWithShape="1">
+          <a:gsLst>
+            <a:gs pos="0">
+              <a:schemeClr val="phClr">
+                <a:lumMod val="110000"/>
+                <a:satMod val="105000"/>
+                <a:tint val="67000"/>
+              </a:schemeClr>
+            </a:gs>
+            <a:gs pos="50000">
+              <a:schemeClr val="phClr">
+                <a:lumMod val="105000"/>
+                <a:satMod val="103000"/>
+                <a:tint val="73000"/>
+              </a:schemeClr>
+            </a:gs>
+            <a:gs pos="100000">
+              <a:schemeClr val="phClr">
+                <a:lumMod val="105000"/>
+                <a:satMod val="109000"/>
+                <a:tint val="81000"/>
+              </a:schemeClr>
+            </a:gs>
+          </a:gsLst>
+          <a:lin ang="5400000" scaled="0"/>
+        </a:gradFill>
+        <a:gradFill rotWithShape="1">
+          <a:gsLst>
+            <a:gs pos="0">
+              <a:schemeClr val="phClr">
+                <a:satMod val="103000"/>
+                <a:lumMod val="102000"/>
+                <a:tint val="94000"/>
+              </a:schemeClr>
+            </a:gs>
+            <a:gs pos="50000">
+              <a:schemeClr val="phClr">
+                <a:satMod val="110000"/>
+                <a:lumMod val="100000"/>
+                <a:shade val="100000"/>
+              </a:schemeClr>
+            </a:gs>
+            <a:gs pos="100000">
+              <a:schemeClr val="phClr">
+                <a:lumMod val="99000"/>
+                <a:satMod val="120000"/>
+                <a:shade val="78000"/>
+              </a:schemeClr>
+            </a:gs>
+          </a:gsLst>
+          <a:lin ang="5400000" scaled="0"/>
+        </a:gradFill>
+      </a:fillStyleLst>
+      <a:lnStyleLst>
+        <a:ln w="6350" cap="flat" cmpd="sng" algn="ctr">
+          <a:solidFill>
+            <a:schemeClr val="phClr"/>
+          </a:solidFill>
+          <a:prstDash val="solid"/>
+          <a:miter lim="800000"/>
+        </a:ln>
+        <a:ln w="12700" cap="flat" cmpd="sng" algn="ctr">
+          <a:solidFill>
+            <a:schemeClr val="phClr"/>
+          </a:solidFill>
+          <a:prstDash val="solid"/>
+          <a:miter lim="800000"/>
+        </a:ln>
+        <a:ln w="19050" cap="flat" cmpd="sng" algn="ctr">
+          <a:solidFill>
+            <a:schemeClr val="phClr"/>
+          </a:solidFill>
+          <a:prstDash val="solid"/>
+          <a:miter lim="800000"/>
+        </a:ln>
+      </a:lnStyleLst>
+      <a:effectStyleLst>
+        <a:effectStyle>
+          <a:effectLst/>
+        </a:effectStyle>
+        <a:effectStyle>
+          <a:effectLst/>
+        </a:effectStyle>
+        <a:effectStyle>
+          <a:effectLst>
+            <a:outerShdw blurRad="57150" dist="19050" dir="5400000" algn="ctr" rotWithShape="0">
+              <a:srgbClr val="000000">
+                <a:alpha val="63000"/>
+              </a:srgbClr>
+            </a:outerShdw>
+          </a:effectLst>
+        </a:effectStyle>
+      </a:effectStyleLst>
+      <a:bgFillStyleLst>
+        <a:solidFill>
+          <a:schemeClr val="phClr"/>
+        </a:solidFill>
+        <a:solidFill>
+          <a:schemeClr val="phClr">
+            <a:tint val="95000"/>
+            <a:satMod val="170000"/>
+          </a:schemeClr>
+        </a:solidFill>
+        <a:gradFill rotWithShape="1">
+          <a:gsLst>
+            <a:gs pos="0">
+              <a:schemeClr val="phClr">
+                <a:tint val="93000"/>
+                <a:satMod val="150000"/>
+                <a:shade val="98000"/>
+                <a:lumMod val="102000"/>
+              </a:schemeClr>
+            </a:gs>
+            <a:gs pos="50000">
+              <a:schemeClr val="phClr">
+                <a:tint val="98000"/>
+                <a:satMod val="130000"/>
+                <a:shade val="90000"/>
+                <a:lumMod val="103000"/>
+              </a:schemeClr>
+            </a:gs>
+            <a:gs pos="100000">
+              <a:schemeClr val="phClr">
+                <a:shade val="63000"/>
+                <a:satMod val="120000"/>
+              </a:schemeClr>
+            </a:gs>
+          </a:gsLst>
+          <a:lin ang="5400000" scaled="0"/>
+        </a:gradFill>
+      </a:bgFillStyleLst>
+    </a:fmtScheme>
+  </a:themeElements>
+  <a:objectDefaults/>
+  <a:extraClrSchemeLst/>
+  <a:extLst>
+    <a:ext uri="{05A4C25C-085E-4340-85A3-A5531E510DB2}">
+      <thm15:themeFamily xmlns:thm15="http://schemas.microsoft.com/office/thememl/2012/main" name="Office Theme" id="{62F939B6-93AF-4DB8-9C6B-D6C7DFDC589F}" vid="{4A3C46E8-61CC-4603-A589-7422A47A8E4A}"/>
+    </a:ext>
+  </a:extLst>
+</a:theme>
 </file>
--- a/Capstone_Presentation.pptx
+++ b/Capstone_Presentation.pptx
@@ -7577,19 +7577,8 @@
                 <a:latin typeface="Times New Roman" panose="02020603050405020304" pitchFamily="18" charset="0"/>
                 <a:cs typeface="Times New Roman" panose="02020603050405020304" pitchFamily="18" charset="0"/>
               </a:rPr>
-              <a:t>Interspersed were Cosine Similarity, Clustering, PCA</a:t>
-            </a:r>
-            <a:r>
-              <a:rPr lang="en-US">
-                <a:latin typeface="Times New Roman" panose="02020603050405020304" pitchFamily="18" charset="0"/>
-                <a:cs typeface="Times New Roman" panose="02020603050405020304" pitchFamily="18" charset="0"/>
-              </a:rPr>
-              <a:t>. </a:t>
-            </a:r>
-            <a:endParaRPr lang="en-US" dirty="0">
-              <a:latin typeface="Times New Roman" panose="02020603050405020304" pitchFamily="18" charset="0"/>
-              <a:cs typeface="Times New Roman" panose="02020603050405020304" pitchFamily="18" charset="0"/>
-            </a:endParaRPr>
+              <a:t>Interspersed were Cosine Similarity, Clustering, PCA. </a:t>
+            </a:r>
           </a:p>
         </p:txBody>
       </p:sp>

--- a/Capstone_Presentation.pptx
+++ b/Capstone_Presentation.pptx
@@ -524,6 +524,267 @@
               <a:rPr lang="en-US" dirty="0"/>
               <a:t>Write Snorkel metrics and explanations in notes here: </a:t>
             </a:r>
+            <a:r>
+              <a:rPr lang="en-US" b="1" dirty="0">
+                <a:solidFill>
+                  <a:srgbClr val="CCCCCC"/>
+                </a:solidFill>
+                <a:effectLst/>
+                <a:latin typeface="KaTeX_Main"/>
+              </a:rPr>
+              <a:t>Polarity</a:t>
+            </a:r>
+            <a:r>
+              <a:rPr lang="en-US" b="0" i="0" dirty="0">
+                <a:solidFill>
+                  <a:srgbClr val="CCCCCC"/>
+                </a:solidFill>
+                <a:effectLst/>
+                <a:latin typeface="-apple-system"/>
+              </a:rPr>
+              <a:t>: The set of unique labels this LF outputs (excluding abstains). </a:t>
+            </a:r>
+            <a:r>
+              <a:rPr lang="en-US" b="0" dirty="0" err="1">
+                <a:solidFill>
+                  <a:srgbClr val="CCCCCC"/>
+                </a:solidFill>
+                <a:effectLst/>
+                <a:latin typeface="KaTeX_Main"/>
+              </a:rPr>
+              <a:t>Coverage</a:t>
+            </a:r>
+            <a:r>
+              <a:rPr lang="en-US" b="1" dirty="0" err="1">
+                <a:solidFill>
+                  <a:srgbClr val="CCCCCC"/>
+                </a:solidFill>
+                <a:effectLst/>
+                <a:latin typeface="KaTeX_Main"/>
+              </a:rPr>
+              <a:t>Coverage</a:t>
+            </a:r>
+            <a:r>
+              <a:rPr lang="en-US" b="0" i="0" dirty="0">
+                <a:solidFill>
+                  <a:srgbClr val="CCCCCC"/>
+                </a:solidFill>
+                <a:effectLst/>
+                <a:latin typeface="-apple-system"/>
+              </a:rPr>
+              <a:t>: The fraction of the dataset the LF labels. </a:t>
+            </a:r>
+            <a:r>
+              <a:rPr lang="en-US" b="0" dirty="0" err="1">
+                <a:solidFill>
+                  <a:srgbClr val="CCCCCC"/>
+                </a:solidFill>
+                <a:effectLst/>
+                <a:latin typeface="KaTeX_Main"/>
+              </a:rPr>
+              <a:t>Overlaps</a:t>
+            </a:r>
+            <a:r>
+              <a:rPr lang="en-US" b="1" dirty="0" err="1">
+                <a:solidFill>
+                  <a:srgbClr val="CCCCCC"/>
+                </a:solidFill>
+                <a:effectLst/>
+                <a:latin typeface="KaTeX_Main"/>
+              </a:rPr>
+              <a:t>Overlaps</a:t>
+            </a:r>
+            <a:r>
+              <a:rPr lang="en-US" b="0" i="0" dirty="0">
+                <a:solidFill>
+                  <a:srgbClr val="CCCCCC"/>
+                </a:solidFill>
+                <a:effectLst/>
+                <a:latin typeface="-apple-system"/>
+              </a:rPr>
+              <a:t>: The fraction of the dataset where this LF and at least one other LF labels. </a:t>
+            </a:r>
+            <a:r>
+              <a:rPr lang="en-US" b="0" dirty="0" err="1">
+                <a:solidFill>
+                  <a:srgbClr val="CCCCCC"/>
+                </a:solidFill>
+                <a:effectLst/>
+                <a:latin typeface="KaTeX_Main"/>
+              </a:rPr>
+              <a:t>Conflicts</a:t>
+            </a:r>
+            <a:r>
+              <a:rPr lang="en-US" b="1" dirty="0" err="1">
+                <a:solidFill>
+                  <a:srgbClr val="CCCCCC"/>
+                </a:solidFill>
+                <a:effectLst/>
+                <a:latin typeface="KaTeX_Main"/>
+              </a:rPr>
+              <a:t>Conflicts</a:t>
+            </a:r>
+            <a:r>
+              <a:rPr lang="en-US" b="0" i="0" dirty="0">
+                <a:solidFill>
+                  <a:srgbClr val="CCCCCC"/>
+                </a:solidFill>
+                <a:effectLst/>
+                <a:latin typeface="-apple-system"/>
+              </a:rPr>
+              <a:t>: The fraction of the dataset where this LF and at least one other LF label and disagree. </a:t>
+            </a:r>
+            <a:r>
+              <a:rPr lang="en-US" b="0" dirty="0" err="1">
+                <a:solidFill>
+                  <a:srgbClr val="CCCCCC"/>
+                </a:solidFill>
+                <a:effectLst/>
+                <a:latin typeface="KaTeX_Main"/>
+              </a:rPr>
+              <a:t>Correct</a:t>
+            </a:r>
+            <a:r>
+              <a:rPr lang="en-US" b="1" dirty="0" err="1">
+                <a:solidFill>
+                  <a:srgbClr val="CCCCCC"/>
+                </a:solidFill>
+                <a:effectLst/>
+                <a:latin typeface="KaTeX_Main"/>
+              </a:rPr>
+              <a:t>Correct</a:t>
+            </a:r>
+            <a:r>
+              <a:rPr lang="en-US" b="0" i="0" dirty="0">
+                <a:solidFill>
+                  <a:srgbClr val="CCCCCC"/>
+                </a:solidFill>
+                <a:effectLst/>
+                <a:latin typeface="-apple-system"/>
+              </a:rPr>
+              <a:t>: The number of data points this LF labels correctly (if gold labels are provided). </a:t>
+            </a:r>
+            <a:r>
+              <a:rPr lang="en-US" b="0" dirty="0" err="1">
+                <a:solidFill>
+                  <a:srgbClr val="CCCCCC"/>
+                </a:solidFill>
+                <a:effectLst/>
+                <a:latin typeface="KaTeX_Main"/>
+              </a:rPr>
+              <a:t>Incorrect</a:t>
+            </a:r>
+            <a:r>
+              <a:rPr lang="en-US" b="1" dirty="0" err="1">
+                <a:solidFill>
+                  <a:srgbClr val="CCCCCC"/>
+                </a:solidFill>
+                <a:effectLst/>
+                <a:latin typeface="KaTeX_Main"/>
+              </a:rPr>
+              <a:t>Incorrect</a:t>
+            </a:r>
+            <a:r>
+              <a:rPr lang="en-US" b="0" i="0" dirty="0">
+                <a:solidFill>
+                  <a:srgbClr val="CCCCCC"/>
+                </a:solidFill>
+                <a:effectLst/>
+                <a:latin typeface="-apple-system"/>
+              </a:rPr>
+              <a:t>: The number of data points this LF labels incorrectly (if gold labels are provided). </a:t>
+            </a:r>
+            <a:r>
+              <a:rPr lang="en-US" b="0" dirty="0">
+                <a:solidFill>
+                  <a:srgbClr val="CCCCCC"/>
+                </a:solidFill>
+                <a:effectLst/>
+                <a:latin typeface="KaTeX_Main"/>
+              </a:rPr>
+              <a:t>Empirical </a:t>
+            </a:r>
+            <a:r>
+              <a:rPr lang="en-US" b="0" dirty="0" err="1">
+                <a:solidFill>
+                  <a:srgbClr val="CCCCCC"/>
+                </a:solidFill>
+                <a:effectLst/>
+                <a:latin typeface="KaTeX_Main"/>
+              </a:rPr>
+              <a:t>Accuracy</a:t>
+            </a:r>
+            <a:r>
+              <a:rPr lang="en-US" b="1" dirty="0" err="1">
+                <a:solidFill>
+                  <a:srgbClr val="CCCCCC"/>
+                </a:solidFill>
+                <a:effectLst/>
+                <a:latin typeface="KaTeX_Main"/>
+              </a:rPr>
+              <a:t>Empirical</a:t>
+            </a:r>
+            <a:r>
+              <a:rPr lang="en-US" b="1" dirty="0">
+                <a:solidFill>
+                  <a:srgbClr val="CCCCCC"/>
+                </a:solidFill>
+                <a:effectLst/>
+                <a:latin typeface="KaTeX_Main"/>
+              </a:rPr>
+              <a:t> Accuracy</a:t>
+            </a:r>
+            <a:r>
+              <a:rPr lang="en-US" b="0" i="0" dirty="0">
+                <a:solidFill>
+                  <a:srgbClr val="CCCCCC"/>
+                </a:solidFill>
+                <a:effectLst/>
+                <a:latin typeface="-apple-system"/>
+              </a:rPr>
+              <a:t>: The empirical accuracy of this LF (if gold labels are provided). Only Polarity, Coverage, Overlaps, and Conflicts were surveyed in this project as gold labels were not provided. Only UNBIASED (denoted </a:t>
+            </a:r>
+            <a:r>
+              <a:rPr lang="en-US" b="0" dirty="0">
+                <a:solidFill>
+                  <a:srgbClr val="CCCCCC"/>
+                </a:solidFill>
+                <a:effectLst/>
+                <a:latin typeface="KaTeX_Main"/>
+              </a:rPr>
+              <a:t>00</a:t>
+            </a:r>
+            <a:r>
+              <a:rPr lang="en-US" b="0" i="0" dirty="0">
+                <a:solidFill>
+                  <a:srgbClr val="CCCCCC"/>
+                </a:solidFill>
+                <a:effectLst/>
+                <a:latin typeface="-apple-system"/>
+              </a:rPr>
+              <a:t>) versus BIASED (denoted </a:t>
+            </a:r>
+            <a:r>
+              <a:rPr lang="en-US" b="0" dirty="0">
+                <a:solidFill>
+                  <a:srgbClr val="CCCCCC"/>
+                </a:solidFill>
+                <a:effectLst/>
+                <a:latin typeface="KaTeX_Main"/>
+              </a:rPr>
+              <a:t>11</a:t>
+            </a:r>
+            <a:r>
+              <a:rPr lang="en-US" b="0" i="0" dirty="0">
+                <a:solidFill>
+                  <a:srgbClr val="CCCCCC"/>
+                </a:solidFill>
+                <a:effectLst/>
+                <a:latin typeface="-apple-system"/>
+              </a:rPr>
+              <a:t>) were label returns; ABSTAIN was not included.</a:t>
+            </a:r>
+            <a:endParaRPr lang="en-US" dirty="0"/>
           </a:p>
         </p:txBody>
       </p:sp>
@@ -554,6 +815,97 @@
     <p:extLst>
       <p:ext uri="{BB962C8B-B14F-4D97-AF65-F5344CB8AC3E}">
         <p14:creationId xmlns:p14="http://schemas.microsoft.com/office/powerpoint/2010/main" val="3876857850"/>
+      </p:ext>
+    </p:extLst>
+  </p:cSld>
+  <p:clrMapOvr>
+    <a:masterClrMapping/>
+  </p:clrMapOvr>
+</p:notes>
+</file>
+
+<file path=ppt/notesSlides/notesSlide2.xml><?xml version="1.0" encoding="utf-8"?>
+<p:notes xmlns:a="http://schemas.openxmlformats.org/drawingml/2006/main" xmlns:r="http://schemas.openxmlformats.org/officeDocument/2006/relationships" xmlns:p="http://schemas.openxmlformats.org/presentationml/2006/main">
+  <p:cSld>
+    <p:spTree>
+      <p:nvGrpSpPr>
+        <p:cNvPr id="1" name=""/>
+        <p:cNvGrpSpPr/>
+        <p:nvPr/>
+      </p:nvGrpSpPr>
+      <p:grpSpPr>
+        <a:xfrm>
+          <a:off x="0" y="0"/>
+          <a:ext cx="0" cy="0"/>
+          <a:chOff x="0" y="0"/>
+          <a:chExt cx="0" cy="0"/>
+        </a:xfrm>
+      </p:grpSpPr>
+      <p:sp>
+        <p:nvSpPr>
+          <p:cNvPr id="2" name="Slide Image Placeholder 1"/>
+          <p:cNvSpPr>
+            <a:spLocks noGrp="1" noRot="1" noChangeAspect="1"/>
+          </p:cNvSpPr>
+          <p:nvPr>
+            <p:ph type="sldImg"/>
+          </p:nvPr>
+        </p:nvSpPr>
+        <p:spPr/>
+      </p:sp>
+      <p:sp>
+        <p:nvSpPr>
+          <p:cNvPr id="3" name="Notes Placeholder 2"/>
+          <p:cNvSpPr>
+            <a:spLocks noGrp="1"/>
+          </p:cNvSpPr>
+          <p:nvPr>
+            <p:ph type="body" idx="1"/>
+          </p:nvPr>
+        </p:nvSpPr>
+        <p:spPr/>
+        <p:txBody>
+          <a:bodyPr/>
+          <a:lstStyle/>
+          <a:p>
+            <a:r>
+              <a:rPr lang="en-US" dirty="0"/>
+              <a:t>Kernel Density Estimation plots are the equivalent of a probability mass function except instead of discrete outputs they are used to visualize </a:t>
+            </a:r>
+            <a:r>
+              <a:rPr lang="en-US"/>
+              <a:t>continuous outputs. </a:t>
+            </a:r>
+          </a:p>
+        </p:txBody>
+      </p:sp>
+      <p:sp>
+        <p:nvSpPr>
+          <p:cNvPr id="4" name="Slide Number Placeholder 3"/>
+          <p:cNvSpPr>
+            <a:spLocks noGrp="1"/>
+          </p:cNvSpPr>
+          <p:nvPr>
+            <p:ph type="sldNum" sz="quarter" idx="5"/>
+          </p:nvPr>
+        </p:nvSpPr>
+        <p:spPr/>
+        <p:txBody>
+          <a:bodyPr/>
+          <a:lstStyle/>
+          <a:p>
+            <a:fld id="{2C0DCA6D-1859-1748-A05F-36E826BECB45}" type="slidenum">
+              <a:rPr lang="en-US" smtClean="0"/>
+              <a:t>14</a:t>
+            </a:fld>
+            <a:endParaRPr lang="en-US"/>
+          </a:p>
+        </p:txBody>
+      </p:sp>
+    </p:spTree>
+    <p:extLst>
+      <p:ext uri="{BB962C8B-B14F-4D97-AF65-F5344CB8AC3E}">
+        <p14:creationId xmlns:p14="http://schemas.microsoft.com/office/powerpoint/2010/main" val="2921916387"/>
       </p:ext>
     </p:extLst>
   </p:cSld>
@@ -4927,6 +5279,7 @@
           <a:bodyPr/>
           <a:lstStyle/>
           <a:p>
+            <a:pPr algn="ctr"/>
             <a:r>
               <a:rPr lang="en-US" dirty="0">
                 <a:latin typeface="Times New Roman" panose="02020603050405020304" pitchFamily="18" charset="0"/>
@@ -4937,31 +5290,65 @@
           </a:p>
         </p:txBody>
       </p:sp>
-      <p:sp>
-        <p:nvSpPr>
-          <p:cNvPr id="3" name="Content Placeholder 2">
-            <a:extLst>
-              <a:ext uri="{FF2B5EF4-FFF2-40B4-BE49-F238E27FC236}">
-                <a16:creationId xmlns:a16="http://schemas.microsoft.com/office/drawing/2014/main" id="{1E328D10-5864-9A65-B4EE-CC37B7C0470F}"/>
-              </a:ext>
-            </a:extLst>
-          </p:cNvPr>
-          <p:cNvSpPr>
-            <a:spLocks noGrp="1"/>
-          </p:cNvSpPr>
+      <p:pic>
+        <p:nvPicPr>
+          <p:cNvPr id="5" name="Content Placeholder 4" descr="A graph with many words&#10;&#10;Description automatically generated with medium confidence">
+            <a:extLst>
+              <a:ext uri="{FF2B5EF4-FFF2-40B4-BE49-F238E27FC236}">
+                <a16:creationId xmlns:a16="http://schemas.microsoft.com/office/drawing/2014/main" id="{29D283E8-A8AA-5816-9AD3-1F9C33F13D59}"/>
+              </a:ext>
+            </a:extLst>
+          </p:cNvPr>
+          <p:cNvPicPr>
+            <a:picLocks noGrp="1" noChangeAspect="1"/>
+          </p:cNvPicPr>
           <p:nvPr>
             <p:ph idx="1"/>
           </p:nvPr>
-        </p:nvSpPr>
-        <p:spPr/>
-        <p:txBody>
-          <a:bodyPr/>
-          <a:lstStyle/>
-          <a:p>
-            <a:endParaRPr lang="en-US"/>
-          </a:p>
-        </p:txBody>
-      </p:sp>
+        </p:nvPicPr>
+        <p:blipFill>
+          <a:blip r:embed="rId2"/>
+          <a:stretch>
+            <a:fillRect/>
+          </a:stretch>
+        </p:blipFill>
+        <p:spPr>
+          <a:xfrm>
+            <a:off x="0" y="2483087"/>
+            <a:ext cx="5690510" cy="3068603"/>
+          </a:xfrm>
+        </p:spPr>
+      </p:pic>
+      <p:pic>
+        <p:nvPicPr>
+          <p:cNvPr id="7" name="Picture 6" descr="A map of different cities&#10;&#10;Description automatically generated with medium confidence">
+            <a:extLst>
+              <a:ext uri="{FF2B5EF4-FFF2-40B4-BE49-F238E27FC236}">
+                <a16:creationId xmlns:a16="http://schemas.microsoft.com/office/drawing/2014/main" id="{741C24AF-C3AB-7475-490F-CF8C239936AD}"/>
+              </a:ext>
+            </a:extLst>
+          </p:cNvPr>
+          <p:cNvPicPr>
+            <a:picLocks noChangeAspect="1"/>
+          </p:cNvPicPr>
+          <p:nvPr/>
+        </p:nvPicPr>
+        <p:blipFill>
+          <a:blip r:embed="rId3"/>
+          <a:stretch>
+            <a:fillRect/>
+          </a:stretch>
+        </p:blipFill>
+        <p:spPr>
+          <a:xfrm>
+            <a:off x="6715125" y="2483087"/>
+            <a:ext cx="5476875" cy="3068603"/>
+          </a:xfrm>
+          <a:prstGeom prst="rect">
+            <a:avLst/>
+          </a:prstGeom>
+        </p:spPr>
+      </p:pic>
     </p:spTree>
     <p:extLst>
       <p:ext uri="{BB962C8B-B14F-4D97-AF65-F5344CB8AC3E}">
@@ -5142,11 +5529,17 @@
             <p:ph type="title"/>
           </p:nvPr>
         </p:nvSpPr>
-        <p:spPr/>
+        <p:spPr>
+          <a:xfrm>
+            <a:off x="1143000" y="0"/>
+            <a:ext cx="9905999" cy="1360898"/>
+          </a:xfrm>
+        </p:spPr>
         <p:txBody>
           <a:bodyPr/>
           <a:lstStyle/>
           <a:p>
+            <a:pPr algn="ctr"/>
             <a:r>
               <a:rPr lang="en-US" dirty="0">
                 <a:latin typeface="Times New Roman" panose="02020603050405020304" pitchFamily="18" charset="0"/>
@@ -5157,31 +5550,65 @@
           </a:p>
         </p:txBody>
       </p:sp>
-      <p:sp>
-        <p:nvSpPr>
-          <p:cNvPr id="3" name="Content Placeholder 2">
-            <a:extLst>
-              <a:ext uri="{FF2B5EF4-FFF2-40B4-BE49-F238E27FC236}">
-                <a16:creationId xmlns:a16="http://schemas.microsoft.com/office/drawing/2014/main" id="{160E368B-CB83-BB70-CAB2-82AEE8A0ADE5}"/>
-              </a:ext>
-            </a:extLst>
-          </p:cNvPr>
-          <p:cNvSpPr>
-            <a:spLocks noGrp="1"/>
-          </p:cNvSpPr>
+      <p:pic>
+        <p:nvPicPr>
+          <p:cNvPr id="5" name="Content Placeholder 4" descr="A screenshot of a graph&#10;&#10;Description automatically generated">
+            <a:extLst>
+              <a:ext uri="{FF2B5EF4-FFF2-40B4-BE49-F238E27FC236}">
+                <a16:creationId xmlns:a16="http://schemas.microsoft.com/office/drawing/2014/main" id="{E83D5D85-C2A6-E2DE-DFD4-58C925CFC728}"/>
+              </a:ext>
+            </a:extLst>
+          </p:cNvPr>
+          <p:cNvPicPr>
+            <a:picLocks noGrp="1" noChangeAspect="1"/>
+          </p:cNvPicPr>
           <p:nvPr>
             <p:ph idx="1"/>
           </p:nvPr>
-        </p:nvSpPr>
-        <p:spPr/>
-        <p:txBody>
-          <a:bodyPr/>
-          <a:lstStyle/>
-          <a:p>
-            <a:endParaRPr lang="en-US" dirty="0"/>
-          </a:p>
-        </p:txBody>
-      </p:sp>
+        </p:nvPicPr>
+        <p:blipFill>
+          <a:blip r:embed="rId2"/>
+          <a:stretch>
+            <a:fillRect/>
+          </a:stretch>
+        </p:blipFill>
+        <p:spPr>
+          <a:xfrm>
+            <a:off x="0" y="1180868"/>
+            <a:ext cx="5731153" cy="5677132"/>
+          </a:xfrm>
+        </p:spPr>
+      </p:pic>
+      <p:pic>
+        <p:nvPicPr>
+          <p:cNvPr id="7" name="Picture 6" descr="A group of small colored letters&#10;&#10;Description automatically generated with medium confidence">
+            <a:extLst>
+              <a:ext uri="{FF2B5EF4-FFF2-40B4-BE49-F238E27FC236}">
+                <a16:creationId xmlns:a16="http://schemas.microsoft.com/office/drawing/2014/main" id="{4F7E2561-E4A3-D01D-11D9-E310D66A1A7D}"/>
+              </a:ext>
+            </a:extLst>
+          </p:cNvPr>
+          <p:cNvPicPr>
+            <a:picLocks noChangeAspect="1"/>
+          </p:cNvPicPr>
+          <p:nvPr/>
+        </p:nvPicPr>
+        <p:blipFill>
+          <a:blip r:embed="rId3"/>
+          <a:stretch>
+            <a:fillRect/>
+          </a:stretch>
+        </p:blipFill>
+        <p:spPr>
+          <a:xfrm>
+            <a:off x="6345402" y="1180868"/>
+            <a:ext cx="5846598" cy="5677132"/>
+          </a:xfrm>
+          <a:prstGeom prst="rect">
+            <a:avLst/>
+          </a:prstGeom>
+        </p:spPr>
+      </p:pic>
     </p:spTree>
     <p:extLst>
       <p:ext uri="{BB962C8B-B14F-4D97-AF65-F5344CB8AC3E}">
@@ -5238,6 +5665,7 @@
           <a:bodyPr/>
           <a:lstStyle/>
           <a:p>
+            <a:pPr algn="ctr"/>
             <a:r>
               <a:rPr lang="en-US" dirty="0">
                 <a:latin typeface="Times New Roman" panose="02020603050405020304" pitchFamily="18" charset="0"/>
@@ -5315,7 +5743,7 @@
                 <a:latin typeface="Times New Roman" panose="02020603050405020304" pitchFamily="18" charset="0"/>
                 <a:cs typeface="Times New Roman" panose="02020603050405020304" pitchFamily="18" charset="0"/>
               </a:rPr>
-              <a:t>Sensitivity 0.66 | Specificity 0.95 | Accuracy 0.88 | Precision 0.800 | </a:t>
+              <a:t>Sensitivity 0.66 | Specificity 0.95 | Accuracy 0.88 | Precision 0.800  </a:t>
             </a:r>
           </a:p>
           <a:p>
@@ -5443,6 +5871,66 @@
           </a:p>
         </p:txBody>
       </p:sp>
+      <p:pic>
+        <p:nvPicPr>
+          <p:cNvPr id="5" name="Picture 4" descr="A green and white chart&#10;&#10;Description automatically generated">
+            <a:extLst>
+              <a:ext uri="{FF2B5EF4-FFF2-40B4-BE49-F238E27FC236}">
+                <a16:creationId xmlns:a16="http://schemas.microsoft.com/office/drawing/2014/main" id="{E2229909-B374-51E2-951A-8ACFD1BCF006}"/>
+              </a:ext>
+            </a:extLst>
+          </p:cNvPr>
+          <p:cNvPicPr>
+            <a:picLocks noChangeAspect="1"/>
+          </p:cNvPicPr>
+          <p:nvPr/>
+        </p:nvPicPr>
+        <p:blipFill>
+          <a:blip r:embed="rId2"/>
+          <a:stretch>
+            <a:fillRect/>
+          </a:stretch>
+        </p:blipFill>
+        <p:spPr>
+          <a:xfrm>
+            <a:off x="9865005" y="0"/>
+            <a:ext cx="2326995" cy="1943100"/>
+          </a:xfrm>
+          <a:prstGeom prst="rect">
+            <a:avLst/>
+          </a:prstGeom>
+        </p:spPr>
+      </p:pic>
+      <p:pic>
+        <p:nvPicPr>
+          <p:cNvPr id="7" name="Picture 6">
+            <a:extLst>
+              <a:ext uri="{FF2B5EF4-FFF2-40B4-BE49-F238E27FC236}">
+                <a16:creationId xmlns:a16="http://schemas.microsoft.com/office/drawing/2014/main" id="{816AC04D-1E43-C1F5-E533-5AFF83F3ED3E}"/>
+              </a:ext>
+            </a:extLst>
+          </p:cNvPr>
+          <p:cNvPicPr>
+            <a:picLocks noChangeAspect="1"/>
+          </p:cNvPicPr>
+          <p:nvPr/>
+        </p:nvPicPr>
+        <p:blipFill>
+          <a:blip r:embed="rId3"/>
+          <a:stretch>
+            <a:fillRect/>
+          </a:stretch>
+        </p:blipFill>
+        <p:spPr>
+          <a:xfrm>
+            <a:off x="9234182" y="2436681"/>
+            <a:ext cx="2957818" cy="2254611"/>
+          </a:xfrm>
+          <a:prstGeom prst="rect">
+            <a:avLst/>
+          </a:prstGeom>
+        </p:spPr>
+      </p:pic>
     </p:spTree>
     <p:extLst>
       <p:ext uri="{BB962C8B-B14F-4D97-AF65-F5344CB8AC3E}">
@@ -5541,15 +6029,6 @@
                 <a:latin typeface="Times New Roman" panose="02020603050405020304" pitchFamily="18" charset="0"/>
                 <a:cs typeface="Times New Roman" panose="02020603050405020304" pitchFamily="18" charset="0"/>
               </a:rPr>
-              <a:t>Word Clouds, Word Encoding Algorithm Graphs, </a:t>
-            </a:r>
-          </a:p>
-          <a:p>
-            <a:r>
-              <a:rPr lang="en-US" dirty="0">
-                <a:latin typeface="Times New Roman" panose="02020603050405020304" pitchFamily="18" charset="0"/>
-                <a:cs typeface="Times New Roman" panose="02020603050405020304" pitchFamily="18" charset="0"/>
-              </a:rPr>
               <a:t>Compare performance of Sentiment Analyzer with </a:t>
             </a:r>
             <a:r>
@@ -6662,7 +7141,16 @@
                 <a:latin typeface="Times New Roman" panose="02020603050405020304" pitchFamily="18" charset="0"/>
                 <a:cs typeface="Times New Roman" panose="02020603050405020304" pitchFamily="18" charset="0"/>
               </a:rPr>
-              <a:t>Word2Vec: Continuous-Bag-Of-Words, and Skip-Gram word encoding algorithms.</a:t>
+              <a:t>Word2Vec: Continuous-Bag-Of-Words, and Skip-Gram word encoding algorithms</a:t>
+            </a:r>
+          </a:p>
+          <a:p>
+            <a:r>
+              <a:rPr lang="en-US" dirty="0">
+                <a:latin typeface="Times New Roman" panose="02020603050405020304" pitchFamily="18" charset="0"/>
+                <a:cs typeface="Times New Roman" panose="02020603050405020304" pitchFamily="18" charset="0"/>
+              </a:rPr>
+              <a:t>VADER sentiment analyzer</a:t>
             </a:r>
           </a:p>
           <a:p>
@@ -6780,9 +7268,15 @@
         </p:nvSpPr>
         <p:spPr/>
         <p:txBody>
-          <a:bodyPr/>
-          <a:lstStyle/>
-          <a:p>
+          <a:bodyPr>
+            <a:normAutofit lnSpcReduction="10000"/>
+          </a:bodyPr>
+          <a:lstStyle/>
+          <a:p>
+            <a:pPr marL="457200" indent="-457200">
+              <a:buFont typeface="+mj-lt"/>
+              <a:buAutoNum type="arabicPeriod"/>
+            </a:pPr>
             <a:r>
               <a:rPr lang="en-US" dirty="0" err="1">
                 <a:latin typeface="Times New Roman" panose="02020603050405020304" pitchFamily="18" charset="0"/>
@@ -6799,15 +7293,23 @@
             </a:r>
           </a:p>
           <a:p>
+            <a:pPr marL="457200" indent="-457200">
+              <a:buFont typeface="+mj-lt"/>
+              <a:buAutoNum type="arabicPeriod"/>
+            </a:pPr>
             <a:r>
               <a:rPr lang="en-US" dirty="0">
                 <a:latin typeface="Times New Roman" panose="02020603050405020304" pitchFamily="18" charset="0"/>
                 <a:cs typeface="Times New Roman" panose="02020603050405020304" pitchFamily="18" charset="0"/>
               </a:rPr>
-              <a:t>Binary Classification – based on whether abstract/headline couplings originated from Opinion section of New York Times or other sections. </a:t>
-            </a:r>
-          </a:p>
-          <a:p>
+              <a:t>Binary Classification – based on whether abstract/headline couplings originated from Opinion section of New York Times or other sections</a:t>
+            </a:r>
+          </a:p>
+          <a:p>
+            <a:pPr marL="457200" indent="-457200">
+              <a:buFont typeface="+mj-lt"/>
+              <a:buAutoNum type="arabicPeriod"/>
+            </a:pPr>
             <a:r>
               <a:rPr lang="en-US" dirty="0">
                 <a:latin typeface="Times New Roman" panose="02020603050405020304" pitchFamily="18" charset="0"/>
@@ -6817,15 +7319,23 @@
             </a:r>
           </a:p>
           <a:p>
+            <a:pPr marL="457200" indent="-457200">
+              <a:buFont typeface="+mj-lt"/>
+              <a:buAutoNum type="arabicPeriod"/>
+            </a:pPr>
             <a:r>
               <a:rPr lang="en-US" dirty="0">
                 <a:latin typeface="Times New Roman" panose="02020603050405020304" pitchFamily="18" charset="0"/>
                 <a:cs typeface="Times New Roman" panose="02020603050405020304" pitchFamily="18" charset="0"/>
               </a:rPr>
-              <a:t>Neural Networks and Word2Vec embedding Algorithms</a:t>
-            </a:r>
-          </a:p>
-          <a:p>
+              <a:t>Neural Networks and Word2Vec encoding Algorithms</a:t>
+            </a:r>
+          </a:p>
+          <a:p>
+            <a:pPr marL="457200" indent="-457200">
+              <a:buFont typeface="+mj-lt"/>
+              <a:buAutoNum type="arabicPeriod"/>
+            </a:pPr>
             <a:r>
               <a:rPr lang="en-US" dirty="0">
                 <a:latin typeface="Times New Roman" panose="02020603050405020304" pitchFamily="18" charset="0"/>
@@ -6835,6 +7345,23 @@
             </a:r>
           </a:p>
           <a:p>
+            <a:pPr marL="457200" indent="-457200">
+              <a:buFont typeface="+mj-lt"/>
+              <a:buAutoNum type="arabicPeriod"/>
+            </a:pPr>
+            <a:r>
+              <a:rPr lang="en-US" dirty="0">
+                <a:latin typeface="Times New Roman" panose="02020603050405020304" pitchFamily="18" charset="0"/>
+                <a:cs typeface="Times New Roman" panose="02020603050405020304" pitchFamily="18" charset="0"/>
+              </a:rPr>
+              <a:t>Repeat steps 3 through 6 </a:t>
+            </a:r>
+          </a:p>
+          <a:p>
+            <a:pPr marL="457200" indent="-457200">
+              <a:buFont typeface="+mj-lt"/>
+              <a:buAutoNum type="arabicPeriod"/>
+            </a:pPr>
             <a:r>
               <a:rPr lang="en-US" dirty="0" err="1">
                 <a:latin typeface="Times New Roman" panose="02020603050405020304" pitchFamily="18" charset="0"/>
@@ -7049,7 +7576,7 @@
         </p:nvSpPr>
         <p:spPr>
           <a:xfrm>
-            <a:off x="1143000" y="241583"/>
+            <a:off x="936172" y="241583"/>
             <a:ext cx="9905999" cy="1360898"/>
           </a:xfrm>
         </p:spPr>
@@ -7096,7 +7623,7 @@
           <a:lstStyle/>
           <a:p>
             <a:r>
-              <a:rPr lang="en-US" dirty="0">
+              <a:rPr lang="en-US" sz="1800" dirty="0">
                 <a:latin typeface="Times New Roman" panose="02020603050405020304" pitchFamily="18" charset="0"/>
                 <a:cs typeface="Times New Roman" panose="02020603050405020304" pitchFamily="18" charset="0"/>
               </a:rPr>
@@ -7105,7 +7632,7 @@
           </a:p>
           <a:p>
             <a:r>
-              <a:rPr lang="en-US" dirty="0">
+              <a:rPr lang="en-US" sz="1800" dirty="0">
                 <a:latin typeface="Times New Roman" panose="02020603050405020304" pitchFamily="18" charset="0"/>
                 <a:cs typeface="Times New Roman" panose="02020603050405020304" pitchFamily="18" charset="0"/>
               </a:rPr>
@@ -7114,21 +7641,21 @@
           </a:p>
           <a:p>
             <a:r>
-              <a:rPr lang="en-US" dirty="0">
+              <a:rPr lang="en-US" sz="1800" dirty="0">
                 <a:latin typeface="Times New Roman" panose="02020603050405020304" pitchFamily="18" charset="0"/>
                 <a:cs typeface="Times New Roman" panose="02020603050405020304" pitchFamily="18" charset="0"/>
               </a:rPr>
               <a:t>Length functions and </a:t>
             </a:r>
             <a:r>
-              <a:rPr lang="en-US" dirty="0" err="1">
+              <a:rPr lang="en-US" sz="1800" dirty="0" err="1">
                 <a:latin typeface="Times New Roman" panose="02020603050405020304" pitchFamily="18" charset="0"/>
                 <a:cs typeface="Times New Roman" panose="02020603050405020304" pitchFamily="18" charset="0"/>
               </a:rPr>
               <a:t>TextBlob</a:t>
             </a:r>
             <a:r>
-              <a:rPr lang="en-US" dirty="0">
+              <a:rPr lang="en-US" sz="1800" dirty="0">
                 <a:latin typeface="Times New Roman" panose="02020603050405020304" pitchFamily="18" charset="0"/>
                 <a:cs typeface="Times New Roman" panose="02020603050405020304" pitchFamily="18" charset="0"/>
               </a:rPr>
@@ -7137,11 +7664,11 @@
           </a:p>
           <a:p>
             <a:r>
-              <a:rPr lang="en-US" dirty="0">
-                <a:latin typeface="Times New Roman" panose="02020603050405020304" pitchFamily="18" charset="0"/>
-                <a:cs typeface="Times New Roman" panose="02020603050405020304" pitchFamily="18" charset="0"/>
-              </a:rPr>
-              <a:t>Snorkel metrics surveyed in order to inform decisions regarding more labeling function creation. </a:t>
+              <a:rPr lang="en-US" sz="1800" dirty="0">
+                <a:latin typeface="Times New Roman" panose="02020603050405020304" pitchFamily="18" charset="0"/>
+                <a:cs typeface="Times New Roman" panose="02020603050405020304" pitchFamily="18" charset="0"/>
+              </a:rPr>
+              <a:t>Snorkel metrics surveyed to inform decisions regarding more labeling function creation. </a:t>
             </a:r>
           </a:p>
         </p:txBody>
@@ -7168,7 +7695,7 @@
         </p:blipFill>
         <p:spPr>
           <a:xfrm>
-            <a:off x="9024937" y="107644"/>
+            <a:off x="10342109" y="241583"/>
             <a:ext cx="1628775" cy="1628775"/>
           </a:xfrm>
           <a:prstGeom prst="rect">
@@ -7198,8 +7725,68 @@
         </p:blipFill>
         <p:spPr>
           <a:xfrm>
-            <a:off x="5280024" y="4235450"/>
+            <a:off x="5280024" y="4268138"/>
             <a:ext cx="1631950" cy="1879600"/>
+          </a:xfrm>
+          <a:prstGeom prst="rect">
+            <a:avLst/>
+          </a:prstGeom>
+        </p:spPr>
+      </p:pic>
+      <p:pic>
+        <p:nvPicPr>
+          <p:cNvPr id="9" name="Picture 8" descr="A close-up of words&#10;&#10;Description automatically generated">
+            <a:extLst>
+              <a:ext uri="{FF2B5EF4-FFF2-40B4-BE49-F238E27FC236}">
+                <a16:creationId xmlns:a16="http://schemas.microsoft.com/office/drawing/2014/main" id="{AA9846D8-E01F-EF0C-7E1A-FF5755A3BC42}"/>
+              </a:ext>
+            </a:extLst>
+          </p:cNvPr>
+          <p:cNvPicPr>
+            <a:picLocks noChangeAspect="1"/>
+          </p:cNvPicPr>
+          <p:nvPr/>
+        </p:nvPicPr>
+        <p:blipFill>
+          <a:blip r:embed="rId5"/>
+          <a:stretch>
+            <a:fillRect/>
+          </a:stretch>
+        </p:blipFill>
+        <p:spPr>
+          <a:xfrm>
+            <a:off x="0" y="4502828"/>
+            <a:ext cx="3140230" cy="2355172"/>
+          </a:xfrm>
+          <a:prstGeom prst="rect">
+            <a:avLst/>
+          </a:prstGeom>
+        </p:spPr>
+      </p:pic>
+      <p:pic>
+        <p:nvPicPr>
+          <p:cNvPr id="11" name="Picture 10" descr="A close-up of words&#10;&#10;Description automatically generated">
+            <a:extLst>
+              <a:ext uri="{FF2B5EF4-FFF2-40B4-BE49-F238E27FC236}">
+                <a16:creationId xmlns:a16="http://schemas.microsoft.com/office/drawing/2014/main" id="{925017B9-1982-8239-1528-A35E98D84795}"/>
+              </a:ext>
+            </a:extLst>
+          </p:cNvPr>
+          <p:cNvPicPr>
+            <a:picLocks noChangeAspect="1"/>
+          </p:cNvPicPr>
+          <p:nvPr/>
+        </p:nvPicPr>
+        <p:blipFill>
+          <a:blip r:embed="rId6"/>
+          <a:stretch>
+            <a:fillRect/>
+          </a:stretch>
+        </p:blipFill>
+        <p:spPr>
+          <a:xfrm>
+            <a:off x="9051771" y="4502828"/>
+            <a:ext cx="3140229" cy="2355172"/>
           </a:xfrm>
           <a:prstGeom prst="rect">
             <a:avLst/>
@@ -7582,6 +8169,36 @@
           </a:p>
         </p:txBody>
       </p:sp>
+      <p:pic>
+        <p:nvPicPr>
+          <p:cNvPr id="5" name="Picture 4" descr="A diagram of a computer&#10;&#10;Description automatically generated">
+            <a:extLst>
+              <a:ext uri="{FF2B5EF4-FFF2-40B4-BE49-F238E27FC236}">
+                <a16:creationId xmlns:a16="http://schemas.microsoft.com/office/drawing/2014/main" id="{F4198F6B-4062-297D-DCED-A916AA5020EA}"/>
+              </a:ext>
+            </a:extLst>
+          </p:cNvPr>
+          <p:cNvPicPr>
+            <a:picLocks noChangeAspect="1"/>
+          </p:cNvPicPr>
+          <p:nvPr/>
+        </p:nvPicPr>
+        <p:blipFill>
+          <a:blip r:embed="rId2"/>
+          <a:stretch>
+            <a:fillRect/>
+          </a:stretch>
+        </p:blipFill>
+        <p:spPr>
+          <a:xfrm>
+            <a:off x="4553885" y="4298950"/>
+            <a:ext cx="3084228" cy="2559050"/>
+          </a:xfrm>
+          <a:prstGeom prst="rect">
+            <a:avLst/>
+          </a:prstGeom>
+        </p:spPr>
+      </p:pic>
     </p:spTree>
     <p:extLst>
       <p:ext uri="{BB962C8B-B14F-4D97-AF65-F5344CB8AC3E}">

--- a/Capstone_Presentation.pptx
+++ b/Capstone_Presentation.pptx
@@ -5,7 +5,7 @@
     <p:sldMasterId id="2147483739" r:id="rId1"/>
   </p:sldMasterIdLst>
   <p:notesMasterIdLst>
-    <p:notesMasterId r:id="rId20"/>
+    <p:notesMasterId r:id="rId23"/>
   </p:notesMasterIdLst>
   <p:sldIdLst>
     <p:sldId id="256" r:id="rId2"/>
@@ -22,10 +22,13 @@
     <p:sldId id="273" r:id="rId13"/>
     <p:sldId id="263" r:id="rId14"/>
     <p:sldId id="267" r:id="rId15"/>
-    <p:sldId id="264" r:id="rId16"/>
-    <p:sldId id="269" r:id="rId17"/>
-    <p:sldId id="265" r:id="rId18"/>
-    <p:sldId id="268" r:id="rId19"/>
+    <p:sldId id="274" r:id="rId16"/>
+    <p:sldId id="275" r:id="rId17"/>
+    <p:sldId id="276" r:id="rId18"/>
+    <p:sldId id="264" r:id="rId19"/>
+    <p:sldId id="269" r:id="rId20"/>
+    <p:sldId id="265" r:id="rId21"/>
+    <p:sldId id="268" r:id="rId22"/>
   </p:sldIdLst>
   <p:sldSz cx="12192000" cy="6858000"/>
   <p:notesSz cx="6858000" cy="9144000"/>
@@ -545,7 +548,7 @@
               <a:t>: The set of unique labels this LF outputs (excluding abstains). </a:t>
             </a:r>
             <a:r>
-              <a:rPr lang="en-US" b="0" dirty="0" err="1">
+              <a:rPr lang="en-US" b="1" dirty="0">
                 <a:solidFill>
                   <a:srgbClr val="CCCCCC"/>
                 </a:solidFill>
@@ -555,14 +558,24 @@
               <a:t>Coverage</a:t>
             </a:r>
             <a:r>
-              <a:rPr lang="en-US" b="1" dirty="0" err="1">
+              <a:rPr lang="en-US" b="0" i="0" dirty="0">
                 <a:solidFill>
                   <a:srgbClr val="CCCCCC"/>
                 </a:solidFill>
                 <a:effectLst/>
+                <a:latin typeface="-apple-system"/>
+              </a:rPr>
+              <a:t>: The fraction of the dataset the LF labels. </a:t>
+            </a:r>
+            <a:r>
+              <a:rPr lang="en-US" b="1" dirty="0">
+                <a:solidFill>
+                  <a:srgbClr val="CCCCCC"/>
+                </a:solidFill>
+                <a:effectLst/>
                 <a:latin typeface="KaTeX_Main"/>
               </a:rPr>
-              <a:t>Coverage</a:t>
+              <a:t>Overlaps</a:t>
             </a:r>
             <a:r>
               <a:rPr lang="en-US" b="0" i="0" dirty="0">
@@ -572,27 +585,37 @@
                 <a:effectLst/>
                 <a:latin typeface="-apple-system"/>
               </a:rPr>
-              <a:t>: The fraction of the dataset the LF labels. </a:t>
-            </a:r>
-            <a:r>
-              <a:rPr lang="en-US" b="0" dirty="0" err="1">
+              <a:t>: The fraction of the dataset where this LF and at least one other LF labels. </a:t>
+            </a:r>
+            <a:r>
+              <a:rPr lang="en-US" b="1" dirty="0">
                 <a:solidFill>
                   <a:srgbClr val="CCCCCC"/>
                 </a:solidFill>
                 <a:effectLst/>
                 <a:latin typeface="KaTeX_Main"/>
               </a:rPr>
-              <a:t>Overlaps</a:t>
-            </a:r>
-            <a:r>
-              <a:rPr lang="en-US" b="1" dirty="0" err="1">
+              <a:t>Conflicts</a:t>
+            </a:r>
+            <a:r>
+              <a:rPr lang="en-US" b="0" i="0" dirty="0">
                 <a:solidFill>
                   <a:srgbClr val="CCCCCC"/>
                 </a:solidFill>
                 <a:effectLst/>
+                <a:latin typeface="-apple-system"/>
+              </a:rPr>
+              <a:t>: The fraction of the dataset where this LF and at least one other LF label and disagree. </a:t>
+            </a:r>
+            <a:r>
+              <a:rPr lang="en-US" b="1" dirty="0">
+                <a:solidFill>
+                  <a:srgbClr val="CCCCCC"/>
+                </a:solidFill>
+                <a:effectLst/>
                 <a:latin typeface="KaTeX_Main"/>
               </a:rPr>
-              <a:t>Overlaps</a:t>
+              <a:t>Correct</a:t>
             </a:r>
             <a:r>
               <a:rPr lang="en-US" b="0" i="0" dirty="0">
@@ -602,27 +625,47 @@
                 <a:effectLst/>
                 <a:latin typeface="-apple-system"/>
               </a:rPr>
-              <a:t>: The fraction of the dataset where this LF and at least one other LF labels. </a:t>
-            </a:r>
-            <a:r>
-              <a:rPr lang="en-US" b="0" dirty="0" err="1">
+              <a:t>: The number of data points this LF labels correctly (if gold labels are provided). </a:t>
+            </a:r>
+            <a:r>
+              <a:rPr lang="en-US" b="1" dirty="0">
                 <a:solidFill>
                   <a:srgbClr val="CCCCCC"/>
                 </a:solidFill>
                 <a:effectLst/>
                 <a:latin typeface="KaTeX_Main"/>
               </a:rPr>
-              <a:t>Conflicts</a:t>
-            </a:r>
-            <a:r>
-              <a:rPr lang="en-US" b="1" dirty="0" err="1">
+              <a:t>Incorrect</a:t>
+            </a:r>
+            <a:r>
+              <a:rPr lang="en-US" b="0" i="0" dirty="0">
                 <a:solidFill>
                   <a:srgbClr val="CCCCCC"/>
                 </a:solidFill>
                 <a:effectLst/>
+                <a:latin typeface="-apple-system"/>
+              </a:rPr>
+              <a:t>: The number of data points this LF labels incorrectly (if gold labels are provided</a:t>
+            </a:r>
+            <a:r>
+              <a:rPr lang="en-US" b="0" i="0">
+                <a:solidFill>
+                  <a:srgbClr val="CCCCCC"/>
+                </a:solidFill>
+                <a:effectLst/>
+                <a:latin typeface="-apple-system"/>
+              </a:rPr>
+              <a:t>). </a:t>
+            </a:r>
+            <a:r>
+              <a:rPr lang="en-US" b="1" dirty="0">
+                <a:solidFill>
+                  <a:srgbClr val="CCCCCC"/>
+                </a:solidFill>
+                <a:effectLst/>
                 <a:latin typeface="KaTeX_Main"/>
               </a:rPr>
-              <a:t>Conflicts</a:t>
+              <a:t>Empirical Accuracy</a:t>
             </a:r>
             <a:r>
               <a:rPr lang="en-US" b="0" i="0" dirty="0">
@@ -632,147 +675,47 @@
                 <a:effectLst/>
                 <a:latin typeface="-apple-system"/>
               </a:rPr>
-              <a:t>: The fraction of the dataset where this LF and at least one other LF label and disagree. </a:t>
-            </a:r>
-            <a:r>
-              <a:rPr lang="en-US" b="0" dirty="0" err="1">
+              <a:t>: The empirical accuracy of this LF (if gold labels are provided). Only Polarity, Coverage, Overlaps, and Conflicts were surveyed in this project as gold labels were not provided. Only UNBIASED (denoted </a:t>
+            </a:r>
+            <a:r>
+              <a:rPr lang="en-US" b="0" dirty="0">
                 <a:solidFill>
                   <a:srgbClr val="CCCCCC"/>
                 </a:solidFill>
                 <a:effectLst/>
                 <a:latin typeface="KaTeX_Main"/>
               </a:rPr>
-              <a:t>Correct</a:t>
-            </a:r>
-            <a:r>
-              <a:rPr lang="en-US" b="1" dirty="0" err="1">
+              <a:t>00</a:t>
+            </a:r>
+            <a:r>
+              <a:rPr lang="en-US" b="0" i="0" dirty="0">
                 <a:solidFill>
                   <a:srgbClr val="CCCCCC"/>
                 </a:solidFill>
                 <a:effectLst/>
+                <a:latin typeface="-apple-system"/>
+              </a:rPr>
+              <a:t>) versus BIASED (denoted </a:t>
+            </a:r>
+            <a:r>
+              <a:rPr lang="en-US" b="0" i="0" dirty="0">
+                <a:solidFill>
+                  <a:srgbClr val="CCCCCC"/>
+                </a:solidFill>
+                <a:effectLst/>
                 <a:latin typeface="KaTeX_Main"/>
               </a:rPr>
-              <a:t>Correct</a:t>
-            </a:r>
-            <a:r>
-              <a:rPr lang="en-US" b="0" i="0" dirty="0">
+              <a:t>0</a:t>
+            </a:r>
+            <a:r>
+              <a:rPr lang="en-US" b="0" dirty="0">
                 <a:solidFill>
                   <a:srgbClr val="CCCCCC"/>
                 </a:solidFill>
                 <a:effectLst/>
-                <a:latin typeface="-apple-system"/>
-              </a:rPr>
-              <a:t>: The number of data points this LF labels correctly (if gold labels are provided). </a:t>
-            </a:r>
-            <a:r>
-              <a:rPr lang="en-US" b="0" dirty="0" err="1">
-                <a:solidFill>
-                  <a:srgbClr val="CCCCCC"/>
-                </a:solidFill>
-                <a:effectLst/>
                 <a:latin typeface="KaTeX_Main"/>
               </a:rPr>
-              <a:t>Incorrect</a:t>
-            </a:r>
-            <a:r>
-              <a:rPr lang="en-US" b="1" dirty="0" err="1">
-                <a:solidFill>
-                  <a:srgbClr val="CCCCCC"/>
-                </a:solidFill>
-                <a:effectLst/>
-                <a:latin typeface="KaTeX_Main"/>
-              </a:rPr>
-              <a:t>Incorrect</a:t>
-            </a:r>
-            <a:r>
-              <a:rPr lang="en-US" b="0" i="0" dirty="0">
-                <a:solidFill>
-                  <a:srgbClr val="CCCCCC"/>
-                </a:solidFill>
-                <a:effectLst/>
-                <a:latin typeface="-apple-system"/>
-              </a:rPr>
-              <a:t>: The number of data points this LF labels incorrectly (if gold labels are provided). </a:t>
-            </a:r>
-            <a:r>
-              <a:rPr lang="en-US" b="0" dirty="0">
-                <a:solidFill>
-                  <a:srgbClr val="CCCCCC"/>
-                </a:solidFill>
-                <a:effectLst/>
-                <a:latin typeface="KaTeX_Main"/>
-              </a:rPr>
-              <a:t>Empirical </a:t>
-            </a:r>
-            <a:r>
-              <a:rPr lang="en-US" b="0" dirty="0" err="1">
-                <a:solidFill>
-                  <a:srgbClr val="CCCCCC"/>
-                </a:solidFill>
-                <a:effectLst/>
-                <a:latin typeface="KaTeX_Main"/>
-              </a:rPr>
-              <a:t>Accuracy</a:t>
-            </a:r>
-            <a:r>
-              <a:rPr lang="en-US" b="1" dirty="0" err="1">
-                <a:solidFill>
-                  <a:srgbClr val="CCCCCC"/>
-                </a:solidFill>
-                <a:effectLst/>
-                <a:latin typeface="KaTeX_Main"/>
-              </a:rPr>
-              <a:t>Empirical</a:t>
-            </a:r>
-            <a:r>
-              <a:rPr lang="en-US" b="1" dirty="0">
-                <a:solidFill>
-                  <a:srgbClr val="CCCCCC"/>
-                </a:solidFill>
-                <a:effectLst/>
-                <a:latin typeface="KaTeX_Main"/>
-              </a:rPr>
-              <a:t> Accuracy</a:t>
-            </a:r>
-            <a:r>
-              <a:rPr lang="en-US" b="0" i="0" dirty="0">
-                <a:solidFill>
-                  <a:srgbClr val="CCCCCC"/>
-                </a:solidFill>
-                <a:effectLst/>
-                <a:latin typeface="-apple-system"/>
-              </a:rPr>
-              <a:t>: The empirical accuracy of this LF (if gold labels are provided). Only Polarity, Coverage, Overlaps, and Conflicts were surveyed in this project as gold labels were not provided. Only UNBIASED (denoted </a:t>
-            </a:r>
-            <a:r>
-              <a:rPr lang="en-US" b="0" dirty="0">
-                <a:solidFill>
-                  <a:srgbClr val="CCCCCC"/>
-                </a:solidFill>
-                <a:effectLst/>
-                <a:latin typeface="KaTeX_Main"/>
-              </a:rPr>
-              <a:t>00</a:t>
-            </a:r>
-            <a:r>
-              <a:rPr lang="en-US" b="0" i="0" dirty="0">
-                <a:solidFill>
-                  <a:srgbClr val="CCCCCC"/>
-                </a:solidFill>
-                <a:effectLst/>
-                <a:latin typeface="-apple-system"/>
-              </a:rPr>
-              <a:t>) versus BIASED (denoted </a:t>
-            </a:r>
-            <a:r>
-              <a:rPr lang="en-US" b="0" dirty="0">
-                <a:solidFill>
-                  <a:srgbClr val="CCCCCC"/>
-                </a:solidFill>
-                <a:effectLst/>
-                <a:latin typeface="KaTeX_Main"/>
-              </a:rPr>
-              <a:t>11</a:t>
+              <a:t>1</a:t>
             </a:r>
             <a:r>
               <a:rPr lang="en-US" b="0" i="0" dirty="0">
@@ -870,11 +813,7 @@
           <a:p>
             <a:r>
               <a:rPr lang="en-US" dirty="0"/>
-              <a:t>Kernel Density Estimation plots are the equivalent of a probability mass function except instead of discrete outputs they are used to visualize </a:t>
-            </a:r>
-            <a:r>
-              <a:rPr lang="en-US"/>
-              <a:t>continuous outputs. </a:t>
+              <a:t>Kernel Density Estimation plots are the equivalent of a probability mass function except instead of discrete outputs they are used to visualize continuous outputs. </a:t>
             </a:r>
           </a:p>
         </p:txBody>
@@ -906,6 +845,1038 @@
     <p:extLst>
       <p:ext uri="{BB962C8B-B14F-4D97-AF65-F5344CB8AC3E}">
         <p14:creationId xmlns:p14="http://schemas.microsoft.com/office/powerpoint/2010/main" val="2921916387"/>
+      </p:ext>
+    </p:extLst>
+  </p:cSld>
+  <p:clrMapOvr>
+    <a:masterClrMapping/>
+  </p:clrMapOvr>
+</p:notes>
+</file>
+
+<file path=ppt/notesSlides/notesSlide3.xml><?xml version="1.0" encoding="utf-8"?>
+<p:notes xmlns:a="http://schemas.openxmlformats.org/drawingml/2006/main" xmlns:r="http://schemas.openxmlformats.org/officeDocument/2006/relationships" xmlns:p="http://schemas.openxmlformats.org/presentationml/2006/main">
+  <p:cSld>
+    <p:spTree>
+      <p:nvGrpSpPr>
+        <p:cNvPr id="1" name=""/>
+        <p:cNvGrpSpPr/>
+        <p:nvPr/>
+      </p:nvGrpSpPr>
+      <p:grpSpPr>
+        <a:xfrm>
+          <a:off x="0" y="0"/>
+          <a:ext cx="0" cy="0"/>
+          <a:chOff x="0" y="0"/>
+          <a:chExt cx="0" cy="0"/>
+        </a:xfrm>
+      </p:grpSpPr>
+      <p:sp>
+        <p:nvSpPr>
+          <p:cNvPr id="2" name="Slide Image Placeholder 1"/>
+          <p:cNvSpPr>
+            <a:spLocks noGrp="1" noRot="1" noChangeAspect="1"/>
+          </p:cNvSpPr>
+          <p:nvPr>
+            <p:ph type="sldImg"/>
+          </p:nvPr>
+        </p:nvSpPr>
+        <p:spPr/>
+      </p:sp>
+      <p:sp>
+        <p:nvSpPr>
+          <p:cNvPr id="3" name="Notes Placeholder 2"/>
+          <p:cNvSpPr>
+            <a:spLocks noGrp="1"/>
+          </p:cNvSpPr>
+          <p:nvPr>
+            <p:ph type="body" idx="1"/>
+          </p:nvPr>
+        </p:nvSpPr>
+        <p:spPr/>
+        <p:txBody>
+          <a:bodyPr/>
+          <a:lstStyle/>
+          <a:p>
+            <a:r>
+              <a:rPr lang="en-US" b="0" i="0" dirty="0">
+                <a:solidFill>
+                  <a:srgbClr val="CCCCCC"/>
+                </a:solidFill>
+                <a:effectLst/>
+                <a:latin typeface="Menlo" panose="020B0609030804020204" pitchFamily="49" charset="0"/>
+              </a:rPr>
+              <a:t>Neural Net Tendency vs. LF Tendency: {0.1: 35, 0.2: 82, 0.3: 88, 0.4: 93, 0.5: 97, 0.6: 100, 0.7: 100, 0.8: 100, 0.9: 100, 1.0: 100}</a:t>
+            </a:r>
+          </a:p>
+          <a:p>
+            <a:r>
+              <a:rPr lang="en-US" b="0" i="0" dirty="0">
+                <a:solidFill>
+                  <a:srgbClr val="CCCCCC"/>
+                </a:solidFill>
+                <a:effectLst/>
+                <a:latin typeface="Menlo" panose="020B0609030804020204" pitchFamily="49" charset="0"/>
+              </a:rPr>
+              <a:t>Neural Net Tendency vs. LF Tendency: {0.1: 12632, 0.2: 20636, 0.3: 22773, 0.4: 23880, 0.5: 24871, 0.6: 25089, 0.7: 25506, 0.8: 25510, 0.9: 25510, 1.0: 25510}</a:t>
+            </a:r>
+            <a:endParaRPr lang="en-US" dirty="0"/>
+          </a:p>
+        </p:txBody>
+      </p:sp>
+      <p:sp>
+        <p:nvSpPr>
+          <p:cNvPr id="4" name="Slide Number Placeholder 3"/>
+          <p:cNvSpPr>
+            <a:spLocks noGrp="1"/>
+          </p:cNvSpPr>
+          <p:nvPr>
+            <p:ph type="sldNum" sz="quarter" idx="5"/>
+          </p:nvPr>
+        </p:nvSpPr>
+        <p:spPr/>
+        <p:txBody>
+          <a:bodyPr/>
+          <a:lstStyle/>
+          <a:p>
+            <a:fld id="{2C0DCA6D-1859-1748-A05F-36E826BECB45}" type="slidenum">
+              <a:rPr lang="en-US" smtClean="0"/>
+              <a:t>15</a:t>
+            </a:fld>
+            <a:endParaRPr lang="en-US"/>
+          </a:p>
+        </p:txBody>
+      </p:sp>
+    </p:spTree>
+    <p:extLst>
+      <p:ext uri="{BB962C8B-B14F-4D97-AF65-F5344CB8AC3E}">
+        <p14:creationId xmlns:p14="http://schemas.microsoft.com/office/powerpoint/2010/main" val="1043595501"/>
+      </p:ext>
+    </p:extLst>
+  </p:cSld>
+  <p:clrMapOvr>
+    <a:masterClrMapping/>
+  </p:clrMapOvr>
+</p:notes>
+</file>
+
+<file path=ppt/notesSlides/notesSlide4.xml><?xml version="1.0" encoding="utf-8"?>
+<p:notes xmlns:a="http://schemas.openxmlformats.org/drawingml/2006/main" xmlns:r="http://schemas.openxmlformats.org/officeDocument/2006/relationships" xmlns:p="http://schemas.openxmlformats.org/presentationml/2006/main">
+  <p:cSld>
+    <p:spTree>
+      <p:nvGrpSpPr>
+        <p:cNvPr id="1" name=""/>
+        <p:cNvGrpSpPr/>
+        <p:nvPr/>
+      </p:nvGrpSpPr>
+      <p:grpSpPr>
+        <a:xfrm>
+          <a:off x="0" y="0"/>
+          <a:ext cx="0" cy="0"/>
+          <a:chOff x="0" y="0"/>
+          <a:chExt cx="0" cy="0"/>
+        </a:xfrm>
+      </p:grpSpPr>
+      <p:sp>
+        <p:nvSpPr>
+          <p:cNvPr id="2" name="Slide Image Placeholder 1"/>
+          <p:cNvSpPr>
+            <a:spLocks noGrp="1" noRot="1" noChangeAspect="1"/>
+          </p:cNvSpPr>
+          <p:nvPr>
+            <p:ph type="sldImg"/>
+          </p:nvPr>
+        </p:nvSpPr>
+        <p:spPr/>
+      </p:sp>
+      <p:sp>
+        <p:nvSpPr>
+          <p:cNvPr id="3" name="Notes Placeholder 2"/>
+          <p:cNvSpPr>
+            <a:spLocks noGrp="1"/>
+          </p:cNvSpPr>
+          <p:nvPr>
+            <p:ph type="body" idx="1"/>
+          </p:nvPr>
+        </p:nvSpPr>
+        <p:spPr/>
+        <p:txBody>
+          <a:bodyPr/>
+          <a:lstStyle/>
+          <a:p>
+            <a:pPr marL="0" marR="0" lvl="0" indent="0" algn="l" defTabSz="914400" rtl="0" eaLnBrk="1" fontAlgn="auto" latinLnBrk="0" hangingPunct="1">
+              <a:lnSpc>
+                <a:spcPct val="100000"/>
+              </a:lnSpc>
+              <a:spcBef>
+                <a:spcPts val="0"/>
+              </a:spcBef>
+              <a:spcAft>
+                <a:spcPts val="0"/>
+              </a:spcAft>
+              <a:buClrTx/>
+              <a:buSzTx/>
+              <a:buFontTx/>
+              <a:buNone/>
+              <a:tabLst/>
+              <a:defRPr/>
+            </a:pPr>
+            <a:r>
+              <a:rPr lang="en-US" b="0" i="0" dirty="0">
+                <a:solidFill>
+                  <a:srgbClr val="CCCCCC"/>
+                </a:solidFill>
+                <a:effectLst/>
+                <a:latin typeface="Menlo" panose="020B0609030804020204" pitchFamily="49" charset="0"/>
+              </a:rPr>
+              <a:t>Model Sentiment Score vs. Vader Total Score: {0.1: 31, 0.2: 42, 0.3: 72, 0.4: 83, 0.5: 91, 0.6: 96, 0.7: 97, 0.8: 98, 0.9: 99, 1.0: 100} </a:t>
+            </a:r>
+          </a:p>
+          <a:p>
+            <a:pPr marL="0" marR="0" lvl="0" indent="0" algn="l" defTabSz="914400" rtl="0" eaLnBrk="1" fontAlgn="auto" latinLnBrk="0" hangingPunct="1">
+              <a:lnSpc>
+                <a:spcPct val="100000"/>
+              </a:lnSpc>
+              <a:spcBef>
+                <a:spcPts val="0"/>
+              </a:spcBef>
+              <a:spcAft>
+                <a:spcPts val="0"/>
+              </a:spcAft>
+              <a:buClrTx/>
+              <a:buSzTx/>
+              <a:buFontTx/>
+              <a:buNone/>
+              <a:tabLst/>
+              <a:defRPr/>
+            </a:pPr>
+            <a:r>
+              <a:rPr lang="en-US" b="0" i="0" dirty="0">
+                <a:solidFill>
+                  <a:srgbClr val="CCCCCC"/>
+                </a:solidFill>
+                <a:effectLst/>
+                <a:latin typeface="Menlo" panose="020B0609030804020204" pitchFamily="49" charset="0"/>
+              </a:rPr>
+              <a:t>Model Sentiment Score vs. Vader Total Score: {0.1: 6137, 0.2: 10233, 0.3: 17876, 0.4: 20908, 0.5: 23133, 0.6: 24317, 0.7: 25010, 0.8: 25264, 0.9: 25437, 1.0: 25497} </a:t>
+            </a:r>
+          </a:p>
+          <a:p>
+            <a:pPr marL="0" marR="0" lvl="0" indent="0" algn="l" defTabSz="914400" rtl="0" eaLnBrk="1" fontAlgn="auto" latinLnBrk="0" hangingPunct="1">
+              <a:lnSpc>
+                <a:spcPct val="100000"/>
+              </a:lnSpc>
+              <a:spcBef>
+                <a:spcPts val="0"/>
+              </a:spcBef>
+              <a:spcAft>
+                <a:spcPts val="0"/>
+              </a:spcAft>
+              <a:buClrTx/>
+              <a:buSzTx/>
+              <a:buFontTx/>
+              <a:buNone/>
+              <a:tabLst/>
+              <a:defRPr/>
+            </a:pPr>
+            <a:endParaRPr lang="en-US" b="0" i="0" dirty="0">
+              <a:solidFill>
+                <a:srgbClr val="CCCCCC"/>
+              </a:solidFill>
+              <a:effectLst/>
+              <a:latin typeface="Menlo" panose="020B0609030804020204" pitchFamily="49" charset="0"/>
+            </a:endParaRPr>
+          </a:p>
+          <a:p>
+            <a:endParaRPr lang="en-US" dirty="0"/>
+          </a:p>
+        </p:txBody>
+      </p:sp>
+      <p:sp>
+        <p:nvSpPr>
+          <p:cNvPr id="4" name="Slide Number Placeholder 3"/>
+          <p:cNvSpPr>
+            <a:spLocks noGrp="1"/>
+          </p:cNvSpPr>
+          <p:nvPr>
+            <p:ph type="sldNum" sz="quarter" idx="5"/>
+          </p:nvPr>
+        </p:nvSpPr>
+        <p:spPr/>
+        <p:txBody>
+          <a:bodyPr/>
+          <a:lstStyle/>
+          <a:p>
+            <a:fld id="{2C0DCA6D-1859-1748-A05F-36E826BECB45}" type="slidenum">
+              <a:rPr lang="en-US" smtClean="0"/>
+              <a:t>16</a:t>
+            </a:fld>
+            <a:endParaRPr lang="en-US"/>
+          </a:p>
+        </p:txBody>
+      </p:sp>
+    </p:spTree>
+    <p:extLst>
+      <p:ext uri="{BB962C8B-B14F-4D97-AF65-F5344CB8AC3E}">
+        <p14:creationId xmlns:p14="http://schemas.microsoft.com/office/powerpoint/2010/main" val="356051749"/>
+      </p:ext>
+    </p:extLst>
+  </p:cSld>
+  <p:clrMapOvr>
+    <a:masterClrMapping/>
+  </p:clrMapOvr>
+</p:notes>
+</file>
+
+<file path=ppt/notesSlides/notesSlide5.xml><?xml version="1.0" encoding="utf-8"?>
+<p:notes xmlns:a="http://schemas.openxmlformats.org/drawingml/2006/main" xmlns:r="http://schemas.openxmlformats.org/officeDocument/2006/relationships" xmlns:p="http://schemas.openxmlformats.org/presentationml/2006/main">
+  <p:cSld>
+    <p:spTree>
+      <p:nvGrpSpPr>
+        <p:cNvPr id="1" name=""/>
+        <p:cNvGrpSpPr/>
+        <p:nvPr/>
+      </p:nvGrpSpPr>
+      <p:grpSpPr>
+        <a:xfrm>
+          <a:off x="0" y="0"/>
+          <a:ext cx="0" cy="0"/>
+          <a:chOff x="0" y="0"/>
+          <a:chExt cx="0" cy="0"/>
+        </a:xfrm>
+      </p:grpSpPr>
+      <p:sp>
+        <p:nvSpPr>
+          <p:cNvPr id="2" name="Slide Image Placeholder 1"/>
+          <p:cNvSpPr>
+            <a:spLocks noGrp="1" noRot="1" noChangeAspect="1"/>
+          </p:cNvSpPr>
+          <p:nvPr>
+            <p:ph type="sldImg"/>
+          </p:nvPr>
+        </p:nvSpPr>
+        <p:spPr/>
+      </p:sp>
+      <p:sp>
+        <p:nvSpPr>
+          <p:cNvPr id="3" name="Notes Placeholder 2"/>
+          <p:cNvSpPr>
+            <a:spLocks noGrp="1"/>
+          </p:cNvSpPr>
+          <p:nvPr>
+            <p:ph type="body" idx="1"/>
+          </p:nvPr>
+        </p:nvSpPr>
+        <p:spPr/>
+        <p:txBody>
+          <a:bodyPr/>
+          <a:lstStyle/>
+          <a:p>
+            <a:r>
+              <a:rPr lang="en-US" b="1" dirty="0">
+                <a:solidFill>
+                  <a:srgbClr val="569CD6"/>
+                </a:solidFill>
+                <a:effectLst/>
+                <a:latin typeface="Menlo" panose="020B0609030804020204" pitchFamily="49" charset="0"/>
+              </a:rPr>
+              <a:t># To Summarize: </a:t>
+            </a:r>
+            <a:endParaRPr lang="en-US" b="0" dirty="0">
+              <a:solidFill>
+                <a:srgbClr val="CCCCCC"/>
+              </a:solidFill>
+              <a:effectLst/>
+              <a:latin typeface="Menlo" panose="020B0609030804020204" pitchFamily="49" charset="0"/>
+            </a:endParaRPr>
+          </a:p>
+          <a:p>
+            <a:r>
+              <a:rPr lang="en-US" b="0" dirty="0">
+                <a:solidFill>
+                  <a:srgbClr val="6796E6"/>
+                </a:solidFill>
+                <a:effectLst/>
+                <a:latin typeface="Menlo" panose="020B0609030804020204" pitchFamily="49" charset="0"/>
+              </a:rPr>
+              <a:t>1.</a:t>
+            </a:r>
+            <a:r>
+              <a:rPr lang="en-US" b="0" dirty="0">
+                <a:solidFill>
+                  <a:srgbClr val="CCCCCC"/>
+                </a:solidFill>
+                <a:effectLst/>
+                <a:latin typeface="Menlo" panose="020B0609030804020204" pitchFamily="49" charset="0"/>
+              </a:rPr>
+              <a:t> Objective: We aimed to compare the absolute sentiment difference between your model and VADER's analyzer for articles in the Opinion versus non-Opinion sections.</a:t>
+            </a:r>
+          </a:p>
+          <a:p>
+            <a:r>
+              <a:rPr lang="en-US" b="0" dirty="0">
+                <a:solidFill>
+                  <a:srgbClr val="6796E6"/>
+                </a:solidFill>
+                <a:effectLst/>
+                <a:latin typeface="Menlo" panose="020B0609030804020204" pitchFamily="49" charset="0"/>
+              </a:rPr>
+              <a:t>2.</a:t>
+            </a:r>
+            <a:r>
+              <a:rPr lang="en-US" b="0" dirty="0">
+                <a:solidFill>
+                  <a:srgbClr val="CCCCCC"/>
+                </a:solidFill>
+                <a:effectLst/>
+                <a:latin typeface="Menlo" panose="020B0609030804020204" pitchFamily="49" charset="0"/>
+              </a:rPr>
+              <a:t> Method: We computed the absolute differences between </a:t>
+            </a:r>
+            <a:r>
+              <a:rPr lang="en-US" b="0" dirty="0">
+                <a:solidFill>
+                  <a:srgbClr val="CE9178"/>
+                </a:solidFill>
+                <a:effectLst/>
+                <a:latin typeface="Menlo" panose="020B0609030804020204" pitchFamily="49" charset="0"/>
+              </a:rPr>
+              <a:t>`</a:t>
+            </a:r>
+            <a:r>
+              <a:rPr lang="en-US" b="0" dirty="0" err="1">
+                <a:solidFill>
+                  <a:srgbClr val="CE9178"/>
+                </a:solidFill>
+                <a:effectLst/>
+                <a:latin typeface="Menlo" panose="020B0609030804020204" pitchFamily="49" charset="0"/>
+              </a:rPr>
+              <a:t>model_sentiment_score</a:t>
+            </a:r>
+            <a:r>
+              <a:rPr lang="en-US" b="0" dirty="0">
+                <a:solidFill>
+                  <a:srgbClr val="CE9178"/>
+                </a:solidFill>
+                <a:effectLst/>
+                <a:latin typeface="Menlo" panose="020B0609030804020204" pitchFamily="49" charset="0"/>
+              </a:rPr>
+              <a:t>`</a:t>
+            </a:r>
+            <a:r>
+              <a:rPr lang="en-US" b="0" dirty="0">
+                <a:solidFill>
+                  <a:srgbClr val="CCCCCC"/>
+                </a:solidFill>
+                <a:effectLst/>
+                <a:latin typeface="Menlo" panose="020B0609030804020204" pitchFamily="49" charset="0"/>
+              </a:rPr>
+              <a:t> and </a:t>
+            </a:r>
+            <a:r>
+              <a:rPr lang="en-US" b="0" dirty="0">
+                <a:solidFill>
+                  <a:srgbClr val="CE9178"/>
+                </a:solidFill>
+                <a:effectLst/>
+                <a:latin typeface="Menlo" panose="020B0609030804020204" pitchFamily="49" charset="0"/>
+              </a:rPr>
+              <a:t>`</a:t>
+            </a:r>
+            <a:r>
+              <a:rPr lang="en-US" b="0" dirty="0" err="1">
+                <a:solidFill>
+                  <a:srgbClr val="CE9178"/>
+                </a:solidFill>
+                <a:effectLst/>
+                <a:latin typeface="Menlo" panose="020B0609030804020204" pitchFamily="49" charset="0"/>
+              </a:rPr>
+              <a:t>vader_total_score</a:t>
+            </a:r>
+            <a:r>
+              <a:rPr lang="en-US" b="0" dirty="0">
+                <a:solidFill>
+                  <a:srgbClr val="CE9178"/>
+                </a:solidFill>
+                <a:effectLst/>
+                <a:latin typeface="Menlo" panose="020B0609030804020204" pitchFamily="49" charset="0"/>
+              </a:rPr>
+              <a:t>`</a:t>
+            </a:r>
+            <a:r>
+              <a:rPr lang="en-US" b="0" dirty="0">
+                <a:solidFill>
+                  <a:srgbClr val="CCCCCC"/>
+                </a:solidFill>
+                <a:effectLst/>
+                <a:latin typeface="Menlo" panose="020B0609030804020204" pitchFamily="49" charset="0"/>
+              </a:rPr>
+              <a:t> for each article. Then, we divided the dataset into </a:t>
+            </a:r>
+            <a:r>
+              <a:rPr lang="en-US" b="0" dirty="0">
+                <a:solidFill>
+                  <a:srgbClr val="CE9178"/>
+                </a:solidFill>
+                <a:effectLst/>
+                <a:latin typeface="Menlo" panose="020B0609030804020204" pitchFamily="49" charset="0"/>
+              </a:rPr>
+              <a:t>`Opinion`</a:t>
+            </a:r>
+            <a:r>
+              <a:rPr lang="en-US" b="0" dirty="0">
+                <a:solidFill>
+                  <a:srgbClr val="CCCCCC"/>
+                </a:solidFill>
+                <a:effectLst/>
+                <a:latin typeface="Menlo" panose="020B0609030804020204" pitchFamily="49" charset="0"/>
+              </a:rPr>
+              <a:t> and </a:t>
+            </a:r>
+            <a:r>
+              <a:rPr lang="en-US" b="0" dirty="0">
+                <a:solidFill>
+                  <a:srgbClr val="CE9178"/>
+                </a:solidFill>
+                <a:effectLst/>
+                <a:latin typeface="Menlo" panose="020B0609030804020204" pitchFamily="49" charset="0"/>
+              </a:rPr>
+              <a:t>`non-Opinion`</a:t>
+            </a:r>
+            <a:r>
+              <a:rPr lang="en-US" b="0" dirty="0">
+                <a:solidFill>
+                  <a:srgbClr val="CCCCCC"/>
+                </a:solidFill>
+                <a:effectLst/>
+                <a:latin typeface="Menlo" panose="020B0609030804020204" pitchFamily="49" charset="0"/>
+              </a:rPr>
+              <a:t> categories.</a:t>
+            </a:r>
+          </a:p>
+          <a:p>
+            <a:r>
+              <a:rPr lang="en-US" b="0" dirty="0">
+                <a:solidFill>
+                  <a:srgbClr val="6796E6"/>
+                </a:solidFill>
+                <a:effectLst/>
+                <a:latin typeface="Menlo" panose="020B0609030804020204" pitchFamily="49" charset="0"/>
+              </a:rPr>
+              <a:t>3.</a:t>
+            </a:r>
+            <a:r>
+              <a:rPr lang="en-US" b="0" dirty="0">
+                <a:solidFill>
+                  <a:srgbClr val="CCCCCC"/>
+                </a:solidFill>
+                <a:effectLst/>
+                <a:latin typeface="Menlo" panose="020B0609030804020204" pitchFamily="49" charset="0"/>
+              </a:rPr>
+              <a:t> Statistical Test: We conducted a Mann-Whitney U test to compare the distributions of these absolute differences between </a:t>
+            </a:r>
+            <a:r>
+              <a:rPr lang="en-US" b="0" dirty="0">
+                <a:solidFill>
+                  <a:srgbClr val="CE9178"/>
+                </a:solidFill>
+                <a:effectLst/>
+                <a:latin typeface="Menlo" panose="020B0609030804020204" pitchFamily="49" charset="0"/>
+              </a:rPr>
+              <a:t>`Opinion`</a:t>
+            </a:r>
+            <a:r>
+              <a:rPr lang="en-US" b="0" dirty="0">
+                <a:solidFill>
+                  <a:srgbClr val="CCCCCC"/>
+                </a:solidFill>
+                <a:effectLst/>
+                <a:latin typeface="Menlo" panose="020B0609030804020204" pitchFamily="49" charset="0"/>
+              </a:rPr>
+              <a:t> and </a:t>
+            </a:r>
+            <a:r>
+              <a:rPr lang="en-US" b="0" dirty="0">
+                <a:solidFill>
+                  <a:srgbClr val="CE9178"/>
+                </a:solidFill>
+                <a:effectLst/>
+                <a:latin typeface="Menlo" panose="020B0609030804020204" pitchFamily="49" charset="0"/>
+              </a:rPr>
+              <a:t>`non-Opinion`</a:t>
+            </a:r>
+            <a:r>
+              <a:rPr lang="en-US" b="0" dirty="0">
+                <a:solidFill>
+                  <a:srgbClr val="CCCCCC"/>
+                </a:solidFill>
+                <a:effectLst/>
+                <a:latin typeface="Menlo" panose="020B0609030804020204" pitchFamily="49" charset="0"/>
+              </a:rPr>
+              <a:t> categories.</a:t>
+            </a:r>
+          </a:p>
+          <a:p>
+            <a:r>
+              <a:rPr lang="en-US" b="0" dirty="0">
+                <a:solidFill>
+                  <a:srgbClr val="6796E6"/>
+                </a:solidFill>
+                <a:effectLst/>
+                <a:latin typeface="Menlo" panose="020B0609030804020204" pitchFamily="49" charset="0"/>
+              </a:rPr>
+              <a:t>4.</a:t>
+            </a:r>
+            <a:r>
+              <a:rPr lang="en-US" b="0" dirty="0">
+                <a:solidFill>
+                  <a:srgbClr val="CCCCCC"/>
+                </a:solidFill>
+                <a:effectLst/>
+                <a:latin typeface="Menlo" panose="020B0609030804020204" pitchFamily="49" charset="0"/>
+              </a:rPr>
+              <a:t> Result: The p-value obtained from the test was $</a:t>
+            </a:r>
+            <a:r>
+              <a:rPr lang="en-US" b="0" dirty="0">
+                <a:solidFill>
+                  <a:srgbClr val="B5CEA8"/>
+                </a:solidFill>
+                <a:effectLst/>
+                <a:latin typeface="Menlo" panose="020B0609030804020204" pitchFamily="49" charset="0"/>
+              </a:rPr>
+              <a:t>0.0976</a:t>
+            </a:r>
+            <a:r>
+              <a:rPr lang="en-US" b="0" dirty="0">
+                <a:solidFill>
+                  <a:srgbClr val="CCCCCC"/>
+                </a:solidFill>
+                <a:effectLst/>
+                <a:latin typeface="Menlo" panose="020B0609030804020204" pitchFamily="49" charset="0"/>
+              </a:rPr>
+              <a:t>$, which is less than our chosen $</a:t>
+            </a:r>
+            <a:r>
+              <a:rPr lang="en-US" b="0" dirty="0">
+                <a:solidFill>
+                  <a:srgbClr val="569CD6"/>
+                </a:solidFill>
+                <a:effectLst/>
+                <a:latin typeface="Menlo" panose="020B0609030804020204" pitchFamily="49" charset="0"/>
+              </a:rPr>
+              <a:t>\alpha</a:t>
+            </a:r>
+            <a:r>
+              <a:rPr lang="en-US" b="0" dirty="0">
+                <a:solidFill>
+                  <a:srgbClr val="CCCCCC"/>
+                </a:solidFill>
+                <a:effectLst/>
+                <a:latin typeface="Menlo" panose="020B0609030804020204" pitchFamily="49" charset="0"/>
+              </a:rPr>
+              <a:t>$ significance level of $</a:t>
+            </a:r>
+            <a:r>
+              <a:rPr lang="en-US" b="0" dirty="0">
+                <a:solidFill>
+                  <a:srgbClr val="B5CEA8"/>
+                </a:solidFill>
+                <a:effectLst/>
+                <a:latin typeface="Menlo" panose="020B0609030804020204" pitchFamily="49" charset="0"/>
+              </a:rPr>
+              <a:t>0.1</a:t>
+            </a:r>
+            <a:r>
+              <a:rPr lang="en-US" b="0" dirty="0">
+                <a:solidFill>
+                  <a:srgbClr val="CCCCCC"/>
+                </a:solidFill>
+                <a:effectLst/>
+                <a:latin typeface="Menlo" panose="020B0609030804020204" pitchFamily="49" charset="0"/>
+              </a:rPr>
+              <a:t>$.</a:t>
+            </a:r>
+          </a:p>
+          <a:p>
+            <a:r>
+              <a:rPr lang="en-US" b="0" dirty="0">
+                <a:solidFill>
+                  <a:srgbClr val="6796E6"/>
+                </a:solidFill>
+                <a:effectLst/>
+                <a:latin typeface="Menlo" panose="020B0609030804020204" pitchFamily="49" charset="0"/>
+              </a:rPr>
+              <a:t>5.</a:t>
+            </a:r>
+            <a:r>
+              <a:rPr lang="en-US" b="0" dirty="0">
+                <a:solidFill>
+                  <a:srgbClr val="CCCCCC"/>
+                </a:solidFill>
+                <a:effectLst/>
+                <a:latin typeface="Menlo" panose="020B0609030804020204" pitchFamily="49" charset="0"/>
+              </a:rPr>
+              <a:t> Conclusion: With a p-value less than $</a:t>
+            </a:r>
+            <a:r>
+              <a:rPr lang="en-US" b="0" dirty="0">
+                <a:solidFill>
+                  <a:srgbClr val="569CD6"/>
+                </a:solidFill>
+                <a:effectLst/>
+                <a:latin typeface="Menlo" panose="020B0609030804020204" pitchFamily="49" charset="0"/>
+              </a:rPr>
+              <a:t>\alpha</a:t>
+            </a:r>
+            <a:r>
+              <a:rPr lang="en-US" b="0" dirty="0">
+                <a:solidFill>
+                  <a:srgbClr val="CCCCCC"/>
+                </a:solidFill>
+                <a:effectLst/>
+                <a:latin typeface="Menlo" panose="020B0609030804020204" pitchFamily="49" charset="0"/>
+              </a:rPr>
+              <a:t>$, we rejected the null hypothesis. This implies that there was a statistically significant difference in the absolute sentiment differences of BEAST's and VADER's analyzer for distinguishing between </a:t>
+            </a:r>
+            <a:r>
+              <a:rPr lang="en-US" b="0" dirty="0">
+                <a:solidFill>
+                  <a:srgbClr val="CE9178"/>
+                </a:solidFill>
+                <a:effectLst/>
+                <a:latin typeface="Menlo" panose="020B0609030804020204" pitchFamily="49" charset="0"/>
+              </a:rPr>
+              <a:t>`Opinion`</a:t>
+            </a:r>
+            <a:r>
+              <a:rPr lang="en-US" b="0" dirty="0">
+                <a:solidFill>
+                  <a:srgbClr val="CCCCCC"/>
+                </a:solidFill>
+                <a:effectLst/>
+                <a:latin typeface="Menlo" panose="020B0609030804020204" pitchFamily="49" charset="0"/>
+              </a:rPr>
+              <a:t> versus </a:t>
+            </a:r>
+            <a:r>
+              <a:rPr lang="en-US" b="0" dirty="0">
+                <a:solidFill>
+                  <a:srgbClr val="CE9178"/>
+                </a:solidFill>
+                <a:effectLst/>
+                <a:latin typeface="Menlo" panose="020B0609030804020204" pitchFamily="49" charset="0"/>
+              </a:rPr>
+              <a:t>`non-Opinion`</a:t>
+            </a:r>
+            <a:r>
+              <a:rPr lang="en-US" b="0" dirty="0">
+                <a:solidFill>
+                  <a:srgbClr val="CCCCCC"/>
+                </a:solidFill>
+                <a:effectLst/>
+                <a:latin typeface="Menlo" panose="020B0609030804020204" pitchFamily="49" charset="0"/>
+              </a:rPr>
+              <a:t> sections.</a:t>
+            </a:r>
+          </a:p>
+          <a:p>
+            <a:r>
+              <a:rPr lang="en-US" b="0" dirty="0">
+                <a:solidFill>
+                  <a:srgbClr val="6796E6"/>
+                </a:solidFill>
+                <a:effectLst/>
+                <a:latin typeface="Menlo" panose="020B0609030804020204" pitchFamily="49" charset="0"/>
+              </a:rPr>
+              <a:t>6.</a:t>
+            </a:r>
+            <a:r>
+              <a:rPr lang="en-US" b="0" dirty="0">
+                <a:solidFill>
+                  <a:srgbClr val="CCCCCC"/>
+                </a:solidFill>
+                <a:effectLst/>
+                <a:latin typeface="Menlo" panose="020B0609030804020204" pitchFamily="49" charset="0"/>
+              </a:rPr>
+              <a:t> This conclusion suggests that there is evidence to support that the absolute differences between our model and VADER's analyzer vary significantly depending on whether the articles are from the </a:t>
+            </a:r>
+            <a:r>
+              <a:rPr lang="en-US" b="0" dirty="0">
+                <a:solidFill>
+                  <a:srgbClr val="CE9178"/>
+                </a:solidFill>
+                <a:effectLst/>
+                <a:latin typeface="Menlo" panose="020B0609030804020204" pitchFamily="49" charset="0"/>
+              </a:rPr>
+              <a:t>`Opinion`</a:t>
+            </a:r>
+            <a:r>
+              <a:rPr lang="en-US" b="0" dirty="0">
+                <a:solidFill>
+                  <a:srgbClr val="CCCCCC"/>
+                </a:solidFill>
+                <a:effectLst/>
+                <a:latin typeface="Menlo" panose="020B0609030804020204" pitchFamily="49" charset="0"/>
+              </a:rPr>
+              <a:t> or </a:t>
+            </a:r>
+            <a:r>
+              <a:rPr lang="en-US" b="0" dirty="0">
+                <a:solidFill>
+                  <a:srgbClr val="CE9178"/>
+                </a:solidFill>
+                <a:effectLst/>
+                <a:latin typeface="Menlo" panose="020B0609030804020204" pitchFamily="49" charset="0"/>
+              </a:rPr>
+              <a:t>`non-Opinion`</a:t>
+            </a:r>
+            <a:r>
+              <a:rPr lang="en-US" b="0" dirty="0">
+                <a:solidFill>
+                  <a:srgbClr val="CCCCCC"/>
+                </a:solidFill>
+                <a:effectLst/>
+                <a:latin typeface="Menlo" panose="020B0609030804020204" pitchFamily="49" charset="0"/>
+              </a:rPr>
+              <a:t> sections. In this way we can determine if the article came from an </a:t>
+            </a:r>
+            <a:r>
+              <a:rPr lang="en-US" b="0" dirty="0">
+                <a:solidFill>
+                  <a:srgbClr val="CE9178"/>
+                </a:solidFill>
+                <a:effectLst/>
+                <a:latin typeface="Menlo" panose="020B0609030804020204" pitchFamily="49" charset="0"/>
+              </a:rPr>
+              <a:t>`Opinion`</a:t>
+            </a:r>
+            <a:r>
+              <a:rPr lang="en-US" b="0" dirty="0">
+                <a:solidFill>
+                  <a:srgbClr val="CCCCCC"/>
+                </a:solidFill>
+                <a:effectLst/>
+                <a:latin typeface="Menlo" panose="020B0609030804020204" pitchFamily="49" charset="0"/>
+              </a:rPr>
+              <a:t> section versus </a:t>
+            </a:r>
+            <a:r>
+              <a:rPr lang="en-US" b="0" dirty="0">
+                <a:solidFill>
+                  <a:srgbClr val="CE9178"/>
+                </a:solidFill>
+                <a:effectLst/>
+                <a:latin typeface="Menlo" panose="020B0609030804020204" pitchFamily="49" charset="0"/>
+              </a:rPr>
+              <a:t>`non-Opinion`</a:t>
+            </a:r>
+            <a:r>
+              <a:rPr lang="en-US" b="0" dirty="0">
+                <a:solidFill>
+                  <a:srgbClr val="CCCCCC"/>
+                </a:solidFill>
+                <a:effectLst/>
+                <a:latin typeface="Menlo" panose="020B0609030804020204" pitchFamily="49" charset="0"/>
+              </a:rPr>
+              <a:t> section based on absolute differences between analyzers alone. However, we may also utilize our binary classification model without having to rely upon sentiment information. </a:t>
+            </a:r>
+          </a:p>
+          <a:p>
+            <a:r>
+              <a:rPr lang="en-US" b="0" dirty="0">
+                <a:solidFill>
+                  <a:srgbClr val="6796E6"/>
+                </a:solidFill>
+                <a:effectLst/>
+                <a:latin typeface="Menlo" panose="020B0609030804020204" pitchFamily="49" charset="0"/>
+              </a:rPr>
+              <a:t>7.</a:t>
+            </a:r>
+            <a:r>
+              <a:rPr lang="en-US" b="0" dirty="0">
+                <a:solidFill>
+                  <a:srgbClr val="CCCCCC"/>
+                </a:solidFill>
+                <a:effectLst/>
+                <a:latin typeface="Menlo" panose="020B0609030804020204" pitchFamily="49" charset="0"/>
+              </a:rPr>
+              <a:t> Done individually, these scores ALONE provided no statistically significant information regarding whether, based on score alone from either analyzer, a given abstract/headline originated from an article in the </a:t>
+            </a:r>
+            <a:r>
+              <a:rPr lang="en-US" b="0" dirty="0">
+                <a:solidFill>
+                  <a:srgbClr val="CE9178"/>
+                </a:solidFill>
+                <a:effectLst/>
+                <a:latin typeface="Menlo" panose="020B0609030804020204" pitchFamily="49" charset="0"/>
+              </a:rPr>
+              <a:t>`Opinion`</a:t>
+            </a:r>
+            <a:r>
+              <a:rPr lang="en-US" b="0" dirty="0">
+                <a:solidFill>
+                  <a:srgbClr val="CCCCCC"/>
+                </a:solidFill>
+                <a:effectLst/>
+                <a:latin typeface="Menlo" panose="020B0609030804020204" pitchFamily="49" charset="0"/>
+              </a:rPr>
+              <a:t> section nor an article from the </a:t>
+            </a:r>
+            <a:r>
+              <a:rPr lang="en-US" b="0" dirty="0">
+                <a:solidFill>
+                  <a:srgbClr val="CE9178"/>
+                </a:solidFill>
+                <a:effectLst/>
+                <a:latin typeface="Menlo" panose="020B0609030804020204" pitchFamily="49" charset="0"/>
+              </a:rPr>
+              <a:t>`non-Opinion`</a:t>
+            </a:r>
+            <a:r>
+              <a:rPr lang="en-US" b="0" dirty="0">
+                <a:solidFill>
+                  <a:srgbClr val="CCCCCC"/>
+                </a:solidFill>
+                <a:effectLst/>
+                <a:latin typeface="Menlo" panose="020B0609030804020204" pitchFamily="49" charset="0"/>
+              </a:rPr>
+              <a:t> section. </a:t>
+            </a:r>
+          </a:p>
+          <a:p>
+            <a:br>
+              <a:rPr lang="en-US" b="0" dirty="0">
+                <a:solidFill>
+                  <a:srgbClr val="CCCCCC"/>
+                </a:solidFill>
+                <a:effectLst/>
+                <a:latin typeface="Menlo" panose="020B0609030804020204" pitchFamily="49" charset="0"/>
+              </a:rPr>
+            </a:br>
+            <a:r>
+              <a:rPr lang="en-US" b="0" dirty="0">
+                <a:solidFill>
+                  <a:srgbClr val="CCCCCC"/>
+                </a:solidFill>
+                <a:effectLst/>
+                <a:latin typeface="Menlo" panose="020B0609030804020204" pitchFamily="49" charset="0"/>
+              </a:rPr>
+              <a:t>Moreover, paired with one of our classification models, depending on which one was chosen, there would be a $</a:t>
+            </a:r>
+            <a:r>
+              <a:rPr lang="en-US" b="0" dirty="0">
+                <a:solidFill>
+                  <a:srgbClr val="B5CEA8"/>
+                </a:solidFill>
+                <a:effectLst/>
+                <a:latin typeface="Menlo" panose="020B0609030804020204" pitchFamily="49" charset="0"/>
+              </a:rPr>
+              <a:t>95</a:t>
+            </a:r>
+            <a:r>
+              <a:rPr lang="en-US" b="0" dirty="0">
+                <a:solidFill>
+                  <a:srgbClr val="D4D4D4"/>
+                </a:solidFill>
+                <a:effectLst/>
+                <a:latin typeface="Menlo" panose="020B0609030804020204" pitchFamily="49" charset="0"/>
+              </a:rPr>
+              <a:t>\%</a:t>
+            </a:r>
+            <a:r>
+              <a:rPr lang="en-US" b="0" dirty="0">
+                <a:solidFill>
+                  <a:srgbClr val="CCCCCC"/>
+                </a:solidFill>
+                <a:effectLst/>
+                <a:latin typeface="Menlo" panose="020B0609030804020204" pitchFamily="49" charset="0"/>
+              </a:rPr>
+              <a:t>$ specificity rate and you would be able to distinguish which category these abstracts/headlines came from with only a $</a:t>
+            </a:r>
+            <a:r>
+              <a:rPr lang="en-US" b="0" dirty="0">
+                <a:solidFill>
+                  <a:srgbClr val="569CD6"/>
+                </a:solidFill>
+                <a:effectLst/>
+                <a:latin typeface="Menlo" panose="020B0609030804020204" pitchFamily="49" charset="0"/>
+              </a:rPr>
+              <a:t>\sim</a:t>
+            </a:r>
+            <a:r>
+              <a:rPr lang="en-US" b="0" dirty="0">
+                <a:solidFill>
+                  <a:srgbClr val="D4D4D4"/>
+                </a:solidFill>
+                <a:effectLst/>
+                <a:latin typeface="Menlo" panose="020B0609030804020204" pitchFamily="49" charset="0"/>
+              </a:rPr>
+              <a:t> </a:t>
+            </a:r>
+            <a:r>
+              <a:rPr lang="en-US" b="0" dirty="0">
+                <a:solidFill>
+                  <a:srgbClr val="B5CEA8"/>
+                </a:solidFill>
+                <a:effectLst/>
+                <a:latin typeface="Menlo" panose="020B0609030804020204" pitchFamily="49" charset="0"/>
+              </a:rPr>
+              <a:t>10</a:t>
+            </a:r>
+            <a:r>
+              <a:rPr lang="en-US" b="0" dirty="0">
+                <a:solidFill>
+                  <a:srgbClr val="D4D4D4"/>
+                </a:solidFill>
+                <a:effectLst/>
+                <a:latin typeface="Menlo" panose="020B0609030804020204" pitchFamily="49" charset="0"/>
+              </a:rPr>
+              <a:t>\%</a:t>
+            </a:r>
+            <a:r>
+              <a:rPr lang="en-US" b="0" dirty="0">
+                <a:solidFill>
+                  <a:srgbClr val="CCCCCC"/>
+                </a:solidFill>
+                <a:effectLst/>
+                <a:latin typeface="Menlo" panose="020B0609030804020204" pitchFamily="49" charset="0"/>
+              </a:rPr>
+              <a:t>$ of being incorrect (the current misclassification rate). When we put all of these classification models, neural network models, and sentiment analyzers together the results are incredibly promising as we begin to understand how tendency towards bias may be understood. </a:t>
+            </a:r>
+          </a:p>
+          <a:p>
+            <a:endParaRPr lang="en-US" dirty="0"/>
+          </a:p>
+        </p:txBody>
+      </p:sp>
+      <p:sp>
+        <p:nvSpPr>
+          <p:cNvPr id="4" name="Slide Number Placeholder 3"/>
+          <p:cNvSpPr>
+            <a:spLocks noGrp="1"/>
+          </p:cNvSpPr>
+          <p:nvPr>
+            <p:ph type="sldNum" sz="quarter" idx="5"/>
+          </p:nvPr>
+        </p:nvSpPr>
+        <p:spPr/>
+        <p:txBody>
+          <a:bodyPr/>
+          <a:lstStyle/>
+          <a:p>
+            <a:fld id="{2C0DCA6D-1859-1748-A05F-36E826BECB45}" type="slidenum">
+              <a:rPr lang="en-US" smtClean="0"/>
+              <a:t>17</a:t>
+            </a:fld>
+            <a:endParaRPr lang="en-US"/>
+          </a:p>
+        </p:txBody>
+      </p:sp>
+    </p:spTree>
+    <p:extLst>
+      <p:ext uri="{BB962C8B-B14F-4D97-AF65-F5344CB8AC3E}">
+        <p14:creationId xmlns:p14="http://schemas.microsoft.com/office/powerpoint/2010/main" val="96915100"/>
       </p:ext>
     </p:extLst>
   </p:cSld>
@@ -6053,7 +7024,16 @@
                 <a:latin typeface="Times New Roman" panose="02020603050405020304" pitchFamily="18" charset="0"/>
                 <a:cs typeface="Times New Roman" panose="02020603050405020304" pitchFamily="18" charset="0"/>
               </a:rPr>
-              <a:t>KDE Plots,  A/B Testing Results</a:t>
+              <a:t>KDE Plots looking at absolute differences between NN model and LF function, BEAST and VADER sentiment analyzers</a:t>
+            </a:r>
+          </a:p>
+          <a:p>
+            <a:r>
+              <a:rPr lang="en-US" dirty="0">
+                <a:latin typeface="Times New Roman" panose="02020603050405020304" pitchFamily="18" charset="0"/>
+                <a:cs typeface="Times New Roman" panose="02020603050405020304" pitchFamily="18" charset="0"/>
+              </a:rPr>
+              <a:t>A/B Testing Results looking at absolute difference, BEAST and VADER sentiment scores individually. </a:t>
             </a:r>
           </a:p>
         </p:txBody>
@@ -6093,7 +7073,7 @@
           <p:cNvPr id="2" name="Title 1">
             <a:extLst>
               <a:ext uri="{FF2B5EF4-FFF2-40B4-BE49-F238E27FC236}">
-                <a16:creationId xmlns:a16="http://schemas.microsoft.com/office/drawing/2014/main" id="{E568FC30-8B85-FDF8-AB85-F42AE8053BD6}"/>
+                <a16:creationId xmlns:a16="http://schemas.microsoft.com/office/drawing/2014/main" id="{D9B8854F-6798-9024-8190-C63ABA131F0D}"/>
               </a:ext>
             </a:extLst>
           </p:cNvPr>
@@ -6109,124 +7089,80 @@
           <a:bodyPr/>
           <a:lstStyle/>
           <a:p>
+            <a:pPr algn="ctr"/>
             <a:r>
               <a:rPr lang="en-US" dirty="0">
                 <a:latin typeface="Times New Roman" panose="02020603050405020304" pitchFamily="18" charset="0"/>
                 <a:cs typeface="Times New Roman" panose="02020603050405020304" pitchFamily="18" charset="0"/>
               </a:rPr>
-              <a:t>Recommendations and Guidance</a:t>
-            </a:r>
-          </a:p>
-        </p:txBody>
-      </p:sp>
-      <p:sp>
-        <p:nvSpPr>
-          <p:cNvPr id="3" name="Content Placeholder 2">
-            <a:extLst>
-              <a:ext uri="{FF2B5EF4-FFF2-40B4-BE49-F238E27FC236}">
-                <a16:creationId xmlns:a16="http://schemas.microsoft.com/office/drawing/2014/main" id="{A4374351-9E2A-DEE3-317F-E48DB8696262}"/>
-              </a:ext>
-            </a:extLst>
-          </p:cNvPr>
-          <p:cNvSpPr>
-            <a:spLocks noGrp="1"/>
-          </p:cNvSpPr>
+              <a:t>Kernel Density Plots – Neural Net Model versus Labeling Function </a:t>
+            </a:r>
+          </a:p>
+        </p:txBody>
+      </p:sp>
+      <p:pic>
+        <p:nvPicPr>
+          <p:cNvPr id="5" name="Content Placeholder 4" descr="A green and white graph&#10;&#10;Description automatically generated">
+            <a:extLst>
+              <a:ext uri="{FF2B5EF4-FFF2-40B4-BE49-F238E27FC236}">
+                <a16:creationId xmlns:a16="http://schemas.microsoft.com/office/drawing/2014/main" id="{86DD69BB-E248-8765-77FD-F38CB2A83347}"/>
+              </a:ext>
+            </a:extLst>
+          </p:cNvPr>
+          <p:cNvPicPr>
+            <a:picLocks noGrp="1" noChangeAspect="1"/>
+          </p:cNvPicPr>
           <p:nvPr>
             <p:ph idx="1"/>
           </p:nvPr>
-        </p:nvSpPr>
-        <p:spPr/>
-        <p:txBody>
-          <a:bodyPr>
-            <a:normAutofit lnSpcReduction="10000"/>
-          </a:bodyPr>
-          <a:lstStyle/>
-          <a:p>
-            <a:r>
-              <a:rPr lang="en-US" dirty="0">
-                <a:latin typeface="Times New Roman" panose="02020603050405020304" pitchFamily="18" charset="0"/>
-                <a:cs typeface="Times New Roman" panose="02020603050405020304" pitchFamily="18" charset="0"/>
-              </a:rPr>
-              <a:t>Develop labeling functions and other word encoding algorithms for further optimization.</a:t>
-            </a:r>
-          </a:p>
-          <a:p>
-            <a:pPr indent="0">
-              <a:buNone/>
-            </a:pPr>
-            <a:r>
-              <a:rPr lang="en-US" dirty="0">
-                <a:latin typeface="Times New Roman" panose="02020603050405020304" pitchFamily="18" charset="0"/>
-                <a:cs typeface="Times New Roman" panose="02020603050405020304" pitchFamily="18" charset="0"/>
-              </a:rPr>
-              <a:t>	Hand Label a greater expanse of samples to acquire more detailed and 		meaningful Snorkel summary statistics. </a:t>
-            </a:r>
-          </a:p>
-          <a:p>
-            <a:r>
-              <a:rPr lang="en-US" dirty="0">
-                <a:latin typeface="Times New Roman" panose="02020603050405020304" pitchFamily="18" charset="0"/>
-                <a:cs typeface="Times New Roman" panose="02020603050405020304" pitchFamily="18" charset="0"/>
-              </a:rPr>
-              <a:t>Continue to advance hardware capabilities to develop Neural Network models further.</a:t>
-            </a:r>
-          </a:p>
-          <a:p>
-            <a:pPr lvl="2" indent="0">
-              <a:buNone/>
-            </a:pPr>
-            <a:r>
-              <a:rPr lang="en-US" sz="2000" i="0" dirty="0">
-                <a:latin typeface="Times New Roman" panose="02020603050405020304" pitchFamily="18" charset="0"/>
-                <a:cs typeface="Times New Roman" panose="02020603050405020304" pitchFamily="18" charset="0"/>
-              </a:rPr>
-              <a:t>    	Switch to Microsoft and NVIDIA GPU.</a:t>
-            </a:r>
-          </a:p>
-          <a:p>
-            <a:pPr lvl="1"/>
-            <a:endParaRPr lang="en-US" sz="2600" i="0" dirty="0">
-              <a:latin typeface="Times New Roman" panose="02020603050405020304" pitchFamily="18" charset="0"/>
-              <a:cs typeface="Times New Roman" panose="02020603050405020304" pitchFamily="18" charset="0"/>
-            </a:endParaRPr>
-          </a:p>
-          <a:p>
-            <a:pPr indent="0" algn="ctr">
-              <a:buNone/>
-            </a:pPr>
-            <a:r>
-              <a:rPr lang="en-US" b="1" dirty="0">
-                <a:solidFill>
-                  <a:srgbClr val="FF0000"/>
-                </a:solidFill>
-                <a:latin typeface="Times New Roman" panose="02020603050405020304" pitchFamily="18" charset="0"/>
-                <a:cs typeface="Times New Roman" panose="02020603050405020304" pitchFamily="18" charset="0"/>
-              </a:rPr>
-              <a:t>Apply these labeling functions to other well-defined problems such as customer service evaluations, prescription drug side-effect forms, crowd surfing surveys, etc.</a:t>
-            </a:r>
-            <a:endParaRPr lang="en-US" b="1" i="0" dirty="0">
-              <a:solidFill>
-                <a:srgbClr val="FF0000"/>
-              </a:solidFill>
-              <a:latin typeface="Times New Roman" panose="02020603050405020304" pitchFamily="18" charset="0"/>
-              <a:cs typeface="Times New Roman" panose="02020603050405020304" pitchFamily="18" charset="0"/>
-            </a:endParaRPr>
-          </a:p>
-          <a:p>
-            <a:pPr marL="0" indent="0">
-              <a:buNone/>
-            </a:pPr>
-            <a:endParaRPr lang="en-US" dirty="0">
-              <a:latin typeface="Times New Roman" panose="02020603050405020304" pitchFamily="18" charset="0"/>
-              <a:cs typeface="Times New Roman" panose="02020603050405020304" pitchFamily="18" charset="0"/>
-            </a:endParaRPr>
-          </a:p>
-        </p:txBody>
-      </p:sp>
+        </p:nvPicPr>
+        <p:blipFill>
+          <a:blip r:embed="rId3"/>
+          <a:stretch>
+            <a:fillRect/>
+          </a:stretch>
+        </p:blipFill>
+        <p:spPr>
+          <a:xfrm>
+            <a:off x="0" y="2417953"/>
+            <a:ext cx="5527662" cy="3567112"/>
+          </a:xfrm>
+        </p:spPr>
+      </p:pic>
+      <p:pic>
+        <p:nvPicPr>
+          <p:cNvPr id="7" name="Picture 6" descr="A green line graph with white text&#10;&#10;Description automatically generated">
+            <a:extLst>
+              <a:ext uri="{FF2B5EF4-FFF2-40B4-BE49-F238E27FC236}">
+                <a16:creationId xmlns:a16="http://schemas.microsoft.com/office/drawing/2014/main" id="{F62F0CFC-4EA3-F7AC-B10C-293A9946395A}"/>
+              </a:ext>
+            </a:extLst>
+          </p:cNvPr>
+          <p:cNvPicPr>
+            <a:picLocks noChangeAspect="1"/>
+          </p:cNvPicPr>
+          <p:nvPr/>
+        </p:nvPicPr>
+        <p:blipFill>
+          <a:blip r:embed="rId4"/>
+          <a:stretch>
+            <a:fillRect/>
+          </a:stretch>
+        </p:blipFill>
+        <p:spPr>
+          <a:xfrm>
+            <a:off x="6755103" y="2417952"/>
+            <a:ext cx="5436897" cy="3567113"/>
+          </a:xfrm>
+          <a:prstGeom prst="rect">
+            <a:avLst/>
+          </a:prstGeom>
+        </p:spPr>
+      </p:pic>
     </p:spTree>
     <p:extLst>
       <p:ext uri="{BB962C8B-B14F-4D97-AF65-F5344CB8AC3E}">
-        <p14:creationId xmlns:p14="http://schemas.microsoft.com/office/powerpoint/2010/main" val="4207199468"/>
+        <p14:creationId xmlns:p14="http://schemas.microsoft.com/office/powerpoint/2010/main" val="1851191776"/>
       </p:ext>
     </p:extLst>
   </p:cSld>
@@ -6258,7 +7194,7 @@
           <p:cNvPr id="2" name="Title 1">
             <a:extLst>
               <a:ext uri="{FF2B5EF4-FFF2-40B4-BE49-F238E27FC236}">
-                <a16:creationId xmlns:a16="http://schemas.microsoft.com/office/drawing/2014/main" id="{00AC1E3A-6835-16A0-6E5A-E26C908FD143}"/>
+                <a16:creationId xmlns:a16="http://schemas.microsoft.com/office/drawing/2014/main" id="{584DEE2A-3327-32A4-F61C-B7F997E2A804}"/>
               </a:ext>
             </a:extLst>
           </p:cNvPr>
@@ -6274,51 +7210,81 @@
           <a:bodyPr/>
           <a:lstStyle/>
           <a:p>
+            <a:pPr algn="ctr"/>
             <a:r>
               <a:rPr lang="en-US" dirty="0">
                 <a:latin typeface="Times New Roman" panose="02020603050405020304" pitchFamily="18" charset="0"/>
                 <a:cs typeface="Times New Roman" panose="02020603050405020304" pitchFamily="18" charset="0"/>
               </a:rPr>
-              <a:t>Peering Into the Future</a:t>
-            </a:r>
-          </a:p>
-        </p:txBody>
-      </p:sp>
-      <p:sp>
-        <p:nvSpPr>
-          <p:cNvPr id="3" name="Content Placeholder 2">
-            <a:extLst>
-              <a:ext uri="{FF2B5EF4-FFF2-40B4-BE49-F238E27FC236}">
-                <a16:creationId xmlns:a16="http://schemas.microsoft.com/office/drawing/2014/main" id="{7EAA7B9E-0F18-9EA3-A7FC-C3B72D13CCEC}"/>
-              </a:ext>
-            </a:extLst>
-          </p:cNvPr>
-          <p:cNvSpPr>
-            <a:spLocks noGrp="1"/>
-          </p:cNvSpPr>
+              <a:t>Kernel Density Plots – BEAST versus VADER</a:t>
+            </a:r>
+            <a:endParaRPr lang="en-US" dirty="0"/>
+          </a:p>
+        </p:txBody>
+      </p:sp>
+      <p:pic>
+        <p:nvPicPr>
+          <p:cNvPr id="5" name="Content Placeholder 4" descr="A graph of a function&#10;&#10;Description automatically generated with medium confidence">
+            <a:extLst>
+              <a:ext uri="{FF2B5EF4-FFF2-40B4-BE49-F238E27FC236}">
+                <a16:creationId xmlns:a16="http://schemas.microsoft.com/office/drawing/2014/main" id="{0EAEFFA9-40A1-CDDF-DE47-B8DBB81F1D67}"/>
+              </a:ext>
+            </a:extLst>
+          </p:cNvPr>
+          <p:cNvPicPr>
+            <a:picLocks noGrp="1" noChangeAspect="1"/>
+          </p:cNvPicPr>
           <p:nvPr>
             <p:ph idx="1"/>
           </p:nvPr>
-        </p:nvSpPr>
-        <p:spPr/>
-        <p:txBody>
-          <a:bodyPr/>
-          <a:lstStyle/>
-          <a:p>
-            <a:r>
-              <a:rPr lang="en-US" dirty="0">
-                <a:latin typeface="Times New Roman" panose="02020603050405020304" pitchFamily="18" charset="0"/>
-                <a:cs typeface="Times New Roman" panose="02020603050405020304" pitchFamily="18" charset="0"/>
-              </a:rPr>
-              <a:t>Instead of binary Word2Vec labeling, qubits (0 or 1 quantum superposition principle) exhibit entanglement and calculate BIASED or UNBIASED labels in effective real-time response. </a:t>
-            </a:r>
-          </a:p>
-        </p:txBody>
-      </p:sp>
+        </p:nvPicPr>
+        <p:blipFill>
+          <a:blip r:embed="rId3"/>
+          <a:stretch>
+            <a:fillRect/>
+          </a:stretch>
+        </p:blipFill>
+        <p:spPr>
+          <a:xfrm>
+            <a:off x="0" y="2233833"/>
+            <a:ext cx="5582121" cy="3567112"/>
+          </a:xfrm>
+        </p:spPr>
+      </p:pic>
+      <p:pic>
+        <p:nvPicPr>
+          <p:cNvPr id="7" name="Picture 6" descr="A graph of a graph&#10;&#10;Description automatically generated with medium confidence">
+            <a:extLst>
+              <a:ext uri="{FF2B5EF4-FFF2-40B4-BE49-F238E27FC236}">
+                <a16:creationId xmlns:a16="http://schemas.microsoft.com/office/drawing/2014/main" id="{08575783-A7EF-CFD3-C02C-904C69340E66}"/>
+              </a:ext>
+            </a:extLst>
+          </p:cNvPr>
+          <p:cNvPicPr>
+            <a:picLocks noChangeAspect="1"/>
+          </p:cNvPicPr>
+          <p:nvPr/>
+        </p:nvPicPr>
+        <p:blipFill>
+          <a:blip r:embed="rId4"/>
+          <a:stretch>
+            <a:fillRect/>
+          </a:stretch>
+        </p:blipFill>
+        <p:spPr>
+          <a:xfrm>
+            <a:off x="6664337" y="2233833"/>
+            <a:ext cx="5527662" cy="3567112"/>
+          </a:xfrm>
+          <a:prstGeom prst="rect">
+            <a:avLst/>
+          </a:prstGeom>
+        </p:spPr>
+      </p:pic>
     </p:spTree>
     <p:extLst>
       <p:ext uri="{BB962C8B-B14F-4D97-AF65-F5344CB8AC3E}">
-        <p14:creationId xmlns:p14="http://schemas.microsoft.com/office/powerpoint/2010/main" val="1648180415"/>
+        <p14:creationId xmlns:p14="http://schemas.microsoft.com/office/powerpoint/2010/main" val="3498067375"/>
       </p:ext>
     </p:extLst>
   </p:cSld>
@@ -6350,7 +7316,7 @@
           <p:cNvPr id="2" name="Title 1">
             <a:extLst>
               <a:ext uri="{FF2B5EF4-FFF2-40B4-BE49-F238E27FC236}">
-                <a16:creationId xmlns:a16="http://schemas.microsoft.com/office/drawing/2014/main" id="{23737E6A-5CEF-EB8F-7484-1E88444C3D6D}"/>
+                <a16:creationId xmlns:a16="http://schemas.microsoft.com/office/drawing/2014/main" id="{0D91CE88-298E-BCDF-B58D-18D526B379A9}"/>
               </a:ext>
             </a:extLst>
           </p:cNvPr>
@@ -6361,17 +7327,23 @@
             <p:ph type="title"/>
           </p:nvPr>
         </p:nvSpPr>
-        <p:spPr/>
+        <p:spPr>
+          <a:xfrm>
+            <a:off x="1142999" y="89164"/>
+            <a:ext cx="9905999" cy="1360898"/>
+          </a:xfrm>
+        </p:spPr>
         <p:txBody>
           <a:bodyPr/>
           <a:lstStyle/>
           <a:p>
+            <a:pPr algn="ctr"/>
             <a:r>
               <a:rPr lang="en-US" dirty="0">
                 <a:latin typeface="Times New Roman" panose="02020603050405020304" pitchFamily="18" charset="0"/>
                 <a:cs typeface="Times New Roman" panose="02020603050405020304" pitchFamily="18" charset="0"/>
               </a:rPr>
-              <a:t>Conclusion</a:t>
+              <a:t>A/B Testing On Sentiment Analysis</a:t>
             </a:r>
           </a:p>
         </p:txBody>
@@ -6381,7 +7353,7 @@
           <p:cNvPr id="3" name="Content Placeholder 2">
             <a:extLst>
               <a:ext uri="{FF2B5EF4-FFF2-40B4-BE49-F238E27FC236}">
-                <a16:creationId xmlns:a16="http://schemas.microsoft.com/office/drawing/2014/main" id="{D3948882-BFC6-51B0-8BA3-55421DC01397}"/>
+                <a16:creationId xmlns:a16="http://schemas.microsoft.com/office/drawing/2014/main" id="{1D51122B-7748-FD4A-30BE-F5A8C8480BE6}"/>
               </a:ext>
             </a:extLst>
           </p:cNvPr>
@@ -6392,54 +7364,130 @@
             <p:ph idx="1"/>
           </p:nvPr>
         </p:nvSpPr>
-        <p:spPr/>
+        <p:spPr>
+          <a:xfrm>
+            <a:off x="1142999" y="1254340"/>
+            <a:ext cx="9905999" cy="4830774"/>
+          </a:xfrm>
+        </p:spPr>
         <p:txBody>
           <a:bodyPr>
-            <a:normAutofit/>
+            <a:normAutofit fontScale="85000" lnSpcReduction="10000"/>
           </a:bodyPr>
           <a:lstStyle/>
           <a:p>
             <a:r>
-              <a:rPr lang="en-US" sz="1800" dirty="0">
-                <a:latin typeface="Times New Roman" panose="02020603050405020304" pitchFamily="18" charset="0"/>
-                <a:cs typeface="Times New Roman" panose="02020603050405020304" pitchFamily="18" charset="0"/>
-              </a:rPr>
-              <a:t>We use labeling functions in our everyday lives!</a:t>
-            </a:r>
-          </a:p>
-          <a:p>
-            <a:r>
-              <a:rPr lang="en-US" sz="1800" dirty="0">
-                <a:latin typeface="Times New Roman" panose="02020603050405020304" pitchFamily="18" charset="0"/>
-                <a:cs typeface="Times New Roman" panose="02020603050405020304" pitchFamily="18" charset="0"/>
-              </a:rPr>
-              <a:t>When we harness multiple powerful modeling techniques with these relatively simple primitive fundamental forms, complex and daunting language processing challenges become simpler and more realistic to understand. </a:t>
-            </a:r>
-          </a:p>
-          <a:p>
-            <a:r>
-              <a:rPr lang="en-US" sz="1800" dirty="0">
-                <a:latin typeface="Times New Roman" panose="02020603050405020304" pitchFamily="18" charset="0"/>
-                <a:cs typeface="Times New Roman" panose="02020603050405020304" pitchFamily="18" charset="0"/>
-              </a:rPr>
-              <a:t>We successfully utilized many of these NLP and NN modeling techniques and created a Bias Estimator and Analyzer of Sentiment Tendency (BEAST) Engine capable of generating a bias score and sentiment levels comparable to that of VADER’s sentiment analyzer. </a:t>
-            </a:r>
-          </a:p>
-          <a:p>
-            <a:r>
-              <a:rPr lang="en-US" sz="1800" dirty="0">
-                <a:latin typeface="Times New Roman" panose="02020603050405020304" pitchFamily="18" charset="0"/>
-                <a:cs typeface="Times New Roman" panose="02020603050405020304" pitchFamily="18" charset="0"/>
-              </a:rPr>
-              <a:t>Stakeholders interested in this research include product managers, app developers, customer service leads, etc. </a:t>
-            </a:r>
+              <a:rPr lang="en-US" dirty="0">
+                <a:latin typeface="Times New Roman" panose="02020603050405020304" pitchFamily="18" charset="0"/>
+                <a:cs typeface="Times New Roman" panose="02020603050405020304" pitchFamily="18" charset="0"/>
+              </a:rPr>
+              <a:t>Mann-Whitney U test instead of t-test as these values are not normally distributed</a:t>
+            </a:r>
+          </a:p>
+          <a:p>
+            <a:r>
+              <a:rPr lang="en-US" dirty="0">
+                <a:latin typeface="Times New Roman" panose="02020603050405020304" pitchFamily="18" charset="0"/>
+                <a:cs typeface="Times New Roman" panose="02020603050405020304" pitchFamily="18" charset="0"/>
+              </a:rPr>
+              <a:t>BEAST Sentiment Analyzer to tell different between Opinion versus non-opinion section with only a 10 % chance of being incorrect… (</a:t>
+            </a:r>
+            <a:r>
+              <a:rPr lang="el-GR" dirty="0">
+                <a:latin typeface="Times New Roman" panose="02020603050405020304" pitchFamily="18" charset="0"/>
+                <a:cs typeface="Times New Roman" panose="02020603050405020304" pitchFamily="18" charset="0"/>
+              </a:rPr>
+              <a:t>α= 0.1). </a:t>
+            </a:r>
+            <a:endParaRPr lang="en-US" dirty="0">
+              <a:latin typeface="Times New Roman" panose="02020603050405020304" pitchFamily="18" charset="0"/>
+              <a:cs typeface="Times New Roman" panose="02020603050405020304" pitchFamily="18" charset="0"/>
+            </a:endParaRPr>
+          </a:p>
+          <a:p>
+            <a:r>
+              <a:rPr lang="en-US" b="0" i="0" dirty="0">
+                <a:effectLst/>
+                <a:latin typeface="Times New Roman" panose="02020603050405020304" pitchFamily="18" charset="0"/>
+                <a:cs typeface="Times New Roman" panose="02020603050405020304" pitchFamily="18" charset="0"/>
+              </a:rPr>
+              <a:t>P-value: 0.947 Fail to reject the null hypothesis. There is no significant difference between Opinion and non-Opinion groups.</a:t>
+            </a:r>
+            <a:endParaRPr lang="el-GR" b="0" i="0" dirty="0">
+              <a:effectLst/>
+              <a:latin typeface="Times New Roman" panose="02020603050405020304" pitchFamily="18" charset="0"/>
+              <a:cs typeface="Times New Roman" panose="02020603050405020304" pitchFamily="18" charset="0"/>
+            </a:endParaRPr>
+          </a:p>
+          <a:p>
+            <a:r>
+              <a:rPr lang="en-US" dirty="0">
+                <a:latin typeface="Times New Roman" panose="02020603050405020304" pitchFamily="18" charset="0"/>
+                <a:cs typeface="Times New Roman" panose="02020603050405020304" pitchFamily="18" charset="0"/>
+              </a:rPr>
+              <a:t>Vader Sentiment Analyzer to tell different between Opinion versus non-opinion section with only a 10 % chance of being incorrect… (</a:t>
+            </a:r>
+            <a:r>
+              <a:rPr lang="el-GR" dirty="0">
+                <a:latin typeface="Times New Roman" panose="02020603050405020304" pitchFamily="18" charset="0"/>
+                <a:cs typeface="Times New Roman" panose="02020603050405020304" pitchFamily="18" charset="0"/>
+              </a:rPr>
+              <a:t>α= 0.1). </a:t>
+            </a:r>
+            <a:endParaRPr lang="en-US" dirty="0">
+              <a:latin typeface="Times New Roman" panose="02020603050405020304" pitchFamily="18" charset="0"/>
+              <a:cs typeface="Times New Roman" panose="02020603050405020304" pitchFamily="18" charset="0"/>
+            </a:endParaRPr>
+          </a:p>
+          <a:p>
+            <a:r>
+              <a:rPr lang="en-US" b="0" i="0" dirty="0">
+                <a:effectLst/>
+                <a:latin typeface="Times New Roman" panose="02020603050405020304" pitchFamily="18" charset="0"/>
+                <a:cs typeface="Times New Roman" panose="02020603050405020304" pitchFamily="18" charset="0"/>
+              </a:rPr>
+              <a:t>P-value: 0.520</a:t>
+            </a:r>
+          </a:p>
+          <a:p>
+            <a:r>
+              <a:rPr lang="en-US" dirty="0">
+                <a:latin typeface="Times New Roman" panose="02020603050405020304" pitchFamily="18" charset="0"/>
+                <a:cs typeface="Times New Roman" panose="02020603050405020304" pitchFamily="18" charset="0"/>
+              </a:rPr>
+              <a:t>Look at absolute difference between BEAST and VADER sentiment levels…</a:t>
+            </a:r>
+          </a:p>
+          <a:p>
+            <a:r>
+              <a:rPr lang="en-US" b="0" i="0" dirty="0">
+                <a:effectLst/>
+                <a:latin typeface="Times New Roman" panose="02020603050405020304" pitchFamily="18" charset="0"/>
+                <a:cs typeface="Times New Roman" panose="02020603050405020304" pitchFamily="18" charset="0"/>
+              </a:rPr>
+              <a:t>P-value: 0.0976</a:t>
+            </a:r>
+          </a:p>
+          <a:p>
+            <a:r>
+              <a:rPr lang="en-US" b="0" i="0" dirty="0">
+                <a:effectLst/>
+                <a:latin typeface="Times New Roman" panose="02020603050405020304" pitchFamily="18" charset="0"/>
+                <a:cs typeface="Times New Roman" panose="02020603050405020304" pitchFamily="18" charset="0"/>
+              </a:rPr>
+              <a:t>Reject the null hypothesis. There is a significant difference. Thus, by looking at BEAST and VADER absolute sentiment level differences we may distinguish between Opinion section articles and non-Opinion section articles with under a 10% chance of being incorrect, less than our binary classification model!</a:t>
+            </a:r>
+            <a:endParaRPr lang="en-US" dirty="0">
+              <a:latin typeface="Times New Roman" panose="02020603050405020304" pitchFamily="18" charset="0"/>
+              <a:cs typeface="Times New Roman" panose="02020603050405020304" pitchFamily="18" charset="0"/>
+            </a:endParaRPr>
           </a:p>
         </p:txBody>
       </p:sp>
     </p:spTree>
     <p:extLst>
       <p:ext uri="{BB962C8B-B14F-4D97-AF65-F5344CB8AC3E}">
-        <p14:creationId xmlns:p14="http://schemas.microsoft.com/office/powerpoint/2010/main" val="4181538902"/>
+        <p14:creationId xmlns:p14="http://schemas.microsoft.com/office/powerpoint/2010/main" val="2666455541"/>
       </p:ext>
     </p:extLst>
   </p:cSld>
@@ -6471,7 +7519,7 @@
           <p:cNvPr id="2" name="Title 1">
             <a:extLst>
               <a:ext uri="{FF2B5EF4-FFF2-40B4-BE49-F238E27FC236}">
-                <a16:creationId xmlns:a16="http://schemas.microsoft.com/office/drawing/2014/main" id="{CF398215-AA8A-CBC0-EA1B-BB0A5A58BCA8}"/>
+                <a16:creationId xmlns:a16="http://schemas.microsoft.com/office/drawing/2014/main" id="{E568FC30-8B85-FDF8-AB85-F42AE8053BD6}"/>
               </a:ext>
             </a:extLst>
           </p:cNvPr>
@@ -6482,12 +7530,7 @@
             <p:ph type="title"/>
           </p:nvPr>
         </p:nvSpPr>
-        <p:spPr>
-          <a:xfrm>
-            <a:off x="1142999" y="-128551"/>
-            <a:ext cx="9905999" cy="1360898"/>
-          </a:xfrm>
-        </p:spPr>
+        <p:spPr/>
         <p:txBody>
           <a:bodyPr/>
           <a:lstStyle/>
@@ -6497,7 +7540,7 @@
                 <a:latin typeface="Times New Roman" panose="02020603050405020304" pitchFamily="18" charset="0"/>
                 <a:cs typeface="Times New Roman" panose="02020603050405020304" pitchFamily="18" charset="0"/>
               </a:rPr>
-              <a:t>References</a:t>
+              <a:t>Recommendations and Guidance</a:t>
             </a:r>
           </a:p>
         </p:txBody>
@@ -6507,7 +7550,7 @@
           <p:cNvPr id="3" name="Content Placeholder 2">
             <a:extLst>
               <a:ext uri="{FF2B5EF4-FFF2-40B4-BE49-F238E27FC236}">
-                <a16:creationId xmlns:a16="http://schemas.microsoft.com/office/drawing/2014/main" id="{4771F892-389C-2465-81F9-343BF0577482}"/>
+                <a16:creationId xmlns:a16="http://schemas.microsoft.com/office/drawing/2014/main" id="{A4374351-9E2A-DEE3-317F-E48DB8696262}"/>
               </a:ext>
             </a:extLst>
           </p:cNvPr>
@@ -6518,311 +7561,87 @@
             <p:ph idx="1"/>
           </p:nvPr>
         </p:nvSpPr>
-        <p:spPr>
-          <a:xfrm>
-            <a:off x="1143000" y="1232347"/>
-            <a:ext cx="9905999" cy="4666797"/>
-          </a:xfrm>
-        </p:spPr>
+        <p:spPr/>
         <p:txBody>
           <a:bodyPr>
-            <a:noAutofit/>
+            <a:normAutofit lnSpcReduction="10000"/>
           </a:bodyPr>
           <a:lstStyle/>
           <a:p>
             <a:r>
-              <a:rPr lang="en-US" sz="1400" b="0" dirty="0">
-                <a:effectLst/>
-                <a:latin typeface="Times New Roman" panose="02020603050405020304" pitchFamily="18" charset="0"/>
-                <a:cs typeface="Times New Roman" panose="02020603050405020304" pitchFamily="18" charset="0"/>
-              </a:rPr>
-              <a:t>`API` Documentation from `NYT`: </a:t>
-            </a:r>
-            <a:r>
-              <a:rPr lang="en-US" sz="1400" b="0" dirty="0">
-                <a:effectLst/>
-                <a:latin typeface="Times New Roman" panose="02020603050405020304" pitchFamily="18" charset="0"/>
-                <a:cs typeface="Times New Roman" panose="02020603050405020304" pitchFamily="18" charset="0"/>
-                <a:hlinkClick r:id="rId2"/>
-              </a:rPr>
-              <a:t>https://developer.nytimes.com/apis</a:t>
-            </a:r>
-            <a:endParaRPr lang="en-US" sz="1400" b="0" dirty="0">
-              <a:effectLst/>
+              <a:rPr lang="en-US" dirty="0">
+                <a:latin typeface="Times New Roman" panose="02020603050405020304" pitchFamily="18" charset="0"/>
+                <a:cs typeface="Times New Roman" panose="02020603050405020304" pitchFamily="18" charset="0"/>
+              </a:rPr>
+              <a:t>Develop labeling functions and other word encoding algorithms for further optimization.</a:t>
+            </a:r>
+          </a:p>
+          <a:p>
+            <a:pPr indent="0">
+              <a:buNone/>
+            </a:pPr>
+            <a:r>
+              <a:rPr lang="en-US" dirty="0">
+                <a:latin typeface="Times New Roman" panose="02020603050405020304" pitchFamily="18" charset="0"/>
+                <a:cs typeface="Times New Roman" panose="02020603050405020304" pitchFamily="18" charset="0"/>
+              </a:rPr>
+              <a:t>	Hand Label a greater expanse of samples to acquire more detailed and 		meaningful Snorkel summary statistics. </a:t>
+            </a:r>
+          </a:p>
+          <a:p>
+            <a:r>
+              <a:rPr lang="en-US" dirty="0">
+                <a:latin typeface="Times New Roman" panose="02020603050405020304" pitchFamily="18" charset="0"/>
+                <a:cs typeface="Times New Roman" panose="02020603050405020304" pitchFamily="18" charset="0"/>
+              </a:rPr>
+              <a:t>Continue to advance hardware capabilities to develop Neural Network models further.</a:t>
+            </a:r>
+          </a:p>
+          <a:p>
+            <a:pPr lvl="2" indent="0">
+              <a:buNone/>
+            </a:pPr>
+            <a:r>
+              <a:rPr lang="en-US" sz="2000" i="0" dirty="0">
+                <a:latin typeface="Times New Roman" panose="02020603050405020304" pitchFamily="18" charset="0"/>
+                <a:cs typeface="Times New Roman" panose="02020603050405020304" pitchFamily="18" charset="0"/>
+              </a:rPr>
+              <a:t>    	Switch to Microsoft and NVIDIA GPU.</a:t>
+            </a:r>
+          </a:p>
+          <a:p>
+            <a:pPr lvl="1"/>
+            <a:endParaRPr lang="en-US" sz="2600" i="0" dirty="0">
               <a:latin typeface="Times New Roman" panose="02020603050405020304" pitchFamily="18" charset="0"/>
               <a:cs typeface="Times New Roman" panose="02020603050405020304" pitchFamily="18" charset="0"/>
             </a:endParaRPr>
           </a:p>
           <a:p>
-            <a:r>
-              <a:rPr lang="en-US" sz="1400" b="0" dirty="0">
-                <a:solidFill>
-                  <a:srgbClr val="00B050"/>
-                </a:solidFill>
-                <a:effectLst/>
-                <a:latin typeface="Times New Roman" panose="02020603050405020304" pitchFamily="18" charset="0"/>
-                <a:cs typeface="Times New Roman" panose="02020603050405020304" pitchFamily="18" charset="0"/>
-              </a:rPr>
-              <a:t>Code for </a:t>
-            </a:r>
-            <a:r>
-              <a:rPr lang="en-US" sz="1400" b="0" dirty="0" err="1">
-                <a:solidFill>
-                  <a:srgbClr val="00B050"/>
-                </a:solidFill>
-                <a:effectLst/>
-                <a:latin typeface="Times New Roman" panose="02020603050405020304" pitchFamily="18" charset="0"/>
-                <a:cs typeface="Times New Roman" panose="02020603050405020304" pitchFamily="18" charset="0"/>
-              </a:rPr>
-              <a:t>Webscraping</a:t>
-            </a:r>
-            <a:r>
-              <a:rPr lang="en-US" sz="1400" b="0" dirty="0">
-                <a:solidFill>
-                  <a:srgbClr val="00B050"/>
-                </a:solidFill>
-                <a:effectLst/>
-                <a:latin typeface="Times New Roman" panose="02020603050405020304" pitchFamily="18" charset="0"/>
-                <a:cs typeface="Times New Roman" panose="02020603050405020304" pitchFamily="18" charset="0"/>
-              </a:rPr>
-              <a:t> adapted from fellow </a:t>
-            </a:r>
-            <a:r>
-              <a:rPr lang="en-US" sz="1400" b="0" dirty="0" err="1">
-                <a:solidFill>
-                  <a:srgbClr val="00B050"/>
-                </a:solidFill>
-                <a:effectLst/>
-                <a:latin typeface="Times New Roman" panose="02020603050405020304" pitchFamily="18" charset="0"/>
-                <a:cs typeface="Times New Roman" panose="02020603050405020304" pitchFamily="18" charset="0"/>
-              </a:rPr>
-              <a:t>coursemate's</a:t>
-            </a:r>
-            <a:r>
-              <a:rPr lang="en-US" sz="1400" b="0" dirty="0">
-                <a:solidFill>
-                  <a:srgbClr val="00B050"/>
-                </a:solidFill>
-                <a:effectLst/>
-                <a:latin typeface="Times New Roman" panose="02020603050405020304" pitchFamily="18" charset="0"/>
-                <a:cs typeface="Times New Roman" panose="02020603050405020304" pitchFamily="18" charset="0"/>
-              </a:rPr>
-              <a:t> group project, with their permission this code was included in the pipeline for this project.</a:t>
-            </a:r>
-          </a:p>
-          <a:p>
-            <a:r>
-              <a:rPr lang="en-US" sz="1400" b="0" dirty="0">
-                <a:effectLst/>
-                <a:latin typeface="Times New Roman" panose="02020603050405020304" pitchFamily="18" charset="0"/>
-                <a:cs typeface="Times New Roman" panose="02020603050405020304" pitchFamily="18" charset="0"/>
-              </a:rPr>
-              <a:t>Snorkel documentation for Cohen Kappa Score labeling: </a:t>
-            </a:r>
-            <a:r>
-              <a:rPr lang="en-US" sz="1400" b="0" dirty="0">
-                <a:effectLst/>
-                <a:latin typeface="Times New Roman" panose="02020603050405020304" pitchFamily="18" charset="0"/>
-                <a:cs typeface="Times New Roman" panose="02020603050405020304" pitchFamily="18" charset="0"/>
-                <a:hlinkClick r:id="rId3"/>
-              </a:rPr>
-              <a:t>https://www.snorkel.org</a:t>
-            </a:r>
-            <a:endParaRPr lang="en-US" sz="1400" b="0" dirty="0">
-              <a:effectLst/>
+            <a:pPr indent="0" algn="ctr">
+              <a:buNone/>
+            </a:pPr>
+            <a:r>
+              <a:rPr lang="en-US" b="1" dirty="0">
+                <a:solidFill>
+                  <a:srgbClr val="FF0000"/>
+                </a:solidFill>
+                <a:latin typeface="Times New Roman" panose="02020603050405020304" pitchFamily="18" charset="0"/>
+                <a:cs typeface="Times New Roman" panose="02020603050405020304" pitchFamily="18" charset="0"/>
+              </a:rPr>
+              <a:t>Apply these labeling functions to other well-defined problems such as customer service evaluations, prescription drug side-effect forms, crowd surfing surveys, etc.</a:t>
+            </a:r>
+            <a:endParaRPr lang="en-US" b="1" i="0" dirty="0">
+              <a:solidFill>
+                <a:srgbClr val="FF0000"/>
+              </a:solidFill>
               <a:latin typeface="Times New Roman" panose="02020603050405020304" pitchFamily="18" charset="0"/>
               <a:cs typeface="Times New Roman" panose="02020603050405020304" pitchFamily="18" charset="0"/>
             </a:endParaRPr>
           </a:p>
           <a:p>
-            <a:r>
-              <a:rPr lang="en-US" sz="1400" b="0" dirty="0">
-                <a:effectLst/>
-                <a:latin typeface="Times New Roman" panose="02020603050405020304" pitchFamily="18" charset="0"/>
-                <a:cs typeface="Times New Roman" panose="02020603050405020304" pitchFamily="18" charset="0"/>
-              </a:rPr>
-              <a:t>Pew Center Article on Bias: </a:t>
-            </a:r>
-            <a:r>
-              <a:rPr lang="en-US" sz="1400" b="0" dirty="0">
-                <a:effectLst/>
-                <a:latin typeface="Times New Roman" panose="02020603050405020304" pitchFamily="18" charset="0"/>
-                <a:cs typeface="Times New Roman" panose="02020603050405020304" pitchFamily="18" charset="0"/>
-                <a:hlinkClick r:id="rId4"/>
-              </a:rPr>
-              <a:t>https://www.pewresearch.org/internet/2017/10/19/the-future-of-truth-and-misinformation-online</a:t>
-            </a:r>
-            <a:endParaRPr lang="en-US" sz="1400" b="0" dirty="0">
-              <a:effectLst/>
-              <a:latin typeface="Times New Roman" panose="02020603050405020304" pitchFamily="18" charset="0"/>
-              <a:cs typeface="Times New Roman" panose="02020603050405020304" pitchFamily="18" charset="0"/>
-            </a:endParaRPr>
-          </a:p>
-          <a:p>
-            <a:r>
-              <a:rPr lang="en-US" sz="1400" b="0" dirty="0">
-                <a:effectLst/>
-                <a:latin typeface="Times New Roman" panose="02020603050405020304" pitchFamily="18" charset="0"/>
-                <a:cs typeface="Times New Roman" panose="02020603050405020304" pitchFamily="18" charset="0"/>
-              </a:rPr>
-              <a:t>VADER Documentation: </a:t>
-            </a:r>
-            <a:r>
-              <a:rPr lang="en-US" sz="1400" b="0" dirty="0">
-                <a:effectLst/>
-                <a:latin typeface="Times New Roman" panose="02020603050405020304" pitchFamily="18" charset="0"/>
-                <a:cs typeface="Times New Roman" panose="02020603050405020304" pitchFamily="18" charset="0"/>
-                <a:hlinkClick r:id="rId5"/>
-              </a:rPr>
-              <a:t>https://vadersentiment.readthedocs.io</a:t>
-            </a:r>
-            <a:endParaRPr lang="en-US" sz="1400" b="0" dirty="0">
-              <a:effectLst/>
-              <a:latin typeface="Times New Roman" panose="02020603050405020304" pitchFamily="18" charset="0"/>
-              <a:cs typeface="Times New Roman" panose="02020603050405020304" pitchFamily="18" charset="0"/>
-            </a:endParaRPr>
-          </a:p>
-          <a:p>
-            <a:r>
-              <a:rPr lang="en-US" sz="1400" b="0" dirty="0">
-                <a:effectLst/>
-                <a:latin typeface="Times New Roman" panose="02020603050405020304" pitchFamily="18" charset="0"/>
-                <a:cs typeface="Times New Roman" panose="02020603050405020304" pitchFamily="18" charset="0"/>
-              </a:rPr>
-              <a:t>Kaggle GPU Documentation: </a:t>
-            </a:r>
-            <a:r>
-              <a:rPr lang="en-US" sz="1400" b="0" dirty="0">
-                <a:effectLst/>
-                <a:latin typeface="Times New Roman" panose="02020603050405020304" pitchFamily="18" charset="0"/>
-                <a:cs typeface="Times New Roman" panose="02020603050405020304" pitchFamily="18" charset="0"/>
-                <a:hlinkClick r:id="rId6"/>
-              </a:rPr>
-              <a:t>https://www.kaggle.com/code/dansbecker/running-kaggle-kernels-with-a-gpu</a:t>
-            </a:r>
-            <a:endParaRPr lang="en-US" sz="1400" b="0" dirty="0">
-              <a:effectLst/>
-              <a:latin typeface="Times New Roman" panose="02020603050405020304" pitchFamily="18" charset="0"/>
-              <a:cs typeface="Times New Roman" panose="02020603050405020304" pitchFamily="18" charset="0"/>
-            </a:endParaRPr>
-          </a:p>
-          <a:p>
-            <a:r>
-              <a:rPr lang="en-US" sz="1400" b="0" dirty="0">
-                <a:effectLst/>
-                <a:latin typeface="Times New Roman" panose="02020603050405020304" pitchFamily="18" charset="0"/>
-                <a:cs typeface="Times New Roman" panose="02020603050405020304" pitchFamily="18" charset="0"/>
-              </a:rPr>
-              <a:t>CBOW/Skip Gram: </a:t>
-            </a:r>
-            <a:r>
-              <a:rPr lang="en-US" sz="1400" b="0" dirty="0">
-                <a:effectLst/>
-                <a:latin typeface="Times New Roman" panose="02020603050405020304" pitchFamily="18" charset="0"/>
-                <a:cs typeface="Times New Roman" panose="02020603050405020304" pitchFamily="18" charset="0"/>
-                <a:hlinkClick r:id="rId7"/>
-              </a:rPr>
-              <a:t>https://towardsdatascience.com/understanding-feature-engineering-part-4-deep-learning-methods-for-text-data-96c44370bbfa</a:t>
-            </a:r>
-            <a:endParaRPr lang="en-US" sz="1400" b="0" dirty="0">
-              <a:effectLst/>
-              <a:latin typeface="Times New Roman" panose="02020603050405020304" pitchFamily="18" charset="0"/>
-              <a:cs typeface="Times New Roman" panose="02020603050405020304" pitchFamily="18" charset="0"/>
-            </a:endParaRPr>
-          </a:p>
-          <a:p>
-            <a:r>
-              <a:rPr lang="en-US" sz="1400" b="0" dirty="0">
-                <a:effectLst/>
-                <a:latin typeface="Times New Roman" panose="02020603050405020304" pitchFamily="18" charset="0"/>
-                <a:cs typeface="Times New Roman" panose="02020603050405020304" pitchFamily="18" charset="0"/>
-              </a:rPr>
-              <a:t>CBOW/</a:t>
-            </a:r>
-            <a:r>
-              <a:rPr lang="en-US" sz="1400" b="0" dirty="0" err="1">
-                <a:effectLst/>
-                <a:latin typeface="Times New Roman" panose="02020603050405020304" pitchFamily="18" charset="0"/>
-                <a:cs typeface="Times New Roman" panose="02020603050405020304" pitchFamily="18" charset="0"/>
-              </a:rPr>
-              <a:t>SKip</a:t>
-            </a:r>
-            <a:r>
-              <a:rPr lang="en-US" sz="1400" b="0" dirty="0">
-                <a:effectLst/>
-                <a:latin typeface="Times New Roman" panose="02020603050405020304" pitchFamily="18" charset="0"/>
-                <a:cs typeface="Times New Roman" panose="02020603050405020304" pitchFamily="18" charset="0"/>
-              </a:rPr>
-              <a:t> Gram: </a:t>
-            </a:r>
-            <a:r>
-              <a:rPr lang="en-US" sz="1400" b="0" dirty="0">
-                <a:effectLst/>
-                <a:latin typeface="Times New Roman" panose="02020603050405020304" pitchFamily="18" charset="0"/>
-                <a:cs typeface="Times New Roman" panose="02020603050405020304" pitchFamily="18" charset="0"/>
-                <a:hlinkClick r:id="rId8"/>
-              </a:rPr>
-              <a:t>https://medium.com/@dube.aditya8/word2vec-skip-gram-cbow-b5e802b00390</a:t>
-            </a:r>
-            <a:endParaRPr lang="en-US" sz="1400" b="0" dirty="0">
-              <a:effectLst/>
-              <a:latin typeface="Times New Roman" panose="02020603050405020304" pitchFamily="18" charset="0"/>
-              <a:cs typeface="Times New Roman" panose="02020603050405020304" pitchFamily="18" charset="0"/>
-            </a:endParaRPr>
-          </a:p>
-          <a:p>
-            <a:r>
-              <a:rPr lang="en-US" sz="1400" b="0" dirty="0">
-                <a:effectLst/>
-                <a:latin typeface="Times New Roman" panose="02020603050405020304" pitchFamily="18" charset="0"/>
-                <a:cs typeface="Times New Roman" panose="02020603050405020304" pitchFamily="18" charset="0"/>
-              </a:rPr>
-              <a:t>KDE Plot Documentation: </a:t>
-            </a:r>
-            <a:r>
-              <a:rPr lang="en-US" sz="1400" b="0" dirty="0">
-                <a:effectLst/>
-                <a:latin typeface="Times New Roman" panose="02020603050405020304" pitchFamily="18" charset="0"/>
-                <a:cs typeface="Times New Roman" panose="02020603050405020304" pitchFamily="18" charset="0"/>
-                <a:hlinkClick r:id="rId9"/>
-              </a:rPr>
-              <a:t>https://seaborn.pydata.org/generated/seaborn.kdeplot.html</a:t>
-            </a:r>
-            <a:endParaRPr lang="en-US" sz="1400" b="0" dirty="0">
-              <a:effectLst/>
-              <a:latin typeface="Times New Roman" panose="02020603050405020304" pitchFamily="18" charset="0"/>
-              <a:cs typeface="Times New Roman" panose="02020603050405020304" pitchFamily="18" charset="0"/>
-            </a:endParaRPr>
-          </a:p>
-          <a:p>
-            <a:r>
-              <a:rPr lang="en-US" sz="1400" dirty="0">
-                <a:latin typeface="Times New Roman" panose="02020603050405020304" pitchFamily="18" charset="0"/>
-                <a:cs typeface="Times New Roman" panose="02020603050405020304" pitchFamily="18" charset="0"/>
-              </a:rPr>
-              <a:t>Quantum Neural Networks: </a:t>
-            </a:r>
-            <a:r>
-              <a:rPr lang="en-US" sz="1400" dirty="0">
-                <a:latin typeface="Times New Roman" panose="02020603050405020304" pitchFamily="18" charset="0"/>
-                <a:cs typeface="Times New Roman" panose="02020603050405020304" pitchFamily="18" charset="0"/>
-                <a:hlinkClick r:id="rId10"/>
-              </a:rPr>
-              <a:t>https://openreview.net/pdf?id=ZLKaNvYFfjd</a:t>
-            </a:r>
-            <a:endParaRPr lang="en-US" sz="1400" dirty="0">
-              <a:latin typeface="Times New Roman" panose="02020603050405020304" pitchFamily="18" charset="0"/>
-              <a:cs typeface="Times New Roman" panose="02020603050405020304" pitchFamily="18" charset="0"/>
-            </a:endParaRPr>
-          </a:p>
-          <a:p>
-            <a:endParaRPr lang="en-US" b="0" dirty="0">
-              <a:effectLst/>
-              <a:latin typeface="Times New Roman" panose="02020603050405020304" pitchFamily="18" charset="0"/>
-              <a:cs typeface="Times New Roman" panose="02020603050405020304" pitchFamily="18" charset="0"/>
-            </a:endParaRPr>
-          </a:p>
-          <a:p>
+            <a:pPr marL="0" indent="0">
+              <a:buNone/>
+            </a:pPr>
             <a:endParaRPr lang="en-US" dirty="0">
               <a:latin typeface="Times New Roman" panose="02020603050405020304" pitchFamily="18" charset="0"/>
               <a:cs typeface="Times New Roman" panose="02020603050405020304" pitchFamily="18" charset="0"/>
@@ -6833,7 +7652,99 @@
     </p:spTree>
     <p:extLst>
       <p:ext uri="{BB962C8B-B14F-4D97-AF65-F5344CB8AC3E}">
-        <p14:creationId xmlns:p14="http://schemas.microsoft.com/office/powerpoint/2010/main" val="743514107"/>
+        <p14:creationId xmlns:p14="http://schemas.microsoft.com/office/powerpoint/2010/main" val="4207199468"/>
+      </p:ext>
+    </p:extLst>
+  </p:cSld>
+  <p:clrMapOvr>
+    <a:masterClrMapping/>
+  </p:clrMapOvr>
+</p:sld>
+</file>
+
+<file path=ppt/slides/slide19.xml><?xml version="1.0" encoding="utf-8"?>
+<p:sld xmlns:a="http://schemas.openxmlformats.org/drawingml/2006/main" xmlns:r="http://schemas.openxmlformats.org/officeDocument/2006/relationships" xmlns:p="http://schemas.openxmlformats.org/presentationml/2006/main">
+  <p:cSld>
+    <p:spTree>
+      <p:nvGrpSpPr>
+        <p:cNvPr id="1" name=""/>
+        <p:cNvGrpSpPr/>
+        <p:nvPr/>
+      </p:nvGrpSpPr>
+      <p:grpSpPr>
+        <a:xfrm>
+          <a:off x="0" y="0"/>
+          <a:ext cx="0" cy="0"/>
+          <a:chOff x="0" y="0"/>
+          <a:chExt cx="0" cy="0"/>
+        </a:xfrm>
+      </p:grpSpPr>
+      <p:sp>
+        <p:nvSpPr>
+          <p:cNvPr id="2" name="Title 1">
+            <a:extLst>
+              <a:ext uri="{FF2B5EF4-FFF2-40B4-BE49-F238E27FC236}">
+                <a16:creationId xmlns:a16="http://schemas.microsoft.com/office/drawing/2014/main" id="{00AC1E3A-6835-16A0-6E5A-E26C908FD143}"/>
+              </a:ext>
+            </a:extLst>
+          </p:cNvPr>
+          <p:cNvSpPr>
+            <a:spLocks noGrp="1"/>
+          </p:cNvSpPr>
+          <p:nvPr>
+            <p:ph type="title"/>
+          </p:nvPr>
+        </p:nvSpPr>
+        <p:spPr/>
+        <p:txBody>
+          <a:bodyPr/>
+          <a:lstStyle/>
+          <a:p>
+            <a:r>
+              <a:rPr lang="en-US" dirty="0">
+                <a:latin typeface="Times New Roman" panose="02020603050405020304" pitchFamily="18" charset="0"/>
+                <a:cs typeface="Times New Roman" panose="02020603050405020304" pitchFamily="18" charset="0"/>
+              </a:rPr>
+              <a:t>Peering Into the Future</a:t>
+            </a:r>
+          </a:p>
+        </p:txBody>
+      </p:sp>
+      <p:sp>
+        <p:nvSpPr>
+          <p:cNvPr id="3" name="Content Placeholder 2">
+            <a:extLst>
+              <a:ext uri="{FF2B5EF4-FFF2-40B4-BE49-F238E27FC236}">
+                <a16:creationId xmlns:a16="http://schemas.microsoft.com/office/drawing/2014/main" id="{7EAA7B9E-0F18-9EA3-A7FC-C3B72D13CCEC}"/>
+              </a:ext>
+            </a:extLst>
+          </p:cNvPr>
+          <p:cNvSpPr>
+            <a:spLocks noGrp="1"/>
+          </p:cNvSpPr>
+          <p:nvPr>
+            <p:ph idx="1"/>
+          </p:nvPr>
+        </p:nvSpPr>
+        <p:spPr/>
+        <p:txBody>
+          <a:bodyPr/>
+          <a:lstStyle/>
+          <a:p>
+            <a:r>
+              <a:rPr lang="en-US" dirty="0">
+                <a:latin typeface="Times New Roman" panose="02020603050405020304" pitchFamily="18" charset="0"/>
+                <a:cs typeface="Times New Roman" panose="02020603050405020304" pitchFamily="18" charset="0"/>
+              </a:rPr>
+              <a:t>Instead of binary Word2Vec labeling, qubits (0 or 1 quantum superposition principle) exhibit entanglement and calculate BIASED or UNBIASED labels in effective real-time response. </a:t>
+            </a:r>
+          </a:p>
+        </p:txBody>
+      </p:sp>
+    </p:spTree>
+    <p:extLst>
+      <p:ext uri="{BB962C8B-B14F-4D97-AF65-F5344CB8AC3E}">
+        <p14:creationId xmlns:p14="http://schemas.microsoft.com/office/powerpoint/2010/main" val="1648180415"/>
       </p:ext>
     </p:extLst>
   </p:cSld>
@@ -7011,6 +7922,521 @@
     <p:extLst>
       <p:ext uri="{BB962C8B-B14F-4D97-AF65-F5344CB8AC3E}">
         <p14:creationId xmlns:p14="http://schemas.microsoft.com/office/powerpoint/2010/main" val="3622950148"/>
+      </p:ext>
+    </p:extLst>
+  </p:cSld>
+  <p:clrMapOvr>
+    <a:masterClrMapping/>
+  </p:clrMapOvr>
+</p:sld>
+</file>
+
+<file path=ppt/slides/slide20.xml><?xml version="1.0" encoding="utf-8"?>
+<p:sld xmlns:a="http://schemas.openxmlformats.org/drawingml/2006/main" xmlns:r="http://schemas.openxmlformats.org/officeDocument/2006/relationships" xmlns:p="http://schemas.openxmlformats.org/presentationml/2006/main">
+  <p:cSld>
+    <p:spTree>
+      <p:nvGrpSpPr>
+        <p:cNvPr id="1" name=""/>
+        <p:cNvGrpSpPr/>
+        <p:nvPr/>
+      </p:nvGrpSpPr>
+      <p:grpSpPr>
+        <a:xfrm>
+          <a:off x="0" y="0"/>
+          <a:ext cx="0" cy="0"/>
+          <a:chOff x="0" y="0"/>
+          <a:chExt cx="0" cy="0"/>
+        </a:xfrm>
+      </p:grpSpPr>
+      <p:sp>
+        <p:nvSpPr>
+          <p:cNvPr id="2" name="Title 1">
+            <a:extLst>
+              <a:ext uri="{FF2B5EF4-FFF2-40B4-BE49-F238E27FC236}">
+                <a16:creationId xmlns:a16="http://schemas.microsoft.com/office/drawing/2014/main" id="{23737E6A-5CEF-EB8F-7484-1E88444C3D6D}"/>
+              </a:ext>
+            </a:extLst>
+          </p:cNvPr>
+          <p:cNvSpPr>
+            <a:spLocks noGrp="1"/>
+          </p:cNvSpPr>
+          <p:nvPr>
+            <p:ph type="title"/>
+          </p:nvPr>
+        </p:nvSpPr>
+        <p:spPr/>
+        <p:txBody>
+          <a:bodyPr/>
+          <a:lstStyle/>
+          <a:p>
+            <a:r>
+              <a:rPr lang="en-US" dirty="0">
+                <a:latin typeface="Times New Roman" panose="02020603050405020304" pitchFamily="18" charset="0"/>
+                <a:cs typeface="Times New Roman" panose="02020603050405020304" pitchFamily="18" charset="0"/>
+              </a:rPr>
+              <a:t>Conclusion</a:t>
+            </a:r>
+          </a:p>
+        </p:txBody>
+      </p:sp>
+      <p:sp>
+        <p:nvSpPr>
+          <p:cNvPr id="3" name="Content Placeholder 2">
+            <a:extLst>
+              <a:ext uri="{FF2B5EF4-FFF2-40B4-BE49-F238E27FC236}">
+                <a16:creationId xmlns:a16="http://schemas.microsoft.com/office/drawing/2014/main" id="{D3948882-BFC6-51B0-8BA3-55421DC01397}"/>
+              </a:ext>
+            </a:extLst>
+          </p:cNvPr>
+          <p:cNvSpPr>
+            <a:spLocks noGrp="1"/>
+          </p:cNvSpPr>
+          <p:nvPr>
+            <p:ph idx="1"/>
+          </p:nvPr>
+        </p:nvSpPr>
+        <p:spPr/>
+        <p:txBody>
+          <a:bodyPr>
+            <a:normAutofit/>
+          </a:bodyPr>
+          <a:lstStyle/>
+          <a:p>
+            <a:r>
+              <a:rPr lang="en-US" sz="1800" dirty="0">
+                <a:latin typeface="Times New Roman" panose="02020603050405020304" pitchFamily="18" charset="0"/>
+                <a:cs typeface="Times New Roman" panose="02020603050405020304" pitchFamily="18" charset="0"/>
+              </a:rPr>
+              <a:t>We use labeling functions in our everyday lives!</a:t>
+            </a:r>
+          </a:p>
+          <a:p>
+            <a:r>
+              <a:rPr lang="en-US" sz="1800" dirty="0">
+                <a:latin typeface="Times New Roman" panose="02020603050405020304" pitchFamily="18" charset="0"/>
+                <a:cs typeface="Times New Roman" panose="02020603050405020304" pitchFamily="18" charset="0"/>
+              </a:rPr>
+              <a:t>When we harness multiple powerful modeling techniques with these relatively simple primitive fundamental forms, complex and daunting language processing challenges become simpler and more realistic to understand. </a:t>
+            </a:r>
+          </a:p>
+          <a:p>
+            <a:r>
+              <a:rPr lang="en-US" sz="1800" dirty="0">
+                <a:latin typeface="Times New Roman" panose="02020603050405020304" pitchFamily="18" charset="0"/>
+                <a:cs typeface="Times New Roman" panose="02020603050405020304" pitchFamily="18" charset="0"/>
+              </a:rPr>
+              <a:t>We successfully utilized many of these NLP and NN modeling techniques and created a Bias Estimator and Analyzer of Sentiment Tendency (BEAST) Engine capable of generating a bias score and sentiment levels comparable to that of VADER’s sentiment analyzer. </a:t>
+            </a:r>
+          </a:p>
+          <a:p>
+            <a:r>
+              <a:rPr lang="en-US" sz="1800" dirty="0">
+                <a:latin typeface="Times New Roman" panose="02020603050405020304" pitchFamily="18" charset="0"/>
+                <a:cs typeface="Times New Roman" panose="02020603050405020304" pitchFamily="18" charset="0"/>
+              </a:rPr>
+              <a:t>Stakeholders interested in this research include product managers, app developers, customer service leads, etc. </a:t>
+            </a:r>
+          </a:p>
+        </p:txBody>
+      </p:sp>
+    </p:spTree>
+    <p:extLst>
+      <p:ext uri="{BB962C8B-B14F-4D97-AF65-F5344CB8AC3E}">
+        <p14:creationId xmlns:p14="http://schemas.microsoft.com/office/powerpoint/2010/main" val="4181538902"/>
+      </p:ext>
+    </p:extLst>
+  </p:cSld>
+  <p:clrMapOvr>
+    <a:masterClrMapping/>
+  </p:clrMapOvr>
+</p:sld>
+</file>
+
+<file path=ppt/slides/slide21.xml><?xml version="1.0" encoding="utf-8"?>
+<p:sld xmlns:a="http://schemas.openxmlformats.org/drawingml/2006/main" xmlns:r="http://schemas.openxmlformats.org/officeDocument/2006/relationships" xmlns:p="http://schemas.openxmlformats.org/presentationml/2006/main">
+  <p:cSld>
+    <p:spTree>
+      <p:nvGrpSpPr>
+        <p:cNvPr id="1" name=""/>
+        <p:cNvGrpSpPr/>
+        <p:nvPr/>
+      </p:nvGrpSpPr>
+      <p:grpSpPr>
+        <a:xfrm>
+          <a:off x="0" y="0"/>
+          <a:ext cx="0" cy="0"/>
+          <a:chOff x="0" y="0"/>
+          <a:chExt cx="0" cy="0"/>
+        </a:xfrm>
+      </p:grpSpPr>
+      <p:sp>
+        <p:nvSpPr>
+          <p:cNvPr id="2" name="Title 1">
+            <a:extLst>
+              <a:ext uri="{FF2B5EF4-FFF2-40B4-BE49-F238E27FC236}">
+                <a16:creationId xmlns:a16="http://schemas.microsoft.com/office/drawing/2014/main" id="{CF398215-AA8A-CBC0-EA1B-BB0A5A58BCA8}"/>
+              </a:ext>
+            </a:extLst>
+          </p:cNvPr>
+          <p:cNvSpPr>
+            <a:spLocks noGrp="1"/>
+          </p:cNvSpPr>
+          <p:nvPr>
+            <p:ph type="title"/>
+          </p:nvPr>
+        </p:nvSpPr>
+        <p:spPr>
+          <a:xfrm>
+            <a:off x="1142999" y="-128551"/>
+            <a:ext cx="9905999" cy="1360898"/>
+          </a:xfrm>
+        </p:spPr>
+        <p:txBody>
+          <a:bodyPr/>
+          <a:lstStyle/>
+          <a:p>
+            <a:r>
+              <a:rPr lang="en-US" dirty="0">
+                <a:latin typeface="Times New Roman" panose="02020603050405020304" pitchFamily="18" charset="0"/>
+                <a:cs typeface="Times New Roman" panose="02020603050405020304" pitchFamily="18" charset="0"/>
+              </a:rPr>
+              <a:t>References</a:t>
+            </a:r>
+          </a:p>
+        </p:txBody>
+      </p:sp>
+      <p:sp>
+        <p:nvSpPr>
+          <p:cNvPr id="3" name="Content Placeholder 2">
+            <a:extLst>
+              <a:ext uri="{FF2B5EF4-FFF2-40B4-BE49-F238E27FC236}">
+                <a16:creationId xmlns:a16="http://schemas.microsoft.com/office/drawing/2014/main" id="{4771F892-389C-2465-81F9-343BF0577482}"/>
+              </a:ext>
+            </a:extLst>
+          </p:cNvPr>
+          <p:cNvSpPr>
+            <a:spLocks noGrp="1"/>
+          </p:cNvSpPr>
+          <p:nvPr>
+            <p:ph idx="1"/>
+          </p:nvPr>
+        </p:nvSpPr>
+        <p:spPr>
+          <a:xfrm>
+            <a:off x="1143000" y="1232347"/>
+            <a:ext cx="9905999" cy="4666797"/>
+          </a:xfrm>
+        </p:spPr>
+        <p:txBody>
+          <a:bodyPr>
+            <a:noAutofit/>
+          </a:bodyPr>
+          <a:lstStyle/>
+          <a:p>
+            <a:r>
+              <a:rPr lang="en-US" sz="1400" b="0" dirty="0">
+                <a:effectLst/>
+                <a:latin typeface="Times New Roman" panose="02020603050405020304" pitchFamily="18" charset="0"/>
+                <a:cs typeface="Times New Roman" panose="02020603050405020304" pitchFamily="18" charset="0"/>
+              </a:rPr>
+              <a:t>`API` Documentation from `NYT`: </a:t>
+            </a:r>
+            <a:r>
+              <a:rPr lang="en-US" sz="1400" b="0" dirty="0">
+                <a:effectLst/>
+                <a:latin typeface="Times New Roman" panose="02020603050405020304" pitchFamily="18" charset="0"/>
+                <a:cs typeface="Times New Roman" panose="02020603050405020304" pitchFamily="18" charset="0"/>
+                <a:hlinkClick r:id="rId2"/>
+              </a:rPr>
+              <a:t>https://developer.nytimes.com/apis</a:t>
+            </a:r>
+            <a:endParaRPr lang="en-US" sz="1400" b="0" dirty="0">
+              <a:effectLst/>
+              <a:latin typeface="Times New Roman" panose="02020603050405020304" pitchFamily="18" charset="0"/>
+              <a:cs typeface="Times New Roman" panose="02020603050405020304" pitchFamily="18" charset="0"/>
+            </a:endParaRPr>
+          </a:p>
+          <a:p>
+            <a:r>
+              <a:rPr lang="en-US" sz="1400" b="0" dirty="0">
+                <a:solidFill>
+                  <a:srgbClr val="00B050"/>
+                </a:solidFill>
+                <a:effectLst/>
+                <a:latin typeface="Times New Roman" panose="02020603050405020304" pitchFamily="18" charset="0"/>
+                <a:cs typeface="Times New Roman" panose="02020603050405020304" pitchFamily="18" charset="0"/>
+              </a:rPr>
+              <a:t>Code for </a:t>
+            </a:r>
+            <a:r>
+              <a:rPr lang="en-US" sz="1400" b="0" dirty="0" err="1">
+                <a:solidFill>
+                  <a:srgbClr val="00B050"/>
+                </a:solidFill>
+                <a:effectLst/>
+                <a:latin typeface="Times New Roman" panose="02020603050405020304" pitchFamily="18" charset="0"/>
+                <a:cs typeface="Times New Roman" panose="02020603050405020304" pitchFamily="18" charset="0"/>
+              </a:rPr>
+              <a:t>Webscraping</a:t>
+            </a:r>
+            <a:r>
+              <a:rPr lang="en-US" sz="1400" b="0" dirty="0">
+                <a:solidFill>
+                  <a:srgbClr val="00B050"/>
+                </a:solidFill>
+                <a:effectLst/>
+                <a:latin typeface="Times New Roman" panose="02020603050405020304" pitchFamily="18" charset="0"/>
+                <a:cs typeface="Times New Roman" panose="02020603050405020304" pitchFamily="18" charset="0"/>
+              </a:rPr>
+              <a:t> adapted from fellow </a:t>
+            </a:r>
+            <a:r>
+              <a:rPr lang="en-US" sz="1400" b="0" dirty="0" err="1">
+                <a:solidFill>
+                  <a:srgbClr val="00B050"/>
+                </a:solidFill>
+                <a:effectLst/>
+                <a:latin typeface="Times New Roman" panose="02020603050405020304" pitchFamily="18" charset="0"/>
+                <a:cs typeface="Times New Roman" panose="02020603050405020304" pitchFamily="18" charset="0"/>
+              </a:rPr>
+              <a:t>coursemate's</a:t>
+            </a:r>
+            <a:r>
+              <a:rPr lang="en-US" sz="1400" b="0" dirty="0">
+                <a:solidFill>
+                  <a:srgbClr val="00B050"/>
+                </a:solidFill>
+                <a:effectLst/>
+                <a:latin typeface="Times New Roman" panose="02020603050405020304" pitchFamily="18" charset="0"/>
+                <a:cs typeface="Times New Roman" panose="02020603050405020304" pitchFamily="18" charset="0"/>
+              </a:rPr>
+              <a:t> group project, with their permission this code was included in the pipeline for this project.</a:t>
+            </a:r>
+          </a:p>
+          <a:p>
+            <a:r>
+              <a:rPr lang="en-US" sz="1400" b="0" dirty="0">
+                <a:effectLst/>
+                <a:latin typeface="Times New Roman" panose="02020603050405020304" pitchFamily="18" charset="0"/>
+                <a:cs typeface="Times New Roman" panose="02020603050405020304" pitchFamily="18" charset="0"/>
+              </a:rPr>
+              <a:t>Snorkel documentation for Cohen Kappa Score labeling: </a:t>
+            </a:r>
+            <a:r>
+              <a:rPr lang="en-US" sz="1400" b="0" dirty="0">
+                <a:effectLst/>
+                <a:latin typeface="Times New Roman" panose="02020603050405020304" pitchFamily="18" charset="0"/>
+                <a:cs typeface="Times New Roman" panose="02020603050405020304" pitchFamily="18" charset="0"/>
+                <a:hlinkClick r:id="rId3"/>
+              </a:rPr>
+              <a:t>https://www.snorkel.org</a:t>
+            </a:r>
+            <a:endParaRPr lang="en-US" sz="1400" b="0" dirty="0">
+              <a:effectLst/>
+              <a:latin typeface="Times New Roman" panose="02020603050405020304" pitchFamily="18" charset="0"/>
+              <a:cs typeface="Times New Roman" panose="02020603050405020304" pitchFamily="18" charset="0"/>
+            </a:endParaRPr>
+          </a:p>
+          <a:p>
+            <a:r>
+              <a:rPr lang="en-US" sz="1400" b="0" dirty="0">
+                <a:effectLst/>
+                <a:latin typeface="Times New Roman" panose="02020603050405020304" pitchFamily="18" charset="0"/>
+                <a:cs typeface="Times New Roman" panose="02020603050405020304" pitchFamily="18" charset="0"/>
+              </a:rPr>
+              <a:t>Pew Center Article on Bias: </a:t>
+            </a:r>
+            <a:r>
+              <a:rPr lang="en-US" sz="1400" b="0" dirty="0">
+                <a:effectLst/>
+                <a:latin typeface="Times New Roman" panose="02020603050405020304" pitchFamily="18" charset="0"/>
+                <a:cs typeface="Times New Roman" panose="02020603050405020304" pitchFamily="18" charset="0"/>
+                <a:hlinkClick r:id="rId4"/>
+              </a:rPr>
+              <a:t>https://www.pewresearch.org/internet/2017/10/19/the-future-of-truth-and-misinformation-online</a:t>
+            </a:r>
+            <a:endParaRPr lang="en-US" sz="1400" b="0" dirty="0">
+              <a:effectLst/>
+              <a:latin typeface="Times New Roman" panose="02020603050405020304" pitchFamily="18" charset="0"/>
+              <a:cs typeface="Times New Roman" panose="02020603050405020304" pitchFamily="18" charset="0"/>
+            </a:endParaRPr>
+          </a:p>
+          <a:p>
+            <a:r>
+              <a:rPr lang="en-US" sz="1400" b="0" dirty="0">
+                <a:effectLst/>
+                <a:latin typeface="Times New Roman" panose="02020603050405020304" pitchFamily="18" charset="0"/>
+                <a:cs typeface="Times New Roman" panose="02020603050405020304" pitchFamily="18" charset="0"/>
+              </a:rPr>
+              <a:t>VADER Documentation: </a:t>
+            </a:r>
+            <a:r>
+              <a:rPr lang="en-US" sz="1400" b="0" dirty="0">
+                <a:effectLst/>
+                <a:latin typeface="Times New Roman" panose="02020603050405020304" pitchFamily="18" charset="0"/>
+                <a:cs typeface="Times New Roman" panose="02020603050405020304" pitchFamily="18" charset="0"/>
+                <a:hlinkClick r:id="rId5"/>
+              </a:rPr>
+              <a:t>https://vadersentiment.readthedocs.io</a:t>
+            </a:r>
+            <a:endParaRPr lang="en-US" sz="1400" b="0" dirty="0">
+              <a:effectLst/>
+              <a:latin typeface="Times New Roman" panose="02020603050405020304" pitchFamily="18" charset="0"/>
+              <a:cs typeface="Times New Roman" panose="02020603050405020304" pitchFamily="18" charset="0"/>
+            </a:endParaRPr>
+          </a:p>
+          <a:p>
+            <a:r>
+              <a:rPr lang="en-US" sz="1400" b="0" dirty="0">
+                <a:effectLst/>
+                <a:latin typeface="Times New Roman" panose="02020603050405020304" pitchFamily="18" charset="0"/>
+                <a:cs typeface="Times New Roman" panose="02020603050405020304" pitchFamily="18" charset="0"/>
+              </a:rPr>
+              <a:t>Kaggle GPU Documentation: </a:t>
+            </a:r>
+            <a:r>
+              <a:rPr lang="en-US" sz="1400" b="0" dirty="0">
+                <a:effectLst/>
+                <a:latin typeface="Times New Roman" panose="02020603050405020304" pitchFamily="18" charset="0"/>
+                <a:cs typeface="Times New Roman" panose="02020603050405020304" pitchFamily="18" charset="0"/>
+                <a:hlinkClick r:id="rId6"/>
+              </a:rPr>
+              <a:t>https://www.kaggle.com/code/dansbecker/running-kaggle-kernels-with-a-gpu</a:t>
+            </a:r>
+            <a:endParaRPr lang="en-US" sz="1400" b="0" dirty="0">
+              <a:effectLst/>
+              <a:latin typeface="Times New Roman" panose="02020603050405020304" pitchFamily="18" charset="0"/>
+              <a:cs typeface="Times New Roman" panose="02020603050405020304" pitchFamily="18" charset="0"/>
+            </a:endParaRPr>
+          </a:p>
+          <a:p>
+            <a:r>
+              <a:rPr lang="en-US" sz="1400" b="0" dirty="0">
+                <a:effectLst/>
+                <a:latin typeface="Times New Roman" panose="02020603050405020304" pitchFamily="18" charset="0"/>
+                <a:cs typeface="Times New Roman" panose="02020603050405020304" pitchFamily="18" charset="0"/>
+              </a:rPr>
+              <a:t>CBOW/Skip Gram: </a:t>
+            </a:r>
+            <a:r>
+              <a:rPr lang="en-US" sz="1400" b="0" dirty="0">
+                <a:effectLst/>
+                <a:latin typeface="Times New Roman" panose="02020603050405020304" pitchFamily="18" charset="0"/>
+                <a:cs typeface="Times New Roman" panose="02020603050405020304" pitchFamily="18" charset="0"/>
+                <a:hlinkClick r:id="rId7"/>
+              </a:rPr>
+              <a:t>https://towardsdatascience.com/understanding-feature-engineering-part-4-deep-learning-methods-for-text-data-96c44370bbfa</a:t>
+            </a:r>
+            <a:endParaRPr lang="en-US" sz="1400" b="0" dirty="0">
+              <a:effectLst/>
+              <a:latin typeface="Times New Roman" panose="02020603050405020304" pitchFamily="18" charset="0"/>
+              <a:cs typeface="Times New Roman" panose="02020603050405020304" pitchFamily="18" charset="0"/>
+            </a:endParaRPr>
+          </a:p>
+          <a:p>
+            <a:r>
+              <a:rPr lang="en-US" sz="1400" b="0" dirty="0">
+                <a:effectLst/>
+                <a:latin typeface="Times New Roman" panose="02020603050405020304" pitchFamily="18" charset="0"/>
+                <a:cs typeface="Times New Roman" panose="02020603050405020304" pitchFamily="18" charset="0"/>
+              </a:rPr>
+              <a:t>CBOW/</a:t>
+            </a:r>
+            <a:r>
+              <a:rPr lang="en-US" sz="1400" b="0" dirty="0" err="1">
+                <a:effectLst/>
+                <a:latin typeface="Times New Roman" panose="02020603050405020304" pitchFamily="18" charset="0"/>
+                <a:cs typeface="Times New Roman" panose="02020603050405020304" pitchFamily="18" charset="0"/>
+              </a:rPr>
+              <a:t>SKip</a:t>
+            </a:r>
+            <a:r>
+              <a:rPr lang="en-US" sz="1400" b="0" dirty="0">
+                <a:effectLst/>
+                <a:latin typeface="Times New Roman" panose="02020603050405020304" pitchFamily="18" charset="0"/>
+                <a:cs typeface="Times New Roman" panose="02020603050405020304" pitchFamily="18" charset="0"/>
+              </a:rPr>
+              <a:t> Gram: </a:t>
+            </a:r>
+            <a:r>
+              <a:rPr lang="en-US" sz="1400" b="0" dirty="0">
+                <a:effectLst/>
+                <a:latin typeface="Times New Roman" panose="02020603050405020304" pitchFamily="18" charset="0"/>
+                <a:cs typeface="Times New Roman" panose="02020603050405020304" pitchFamily="18" charset="0"/>
+                <a:hlinkClick r:id="rId8"/>
+              </a:rPr>
+              <a:t>https://medium.com/@dube.aditya8/word2vec-skip-gram-cbow-b5e802b00390</a:t>
+            </a:r>
+            <a:endParaRPr lang="en-US" sz="1400" b="0" dirty="0">
+              <a:effectLst/>
+              <a:latin typeface="Times New Roman" panose="02020603050405020304" pitchFamily="18" charset="0"/>
+              <a:cs typeface="Times New Roman" panose="02020603050405020304" pitchFamily="18" charset="0"/>
+            </a:endParaRPr>
+          </a:p>
+          <a:p>
+            <a:r>
+              <a:rPr lang="en-US" sz="1400" b="0" dirty="0">
+                <a:effectLst/>
+                <a:latin typeface="Times New Roman" panose="02020603050405020304" pitchFamily="18" charset="0"/>
+                <a:cs typeface="Times New Roman" panose="02020603050405020304" pitchFamily="18" charset="0"/>
+              </a:rPr>
+              <a:t>KDE Plot Documentation: </a:t>
+            </a:r>
+            <a:r>
+              <a:rPr lang="en-US" sz="1400" b="0" dirty="0">
+                <a:effectLst/>
+                <a:latin typeface="Times New Roman" panose="02020603050405020304" pitchFamily="18" charset="0"/>
+                <a:cs typeface="Times New Roman" panose="02020603050405020304" pitchFamily="18" charset="0"/>
+                <a:hlinkClick r:id="rId9"/>
+              </a:rPr>
+              <a:t>https://seaborn.pydata.org/generated/seaborn.kdeplot.html</a:t>
+            </a:r>
+            <a:endParaRPr lang="en-US" sz="1400" b="0" dirty="0">
+              <a:effectLst/>
+              <a:latin typeface="Times New Roman" panose="02020603050405020304" pitchFamily="18" charset="0"/>
+              <a:cs typeface="Times New Roman" panose="02020603050405020304" pitchFamily="18" charset="0"/>
+            </a:endParaRPr>
+          </a:p>
+          <a:p>
+            <a:r>
+              <a:rPr lang="en-US" sz="1400" dirty="0">
+                <a:latin typeface="Times New Roman" panose="02020603050405020304" pitchFamily="18" charset="0"/>
+                <a:cs typeface="Times New Roman" panose="02020603050405020304" pitchFamily="18" charset="0"/>
+              </a:rPr>
+              <a:t>Quantum Neural Networks: </a:t>
+            </a:r>
+            <a:r>
+              <a:rPr lang="en-US" sz="1400" dirty="0">
+                <a:latin typeface="Times New Roman" panose="02020603050405020304" pitchFamily="18" charset="0"/>
+                <a:cs typeface="Times New Roman" panose="02020603050405020304" pitchFamily="18" charset="0"/>
+                <a:hlinkClick r:id="rId10"/>
+              </a:rPr>
+              <a:t>https://openreview.net/pdf?id=ZLKaNvYFfjd</a:t>
+            </a:r>
+            <a:endParaRPr lang="en-US" sz="1400" dirty="0">
+              <a:latin typeface="Times New Roman" panose="02020603050405020304" pitchFamily="18" charset="0"/>
+              <a:cs typeface="Times New Roman" panose="02020603050405020304" pitchFamily="18" charset="0"/>
+            </a:endParaRPr>
+          </a:p>
+          <a:p>
+            <a:endParaRPr lang="en-US" b="0" dirty="0">
+              <a:effectLst/>
+              <a:latin typeface="Times New Roman" panose="02020603050405020304" pitchFamily="18" charset="0"/>
+              <a:cs typeface="Times New Roman" panose="02020603050405020304" pitchFamily="18" charset="0"/>
+            </a:endParaRPr>
+          </a:p>
+          <a:p>
+            <a:endParaRPr lang="en-US" dirty="0">
+              <a:latin typeface="Times New Roman" panose="02020603050405020304" pitchFamily="18" charset="0"/>
+              <a:cs typeface="Times New Roman" panose="02020603050405020304" pitchFamily="18" charset="0"/>
+            </a:endParaRPr>
+          </a:p>
+        </p:txBody>
+      </p:sp>
+    </p:spTree>
+    <p:extLst>
+      <p:ext uri="{BB962C8B-B14F-4D97-AF65-F5344CB8AC3E}">
+        <p14:creationId xmlns:p14="http://schemas.microsoft.com/office/powerpoint/2010/main" val="743514107"/>
       </p:ext>
     </p:extLst>
   </p:cSld>
